--- a/PSCONFEU_Modules2017.pptx
+++ b/PSCONFEU_Modules2017.pptx
@@ -6,10 +6,10 @@
     <p:sldMasterId id="2147483809" r:id="rId2"/>
   </p:sldMasterIdLst>
   <p:notesMasterIdLst>
-    <p:notesMasterId r:id="rId14"/>
+    <p:notesMasterId r:id="rId16"/>
   </p:notesMasterIdLst>
   <p:handoutMasterIdLst>
-    <p:handoutMasterId r:id="rId15"/>
+    <p:handoutMasterId r:id="rId17"/>
   </p:handoutMasterIdLst>
   <p:sldIdLst>
     <p:sldId id="316" r:id="rId3"/>
@@ -17,12 +17,14 @@
     <p:sldId id="281" r:id="rId5"/>
     <p:sldId id="319" r:id="rId6"/>
     <p:sldId id="318" r:id="rId7"/>
-    <p:sldId id="310" r:id="rId8"/>
-    <p:sldId id="317" r:id="rId9"/>
-    <p:sldId id="302" r:id="rId10"/>
-    <p:sldId id="313" r:id="rId11"/>
-    <p:sldId id="314" r:id="rId12"/>
-    <p:sldId id="312" r:id="rId13"/>
+    <p:sldId id="320" r:id="rId8"/>
+    <p:sldId id="321" r:id="rId9"/>
+    <p:sldId id="310" r:id="rId10"/>
+    <p:sldId id="317" r:id="rId11"/>
+    <p:sldId id="302" r:id="rId12"/>
+    <p:sldId id="313" r:id="rId13"/>
+    <p:sldId id="314" r:id="rId14"/>
+    <p:sldId id="312" r:id="rId15"/>
   </p:sldIdLst>
   <p:sldSz cx="9144000" cy="6858000" type="screen4x3"/>
   <p:notesSz cx="7099300" cy="10234613"/>
@@ -4304,6 +4306,475 @@
             <p:ph type="title"/>
           </p:nvPr>
         </p:nvSpPr>
+        <p:spPr>
+          <a:xfrm>
+            <a:off x="0" y="908720"/>
+            <a:ext cx="9144000" cy="792088"/>
+          </a:xfrm>
+          <a:prstGeom prst="rect">
+            <a:avLst/>
+          </a:prstGeom>
+        </p:spPr>
+        <p:txBody>
+          <a:bodyPr/>
+          <a:lstStyle/>
+          <a:p>
+            <a:r>
+              <a:rPr lang="de-DE" dirty="0"/>
+              <a:t>Summary</a:t>
+            </a:r>
+          </a:p>
+        </p:txBody>
+      </p:sp>
+      <p:sp>
+        <p:nvSpPr>
+          <p:cNvPr id="3" name="Inhaltsplatzhalter 2"/>
+          <p:cNvSpPr>
+            <a:spLocks noGrp="1"/>
+          </p:cNvSpPr>
+          <p:nvPr>
+            <p:ph idx="1"/>
+          </p:nvPr>
+        </p:nvSpPr>
+        <p:spPr/>
+        <p:txBody>
+          <a:bodyPr/>
+          <a:lstStyle/>
+          <a:p>
+            <a:r>
+              <a:rPr lang="de-DE" dirty="0"/>
+              <a:t>Be a </a:t>
+            </a:r>
+            <a:r>
+              <a:rPr lang="de-DE" dirty="0" err="1"/>
+              <a:t>good</a:t>
+            </a:r>
+            <a:r>
+              <a:rPr lang="de-DE" dirty="0"/>
+              <a:t> </a:t>
+            </a:r>
+            <a:r>
+              <a:rPr lang="de-DE" dirty="0" err="1"/>
+              <a:t>citizen</a:t>
+            </a:r>
+            <a:r>
+              <a:rPr lang="de-DE" dirty="0"/>
+              <a:t> in </a:t>
+            </a:r>
+            <a:r>
+              <a:rPr lang="de-DE" dirty="0" err="1"/>
+              <a:t>the</a:t>
+            </a:r>
+            <a:r>
+              <a:rPr lang="de-DE" dirty="0"/>
+              <a:t> </a:t>
+            </a:r>
+            <a:r>
+              <a:rPr lang="de-DE" dirty="0" err="1"/>
+              <a:t>eco</a:t>
+            </a:r>
+            <a:r>
+              <a:rPr lang="de-DE" dirty="0"/>
+              <a:t>-system</a:t>
+            </a:r>
+          </a:p>
+          <a:p>
+            <a:r>
+              <a:rPr lang="de-DE" dirty="0"/>
+              <a:t>Try </a:t>
+            </a:r>
+            <a:r>
+              <a:rPr lang="de-DE" dirty="0" err="1"/>
+              <a:t>to</a:t>
+            </a:r>
+            <a:r>
+              <a:rPr lang="de-DE" dirty="0"/>
+              <a:t> </a:t>
+            </a:r>
+            <a:r>
+              <a:rPr lang="de-DE" dirty="0" err="1"/>
+              <a:t>walk</a:t>
+            </a:r>
+            <a:r>
+              <a:rPr lang="de-DE" dirty="0"/>
+              <a:t> a </a:t>
+            </a:r>
+            <a:r>
+              <a:rPr lang="de-DE" dirty="0" err="1"/>
+              <a:t>mile</a:t>
+            </a:r>
+            <a:r>
+              <a:rPr lang="de-DE" dirty="0"/>
+              <a:t> in </a:t>
+            </a:r>
+            <a:r>
+              <a:rPr lang="de-DE" dirty="0" err="1"/>
+              <a:t>your</a:t>
+            </a:r>
+            <a:r>
+              <a:rPr lang="de-DE" dirty="0"/>
+              <a:t> </a:t>
+            </a:r>
+            <a:r>
+              <a:rPr lang="de-DE" dirty="0" err="1"/>
+              <a:t>users</a:t>
+            </a:r>
+            <a:r>
+              <a:rPr lang="de-DE" dirty="0"/>
+              <a:t> </a:t>
+            </a:r>
+            <a:r>
+              <a:rPr lang="de-DE" dirty="0" err="1"/>
+              <a:t>shoes</a:t>
+            </a:r>
+            <a:endParaRPr lang="de-DE" dirty="0"/>
+          </a:p>
+        </p:txBody>
+      </p:sp>
+    </p:spTree>
+    <p:extLst>
+      <p:ext uri="{BB962C8B-B14F-4D97-AF65-F5344CB8AC3E}">
+        <p14:creationId xmlns:p14="http://schemas.microsoft.com/office/powerpoint/2010/main" val="3109724331"/>
+      </p:ext>
+    </p:extLst>
+  </p:cSld>
+  <p:clrMapOvr>
+    <a:masterClrMapping/>
+  </p:clrMapOvr>
+  <mc:AlternateContent xmlns:mc="http://schemas.openxmlformats.org/markup-compatibility/2006" xmlns:p14="http://schemas.microsoft.com/office/powerpoint/2010/main">
+    <mc:Choice Requires="p14">
+      <p:transition spd="med" p14:dur="700">
+        <p:fade/>
+      </p:transition>
+    </mc:Choice>
+    <mc:Fallback xmlns="">
+      <p:transition spd="med">
+        <p:fade/>
+      </p:transition>
+    </mc:Fallback>
+  </mc:AlternateContent>
+</p:sld>
+</file>
+
+<file path=ppt/slides/slide11.xml><?xml version="1.0" encoding="utf-8"?>
+<p:sld xmlns:a="http://schemas.openxmlformats.org/drawingml/2006/main" xmlns:r="http://schemas.openxmlformats.org/officeDocument/2006/relationships" xmlns:p="http://schemas.openxmlformats.org/presentationml/2006/main">
+  <p:cSld>
+    <p:spTree>
+      <p:nvGrpSpPr>
+        <p:cNvPr id="1" name=""/>
+        <p:cNvGrpSpPr/>
+        <p:nvPr/>
+      </p:nvGrpSpPr>
+      <p:grpSpPr>
+        <a:xfrm>
+          <a:off x="0" y="0"/>
+          <a:ext cx="0" cy="0"/>
+          <a:chOff x="0" y="0"/>
+          <a:chExt cx="0" cy="0"/>
+        </a:xfrm>
+      </p:grpSpPr>
+      <p:sp>
+        <p:nvSpPr>
+          <p:cNvPr id="2" name="Inhaltsplatzhalter 1"/>
+          <p:cNvSpPr>
+            <a:spLocks noGrp="1"/>
+          </p:cNvSpPr>
+          <p:nvPr>
+            <p:ph idx="1"/>
+          </p:nvPr>
+        </p:nvSpPr>
+        <p:spPr/>
+        <p:txBody>
+          <a:bodyPr/>
+          <a:lstStyle/>
+          <a:p>
+            <a:r>
+              <a:rPr lang="de-DE" dirty="0" err="1"/>
+              <a:t>Now</a:t>
+            </a:r>
+            <a:r>
+              <a:rPr lang="de-DE" dirty="0"/>
+              <a:t>: 15 min break</a:t>
+            </a:r>
+          </a:p>
+          <a:p>
+            <a:endParaRPr lang="de-DE" dirty="0"/>
+          </a:p>
+          <a:p>
+            <a:r>
+              <a:rPr lang="de-DE" dirty="0"/>
+              <a:t>Grab a </a:t>
+            </a:r>
+            <a:r>
+              <a:rPr lang="de-DE" dirty="0" err="1"/>
+              <a:t>coffee</a:t>
+            </a:r>
+            <a:endParaRPr lang="de-DE" dirty="0"/>
+          </a:p>
+          <a:p>
+            <a:r>
+              <a:rPr lang="de-DE" dirty="0" err="1"/>
+              <a:t>Stay</a:t>
+            </a:r>
+            <a:r>
+              <a:rPr lang="de-DE" dirty="0"/>
+              <a:t> </a:t>
+            </a:r>
+            <a:r>
+              <a:rPr lang="de-DE" dirty="0" err="1"/>
+              <a:t>here</a:t>
+            </a:r>
+            <a:r>
+              <a:rPr lang="de-DE" dirty="0"/>
+              <a:t> </a:t>
+            </a:r>
+            <a:r>
+              <a:rPr lang="de-DE" dirty="0" err="1"/>
+              <a:t>to</a:t>
+            </a:r>
+            <a:r>
+              <a:rPr lang="de-DE" dirty="0"/>
+              <a:t> </a:t>
+            </a:r>
+            <a:r>
+              <a:rPr lang="de-DE" dirty="0" err="1"/>
+              <a:t>enjoy</a:t>
+            </a:r>
+            <a:r>
+              <a:rPr lang="de-DE" dirty="0"/>
+              <a:t> </a:t>
+            </a:r>
+            <a:r>
+              <a:rPr lang="de-DE" dirty="0" err="1"/>
+              <a:t>next</a:t>
+            </a:r>
+            <a:r>
+              <a:rPr lang="de-DE" dirty="0"/>
+              <a:t> </a:t>
+            </a:r>
+            <a:r>
+              <a:rPr lang="de-DE" dirty="0" err="1"/>
+              <a:t>presentation</a:t>
+            </a:r>
+            <a:endParaRPr lang="de-DE" dirty="0"/>
+          </a:p>
+          <a:p>
+            <a:r>
+              <a:rPr lang="de-DE" dirty="0"/>
+              <a:t>Change </a:t>
+            </a:r>
+            <a:r>
+              <a:rPr lang="de-DE" dirty="0" err="1"/>
+              <a:t>track</a:t>
+            </a:r>
+            <a:r>
+              <a:rPr lang="de-DE" dirty="0"/>
+              <a:t> </a:t>
+            </a:r>
+            <a:r>
+              <a:rPr lang="de-DE" dirty="0" err="1"/>
+              <a:t>and</a:t>
+            </a:r>
+            <a:r>
+              <a:rPr lang="de-DE" dirty="0"/>
+              <a:t> </a:t>
+            </a:r>
+            <a:r>
+              <a:rPr lang="de-DE" dirty="0" err="1"/>
+              <a:t>switch</a:t>
+            </a:r>
+            <a:r>
+              <a:rPr lang="de-DE" dirty="0"/>
+              <a:t> </a:t>
+            </a:r>
+            <a:r>
+              <a:rPr lang="de-DE" dirty="0" err="1"/>
+              <a:t>to</a:t>
+            </a:r>
+            <a:r>
+              <a:rPr lang="de-DE" dirty="0"/>
+              <a:t> </a:t>
+            </a:r>
+            <a:r>
+              <a:rPr lang="de-DE" dirty="0" err="1"/>
+              <a:t>another</a:t>
+            </a:r>
+            <a:r>
+              <a:rPr lang="de-DE" dirty="0"/>
+              <a:t> </a:t>
+            </a:r>
+            <a:r>
+              <a:rPr lang="de-DE" dirty="0" err="1"/>
+              <a:t>room</a:t>
+            </a:r>
+            <a:endParaRPr lang="de-DE" dirty="0"/>
+          </a:p>
+          <a:p>
+            <a:endParaRPr lang="de-DE" dirty="0"/>
+          </a:p>
+          <a:p>
+            <a:r>
+              <a:rPr lang="de-DE" dirty="0" err="1"/>
+              <a:t>Ask</a:t>
+            </a:r>
+            <a:r>
+              <a:rPr lang="de-DE" dirty="0"/>
+              <a:t> </a:t>
+            </a:r>
+            <a:r>
+              <a:rPr lang="de-DE" dirty="0" err="1"/>
+              <a:t>me</a:t>
+            </a:r>
+            <a:r>
+              <a:rPr lang="de-DE" dirty="0"/>
+              <a:t> </a:t>
+            </a:r>
+            <a:r>
+              <a:rPr lang="de-DE" dirty="0" err="1"/>
+              <a:t>questions</a:t>
+            </a:r>
+            <a:r>
+              <a:rPr lang="de-DE" dirty="0"/>
+              <a:t> </a:t>
+            </a:r>
+            <a:r>
+              <a:rPr lang="de-DE" dirty="0" err="1"/>
+              <a:t>or</a:t>
+            </a:r>
+            <a:r>
+              <a:rPr lang="de-DE" dirty="0"/>
+              <a:t> </a:t>
+            </a:r>
+            <a:r>
+              <a:rPr lang="de-DE" dirty="0" err="1"/>
+              <a:t>meet</a:t>
+            </a:r>
+            <a:r>
+              <a:rPr lang="de-DE" dirty="0"/>
+              <a:t> </a:t>
+            </a:r>
+            <a:r>
+              <a:rPr lang="de-DE" dirty="0" err="1"/>
+              <a:t>me</a:t>
+            </a:r>
+            <a:r>
+              <a:rPr lang="de-DE" dirty="0"/>
+              <a:t> in a </a:t>
+            </a:r>
+            <a:r>
+              <a:rPr lang="de-DE" dirty="0" err="1"/>
+              <a:t>breakout</a:t>
+            </a:r>
+            <a:r>
+              <a:rPr lang="de-DE" dirty="0"/>
+              <a:t> </a:t>
+            </a:r>
+            <a:r>
+              <a:rPr lang="de-DE" dirty="0" err="1"/>
+              <a:t>session</a:t>
+            </a:r>
+            <a:r>
+              <a:rPr lang="de-DE" dirty="0"/>
+              <a:t> </a:t>
+            </a:r>
+            <a:r>
+              <a:rPr lang="de-DE" dirty="0" err="1"/>
+              <a:t>room</a:t>
+            </a:r>
+            <a:r>
+              <a:rPr lang="de-DE" dirty="0"/>
+              <a:t> </a:t>
+            </a:r>
+            <a:r>
+              <a:rPr lang="de-DE" dirty="0" err="1"/>
+              <a:t>afterwards</a:t>
+            </a:r>
+            <a:endParaRPr lang="de-DE" dirty="0"/>
+          </a:p>
+        </p:txBody>
+      </p:sp>
+      <p:sp>
+        <p:nvSpPr>
+          <p:cNvPr id="3" name="Titel 2"/>
+          <p:cNvSpPr>
+            <a:spLocks noGrp="1"/>
+          </p:cNvSpPr>
+          <p:nvPr>
+            <p:ph type="title"/>
+          </p:nvPr>
+        </p:nvSpPr>
+        <p:spPr/>
+        <p:txBody>
+          <a:bodyPr/>
+          <a:lstStyle/>
+          <a:p>
+            <a:r>
+              <a:rPr lang="de-DE" dirty="0"/>
+              <a:t>Next </a:t>
+            </a:r>
+            <a:r>
+              <a:rPr lang="de-DE" dirty="0" err="1"/>
+              <a:t>Steps</a:t>
+            </a:r>
+            <a:r>
+              <a:rPr lang="de-DE" dirty="0"/>
+              <a:t>...</a:t>
+            </a:r>
+          </a:p>
+        </p:txBody>
+      </p:sp>
+    </p:spTree>
+    <p:extLst>
+      <p:ext uri="{BB962C8B-B14F-4D97-AF65-F5344CB8AC3E}">
+        <p14:creationId xmlns:p14="http://schemas.microsoft.com/office/powerpoint/2010/main" val="3397310615"/>
+      </p:ext>
+    </p:extLst>
+  </p:cSld>
+  <p:clrMapOvr>
+    <a:masterClrMapping/>
+  </p:clrMapOvr>
+  <mc:AlternateContent xmlns:mc="http://schemas.openxmlformats.org/markup-compatibility/2006" xmlns:p14="http://schemas.microsoft.com/office/powerpoint/2010/main">
+    <mc:Choice Requires="p14">
+      <p:transition spd="med" p14:dur="700">
+        <p:fade/>
+      </p:transition>
+    </mc:Choice>
+    <mc:Fallback xmlns="">
+      <p:transition spd="med">
+        <p:fade/>
+      </p:transition>
+    </mc:Fallback>
+  </mc:AlternateContent>
+</p:sld>
+</file>
+
+<file path=ppt/slides/slide12.xml><?xml version="1.0" encoding="utf-8"?>
+<p:sld xmlns:a="http://schemas.openxmlformats.org/drawingml/2006/main" xmlns:r="http://schemas.openxmlformats.org/officeDocument/2006/relationships" xmlns:p="http://schemas.openxmlformats.org/presentationml/2006/main">
+  <p:cSld>
+    <p:spTree>
+      <p:nvGrpSpPr>
+        <p:cNvPr id="1" name=""/>
+        <p:cNvGrpSpPr/>
+        <p:nvPr/>
+      </p:nvGrpSpPr>
+      <p:grpSpPr>
+        <a:xfrm>
+          <a:off x="0" y="0"/>
+          <a:ext cx="0" cy="0"/>
+          <a:chOff x="0" y="0"/>
+          <a:chExt cx="0" cy="0"/>
+        </a:xfrm>
+      </p:grpSpPr>
+      <p:sp>
+        <p:nvSpPr>
+          <p:cNvPr id="2" name="Titel 1"/>
+          <p:cNvSpPr>
+            <a:spLocks noGrp="1"/>
+          </p:cNvSpPr>
+          <p:nvPr>
+            <p:ph type="title"/>
+          </p:nvPr>
+        </p:nvSpPr>
         <p:spPr/>
         <p:txBody>
           <a:bodyPr/>
@@ -4364,7 +4835,7 @@
 </p:sld>
 </file>
 
-<file path=ppt/slides/slide11.xml><?xml version="1.0" encoding="utf-8"?>
+<file path=ppt/slides/slide13.xml><?xml version="1.0" encoding="utf-8"?>
 <p:sld xmlns:a="http://schemas.openxmlformats.org/drawingml/2006/main" xmlns:r="http://schemas.openxmlformats.org/officeDocument/2006/relationships" xmlns:p="http://schemas.openxmlformats.org/presentationml/2006/main">
   <p:cSld>
     <p:spTree>
@@ -7912,13 +8383,13 @@
           <a:lstStyle/>
           <a:p>
             <a:r>
-              <a:rPr lang="sv-SE" dirty="0">
-                <a:effectLst/>
-              </a:rPr>
-              <a:t> </a:t>
-            </a:r>
-            <a:r>
-              <a:rPr lang="sv-SE" sz="1400" dirty="0" err="1">
+              <a:rPr lang="en-US" dirty="0">
+                <a:effectLst/>
+              </a:rPr>
+              <a:t> </a:t>
+            </a:r>
+            <a:r>
+              <a:rPr lang="en-US" sz="1400" dirty="0">
                 <a:solidFill>
                   <a:srgbClr val="00008B"/>
                 </a:solidFill>
@@ -7928,7 +8399,7 @@
               <a:t>function</a:t>
             </a:r>
             <a:r>
-              <a:rPr lang="sv-SE" sz="1400" dirty="0">
+              <a:rPr lang="en-US" sz="1400" dirty="0">
                 <a:solidFill>
                   <a:prstClr val="black"/>
                 </a:solidFill>
@@ -7938,7 +8409,7 @@
               <a:t> </a:t>
             </a:r>
             <a:r>
-              <a:rPr lang="sv-SE" sz="1400" dirty="0">
+              <a:rPr lang="en-US" sz="1400" dirty="0">
                 <a:solidFill>
                   <a:srgbClr val="8A2BE2"/>
                 </a:solidFill>
@@ -7948,7 +8419,7 @@
               <a:t>Get-</a:t>
             </a:r>
             <a:r>
-              <a:rPr lang="sv-SE" sz="1400" dirty="0" err="1">
+              <a:rPr lang="en-US" sz="1400" dirty="0" err="1">
                 <a:solidFill>
                   <a:srgbClr val="8A2BE2"/>
                 </a:solidFill>
@@ -7958,7 +8429,7 @@
               <a:t>ProcessData</a:t>
             </a:r>
             <a:r>
-              <a:rPr lang="sv-SE" sz="1400" dirty="0">
+              <a:rPr lang="en-US" sz="1400" dirty="0">
                 <a:solidFill>
                   <a:prstClr val="black"/>
                 </a:solidFill>
@@ -7970,7 +8441,7 @@
           </a:p>
           <a:p>
             <a:r>
-              <a:rPr lang="sv-SE" sz="1400" dirty="0">
+              <a:rPr lang="en-US" sz="1400" dirty="0">
                 <a:solidFill>
                   <a:prstClr val="black"/>
                 </a:solidFill>
@@ -7980,7 +8451,7 @@
               <a:t>    </a:t>
             </a:r>
             <a:r>
-              <a:rPr lang="sv-SE" sz="1400" b="1" dirty="0">
+              <a:rPr lang="en-US" sz="1400" b="1" dirty="0">
                 <a:solidFill>
                   <a:srgbClr val="A9A9A9"/>
                 </a:solidFill>
@@ -7990,7 +8461,7 @@
               <a:t>[</a:t>
             </a:r>
             <a:r>
-              <a:rPr lang="sv-SE" sz="1400" b="1" dirty="0" err="1">
+              <a:rPr lang="en-US" sz="1400" b="1" dirty="0" err="1">
                 <a:solidFill>
                   <a:srgbClr val="00BFFF"/>
                 </a:solidFill>
@@ -8000,7 +8471,7 @@
               <a:t>OutputType</a:t>
             </a:r>
             <a:r>
-              <a:rPr lang="sv-SE" sz="1400" b="1" dirty="0">
+              <a:rPr lang="en-US" sz="1400" b="1" dirty="0">
                 <a:solidFill>
                   <a:prstClr val="black"/>
                 </a:solidFill>
@@ -8010,7 +8481,7 @@
               <a:t>(</a:t>
             </a:r>
             <a:r>
-              <a:rPr lang="sv-SE" sz="1400" b="1" dirty="0">
+              <a:rPr lang="en-US" sz="1400" b="1" dirty="0">
                 <a:solidFill>
                   <a:srgbClr val="A9A9A9"/>
                 </a:solidFill>
@@ -8020,7 +8491,7 @@
               <a:t>[</a:t>
             </a:r>
             <a:r>
-              <a:rPr lang="sv-SE" sz="1400" b="1" dirty="0" err="1">
+              <a:rPr lang="en-US" sz="1400" b="1" dirty="0" err="1">
                 <a:solidFill>
                   <a:srgbClr val="008080"/>
                 </a:solidFill>
@@ -8030,7 +8501,7 @@
               <a:t>ProcessData</a:t>
             </a:r>
             <a:r>
-              <a:rPr lang="sv-SE" sz="1400" b="1" dirty="0">
+              <a:rPr lang="en-US" sz="1400" b="1" dirty="0">
                 <a:solidFill>
                   <a:srgbClr val="A9A9A9"/>
                 </a:solidFill>
@@ -8040,7 +8511,7 @@
               <a:t>]</a:t>
             </a:r>
             <a:r>
-              <a:rPr lang="sv-SE" sz="1400" b="1" dirty="0">
+              <a:rPr lang="en-US" sz="1400" b="1" dirty="0">
                 <a:solidFill>
                   <a:prstClr val="black"/>
                 </a:solidFill>
@@ -8050,7 +8521,7 @@
               <a:t>)</a:t>
             </a:r>
             <a:r>
-              <a:rPr lang="sv-SE" sz="1400" b="1" dirty="0">
+              <a:rPr lang="en-US" sz="1400" b="1" dirty="0">
                 <a:solidFill>
                   <a:srgbClr val="A9A9A9"/>
                 </a:solidFill>
@@ -8059,7 +8530,7 @@
               </a:rPr>
               <a:t>]</a:t>
             </a:r>
-            <a:endParaRPr lang="sv-SE" sz="1400" b="1" dirty="0">
+            <a:endParaRPr lang="en-US" sz="1400" b="1" dirty="0">
               <a:solidFill>
                 <a:prstClr val="black"/>
               </a:solidFill>
@@ -8069,7 +8540,7 @@
           </a:p>
           <a:p>
             <a:r>
-              <a:rPr lang="sv-SE" sz="1400" dirty="0">
+              <a:rPr lang="en-US" sz="1400" dirty="0">
                 <a:solidFill>
                   <a:prstClr val="black"/>
                 </a:solidFill>
@@ -8079,7 +8550,7 @@
               <a:t>    </a:t>
             </a:r>
             <a:r>
-              <a:rPr lang="sv-SE" sz="1400" dirty="0" err="1">
+              <a:rPr lang="en-US" sz="1400" dirty="0" err="1">
                 <a:solidFill>
                   <a:srgbClr val="00008B"/>
                 </a:solidFill>
@@ -8089,7 +8560,7 @@
               <a:t>param</a:t>
             </a:r>
             <a:r>
-              <a:rPr lang="sv-SE" sz="1400" dirty="0">
+              <a:rPr lang="en-US" sz="1400" dirty="0">
                 <a:solidFill>
                   <a:prstClr val="black"/>
                 </a:solidFill>
@@ -8100,7 +8571,7 @@
             </a:r>
           </a:p>
           <a:p>
-            <a:endParaRPr lang="sv-SE" sz="1400" dirty="0">
+            <a:endParaRPr lang="en-US" sz="1400" dirty="0">
               <a:solidFill>
                 <a:prstClr val="black"/>
               </a:solidFill>
@@ -8292,7 +8763,7 @@
           </a:p>
           <a:p>
             <a:r>
-              <a:rPr lang="sv-SE" sz="1400" dirty="0">
+              <a:rPr lang="en-US" sz="1400" dirty="0">
                 <a:solidFill>
                   <a:prstClr val="black"/>
                 </a:solidFill>
@@ -8396,7 +8867,7 @@
             </a:r>
             <a:r>
               <a:rPr lang="de-DE" dirty="0" err="1"/>
-              <a:t>Names</a:t>
+              <a:t>names</a:t>
             </a:r>
             <a:endParaRPr lang="de-DE" dirty="0"/>
           </a:p>
@@ -8421,7 +8892,7 @@
               <a:rPr lang="de-DE" dirty="0" err="1">
                 <a:latin typeface="Consolas" panose="020B0609020204030204" pitchFamily="49" charset="0"/>
               </a:rPr>
-              <a:t>Names</a:t>
+              <a:t>names</a:t>
             </a:r>
             <a:endParaRPr lang="de-DE" dirty="0">
               <a:latin typeface="Consolas" panose="020B0609020204030204" pitchFamily="49" charset="0"/>
@@ -8439,6 +8910,27 @@
             <a:endParaRPr lang="de-DE" dirty="0">
               <a:latin typeface="Consolas" panose="020B0609020204030204" pitchFamily="49" charset="0"/>
             </a:endParaRPr>
+          </a:p>
+          <a:p>
+            <a:pPr lvl="1"/>
+            <a:r>
+              <a:rPr lang="de-DE" dirty="0">
+                <a:latin typeface="Consolas" panose="020B0609020204030204" pitchFamily="49" charset="0"/>
+              </a:rPr>
+              <a:t>See </a:t>
+            </a:r>
+            <a:r>
+              <a:rPr lang="de-DE" dirty="0" err="1">
+                <a:latin typeface="Consolas" panose="020B0609020204030204" pitchFamily="49" charset="0"/>
+              </a:rPr>
+              <a:t>Get-ModuleParameter</a:t>
+            </a:r>
+            <a:r>
+              <a:rPr lang="de-DE" dirty="0">
+                <a:latin typeface="Consolas" panose="020B0609020204030204" pitchFamily="49" charset="0"/>
+              </a:rPr>
+              <a:t> </a:t>
+            </a:r>
           </a:p>
           <a:p>
             <a:pPr lvl="1"/>
@@ -8531,7 +9023,209 @@
       </p:grpSpPr>
       <p:sp>
         <p:nvSpPr>
-          <p:cNvPr id="2" name="Titel 1"/>
+          <p:cNvPr id="9219" name="Inhaltsplatzhalter 2"/>
+          <p:cNvSpPr>
+            <a:spLocks noGrp="1"/>
+          </p:cNvSpPr>
+          <p:nvPr>
+            <p:ph idx="1"/>
+          </p:nvPr>
+        </p:nvSpPr>
+        <p:spPr>
+          <a:xfrm>
+            <a:off x="251520" y="1988840"/>
+            <a:ext cx="8640960" cy="4392488"/>
+          </a:xfrm>
+        </p:spPr>
+        <p:txBody>
+          <a:bodyPr/>
+          <a:lstStyle/>
+          <a:p>
+            <a:r>
+              <a:rPr lang="de-DE" dirty="0" err="1">
+                <a:latin typeface="Consolas" panose="020B0609020204030204" pitchFamily="49" charset="0"/>
+              </a:rPr>
+              <a:t>Consider</a:t>
+            </a:r>
+            <a:r>
+              <a:rPr lang="de-DE" dirty="0">
+                <a:latin typeface="Consolas" panose="020B0609020204030204" pitchFamily="49" charset="0"/>
+              </a:rPr>
+              <a:t> </a:t>
+            </a:r>
+            <a:r>
+              <a:rPr lang="de-DE" dirty="0" err="1">
+                <a:latin typeface="Consolas" panose="020B0609020204030204" pitchFamily="49" charset="0"/>
+              </a:rPr>
+              <a:t>PlatyPS</a:t>
+            </a:r>
+            <a:endParaRPr lang="de-DE" dirty="0">
+              <a:latin typeface="Consolas" panose="020B0609020204030204" pitchFamily="49" charset="0"/>
+            </a:endParaRPr>
+          </a:p>
+          <a:p>
+            <a:pPr lvl="1"/>
+            <a:r>
+              <a:rPr lang="de-DE" dirty="0">
+                <a:latin typeface="Consolas" panose="020B0609020204030204" pitchFamily="49" charset="0"/>
+                <a:hlinkClick r:id="rId2"/>
+              </a:rPr>
+              <a:t>https://github.com/PowerShell/platyPS</a:t>
+            </a:r>
+            <a:r>
+              <a:rPr lang="de-DE" dirty="0">
+                <a:latin typeface="Consolas" panose="020B0609020204030204" pitchFamily="49" charset="0"/>
+              </a:rPr>
+              <a:t>	</a:t>
+            </a:r>
+          </a:p>
+          <a:p>
+            <a:pPr lvl="1"/>
+            <a:r>
+              <a:rPr lang="de-DE" dirty="0">
+                <a:latin typeface="Consolas" panose="020B0609020204030204" pitchFamily="49" charset="0"/>
+              </a:rPr>
+              <a:t>Write </a:t>
+            </a:r>
+            <a:r>
+              <a:rPr lang="de-DE" dirty="0" err="1">
+                <a:latin typeface="Consolas" panose="020B0609020204030204" pitchFamily="49" charset="0"/>
+              </a:rPr>
+              <a:t>markdown</a:t>
+            </a:r>
+            <a:r>
+              <a:rPr lang="de-DE" dirty="0">
+                <a:latin typeface="Consolas" panose="020B0609020204030204" pitchFamily="49" charset="0"/>
+              </a:rPr>
+              <a:t> </a:t>
+            </a:r>
+            <a:r>
+              <a:rPr lang="de-DE" dirty="0" err="1">
+                <a:latin typeface="Consolas" panose="020B0609020204030204" pitchFamily="49" charset="0"/>
+              </a:rPr>
+              <a:t>instead</a:t>
+            </a:r>
+            <a:endParaRPr lang="de-DE" dirty="0">
+              <a:latin typeface="Consolas" panose="020B0609020204030204" pitchFamily="49" charset="0"/>
+            </a:endParaRPr>
+          </a:p>
+          <a:p>
+            <a:r>
+              <a:rPr lang="de-DE" dirty="0" err="1"/>
+              <a:t>Examples</a:t>
+            </a:r>
+            <a:r>
+              <a:rPr lang="de-DE" dirty="0"/>
+              <a:t>!!</a:t>
+            </a:r>
+          </a:p>
+          <a:p>
+            <a:pPr lvl="1"/>
+            <a:r>
+              <a:rPr lang="de-DE" dirty="0">
+                <a:latin typeface="Consolas" panose="020B0609020204030204" pitchFamily="49" charset="0"/>
+              </a:rPr>
+              <a:t>This </a:t>
+            </a:r>
+            <a:r>
+              <a:rPr lang="de-DE" dirty="0" err="1">
+                <a:latin typeface="Consolas" panose="020B0609020204030204" pitchFamily="49" charset="0"/>
+              </a:rPr>
+              <a:t>is</a:t>
+            </a:r>
+            <a:r>
+              <a:rPr lang="de-DE" dirty="0">
+                <a:latin typeface="Consolas" panose="020B0609020204030204" pitchFamily="49" charset="0"/>
+              </a:rPr>
+              <a:t> </a:t>
+            </a:r>
+            <a:r>
+              <a:rPr lang="de-DE" dirty="0" err="1">
+                <a:latin typeface="Consolas" panose="020B0609020204030204" pitchFamily="49" charset="0"/>
+              </a:rPr>
+              <a:t>where</a:t>
+            </a:r>
+            <a:r>
+              <a:rPr lang="de-DE" dirty="0">
+                <a:latin typeface="Consolas" panose="020B0609020204030204" pitchFamily="49" charset="0"/>
+              </a:rPr>
+              <a:t> </a:t>
+            </a:r>
+            <a:r>
+              <a:rPr lang="de-DE" dirty="0" err="1">
+                <a:latin typeface="Consolas" panose="020B0609020204030204" pitchFamily="49" charset="0"/>
+              </a:rPr>
+              <a:t>you</a:t>
+            </a:r>
+            <a:r>
+              <a:rPr lang="de-DE" dirty="0">
+                <a:latin typeface="Consolas" panose="020B0609020204030204" pitchFamily="49" charset="0"/>
+              </a:rPr>
+              <a:t> </a:t>
+            </a:r>
+            <a:r>
+              <a:rPr lang="de-DE" dirty="0" err="1">
+                <a:latin typeface="Consolas" panose="020B0609020204030204" pitchFamily="49" charset="0"/>
+              </a:rPr>
+              <a:t>can</a:t>
+            </a:r>
+            <a:r>
+              <a:rPr lang="de-DE" dirty="0">
+                <a:latin typeface="Consolas" panose="020B0609020204030204" pitchFamily="49" charset="0"/>
+              </a:rPr>
+              <a:t> </a:t>
+            </a:r>
+            <a:r>
+              <a:rPr lang="de-DE" dirty="0" err="1">
+                <a:latin typeface="Consolas" panose="020B0609020204030204" pitchFamily="49" charset="0"/>
+              </a:rPr>
+              <a:t>show</a:t>
+            </a:r>
+            <a:r>
+              <a:rPr lang="de-DE" dirty="0">
+                <a:latin typeface="Consolas" panose="020B0609020204030204" pitchFamily="49" charset="0"/>
+              </a:rPr>
+              <a:t> </a:t>
+            </a:r>
+            <a:r>
+              <a:rPr lang="de-DE" dirty="0" err="1">
+                <a:latin typeface="Consolas" panose="020B0609020204030204" pitchFamily="49" charset="0"/>
+              </a:rPr>
+              <a:t>how</a:t>
+            </a:r>
+            <a:r>
+              <a:rPr lang="de-DE" dirty="0">
+                <a:latin typeface="Consolas" panose="020B0609020204030204" pitchFamily="49" charset="0"/>
+              </a:rPr>
+              <a:t> different </a:t>
+            </a:r>
+            <a:r>
+              <a:rPr lang="de-DE" dirty="0" err="1">
+                <a:latin typeface="Consolas" panose="020B0609020204030204" pitchFamily="49" charset="0"/>
+              </a:rPr>
+              <a:t>commands</a:t>
+            </a:r>
+            <a:r>
+              <a:rPr lang="de-DE" dirty="0">
+                <a:latin typeface="Consolas" panose="020B0609020204030204" pitchFamily="49" charset="0"/>
+              </a:rPr>
+              <a:t> fit </a:t>
+            </a:r>
+            <a:r>
+              <a:rPr lang="de-DE" dirty="0" err="1">
+                <a:latin typeface="Consolas" panose="020B0609020204030204" pitchFamily="49" charset="0"/>
+              </a:rPr>
+              <a:t>together</a:t>
+            </a:r>
+            <a:endParaRPr lang="de-DE" dirty="0">
+              <a:latin typeface="Consolas" panose="020B0609020204030204" pitchFamily="49" charset="0"/>
+            </a:endParaRPr>
+          </a:p>
+        </p:txBody>
+      </p:sp>
+      <p:sp>
+        <p:nvSpPr>
+          <p:cNvPr id="9218" name="Titel 1"/>
           <p:cNvSpPr>
             <a:spLocks noGrp="1"/>
           </p:cNvSpPr>
@@ -8539,326 +9233,22 @@
             <p:ph type="title"/>
           </p:nvPr>
         </p:nvSpPr>
-        <p:spPr/>
+        <p:spPr>
+          <a:xfrm>
+            <a:off x="-891" y="980728"/>
+            <a:ext cx="9144000" cy="792088"/>
+          </a:xfrm>
+          <a:prstGeom prst="rect">
+            <a:avLst/>
+          </a:prstGeom>
+        </p:spPr>
         <p:txBody>
           <a:bodyPr/>
           <a:lstStyle/>
           <a:p>
             <a:r>
               <a:rPr lang="de-DE" dirty="0"/>
-              <a:t>Demo</a:t>
-            </a:r>
-          </a:p>
-        </p:txBody>
-      </p:sp>
-      <p:sp>
-        <p:nvSpPr>
-          <p:cNvPr id="3" name="Textplatzhalter 2"/>
-          <p:cNvSpPr>
-            <a:spLocks noGrp="1"/>
-          </p:cNvSpPr>
-          <p:nvPr>
-            <p:ph type="body" sz="quarter" idx="10"/>
-          </p:nvPr>
-        </p:nvSpPr>
-        <p:spPr/>
-        <p:txBody>
-          <a:bodyPr>
-            <a:normAutofit fontScale="92500" lnSpcReduction="20000"/>
-          </a:bodyPr>
-          <a:lstStyle/>
-          <a:p>
-            <a:r>
-              <a:rPr lang="de-DE" dirty="0"/>
-              <a:t>Try </a:t>
-            </a:r>
-            <a:r>
-              <a:rPr lang="de-DE" dirty="0" err="1"/>
-              <a:t>and</a:t>
-            </a:r>
-            <a:r>
-              <a:rPr lang="de-DE" dirty="0"/>
-              <a:t> </a:t>
-            </a:r>
-            <a:r>
-              <a:rPr lang="de-DE" dirty="0" err="1"/>
-              <a:t>use</a:t>
-            </a:r>
-            <a:r>
-              <a:rPr lang="de-DE" dirty="0"/>
-              <a:t> </a:t>
-            </a:r>
-            <a:r>
-              <a:rPr lang="de-DE" dirty="0" err="1"/>
-              <a:t>demos</a:t>
-            </a:r>
-            <a:r>
-              <a:rPr lang="de-DE" dirty="0"/>
-              <a:t> </a:t>
-            </a:r>
-            <a:r>
-              <a:rPr lang="de-DE" dirty="0" err="1"/>
-              <a:t>instead</a:t>
-            </a:r>
-            <a:r>
-              <a:rPr lang="de-DE" dirty="0"/>
-              <a:t> </a:t>
-            </a:r>
-            <a:r>
-              <a:rPr lang="de-DE" dirty="0" err="1"/>
-              <a:t>of</a:t>
-            </a:r>
-            <a:r>
-              <a:rPr lang="de-DE" dirty="0"/>
-              <a:t> </a:t>
-            </a:r>
-            <a:r>
-              <a:rPr lang="de-DE" dirty="0" err="1"/>
-              <a:t>dead</a:t>
-            </a:r>
-            <a:r>
-              <a:rPr lang="de-DE" dirty="0"/>
-              <a:t> </a:t>
-            </a:r>
-            <a:r>
-              <a:rPr lang="de-DE" dirty="0" err="1"/>
-              <a:t>slides</a:t>
-            </a:r>
-            <a:r>
-              <a:rPr lang="de-DE" dirty="0"/>
-              <a:t>.</a:t>
-            </a:r>
-          </a:p>
-          <a:p>
-            <a:endParaRPr lang="de-DE" dirty="0"/>
-          </a:p>
-          <a:p>
-            <a:r>
-              <a:rPr lang="de-DE" dirty="0" err="1"/>
-              <a:t>Please</a:t>
-            </a:r>
-            <a:r>
-              <a:rPr lang="de-DE" dirty="0"/>
-              <a:t> do not </a:t>
-            </a:r>
-            <a:r>
-              <a:rPr lang="de-DE" dirty="0" err="1"/>
-              <a:t>dive</a:t>
-            </a:r>
-            <a:r>
-              <a:rPr lang="de-DE" dirty="0"/>
-              <a:t> </a:t>
-            </a:r>
-            <a:r>
-              <a:rPr lang="de-DE" dirty="0" err="1"/>
-              <a:t>into</a:t>
-            </a:r>
-            <a:r>
-              <a:rPr lang="de-DE" dirty="0"/>
-              <a:t> </a:t>
-            </a:r>
-            <a:r>
-              <a:rPr lang="de-DE" dirty="0" err="1"/>
-              <a:t>zillions</a:t>
-            </a:r>
-            <a:r>
-              <a:rPr lang="de-DE" dirty="0"/>
-              <a:t> </a:t>
-            </a:r>
-            <a:r>
-              <a:rPr lang="de-DE" dirty="0" err="1"/>
-              <a:t>of</a:t>
-            </a:r>
-            <a:r>
-              <a:rPr lang="de-DE" dirty="0"/>
-              <a:t> </a:t>
-            </a:r>
-            <a:r>
-              <a:rPr lang="de-DE" dirty="0" err="1"/>
-              <a:t>pages</a:t>
-            </a:r>
-            <a:r>
-              <a:rPr lang="de-DE" dirty="0"/>
-              <a:t> </a:t>
-            </a:r>
-            <a:r>
-              <a:rPr lang="de-DE" dirty="0" err="1"/>
-              <a:t>of</a:t>
-            </a:r>
-            <a:r>
-              <a:rPr lang="de-DE" dirty="0"/>
-              <a:t> </a:t>
-            </a:r>
-            <a:r>
-              <a:rPr lang="de-DE" dirty="0" err="1"/>
-              <a:t>code</a:t>
-            </a:r>
-            <a:r>
-              <a:rPr lang="de-DE" dirty="0"/>
-              <a:t>.</a:t>
-            </a:r>
-          </a:p>
-          <a:p>
-            <a:r>
-              <a:rPr lang="de-DE" dirty="0" err="1"/>
-              <a:t>Instead</a:t>
-            </a:r>
-            <a:r>
-              <a:rPr lang="de-DE" dirty="0"/>
-              <a:t>, </a:t>
-            </a:r>
-            <a:r>
-              <a:rPr lang="de-DE" dirty="0" err="1"/>
-              <a:t>if</a:t>
-            </a:r>
-            <a:r>
-              <a:rPr lang="de-DE" dirty="0"/>
-              <a:t> </a:t>
-            </a:r>
-            <a:r>
-              <a:rPr lang="de-DE" dirty="0" err="1"/>
-              <a:t>you</a:t>
-            </a:r>
-            <a:r>
-              <a:rPr lang="de-DE" dirty="0"/>
-              <a:t> </a:t>
-            </a:r>
-            <a:r>
-              <a:rPr lang="de-DE" dirty="0" err="1"/>
-              <a:t>can</a:t>
-            </a:r>
-            <a:r>
-              <a:rPr lang="de-DE" dirty="0"/>
-              <a:t>, turn </a:t>
-            </a:r>
-            <a:r>
-              <a:rPr lang="de-DE" dirty="0" err="1"/>
-              <a:t>your</a:t>
-            </a:r>
-            <a:r>
-              <a:rPr lang="de-DE" dirty="0"/>
-              <a:t> </a:t>
-            </a:r>
-            <a:r>
-              <a:rPr lang="de-DE" dirty="0" err="1"/>
-              <a:t>logical</a:t>
-            </a:r>
-            <a:r>
-              <a:rPr lang="de-DE" dirty="0"/>
-              <a:t> </a:t>
-            </a:r>
-            <a:r>
-              <a:rPr lang="de-DE" dirty="0" err="1"/>
-              <a:t>code</a:t>
-            </a:r>
-            <a:r>
-              <a:rPr lang="de-DE" dirty="0"/>
-              <a:t> </a:t>
-            </a:r>
-            <a:r>
-              <a:rPr lang="de-DE" dirty="0" err="1"/>
-              <a:t>blocks</a:t>
-            </a:r>
-            <a:r>
-              <a:rPr lang="de-DE" dirty="0"/>
-              <a:t> </a:t>
-            </a:r>
-            <a:r>
-              <a:rPr lang="de-DE" dirty="0" err="1"/>
-              <a:t>into</a:t>
-            </a:r>
-            <a:r>
-              <a:rPr lang="de-DE" dirty="0"/>
-              <a:t> </a:t>
-            </a:r>
-            <a:r>
-              <a:rPr lang="de-DE" dirty="0" err="1"/>
-              <a:t>functions</a:t>
-            </a:r>
-            <a:r>
-              <a:rPr lang="de-DE" dirty="0"/>
-              <a:t>, </a:t>
-            </a:r>
-            <a:r>
-              <a:rPr lang="de-DE" dirty="0" err="1"/>
-              <a:t>and</a:t>
-            </a:r>
-            <a:r>
-              <a:rPr lang="de-DE" dirty="0"/>
-              <a:t> </a:t>
-            </a:r>
-            <a:r>
-              <a:rPr lang="de-DE" dirty="0" err="1"/>
-              <a:t>store</a:t>
-            </a:r>
-            <a:r>
-              <a:rPr lang="de-DE" dirty="0"/>
-              <a:t> </a:t>
-            </a:r>
-            <a:r>
-              <a:rPr lang="de-DE" dirty="0" err="1"/>
-              <a:t>them</a:t>
-            </a:r>
-            <a:r>
-              <a:rPr lang="de-DE" dirty="0"/>
-              <a:t> in a </a:t>
-            </a:r>
-            <a:r>
-              <a:rPr lang="de-DE" dirty="0" err="1"/>
-              <a:t>module</a:t>
-            </a:r>
-            <a:r>
-              <a:rPr lang="de-DE" dirty="0"/>
-              <a:t>. </a:t>
-            </a:r>
-          </a:p>
-          <a:p>
-            <a:endParaRPr lang="de-DE" dirty="0"/>
-          </a:p>
-          <a:p>
-            <a:r>
-              <a:rPr lang="de-DE" dirty="0"/>
-              <a:t>Share </a:t>
-            </a:r>
-            <a:r>
-              <a:rPr lang="de-DE" dirty="0" err="1"/>
-              <a:t>this</a:t>
-            </a:r>
-            <a:r>
-              <a:rPr lang="de-DE" dirty="0"/>
-              <a:t> </a:t>
-            </a:r>
-            <a:r>
-              <a:rPr lang="de-DE" dirty="0" err="1"/>
-              <a:t>module</a:t>
-            </a:r>
-            <a:r>
-              <a:rPr lang="de-DE" dirty="0"/>
-              <a:t> </a:t>
-            </a:r>
-            <a:r>
-              <a:rPr lang="de-DE" dirty="0" err="1"/>
-              <a:t>with</a:t>
-            </a:r>
-            <a:r>
-              <a:rPr lang="de-DE" dirty="0"/>
-              <a:t> </a:t>
-            </a:r>
-            <a:r>
-              <a:rPr lang="de-DE" dirty="0" err="1"/>
-              <a:t>your</a:t>
-            </a:r>
-            <a:r>
-              <a:rPr lang="de-DE" dirty="0"/>
-              <a:t> </a:t>
-            </a:r>
-            <a:r>
-              <a:rPr lang="de-DE" dirty="0" err="1"/>
-              <a:t>audience</a:t>
-            </a:r>
-            <a:r>
-              <a:rPr lang="de-DE" dirty="0"/>
-              <a:t>.</a:t>
+              <a:t>Help</a:t>
             </a:r>
           </a:p>
         </p:txBody>
@@ -8866,7 +9256,7 @@
     </p:spTree>
     <p:extLst>
       <p:ext uri="{BB962C8B-B14F-4D97-AF65-F5344CB8AC3E}">
-        <p14:creationId xmlns:p14="http://schemas.microsoft.com/office/powerpoint/2010/main" val="2040841989"/>
+        <p14:creationId xmlns:p14="http://schemas.microsoft.com/office/powerpoint/2010/main" val="563519979"/>
       </p:ext>
     </p:extLst>
   </p:cSld>
@@ -8907,7 +9297,7 @@
       </p:grpSpPr>
       <p:sp>
         <p:nvSpPr>
-          <p:cNvPr id="2" name="Content Placeholder 1"/>
+          <p:cNvPr id="2" name="Platshållare för innehåll 1"/>
           <p:cNvSpPr>
             <a:spLocks noGrp="1"/>
           </p:cNvSpPr>
@@ -8917,496 +9307,93 @@
         </p:nvSpPr>
         <p:spPr/>
         <p:txBody>
-          <a:bodyPr>
-            <a:normAutofit fontScale="85000" lnSpcReduction="10000"/>
-          </a:bodyPr>
+          <a:bodyPr/>
           <a:lstStyle/>
           <a:p>
             <a:r>
-              <a:rPr lang="en-US" dirty="0">
-                <a:solidFill>
-                  <a:srgbClr val="006400"/>
-                </a:solidFill>
-                <a:latin typeface="Lucida Console" panose="020B0609040504020204" pitchFamily="49" charset="0"/>
-              </a:rPr>
-              <a:t># use this template for code samples</a:t>
-            </a:r>
-          </a:p>
-          <a:p>
-            <a:r>
-              <a:rPr lang="en-US" dirty="0">
-                <a:solidFill>
-                  <a:srgbClr val="006400"/>
-                </a:solidFill>
-                <a:latin typeface="Lucida Console" panose="020B0609040504020204" pitchFamily="49" charset="0"/>
-              </a:rPr>
-              <a:t># and follow these instructions to show perfectly</a:t>
-            </a:r>
-          </a:p>
-          <a:p>
-            <a:r>
-              <a:rPr lang="en-US" dirty="0">
-                <a:solidFill>
-                  <a:srgbClr val="006400"/>
-                </a:solidFill>
-                <a:latin typeface="Lucida Console" panose="020B0609040504020204" pitchFamily="49" charset="0"/>
-              </a:rPr>
-              <a:t># color-coded PowerShell code:</a:t>
-            </a:r>
-          </a:p>
-          <a:p>
-            <a:endParaRPr lang="en-US" dirty="0">
-              <a:solidFill>
-                <a:srgbClr val="006400"/>
-              </a:solidFill>
-              <a:latin typeface="Lucida Console" panose="020B0609040504020204" pitchFamily="49" charset="0"/>
-            </a:endParaRPr>
-          </a:p>
-          <a:p>
-            <a:r>
-              <a:rPr lang="en-US" dirty="0">
-                <a:solidFill>
-                  <a:srgbClr val="006400"/>
-                </a:solidFill>
-                <a:latin typeface="Lucida Console" panose="020B0609040504020204" pitchFamily="49" charset="0"/>
-              </a:rPr>
-              <a:t># paste code to PowerShell ISE, select it, and copy it</a:t>
-            </a:r>
-            <a:endParaRPr lang="en-US" dirty="0">
-              <a:solidFill>
-                <a:prstClr val="black"/>
-              </a:solidFill>
-              <a:latin typeface="Lucida Console" panose="020B0609040504020204" pitchFamily="49" charset="0"/>
-            </a:endParaRPr>
-          </a:p>
-          <a:p>
-            <a:r>
-              <a:rPr lang="en-US" dirty="0">
-                <a:solidFill>
-                  <a:srgbClr val="006400"/>
-                </a:solidFill>
-                <a:latin typeface="Lucida Console" panose="020B0609040504020204" pitchFamily="49" charset="0"/>
-              </a:rPr>
-              <a:t># to the clipboard</a:t>
-            </a:r>
-            <a:endParaRPr lang="en-US" dirty="0">
-              <a:solidFill>
-                <a:prstClr val="black"/>
-              </a:solidFill>
-              <a:latin typeface="Lucida Console" panose="020B0609040504020204" pitchFamily="49" charset="0"/>
-            </a:endParaRPr>
-          </a:p>
-          <a:p>
-            <a:r>
-              <a:rPr lang="en-US" dirty="0">
-                <a:solidFill>
-                  <a:srgbClr val="0000FF"/>
-                </a:solidFill>
-                <a:latin typeface="Lucida Console" panose="020B0609040504020204" pitchFamily="49" charset="0"/>
-              </a:rPr>
-              <a:t>Paste-Code</a:t>
-            </a:r>
-            <a:r>
-              <a:rPr lang="en-US" dirty="0">
-                <a:solidFill>
-                  <a:prstClr val="black"/>
-                </a:solidFill>
-                <a:latin typeface="Lucida Console" panose="020B0609040504020204" pitchFamily="49" charset="0"/>
-              </a:rPr>
-              <a:t> </a:t>
-            </a:r>
-            <a:r>
-              <a:rPr lang="en-US" dirty="0">
-                <a:solidFill>
-                  <a:srgbClr val="000080"/>
-                </a:solidFill>
-                <a:latin typeface="Lucida Console" panose="020B0609040504020204" pitchFamily="49" charset="0"/>
-              </a:rPr>
-              <a:t>-</a:t>
-            </a:r>
-            <a:r>
-              <a:rPr lang="en-US" dirty="0" err="1">
-                <a:solidFill>
-                  <a:srgbClr val="000080"/>
-                </a:solidFill>
-                <a:latin typeface="Lucida Console" panose="020B0609040504020204" pitchFamily="49" charset="0"/>
-              </a:rPr>
-              <a:t>toISE</a:t>
-            </a:r>
-            <a:r>
-              <a:rPr lang="en-US" dirty="0">
-                <a:solidFill>
-                  <a:prstClr val="black"/>
-                </a:solidFill>
-                <a:latin typeface="Lucida Console" panose="020B0609040504020204" pitchFamily="49" charset="0"/>
-              </a:rPr>
-              <a:t> </a:t>
-            </a:r>
-            <a:r>
-              <a:rPr lang="en-US" dirty="0">
-                <a:solidFill>
-                  <a:srgbClr val="A9A9A9"/>
-                </a:solidFill>
-                <a:latin typeface="Lucida Console" panose="020B0609040504020204" pitchFamily="49" charset="0"/>
-              </a:rPr>
-              <a:t>|</a:t>
-            </a:r>
-            <a:r>
-              <a:rPr lang="en-US" dirty="0">
-                <a:solidFill>
-                  <a:prstClr val="black"/>
-                </a:solidFill>
-                <a:latin typeface="Lucida Console" panose="020B0609040504020204" pitchFamily="49" charset="0"/>
-              </a:rPr>
-              <a:t> </a:t>
-            </a:r>
-            <a:r>
-              <a:rPr lang="en-US" dirty="0">
-                <a:solidFill>
-                  <a:srgbClr val="0000FF"/>
-                </a:solidFill>
-                <a:latin typeface="Lucida Console" panose="020B0609040504020204" pitchFamily="49" charset="0"/>
-              </a:rPr>
-              <a:t>Select-Code</a:t>
-            </a:r>
-            <a:r>
-              <a:rPr lang="en-US" dirty="0">
-                <a:solidFill>
-                  <a:prstClr val="black"/>
-                </a:solidFill>
-                <a:latin typeface="Lucida Console" panose="020B0609040504020204" pitchFamily="49" charset="0"/>
-              </a:rPr>
-              <a:t> </a:t>
-            </a:r>
-            <a:r>
-              <a:rPr lang="en-US" dirty="0">
-                <a:solidFill>
-                  <a:srgbClr val="A9A9A9"/>
-                </a:solidFill>
-                <a:latin typeface="Lucida Console" panose="020B0609040504020204" pitchFamily="49" charset="0"/>
-              </a:rPr>
-              <a:t>|</a:t>
-            </a:r>
-            <a:r>
-              <a:rPr lang="en-US" dirty="0">
-                <a:solidFill>
-                  <a:prstClr val="black"/>
-                </a:solidFill>
-                <a:latin typeface="Lucida Console" panose="020B0609040504020204" pitchFamily="49" charset="0"/>
-              </a:rPr>
-              <a:t> </a:t>
-            </a:r>
-            <a:r>
-              <a:rPr lang="en-US" dirty="0">
-                <a:solidFill>
-                  <a:srgbClr val="0000FF"/>
-                </a:solidFill>
-                <a:latin typeface="Lucida Console" panose="020B0609040504020204" pitchFamily="49" charset="0"/>
-              </a:rPr>
-              <a:t>Copy-</a:t>
-            </a:r>
-            <a:r>
-              <a:rPr lang="en-US" dirty="0" err="1">
-                <a:solidFill>
-                  <a:srgbClr val="0000FF"/>
-                </a:solidFill>
-                <a:latin typeface="Lucida Console" panose="020B0609040504020204" pitchFamily="49" charset="0"/>
-              </a:rPr>
-              <a:t>ToClipboard</a:t>
-            </a:r>
-            <a:endParaRPr lang="en-US" dirty="0">
-              <a:solidFill>
-                <a:prstClr val="black"/>
-              </a:solidFill>
-              <a:latin typeface="Lucida Console" panose="020B0609040504020204" pitchFamily="49" charset="0"/>
-            </a:endParaRPr>
-          </a:p>
-          <a:p>
-            <a:endParaRPr lang="en-US" dirty="0">
-              <a:solidFill>
-                <a:prstClr val="black"/>
-              </a:solidFill>
-              <a:latin typeface="Lucida Console" panose="020B0609040504020204" pitchFamily="49" charset="0"/>
-            </a:endParaRPr>
-          </a:p>
-          <a:p>
-            <a:r>
-              <a:rPr lang="en-US" dirty="0">
-                <a:solidFill>
-                  <a:srgbClr val="006400"/>
-                </a:solidFill>
-                <a:latin typeface="Lucida Console" panose="020B0609040504020204" pitchFamily="49" charset="0"/>
-              </a:rPr>
-              <a:t># to insert it with full color coding into a slide,</a:t>
-            </a:r>
-            <a:endParaRPr lang="en-US" dirty="0">
-              <a:solidFill>
-                <a:prstClr val="black"/>
-              </a:solidFill>
-              <a:latin typeface="Lucida Console" panose="020B0609040504020204" pitchFamily="49" charset="0"/>
-            </a:endParaRPr>
-          </a:p>
-          <a:p>
-            <a:r>
-              <a:rPr lang="en-US" dirty="0">
-                <a:solidFill>
-                  <a:srgbClr val="006400"/>
-                </a:solidFill>
-                <a:latin typeface="Lucida Console" panose="020B0609040504020204" pitchFamily="49" charset="0"/>
-              </a:rPr>
-              <a:t># paste the code to your PPT slide. It will be black,</a:t>
-            </a:r>
-            <a:endParaRPr lang="en-US" dirty="0">
-              <a:solidFill>
-                <a:prstClr val="black"/>
-              </a:solidFill>
-              <a:latin typeface="Lucida Console" panose="020B0609040504020204" pitchFamily="49" charset="0"/>
-            </a:endParaRPr>
-          </a:p>
-          <a:p>
-            <a:r>
-              <a:rPr lang="en-US" dirty="0">
-                <a:solidFill>
-                  <a:srgbClr val="006400"/>
-                </a:solidFill>
-                <a:latin typeface="Lucida Console" panose="020B0609040504020204" pitchFamily="49" charset="0"/>
-              </a:rPr>
-              <a:t># and there is a </a:t>
-            </a:r>
-            <a:r>
-              <a:rPr lang="en-US" dirty="0" err="1">
-                <a:solidFill>
-                  <a:srgbClr val="006400"/>
-                </a:solidFill>
-                <a:latin typeface="Lucida Console" panose="020B0609040504020204" pitchFamily="49" charset="0"/>
-              </a:rPr>
-              <a:t>toolbutton</a:t>
-            </a:r>
-            <a:r>
-              <a:rPr lang="en-US" dirty="0">
-                <a:solidFill>
-                  <a:srgbClr val="006400"/>
-                </a:solidFill>
-                <a:latin typeface="Lucida Console" panose="020B0609040504020204" pitchFamily="49" charset="0"/>
-              </a:rPr>
-              <a:t> labelled (Ctrl) in PPT.</a:t>
-            </a:r>
-            <a:endParaRPr lang="en-US" dirty="0">
-              <a:solidFill>
-                <a:prstClr val="black"/>
-              </a:solidFill>
-              <a:latin typeface="Lucida Console" panose="020B0609040504020204" pitchFamily="49" charset="0"/>
-            </a:endParaRPr>
-          </a:p>
-          <a:p>
-            <a:r>
-              <a:rPr lang="en-US" dirty="0">
-                <a:solidFill>
-                  <a:srgbClr val="0000FF"/>
-                </a:solidFill>
-                <a:latin typeface="Lucida Console" panose="020B0609040504020204" pitchFamily="49" charset="0"/>
-              </a:rPr>
-              <a:t>Click-</a:t>
-            </a:r>
-            <a:r>
-              <a:rPr lang="en-US" dirty="0" err="1">
-                <a:solidFill>
-                  <a:srgbClr val="0000FF"/>
-                </a:solidFill>
-                <a:latin typeface="Lucida Console" panose="020B0609040504020204" pitchFamily="49" charset="0"/>
-              </a:rPr>
-              <a:t>ToolButton</a:t>
-            </a:r>
-            <a:r>
-              <a:rPr lang="en-US" dirty="0">
-                <a:solidFill>
-                  <a:prstClr val="black"/>
-                </a:solidFill>
-                <a:latin typeface="Lucida Console" panose="020B0609040504020204" pitchFamily="49" charset="0"/>
-              </a:rPr>
-              <a:t> </a:t>
-            </a:r>
-            <a:r>
-              <a:rPr lang="en-US" dirty="0">
-                <a:solidFill>
-                  <a:srgbClr val="000080"/>
-                </a:solidFill>
-                <a:latin typeface="Lucida Console" panose="020B0609040504020204" pitchFamily="49" charset="0"/>
-              </a:rPr>
-              <a:t>-Choose</a:t>
-            </a:r>
-            <a:r>
-              <a:rPr lang="en-US" dirty="0">
-                <a:solidFill>
-                  <a:prstClr val="black"/>
-                </a:solidFill>
-                <a:latin typeface="Lucida Console" panose="020B0609040504020204" pitchFamily="49" charset="0"/>
-              </a:rPr>
-              <a:t> </a:t>
-            </a:r>
-            <a:r>
-              <a:rPr lang="en-US" dirty="0" err="1">
-                <a:solidFill>
-                  <a:srgbClr val="8A2BE2"/>
-                </a:solidFill>
-                <a:latin typeface="Lucida Console" panose="020B0609040504020204" pitchFamily="49" charset="0"/>
-              </a:rPr>
-              <a:t>SymbolWithClipboardAndBrush</a:t>
-            </a:r>
-            <a:endParaRPr lang="en-US" dirty="0">
-              <a:solidFill>
-                <a:prstClr val="black"/>
-              </a:solidFill>
-              <a:latin typeface="Lucida Console" panose="020B0609040504020204" pitchFamily="49" charset="0"/>
-            </a:endParaRPr>
-          </a:p>
-          <a:p>
-            <a:r>
-              <a:rPr lang="en-US" dirty="0">
-                <a:solidFill>
-                  <a:srgbClr val="006400"/>
-                </a:solidFill>
-                <a:latin typeface="Lucida Console" panose="020B0609040504020204" pitchFamily="49" charset="0"/>
-              </a:rPr>
-              <a:t># Click the </a:t>
-            </a:r>
-            <a:r>
-              <a:rPr lang="en-US" dirty="0" err="1">
-                <a:solidFill>
-                  <a:srgbClr val="006400"/>
-                </a:solidFill>
-                <a:latin typeface="Lucida Console" panose="020B0609040504020204" pitchFamily="49" charset="0"/>
-              </a:rPr>
-              <a:t>toolbutton</a:t>
-            </a:r>
-            <a:r>
-              <a:rPr lang="en-US" dirty="0">
-                <a:solidFill>
-                  <a:srgbClr val="006400"/>
-                </a:solidFill>
-                <a:latin typeface="Lucida Console" panose="020B0609040504020204" pitchFamily="49" charset="0"/>
-              </a:rPr>
-              <a:t>, and choose the button that shows</a:t>
-            </a:r>
-            <a:endParaRPr lang="en-US" dirty="0">
-              <a:solidFill>
-                <a:prstClr val="black"/>
-              </a:solidFill>
-              <a:latin typeface="Lucida Console" panose="020B0609040504020204" pitchFamily="49" charset="0"/>
-            </a:endParaRPr>
-          </a:p>
-          <a:p>
-            <a:r>
-              <a:rPr lang="en-US" dirty="0">
-                <a:solidFill>
-                  <a:srgbClr val="006400"/>
-                </a:solidFill>
-                <a:latin typeface="Lucida Console" panose="020B0609040504020204" pitchFamily="49" charset="0"/>
-              </a:rPr>
-              <a:t># a clipboard with a brush. This will add color coding</a:t>
-            </a:r>
-            <a:endParaRPr lang="en-US" dirty="0">
-              <a:solidFill>
-                <a:prstClr val="black"/>
-              </a:solidFill>
-              <a:latin typeface="Lucida Console" panose="020B0609040504020204" pitchFamily="49" charset="0"/>
-            </a:endParaRPr>
-          </a:p>
-          <a:p>
-            <a:r>
-              <a:rPr lang="en-US" dirty="0">
-                <a:solidFill>
-                  <a:srgbClr val="006400"/>
-                </a:solidFill>
-                <a:latin typeface="Lucida Console" panose="020B0609040504020204" pitchFamily="49" charset="0"/>
-              </a:rPr>
-              <a:t># back to the pasted code</a:t>
-            </a:r>
-          </a:p>
-          <a:p>
-            <a:endParaRPr lang="en-US" dirty="0">
-              <a:solidFill>
-                <a:srgbClr val="006400"/>
-              </a:solidFill>
-              <a:latin typeface="Lucida Console" panose="020B0609040504020204" pitchFamily="49" charset="0"/>
-            </a:endParaRPr>
-          </a:p>
-          <a:p>
-            <a:r>
-              <a:rPr lang="en-US" dirty="0">
-                <a:solidFill>
-                  <a:srgbClr val="FF0000"/>
-                </a:solidFill>
-                <a:latin typeface="Lucida Console" panose="020B0609040504020204" pitchFamily="49" charset="0"/>
-              </a:rPr>
-              <a:t>PLEASE NOTE: You do not need to use ISE to code, or to demo. Use whatever editor you like best. </a:t>
-            </a:r>
-          </a:p>
-          <a:p>
-            <a:endParaRPr lang="en-US" dirty="0">
-              <a:solidFill>
-                <a:srgbClr val="FF0000"/>
-              </a:solidFill>
-              <a:latin typeface="Lucida Console" panose="020B0609040504020204" pitchFamily="49" charset="0"/>
-            </a:endParaRPr>
-          </a:p>
-          <a:p>
-            <a:r>
-              <a:rPr lang="en-US" dirty="0">
-                <a:solidFill>
-                  <a:srgbClr val="FF0000"/>
-                </a:solidFill>
-                <a:latin typeface="Lucida Console" panose="020B0609040504020204" pitchFamily="49" charset="0"/>
-              </a:rPr>
-              <a:t>These steps use ISE to color-code your code correctly and consistently, and insert the color-coded code into the slide. Please help make all code look consistent. Many thanks!</a:t>
-            </a:r>
-          </a:p>
-          <a:p>
-            <a:endParaRPr lang="en-US" dirty="0">
-              <a:solidFill>
-                <a:srgbClr val="FF0000"/>
-              </a:solidFill>
-              <a:latin typeface="Lucida Console" panose="020B0609040504020204" pitchFamily="49" charset="0"/>
-            </a:endParaRPr>
-          </a:p>
-          <a:p>
-            <a:endParaRPr lang="en-US" dirty="0">
-              <a:solidFill>
-                <a:srgbClr val="FF0000"/>
-              </a:solidFill>
-              <a:latin typeface="Lucida Console" panose="020B0609040504020204" pitchFamily="49" charset="0"/>
-            </a:endParaRPr>
-          </a:p>
-          <a:p>
-            <a:endParaRPr lang="en-US" dirty="0">
-              <a:solidFill>
-                <a:srgbClr val="FF0000"/>
-              </a:solidFill>
-              <a:latin typeface="Lucida Console" panose="020B0609040504020204" pitchFamily="49" charset="0"/>
-            </a:endParaRPr>
-          </a:p>
-          <a:p>
-            <a:endParaRPr lang="en-US" dirty="0">
-              <a:solidFill>
-                <a:srgbClr val="FF0000"/>
-              </a:solidFill>
-              <a:latin typeface="Lucida Console" panose="020B0609040504020204" pitchFamily="49" charset="0"/>
-            </a:endParaRPr>
-          </a:p>
-          <a:p>
-            <a:endParaRPr lang="en-US" dirty="0">
-              <a:solidFill>
-                <a:srgbClr val="FF0000"/>
-              </a:solidFill>
-              <a:latin typeface="Lucida Console" panose="020B0609040504020204" pitchFamily="49" charset="0"/>
-            </a:endParaRPr>
+              <a:rPr lang="en-US" dirty="0"/>
+              <a:t>Version your module </a:t>
+            </a:r>
+            <a:r>
+              <a:rPr lang="en-US" dirty="0" err="1"/>
+              <a:t>sematically</a:t>
+            </a:r>
+            <a:endParaRPr lang="en-US" dirty="0"/>
+          </a:p>
+          <a:p>
+            <a:pPr lvl="1"/>
+            <a:r>
+              <a:rPr lang="en-US" dirty="0"/>
+              <a:t>Major = breaking changes</a:t>
+            </a:r>
+          </a:p>
+          <a:p>
+            <a:pPr lvl="1"/>
+            <a:r>
+              <a:rPr lang="en-US" dirty="0"/>
+              <a:t>Minor = new functionality but compatible</a:t>
+            </a:r>
+          </a:p>
+          <a:p>
+            <a:pPr lvl="1"/>
+            <a:r>
+              <a:rPr lang="en-US" dirty="0"/>
+              <a:t>Build = bugfixes</a:t>
+            </a:r>
+          </a:p>
+          <a:p>
+            <a:r>
+              <a:rPr lang="en-US" dirty="0"/>
+              <a:t>Specify exported functions </a:t>
+            </a:r>
+            <a:r>
+              <a:rPr lang="en-US" dirty="0" err="1"/>
+              <a:t>etc</a:t>
+            </a:r>
+            <a:r>
+              <a:rPr lang="en-US" dirty="0"/>
+              <a:t> explicitly</a:t>
+            </a:r>
+          </a:p>
+          <a:p>
+            <a:pPr lvl="1"/>
+            <a:r>
+              <a:rPr lang="en-US" dirty="0"/>
+              <a:t>PowerShell doesn’t have to load your module to see if the command the user typed is in </a:t>
+            </a:r>
+            <a:r>
+              <a:rPr lang="en-US"/>
+              <a:t>your module</a:t>
+            </a:r>
+          </a:p>
+        </p:txBody>
+      </p:sp>
+      <p:sp>
+        <p:nvSpPr>
+          <p:cNvPr id="3" name="Rubrik 2"/>
+          <p:cNvSpPr>
+            <a:spLocks noGrp="1"/>
+          </p:cNvSpPr>
+          <p:nvPr>
+            <p:ph type="title"/>
+          </p:nvPr>
+        </p:nvSpPr>
+        <p:spPr/>
+        <p:txBody>
+          <a:bodyPr/>
+          <a:lstStyle/>
+          <a:p>
+            <a:r>
+              <a:rPr lang="en-US" dirty="0"/>
+              <a:t>Module Metadata</a:t>
+            </a:r>
           </a:p>
         </p:txBody>
       </p:sp>
     </p:spTree>
     <p:extLst>
       <p:ext uri="{BB962C8B-B14F-4D97-AF65-F5344CB8AC3E}">
-        <p14:creationId xmlns:p14="http://schemas.microsoft.com/office/powerpoint/2010/main" val="1401421730"/>
+        <p14:creationId xmlns:p14="http://schemas.microsoft.com/office/powerpoint/2010/main" val="2094589450"/>
       </p:ext>
     </p:extLst>
   </p:cSld>
@@ -9455,44 +9442,42 @@
             <p:ph type="title"/>
           </p:nvPr>
         </p:nvSpPr>
-        <p:spPr>
-          <a:xfrm>
-            <a:off x="0" y="908720"/>
-            <a:ext cx="9144000" cy="792088"/>
-          </a:xfrm>
-          <a:prstGeom prst="rect">
-            <a:avLst/>
-          </a:prstGeom>
-        </p:spPr>
+        <p:spPr/>
         <p:txBody>
           <a:bodyPr/>
           <a:lstStyle/>
           <a:p>
             <a:r>
               <a:rPr lang="de-DE" dirty="0"/>
-              <a:t>Summary</a:t>
+              <a:t>Demo</a:t>
             </a:r>
           </a:p>
         </p:txBody>
       </p:sp>
       <p:sp>
         <p:nvSpPr>
-          <p:cNvPr id="3" name="Inhaltsplatzhalter 2"/>
+          <p:cNvPr id="3" name="Textplatzhalter 2"/>
           <p:cNvSpPr>
             <a:spLocks noGrp="1"/>
           </p:cNvSpPr>
           <p:nvPr>
-            <p:ph idx="1"/>
+            <p:ph type="body" sz="quarter" idx="10"/>
           </p:nvPr>
         </p:nvSpPr>
         <p:spPr/>
         <p:txBody>
-          <a:bodyPr/>
+          <a:bodyPr>
+            <a:normAutofit fontScale="92500" lnSpcReduction="20000"/>
+          </a:bodyPr>
           <a:lstStyle/>
           <a:p>
             <a:r>
+              <a:rPr lang="de-DE" dirty="0"/>
+              <a:t>Try </a:t>
+            </a:r>
+            <a:r>
               <a:rPr lang="de-DE" dirty="0" err="1"/>
-              <a:t>Make</a:t>
+              <a:t>and</a:t>
             </a:r>
             <a:r>
               <a:rPr lang="de-DE" dirty="0"/>
@@ -9500,7 +9485,134 @@
             </a:r>
             <a:r>
               <a:rPr lang="de-DE" dirty="0" err="1"/>
-              <a:t>sure</a:t>
+              <a:t>use</a:t>
+            </a:r>
+            <a:r>
+              <a:rPr lang="de-DE" dirty="0"/>
+              <a:t> </a:t>
+            </a:r>
+            <a:r>
+              <a:rPr lang="de-DE" dirty="0" err="1"/>
+              <a:t>demos</a:t>
+            </a:r>
+            <a:r>
+              <a:rPr lang="de-DE" dirty="0"/>
+              <a:t> </a:t>
+            </a:r>
+            <a:r>
+              <a:rPr lang="de-DE" dirty="0" err="1"/>
+              <a:t>instead</a:t>
+            </a:r>
+            <a:r>
+              <a:rPr lang="de-DE" dirty="0"/>
+              <a:t> </a:t>
+            </a:r>
+            <a:r>
+              <a:rPr lang="de-DE" dirty="0" err="1"/>
+              <a:t>of</a:t>
+            </a:r>
+            <a:r>
+              <a:rPr lang="de-DE" dirty="0"/>
+              <a:t> </a:t>
+            </a:r>
+            <a:r>
+              <a:rPr lang="de-DE" dirty="0" err="1"/>
+              <a:t>dead</a:t>
+            </a:r>
+            <a:r>
+              <a:rPr lang="de-DE" dirty="0"/>
+              <a:t> </a:t>
+            </a:r>
+            <a:r>
+              <a:rPr lang="de-DE" dirty="0" err="1"/>
+              <a:t>slides</a:t>
+            </a:r>
+            <a:r>
+              <a:rPr lang="de-DE" dirty="0"/>
+              <a:t>.</a:t>
+            </a:r>
+          </a:p>
+          <a:p>
+            <a:endParaRPr lang="de-DE" dirty="0"/>
+          </a:p>
+          <a:p>
+            <a:r>
+              <a:rPr lang="de-DE" dirty="0" err="1"/>
+              <a:t>Please</a:t>
+            </a:r>
+            <a:r>
+              <a:rPr lang="de-DE" dirty="0"/>
+              <a:t> do not </a:t>
+            </a:r>
+            <a:r>
+              <a:rPr lang="de-DE" dirty="0" err="1"/>
+              <a:t>dive</a:t>
+            </a:r>
+            <a:r>
+              <a:rPr lang="de-DE" dirty="0"/>
+              <a:t> </a:t>
+            </a:r>
+            <a:r>
+              <a:rPr lang="de-DE" dirty="0" err="1"/>
+              <a:t>into</a:t>
+            </a:r>
+            <a:r>
+              <a:rPr lang="de-DE" dirty="0"/>
+              <a:t> </a:t>
+            </a:r>
+            <a:r>
+              <a:rPr lang="de-DE" dirty="0" err="1"/>
+              <a:t>zillions</a:t>
+            </a:r>
+            <a:r>
+              <a:rPr lang="de-DE" dirty="0"/>
+              <a:t> </a:t>
+            </a:r>
+            <a:r>
+              <a:rPr lang="de-DE" dirty="0" err="1"/>
+              <a:t>of</a:t>
+            </a:r>
+            <a:r>
+              <a:rPr lang="de-DE" dirty="0"/>
+              <a:t> </a:t>
+            </a:r>
+            <a:r>
+              <a:rPr lang="de-DE" dirty="0" err="1"/>
+              <a:t>pages</a:t>
+            </a:r>
+            <a:r>
+              <a:rPr lang="de-DE" dirty="0"/>
+              <a:t> </a:t>
+            </a:r>
+            <a:r>
+              <a:rPr lang="de-DE" dirty="0" err="1"/>
+              <a:t>of</a:t>
+            </a:r>
+            <a:r>
+              <a:rPr lang="de-DE" dirty="0"/>
+              <a:t> </a:t>
+            </a:r>
+            <a:r>
+              <a:rPr lang="de-DE" dirty="0" err="1"/>
+              <a:t>code</a:t>
+            </a:r>
+            <a:r>
+              <a:rPr lang="de-DE" dirty="0"/>
+              <a:t>.</a:t>
+            </a:r>
+          </a:p>
+          <a:p>
+            <a:r>
+              <a:rPr lang="de-DE" dirty="0" err="1"/>
+              <a:t>Instead</a:t>
+            </a:r>
+            <a:r>
+              <a:rPr lang="de-DE" dirty="0"/>
+              <a:t>, </a:t>
+            </a:r>
+            <a:r>
+              <a:rPr lang="de-DE" dirty="0" err="1"/>
+              <a:t>if</a:t>
             </a:r>
             <a:r>
               <a:rPr lang="de-DE" dirty="0"/>
@@ -9516,15 +9628,15 @@
             </a:r>
             <a:r>
               <a:rPr lang="de-DE" dirty="0" err="1"/>
-              <a:t>add</a:t>
-            </a:r>
-            <a:r>
-              <a:rPr lang="de-DE" dirty="0"/>
-              <a:t> a </a:t>
+              <a:t>can</a:t>
+            </a:r>
+            <a:r>
+              <a:rPr lang="de-DE" dirty="0"/>
+              <a:t>, turn </a:t>
             </a:r>
             <a:r>
               <a:rPr lang="de-DE" dirty="0" err="1"/>
-              <a:t>summary</a:t>
+              <a:t>your</a:t>
             </a:r>
             <a:r>
               <a:rPr lang="de-DE" dirty="0"/>
@@ -9532,22 +9644,96 @@
             </a:r>
             <a:r>
               <a:rPr lang="de-DE" dirty="0" err="1"/>
-              <a:t>slide</a:t>
-            </a:r>
+              <a:t>logical</a:t>
+            </a:r>
+            <a:r>
+              <a:rPr lang="de-DE" dirty="0"/>
+              <a:t> </a:t>
+            </a:r>
+            <a:r>
+              <a:rPr lang="de-DE" dirty="0" err="1"/>
+              <a:t>code</a:t>
+            </a:r>
+            <a:r>
+              <a:rPr lang="de-DE" dirty="0"/>
+              <a:t> </a:t>
+            </a:r>
+            <a:r>
+              <a:rPr lang="de-DE" dirty="0" err="1"/>
+              <a:t>blocks</a:t>
+            </a:r>
+            <a:r>
+              <a:rPr lang="de-DE" dirty="0"/>
+              <a:t> </a:t>
+            </a:r>
+            <a:r>
+              <a:rPr lang="de-DE" dirty="0" err="1"/>
+              <a:t>into</a:t>
+            </a:r>
+            <a:r>
+              <a:rPr lang="de-DE" dirty="0"/>
+              <a:t> </a:t>
+            </a:r>
+            <a:r>
+              <a:rPr lang="de-DE" dirty="0" err="1"/>
+              <a:t>functions</a:t>
+            </a:r>
+            <a:r>
+              <a:rPr lang="de-DE" dirty="0"/>
+              <a:t>, </a:t>
+            </a:r>
+            <a:r>
+              <a:rPr lang="de-DE" dirty="0" err="1"/>
+              <a:t>and</a:t>
+            </a:r>
+            <a:r>
+              <a:rPr lang="de-DE" dirty="0"/>
+              <a:t> </a:t>
+            </a:r>
+            <a:r>
+              <a:rPr lang="de-DE" dirty="0" err="1"/>
+              <a:t>store</a:t>
+            </a:r>
+            <a:r>
+              <a:rPr lang="de-DE" dirty="0"/>
+              <a:t> </a:t>
+            </a:r>
+            <a:r>
+              <a:rPr lang="de-DE" dirty="0" err="1"/>
+              <a:t>them</a:t>
+            </a:r>
+            <a:r>
+              <a:rPr lang="de-DE" dirty="0"/>
+              <a:t> in a </a:t>
+            </a:r>
+            <a:r>
+              <a:rPr lang="de-DE" dirty="0" err="1"/>
+              <a:t>module</a:t>
+            </a:r>
+            <a:r>
+              <a:rPr lang="de-DE" dirty="0"/>
+              <a:t>. </a:t>
+            </a:r>
+          </a:p>
+          <a:p>
             <a:endParaRPr lang="de-DE" dirty="0"/>
           </a:p>
           <a:p>
             <a:r>
+              <a:rPr lang="de-DE" dirty="0"/>
+              <a:t>Share </a:t>
+            </a:r>
+            <a:r>
               <a:rPr lang="de-DE" dirty="0" err="1"/>
-              <a:t>Use</a:t>
-            </a:r>
-            <a:r>
-              <a:rPr lang="de-DE" dirty="0"/>
-              <a:t> 3-5 </a:t>
+              <a:t>this</a:t>
+            </a:r>
+            <a:r>
+              <a:rPr lang="de-DE" dirty="0"/>
+              <a:t> </a:t>
             </a:r>
             <a:r>
               <a:rPr lang="de-DE" dirty="0" err="1"/>
-              <a:t>bullet</a:t>
+              <a:t>module</a:t>
             </a:r>
             <a:r>
               <a:rPr lang="de-DE" dirty="0"/>
@@ -9555,7 +9741,7 @@
             </a:r>
             <a:r>
               <a:rPr lang="de-DE" dirty="0" err="1"/>
-              <a:t>points</a:t>
+              <a:t>with</a:t>
             </a:r>
             <a:r>
               <a:rPr lang="de-DE" dirty="0"/>
@@ -9563,7 +9749,7 @@
             </a:r>
             <a:r>
               <a:rPr lang="de-DE" dirty="0" err="1"/>
-              <a:t>to</a:t>
+              <a:t>your</a:t>
             </a:r>
             <a:r>
               <a:rPr lang="de-DE" dirty="0"/>
@@ -9571,32 +9757,19 @@
             </a:r>
             <a:r>
               <a:rPr lang="de-DE" dirty="0" err="1"/>
-              <a:t>reiterate</a:t>
-            </a:r>
-            <a:r>
-              <a:rPr lang="de-DE" dirty="0"/>
-              <a:t> </a:t>
-            </a:r>
-            <a:r>
-              <a:rPr lang="de-DE" dirty="0" err="1"/>
-              <a:t>key</a:t>
-            </a:r>
-            <a:r>
-              <a:rPr lang="de-DE" dirty="0"/>
-              <a:t> </a:t>
-            </a:r>
-            <a:r>
-              <a:rPr lang="de-DE" dirty="0" err="1"/>
-              <a:t>points</a:t>
-            </a:r>
-            <a:endParaRPr lang="de-DE" dirty="0"/>
+              <a:t>audience</a:t>
+            </a:r>
+            <a:r>
+              <a:rPr lang="de-DE" dirty="0"/>
+              <a:t>.</a:t>
+            </a:r>
           </a:p>
         </p:txBody>
       </p:sp>
     </p:spTree>
     <p:extLst>
       <p:ext uri="{BB962C8B-B14F-4D97-AF65-F5344CB8AC3E}">
-        <p14:creationId xmlns:p14="http://schemas.microsoft.com/office/powerpoint/2010/main" val="3109724331"/>
+        <p14:creationId xmlns:p14="http://schemas.microsoft.com/office/powerpoint/2010/main" val="2040841989"/>
       </p:ext>
     </p:extLst>
   </p:cSld>
@@ -9637,7 +9810,7 @@
       </p:grpSpPr>
       <p:sp>
         <p:nvSpPr>
-          <p:cNvPr id="2" name="Inhaltsplatzhalter 1"/>
+          <p:cNvPr id="2" name="Content Placeholder 1"/>
           <p:cNvSpPr>
             <a:spLocks noGrp="1"/>
           </p:cNvSpPr>
@@ -9647,248 +9820,496 @@
         </p:nvSpPr>
         <p:spPr/>
         <p:txBody>
-          <a:bodyPr/>
+          <a:bodyPr>
+            <a:normAutofit fontScale="85000" lnSpcReduction="10000"/>
+          </a:bodyPr>
           <a:lstStyle/>
           <a:p>
             <a:r>
-              <a:rPr lang="de-DE" dirty="0" err="1"/>
-              <a:t>Now</a:t>
-            </a:r>
-            <a:r>
-              <a:rPr lang="de-DE" dirty="0"/>
-              <a:t>: 15 min break</a:t>
-            </a:r>
-          </a:p>
-          <a:p>
-            <a:endParaRPr lang="de-DE" dirty="0"/>
-          </a:p>
-          <a:p>
-            <a:r>
-              <a:rPr lang="de-DE" dirty="0"/>
-              <a:t>Grab a </a:t>
-            </a:r>
-            <a:r>
-              <a:rPr lang="de-DE" dirty="0" err="1"/>
-              <a:t>coffee</a:t>
-            </a:r>
-            <a:endParaRPr lang="de-DE" dirty="0"/>
-          </a:p>
-          <a:p>
-            <a:r>
-              <a:rPr lang="de-DE" dirty="0" err="1"/>
-              <a:t>Stay</a:t>
-            </a:r>
-            <a:r>
-              <a:rPr lang="de-DE" dirty="0"/>
-              <a:t> </a:t>
-            </a:r>
-            <a:r>
-              <a:rPr lang="de-DE" dirty="0" err="1"/>
-              <a:t>here</a:t>
-            </a:r>
-            <a:r>
-              <a:rPr lang="de-DE" dirty="0"/>
-              <a:t> </a:t>
-            </a:r>
-            <a:r>
-              <a:rPr lang="de-DE" dirty="0" err="1"/>
-              <a:t>to</a:t>
-            </a:r>
-            <a:r>
-              <a:rPr lang="de-DE" dirty="0"/>
-              <a:t> </a:t>
-            </a:r>
-            <a:r>
-              <a:rPr lang="de-DE" dirty="0" err="1"/>
-              <a:t>enjoy</a:t>
-            </a:r>
-            <a:r>
-              <a:rPr lang="de-DE" dirty="0"/>
-              <a:t> </a:t>
-            </a:r>
-            <a:r>
-              <a:rPr lang="de-DE" dirty="0" err="1"/>
-              <a:t>next</a:t>
-            </a:r>
-            <a:r>
-              <a:rPr lang="de-DE" dirty="0"/>
-              <a:t> </a:t>
-            </a:r>
-            <a:r>
-              <a:rPr lang="de-DE" dirty="0" err="1"/>
-              <a:t>presentation</a:t>
-            </a:r>
-            <a:endParaRPr lang="de-DE" dirty="0"/>
-          </a:p>
-          <a:p>
-            <a:r>
-              <a:rPr lang="de-DE" dirty="0"/>
-              <a:t>Change </a:t>
-            </a:r>
-            <a:r>
-              <a:rPr lang="de-DE" dirty="0" err="1"/>
-              <a:t>track</a:t>
-            </a:r>
-            <a:r>
-              <a:rPr lang="de-DE" dirty="0"/>
-              <a:t> </a:t>
-            </a:r>
-            <a:r>
-              <a:rPr lang="de-DE" dirty="0" err="1"/>
-              <a:t>and</a:t>
-            </a:r>
-            <a:r>
-              <a:rPr lang="de-DE" dirty="0"/>
-              <a:t> </a:t>
-            </a:r>
-            <a:r>
-              <a:rPr lang="de-DE" dirty="0" err="1"/>
-              <a:t>switch</a:t>
-            </a:r>
-            <a:r>
-              <a:rPr lang="de-DE" dirty="0"/>
-              <a:t> </a:t>
-            </a:r>
-            <a:r>
-              <a:rPr lang="de-DE" dirty="0" err="1"/>
-              <a:t>to</a:t>
-            </a:r>
-            <a:r>
-              <a:rPr lang="de-DE" dirty="0"/>
-              <a:t> </a:t>
-            </a:r>
-            <a:r>
-              <a:rPr lang="de-DE" dirty="0" err="1"/>
-              <a:t>another</a:t>
-            </a:r>
-            <a:r>
-              <a:rPr lang="de-DE" dirty="0"/>
-              <a:t> </a:t>
-            </a:r>
-            <a:r>
-              <a:rPr lang="de-DE" dirty="0" err="1"/>
-              <a:t>room</a:t>
-            </a:r>
-            <a:endParaRPr lang="de-DE" dirty="0"/>
-          </a:p>
-          <a:p>
-            <a:endParaRPr lang="de-DE" dirty="0"/>
-          </a:p>
-          <a:p>
-            <a:r>
-              <a:rPr lang="de-DE" dirty="0" err="1"/>
-              <a:t>Ask</a:t>
-            </a:r>
-            <a:r>
-              <a:rPr lang="de-DE" dirty="0"/>
-              <a:t> </a:t>
-            </a:r>
-            <a:r>
-              <a:rPr lang="de-DE" dirty="0" err="1"/>
-              <a:t>me</a:t>
-            </a:r>
-            <a:r>
-              <a:rPr lang="de-DE" dirty="0"/>
-              <a:t> </a:t>
-            </a:r>
-            <a:r>
-              <a:rPr lang="de-DE" dirty="0" err="1"/>
-              <a:t>questions</a:t>
-            </a:r>
-            <a:r>
-              <a:rPr lang="de-DE" dirty="0"/>
-              <a:t> </a:t>
-            </a:r>
-            <a:r>
-              <a:rPr lang="de-DE" dirty="0" err="1"/>
-              <a:t>or</a:t>
-            </a:r>
-            <a:r>
-              <a:rPr lang="de-DE" dirty="0"/>
-              <a:t> </a:t>
-            </a:r>
-            <a:r>
-              <a:rPr lang="de-DE" dirty="0" err="1"/>
-              <a:t>meet</a:t>
-            </a:r>
-            <a:r>
-              <a:rPr lang="de-DE" dirty="0"/>
-              <a:t> </a:t>
-            </a:r>
-            <a:r>
-              <a:rPr lang="de-DE" dirty="0" err="1"/>
-              <a:t>me</a:t>
-            </a:r>
-            <a:r>
-              <a:rPr lang="de-DE" dirty="0"/>
-              <a:t> in a </a:t>
-            </a:r>
-            <a:r>
-              <a:rPr lang="de-DE" dirty="0" err="1"/>
-              <a:t>breakout</a:t>
-            </a:r>
-            <a:r>
-              <a:rPr lang="de-DE" dirty="0"/>
-              <a:t> </a:t>
-            </a:r>
-            <a:r>
-              <a:rPr lang="de-DE" dirty="0" err="1"/>
-              <a:t>session</a:t>
-            </a:r>
-            <a:r>
-              <a:rPr lang="de-DE" dirty="0"/>
-              <a:t> </a:t>
-            </a:r>
-            <a:r>
-              <a:rPr lang="de-DE" dirty="0" err="1"/>
-              <a:t>room</a:t>
-            </a:r>
-            <a:r>
-              <a:rPr lang="de-DE" dirty="0"/>
-              <a:t> </a:t>
-            </a:r>
-            <a:r>
-              <a:rPr lang="de-DE" dirty="0" err="1"/>
-              <a:t>afterwards</a:t>
-            </a:r>
-            <a:endParaRPr lang="de-DE" dirty="0"/>
-          </a:p>
-        </p:txBody>
-      </p:sp>
-      <p:sp>
-        <p:nvSpPr>
-          <p:cNvPr id="3" name="Titel 2"/>
-          <p:cNvSpPr>
-            <a:spLocks noGrp="1"/>
-          </p:cNvSpPr>
-          <p:nvPr>
-            <p:ph type="title"/>
-          </p:nvPr>
-        </p:nvSpPr>
-        <p:spPr/>
-        <p:txBody>
-          <a:bodyPr/>
-          <a:lstStyle/>
-          <a:p>
-            <a:r>
-              <a:rPr lang="de-DE" dirty="0"/>
-              <a:t>Next </a:t>
-            </a:r>
-            <a:r>
-              <a:rPr lang="de-DE" dirty="0" err="1"/>
-              <a:t>Steps</a:t>
-            </a:r>
-            <a:r>
-              <a:rPr lang="de-DE" dirty="0"/>
-              <a:t>...</a:t>
-            </a:r>
+              <a:rPr lang="en-US" dirty="0">
+                <a:solidFill>
+                  <a:srgbClr val="006400"/>
+                </a:solidFill>
+                <a:latin typeface="Lucida Console" panose="020B0609040504020204" pitchFamily="49" charset="0"/>
+              </a:rPr>
+              <a:t># use this template for code samples</a:t>
+            </a:r>
+          </a:p>
+          <a:p>
+            <a:r>
+              <a:rPr lang="en-US" dirty="0">
+                <a:solidFill>
+                  <a:srgbClr val="006400"/>
+                </a:solidFill>
+                <a:latin typeface="Lucida Console" panose="020B0609040504020204" pitchFamily="49" charset="0"/>
+              </a:rPr>
+              <a:t># and follow these instructions to show perfectly</a:t>
+            </a:r>
+          </a:p>
+          <a:p>
+            <a:r>
+              <a:rPr lang="en-US" dirty="0">
+                <a:solidFill>
+                  <a:srgbClr val="006400"/>
+                </a:solidFill>
+                <a:latin typeface="Lucida Console" panose="020B0609040504020204" pitchFamily="49" charset="0"/>
+              </a:rPr>
+              <a:t># color-coded PowerShell code:</a:t>
+            </a:r>
+          </a:p>
+          <a:p>
+            <a:endParaRPr lang="en-US" dirty="0">
+              <a:solidFill>
+                <a:srgbClr val="006400"/>
+              </a:solidFill>
+              <a:latin typeface="Lucida Console" panose="020B0609040504020204" pitchFamily="49" charset="0"/>
+            </a:endParaRPr>
+          </a:p>
+          <a:p>
+            <a:r>
+              <a:rPr lang="en-US" dirty="0">
+                <a:solidFill>
+                  <a:srgbClr val="006400"/>
+                </a:solidFill>
+                <a:latin typeface="Lucida Console" panose="020B0609040504020204" pitchFamily="49" charset="0"/>
+              </a:rPr>
+              <a:t># paste code to PowerShell ISE, select it, and copy it</a:t>
+            </a:r>
+            <a:endParaRPr lang="en-US" dirty="0">
+              <a:solidFill>
+                <a:prstClr val="black"/>
+              </a:solidFill>
+              <a:latin typeface="Lucida Console" panose="020B0609040504020204" pitchFamily="49" charset="0"/>
+            </a:endParaRPr>
+          </a:p>
+          <a:p>
+            <a:r>
+              <a:rPr lang="en-US" dirty="0">
+                <a:solidFill>
+                  <a:srgbClr val="006400"/>
+                </a:solidFill>
+                <a:latin typeface="Lucida Console" panose="020B0609040504020204" pitchFamily="49" charset="0"/>
+              </a:rPr>
+              <a:t># to the clipboard</a:t>
+            </a:r>
+            <a:endParaRPr lang="en-US" dirty="0">
+              <a:solidFill>
+                <a:prstClr val="black"/>
+              </a:solidFill>
+              <a:latin typeface="Lucida Console" panose="020B0609040504020204" pitchFamily="49" charset="0"/>
+            </a:endParaRPr>
+          </a:p>
+          <a:p>
+            <a:r>
+              <a:rPr lang="en-US" dirty="0">
+                <a:solidFill>
+                  <a:srgbClr val="0000FF"/>
+                </a:solidFill>
+                <a:latin typeface="Lucida Console" panose="020B0609040504020204" pitchFamily="49" charset="0"/>
+              </a:rPr>
+              <a:t>Paste-Code</a:t>
+            </a:r>
+            <a:r>
+              <a:rPr lang="en-US" dirty="0">
+                <a:solidFill>
+                  <a:prstClr val="black"/>
+                </a:solidFill>
+                <a:latin typeface="Lucida Console" panose="020B0609040504020204" pitchFamily="49" charset="0"/>
+              </a:rPr>
+              <a:t> </a:t>
+            </a:r>
+            <a:r>
+              <a:rPr lang="en-US" dirty="0">
+                <a:solidFill>
+                  <a:srgbClr val="000080"/>
+                </a:solidFill>
+                <a:latin typeface="Lucida Console" panose="020B0609040504020204" pitchFamily="49" charset="0"/>
+              </a:rPr>
+              <a:t>-</a:t>
+            </a:r>
+            <a:r>
+              <a:rPr lang="en-US" dirty="0" err="1">
+                <a:solidFill>
+                  <a:srgbClr val="000080"/>
+                </a:solidFill>
+                <a:latin typeface="Lucida Console" panose="020B0609040504020204" pitchFamily="49" charset="0"/>
+              </a:rPr>
+              <a:t>toISE</a:t>
+            </a:r>
+            <a:r>
+              <a:rPr lang="en-US" dirty="0">
+                <a:solidFill>
+                  <a:prstClr val="black"/>
+                </a:solidFill>
+                <a:latin typeface="Lucida Console" panose="020B0609040504020204" pitchFamily="49" charset="0"/>
+              </a:rPr>
+              <a:t> </a:t>
+            </a:r>
+            <a:r>
+              <a:rPr lang="en-US" dirty="0">
+                <a:solidFill>
+                  <a:srgbClr val="A9A9A9"/>
+                </a:solidFill>
+                <a:latin typeface="Lucida Console" panose="020B0609040504020204" pitchFamily="49" charset="0"/>
+              </a:rPr>
+              <a:t>|</a:t>
+            </a:r>
+            <a:r>
+              <a:rPr lang="en-US" dirty="0">
+                <a:solidFill>
+                  <a:prstClr val="black"/>
+                </a:solidFill>
+                <a:latin typeface="Lucida Console" panose="020B0609040504020204" pitchFamily="49" charset="0"/>
+              </a:rPr>
+              <a:t> </a:t>
+            </a:r>
+            <a:r>
+              <a:rPr lang="en-US" dirty="0">
+                <a:solidFill>
+                  <a:srgbClr val="0000FF"/>
+                </a:solidFill>
+                <a:latin typeface="Lucida Console" panose="020B0609040504020204" pitchFamily="49" charset="0"/>
+              </a:rPr>
+              <a:t>Select-Code</a:t>
+            </a:r>
+            <a:r>
+              <a:rPr lang="en-US" dirty="0">
+                <a:solidFill>
+                  <a:prstClr val="black"/>
+                </a:solidFill>
+                <a:latin typeface="Lucida Console" panose="020B0609040504020204" pitchFamily="49" charset="0"/>
+              </a:rPr>
+              <a:t> </a:t>
+            </a:r>
+            <a:r>
+              <a:rPr lang="en-US" dirty="0">
+                <a:solidFill>
+                  <a:srgbClr val="A9A9A9"/>
+                </a:solidFill>
+                <a:latin typeface="Lucida Console" panose="020B0609040504020204" pitchFamily="49" charset="0"/>
+              </a:rPr>
+              <a:t>|</a:t>
+            </a:r>
+            <a:r>
+              <a:rPr lang="en-US" dirty="0">
+                <a:solidFill>
+                  <a:prstClr val="black"/>
+                </a:solidFill>
+                <a:latin typeface="Lucida Console" panose="020B0609040504020204" pitchFamily="49" charset="0"/>
+              </a:rPr>
+              <a:t> </a:t>
+            </a:r>
+            <a:r>
+              <a:rPr lang="en-US" dirty="0">
+                <a:solidFill>
+                  <a:srgbClr val="0000FF"/>
+                </a:solidFill>
+                <a:latin typeface="Lucida Console" panose="020B0609040504020204" pitchFamily="49" charset="0"/>
+              </a:rPr>
+              <a:t>Copy-</a:t>
+            </a:r>
+            <a:r>
+              <a:rPr lang="en-US" dirty="0" err="1">
+                <a:solidFill>
+                  <a:srgbClr val="0000FF"/>
+                </a:solidFill>
+                <a:latin typeface="Lucida Console" panose="020B0609040504020204" pitchFamily="49" charset="0"/>
+              </a:rPr>
+              <a:t>ToClipboard</a:t>
+            </a:r>
+            <a:endParaRPr lang="en-US" dirty="0">
+              <a:solidFill>
+                <a:prstClr val="black"/>
+              </a:solidFill>
+              <a:latin typeface="Lucida Console" panose="020B0609040504020204" pitchFamily="49" charset="0"/>
+            </a:endParaRPr>
+          </a:p>
+          <a:p>
+            <a:endParaRPr lang="en-US" dirty="0">
+              <a:solidFill>
+                <a:prstClr val="black"/>
+              </a:solidFill>
+              <a:latin typeface="Lucida Console" panose="020B0609040504020204" pitchFamily="49" charset="0"/>
+            </a:endParaRPr>
+          </a:p>
+          <a:p>
+            <a:r>
+              <a:rPr lang="en-US" dirty="0">
+                <a:solidFill>
+                  <a:srgbClr val="006400"/>
+                </a:solidFill>
+                <a:latin typeface="Lucida Console" panose="020B0609040504020204" pitchFamily="49" charset="0"/>
+              </a:rPr>
+              <a:t># to insert it with full color coding into a slide,</a:t>
+            </a:r>
+            <a:endParaRPr lang="en-US" dirty="0">
+              <a:solidFill>
+                <a:prstClr val="black"/>
+              </a:solidFill>
+              <a:latin typeface="Lucida Console" panose="020B0609040504020204" pitchFamily="49" charset="0"/>
+            </a:endParaRPr>
+          </a:p>
+          <a:p>
+            <a:r>
+              <a:rPr lang="en-US" dirty="0">
+                <a:solidFill>
+                  <a:srgbClr val="006400"/>
+                </a:solidFill>
+                <a:latin typeface="Lucida Console" panose="020B0609040504020204" pitchFamily="49" charset="0"/>
+              </a:rPr>
+              <a:t># paste the code to your PPT slide. It will be black,</a:t>
+            </a:r>
+            <a:endParaRPr lang="en-US" dirty="0">
+              <a:solidFill>
+                <a:prstClr val="black"/>
+              </a:solidFill>
+              <a:latin typeface="Lucida Console" panose="020B0609040504020204" pitchFamily="49" charset="0"/>
+            </a:endParaRPr>
+          </a:p>
+          <a:p>
+            <a:r>
+              <a:rPr lang="en-US" dirty="0">
+                <a:solidFill>
+                  <a:srgbClr val="006400"/>
+                </a:solidFill>
+                <a:latin typeface="Lucida Console" panose="020B0609040504020204" pitchFamily="49" charset="0"/>
+              </a:rPr>
+              <a:t># and there is a </a:t>
+            </a:r>
+            <a:r>
+              <a:rPr lang="en-US" dirty="0" err="1">
+                <a:solidFill>
+                  <a:srgbClr val="006400"/>
+                </a:solidFill>
+                <a:latin typeface="Lucida Console" panose="020B0609040504020204" pitchFamily="49" charset="0"/>
+              </a:rPr>
+              <a:t>toolbutton</a:t>
+            </a:r>
+            <a:r>
+              <a:rPr lang="en-US" dirty="0">
+                <a:solidFill>
+                  <a:srgbClr val="006400"/>
+                </a:solidFill>
+                <a:latin typeface="Lucida Console" panose="020B0609040504020204" pitchFamily="49" charset="0"/>
+              </a:rPr>
+              <a:t> labelled (Ctrl) in PPT.</a:t>
+            </a:r>
+            <a:endParaRPr lang="en-US" dirty="0">
+              <a:solidFill>
+                <a:prstClr val="black"/>
+              </a:solidFill>
+              <a:latin typeface="Lucida Console" panose="020B0609040504020204" pitchFamily="49" charset="0"/>
+            </a:endParaRPr>
+          </a:p>
+          <a:p>
+            <a:r>
+              <a:rPr lang="en-US" dirty="0">
+                <a:solidFill>
+                  <a:srgbClr val="0000FF"/>
+                </a:solidFill>
+                <a:latin typeface="Lucida Console" panose="020B0609040504020204" pitchFamily="49" charset="0"/>
+              </a:rPr>
+              <a:t>Click-</a:t>
+            </a:r>
+            <a:r>
+              <a:rPr lang="en-US" dirty="0" err="1">
+                <a:solidFill>
+                  <a:srgbClr val="0000FF"/>
+                </a:solidFill>
+                <a:latin typeface="Lucida Console" panose="020B0609040504020204" pitchFamily="49" charset="0"/>
+              </a:rPr>
+              <a:t>ToolButton</a:t>
+            </a:r>
+            <a:r>
+              <a:rPr lang="en-US" dirty="0">
+                <a:solidFill>
+                  <a:prstClr val="black"/>
+                </a:solidFill>
+                <a:latin typeface="Lucida Console" panose="020B0609040504020204" pitchFamily="49" charset="0"/>
+              </a:rPr>
+              <a:t> </a:t>
+            </a:r>
+            <a:r>
+              <a:rPr lang="en-US" dirty="0">
+                <a:solidFill>
+                  <a:srgbClr val="000080"/>
+                </a:solidFill>
+                <a:latin typeface="Lucida Console" panose="020B0609040504020204" pitchFamily="49" charset="0"/>
+              </a:rPr>
+              <a:t>-Choose</a:t>
+            </a:r>
+            <a:r>
+              <a:rPr lang="en-US" dirty="0">
+                <a:solidFill>
+                  <a:prstClr val="black"/>
+                </a:solidFill>
+                <a:latin typeface="Lucida Console" panose="020B0609040504020204" pitchFamily="49" charset="0"/>
+              </a:rPr>
+              <a:t> </a:t>
+            </a:r>
+            <a:r>
+              <a:rPr lang="en-US" dirty="0" err="1">
+                <a:solidFill>
+                  <a:srgbClr val="8A2BE2"/>
+                </a:solidFill>
+                <a:latin typeface="Lucida Console" panose="020B0609040504020204" pitchFamily="49" charset="0"/>
+              </a:rPr>
+              <a:t>SymbolWithClipboardAndBrush</a:t>
+            </a:r>
+            <a:endParaRPr lang="en-US" dirty="0">
+              <a:solidFill>
+                <a:prstClr val="black"/>
+              </a:solidFill>
+              <a:latin typeface="Lucida Console" panose="020B0609040504020204" pitchFamily="49" charset="0"/>
+            </a:endParaRPr>
+          </a:p>
+          <a:p>
+            <a:r>
+              <a:rPr lang="en-US" dirty="0">
+                <a:solidFill>
+                  <a:srgbClr val="006400"/>
+                </a:solidFill>
+                <a:latin typeface="Lucida Console" panose="020B0609040504020204" pitchFamily="49" charset="0"/>
+              </a:rPr>
+              <a:t># Click the </a:t>
+            </a:r>
+            <a:r>
+              <a:rPr lang="en-US" dirty="0" err="1">
+                <a:solidFill>
+                  <a:srgbClr val="006400"/>
+                </a:solidFill>
+                <a:latin typeface="Lucida Console" panose="020B0609040504020204" pitchFamily="49" charset="0"/>
+              </a:rPr>
+              <a:t>toolbutton</a:t>
+            </a:r>
+            <a:r>
+              <a:rPr lang="en-US" dirty="0">
+                <a:solidFill>
+                  <a:srgbClr val="006400"/>
+                </a:solidFill>
+                <a:latin typeface="Lucida Console" panose="020B0609040504020204" pitchFamily="49" charset="0"/>
+              </a:rPr>
+              <a:t>, and choose the button that shows</a:t>
+            </a:r>
+            <a:endParaRPr lang="en-US" dirty="0">
+              <a:solidFill>
+                <a:prstClr val="black"/>
+              </a:solidFill>
+              <a:latin typeface="Lucida Console" panose="020B0609040504020204" pitchFamily="49" charset="0"/>
+            </a:endParaRPr>
+          </a:p>
+          <a:p>
+            <a:r>
+              <a:rPr lang="en-US" dirty="0">
+                <a:solidFill>
+                  <a:srgbClr val="006400"/>
+                </a:solidFill>
+                <a:latin typeface="Lucida Console" panose="020B0609040504020204" pitchFamily="49" charset="0"/>
+              </a:rPr>
+              <a:t># a clipboard with a brush. This will add color coding</a:t>
+            </a:r>
+            <a:endParaRPr lang="en-US" dirty="0">
+              <a:solidFill>
+                <a:prstClr val="black"/>
+              </a:solidFill>
+              <a:latin typeface="Lucida Console" panose="020B0609040504020204" pitchFamily="49" charset="0"/>
+            </a:endParaRPr>
+          </a:p>
+          <a:p>
+            <a:r>
+              <a:rPr lang="en-US" dirty="0">
+                <a:solidFill>
+                  <a:srgbClr val="006400"/>
+                </a:solidFill>
+                <a:latin typeface="Lucida Console" panose="020B0609040504020204" pitchFamily="49" charset="0"/>
+              </a:rPr>
+              <a:t># back to the pasted code</a:t>
+            </a:r>
+          </a:p>
+          <a:p>
+            <a:endParaRPr lang="en-US" dirty="0">
+              <a:solidFill>
+                <a:srgbClr val="006400"/>
+              </a:solidFill>
+              <a:latin typeface="Lucida Console" panose="020B0609040504020204" pitchFamily="49" charset="0"/>
+            </a:endParaRPr>
+          </a:p>
+          <a:p>
+            <a:r>
+              <a:rPr lang="en-US" dirty="0">
+                <a:solidFill>
+                  <a:srgbClr val="FF0000"/>
+                </a:solidFill>
+                <a:latin typeface="Lucida Console" panose="020B0609040504020204" pitchFamily="49" charset="0"/>
+              </a:rPr>
+              <a:t>PLEASE NOTE: You do not need to use ISE to code, or to demo. Use whatever editor you like best. </a:t>
+            </a:r>
+          </a:p>
+          <a:p>
+            <a:endParaRPr lang="en-US" dirty="0">
+              <a:solidFill>
+                <a:srgbClr val="FF0000"/>
+              </a:solidFill>
+              <a:latin typeface="Lucida Console" panose="020B0609040504020204" pitchFamily="49" charset="0"/>
+            </a:endParaRPr>
+          </a:p>
+          <a:p>
+            <a:r>
+              <a:rPr lang="en-US" dirty="0">
+                <a:solidFill>
+                  <a:srgbClr val="FF0000"/>
+                </a:solidFill>
+                <a:latin typeface="Lucida Console" panose="020B0609040504020204" pitchFamily="49" charset="0"/>
+              </a:rPr>
+              <a:t>These steps use ISE to color-code your code correctly and consistently, and insert the color-coded code into the slide. Please help make all code look consistent. Many thanks!</a:t>
+            </a:r>
+          </a:p>
+          <a:p>
+            <a:endParaRPr lang="en-US" dirty="0">
+              <a:solidFill>
+                <a:srgbClr val="FF0000"/>
+              </a:solidFill>
+              <a:latin typeface="Lucida Console" panose="020B0609040504020204" pitchFamily="49" charset="0"/>
+            </a:endParaRPr>
+          </a:p>
+          <a:p>
+            <a:endParaRPr lang="en-US" dirty="0">
+              <a:solidFill>
+                <a:srgbClr val="FF0000"/>
+              </a:solidFill>
+              <a:latin typeface="Lucida Console" panose="020B0609040504020204" pitchFamily="49" charset="0"/>
+            </a:endParaRPr>
+          </a:p>
+          <a:p>
+            <a:endParaRPr lang="en-US" dirty="0">
+              <a:solidFill>
+                <a:srgbClr val="FF0000"/>
+              </a:solidFill>
+              <a:latin typeface="Lucida Console" panose="020B0609040504020204" pitchFamily="49" charset="0"/>
+            </a:endParaRPr>
+          </a:p>
+          <a:p>
+            <a:endParaRPr lang="en-US" dirty="0">
+              <a:solidFill>
+                <a:srgbClr val="FF0000"/>
+              </a:solidFill>
+              <a:latin typeface="Lucida Console" panose="020B0609040504020204" pitchFamily="49" charset="0"/>
+            </a:endParaRPr>
+          </a:p>
+          <a:p>
+            <a:endParaRPr lang="en-US" dirty="0">
+              <a:solidFill>
+                <a:srgbClr val="FF0000"/>
+              </a:solidFill>
+              <a:latin typeface="Lucida Console" panose="020B0609040504020204" pitchFamily="49" charset="0"/>
+            </a:endParaRPr>
           </a:p>
         </p:txBody>
       </p:sp>
     </p:spTree>
     <p:extLst>
       <p:ext uri="{BB962C8B-B14F-4D97-AF65-F5344CB8AC3E}">
-        <p14:creationId xmlns:p14="http://schemas.microsoft.com/office/powerpoint/2010/main" val="3397310615"/>
+        <p14:creationId xmlns:p14="http://schemas.microsoft.com/office/powerpoint/2010/main" val="1401421730"/>
       </p:ext>
     </p:extLst>
   </p:cSld>
@@ -9897,12 +10318,12 @@
   </p:clrMapOvr>
   <mc:AlternateContent xmlns:mc="http://schemas.openxmlformats.org/markup-compatibility/2006" xmlns:p14="http://schemas.microsoft.com/office/powerpoint/2010/main">
     <mc:Choice Requires="p14">
-      <p:transition spd="med" p14:dur="700">
-        <p:fade/>
+      <p:transition spd="slow" p14:dur="1300">
+        <p14:pan dir="u"/>
       </p:transition>
     </mc:Choice>
     <mc:Fallback xmlns="">
-      <p:transition spd="med">
+      <p:transition spd="slow">
         <p:fade/>
       </p:transition>
     </mc:Fallback>

--- a/PSCONFEU_Modules2017.pptx
+++ b/PSCONFEU_Modules2017.pptx
@@ -6,10 +6,10 @@
     <p:sldMasterId id="2147483809" r:id="rId2"/>
   </p:sldMasterIdLst>
   <p:notesMasterIdLst>
-    <p:notesMasterId r:id="rId16"/>
+    <p:notesMasterId r:id="rId18"/>
   </p:notesMasterIdLst>
   <p:handoutMasterIdLst>
-    <p:handoutMasterId r:id="rId17"/>
+    <p:handoutMasterId r:id="rId19"/>
   </p:handoutMasterIdLst>
   <p:sldIdLst>
     <p:sldId id="316" r:id="rId3"/>
@@ -19,12 +19,14 @@
     <p:sldId id="318" r:id="rId7"/>
     <p:sldId id="320" r:id="rId8"/>
     <p:sldId id="321" r:id="rId9"/>
-    <p:sldId id="310" r:id="rId10"/>
-    <p:sldId id="317" r:id="rId11"/>
-    <p:sldId id="302" r:id="rId12"/>
-    <p:sldId id="313" r:id="rId13"/>
-    <p:sldId id="314" r:id="rId14"/>
-    <p:sldId id="312" r:id="rId15"/>
+    <p:sldId id="322" r:id="rId10"/>
+    <p:sldId id="323" r:id="rId11"/>
+    <p:sldId id="310" r:id="rId12"/>
+    <p:sldId id="317" r:id="rId13"/>
+    <p:sldId id="302" r:id="rId14"/>
+    <p:sldId id="313" r:id="rId15"/>
+    <p:sldId id="314" r:id="rId16"/>
+    <p:sldId id="312" r:id="rId17"/>
   </p:sldIdLst>
   <p:sldSz cx="9144000" cy="6858000" type="screen4x3"/>
   <p:notesSz cx="7099300" cy="10234613"/>
@@ -4306,48 +4308,42 @@
             <p:ph type="title"/>
           </p:nvPr>
         </p:nvSpPr>
-        <p:spPr>
-          <a:xfrm>
-            <a:off x="0" y="908720"/>
-            <a:ext cx="9144000" cy="792088"/>
-          </a:xfrm>
-          <a:prstGeom prst="rect">
-            <a:avLst/>
-          </a:prstGeom>
-        </p:spPr>
+        <p:spPr/>
         <p:txBody>
           <a:bodyPr/>
           <a:lstStyle/>
           <a:p>
             <a:r>
               <a:rPr lang="de-DE" dirty="0"/>
-              <a:t>Summary</a:t>
+              <a:t>Demo</a:t>
             </a:r>
           </a:p>
         </p:txBody>
       </p:sp>
       <p:sp>
         <p:nvSpPr>
-          <p:cNvPr id="3" name="Inhaltsplatzhalter 2"/>
+          <p:cNvPr id="3" name="Textplatzhalter 2"/>
           <p:cNvSpPr>
             <a:spLocks noGrp="1"/>
           </p:cNvSpPr>
           <p:nvPr>
-            <p:ph idx="1"/>
+            <p:ph type="body" sz="quarter" idx="10"/>
           </p:nvPr>
         </p:nvSpPr>
         <p:spPr/>
         <p:txBody>
-          <a:bodyPr/>
+          <a:bodyPr>
+            <a:normAutofit/>
+          </a:bodyPr>
           <a:lstStyle/>
           <a:p>
             <a:r>
               <a:rPr lang="de-DE" dirty="0"/>
-              <a:t>Be a </a:t>
+              <a:t>Path </a:t>
             </a:r>
             <a:r>
               <a:rPr lang="de-DE" dirty="0" err="1"/>
-              <a:t>good</a:t>
+              <a:t>processing</a:t>
             </a:r>
             <a:r>
               <a:rPr lang="de-DE" dirty="0"/>
@@ -4355,77 +4351,15 @@
             </a:r>
             <a:r>
               <a:rPr lang="de-DE" dirty="0" err="1"/>
-              <a:t>citizen</a:t>
-            </a:r>
-            <a:r>
-              <a:rPr lang="de-DE" dirty="0"/>
-              <a:t> in </a:t>
-            </a:r>
-            <a:r>
-              <a:rPr lang="de-DE" dirty="0" err="1"/>
-              <a:t>the</a:t>
+              <a:t>and</a:t>
             </a:r>
             <a:r>
               <a:rPr lang="de-DE" dirty="0"/>
               <a:t> </a:t>
             </a:r>
             <a:r>
-              <a:rPr lang="de-DE" dirty="0" err="1"/>
-              <a:t>eco</a:t>
-            </a:r>
-            <a:r>
-              <a:rPr lang="de-DE" dirty="0"/>
-              <a:t>-system</a:t>
-            </a:r>
-          </a:p>
-          <a:p>
-            <a:r>
-              <a:rPr lang="de-DE" dirty="0"/>
-              <a:t>Try </a:t>
-            </a:r>
-            <a:r>
-              <a:rPr lang="de-DE" dirty="0" err="1"/>
-              <a:t>to</a:t>
-            </a:r>
-            <a:r>
-              <a:rPr lang="de-DE" dirty="0"/>
-              <a:t> </a:t>
-            </a:r>
-            <a:r>
-              <a:rPr lang="de-DE" dirty="0" err="1"/>
-              <a:t>walk</a:t>
-            </a:r>
-            <a:r>
-              <a:rPr lang="de-DE" dirty="0"/>
-              <a:t> a </a:t>
-            </a:r>
-            <a:r>
-              <a:rPr lang="de-DE" dirty="0" err="1"/>
-              <a:t>mile</a:t>
-            </a:r>
-            <a:r>
-              <a:rPr lang="de-DE" dirty="0"/>
-              <a:t> in </a:t>
-            </a:r>
-            <a:r>
-              <a:rPr lang="de-DE" dirty="0" err="1"/>
-              <a:t>your</a:t>
-            </a:r>
-            <a:r>
-              <a:rPr lang="de-DE" dirty="0"/>
-              <a:t> </a:t>
-            </a:r>
-            <a:r>
-              <a:rPr lang="de-DE" dirty="0" err="1"/>
-              <a:t>users</a:t>
-            </a:r>
-            <a:r>
-              <a:rPr lang="de-DE" dirty="0"/>
-              <a:t> </a:t>
-            </a:r>
-            <a:r>
-              <a:rPr lang="de-DE" dirty="0" err="1"/>
-              <a:t>shoes</a:t>
+              <a:rPr lang="de-DE"/>
+              <a:t>filtering</a:t>
             </a:r>
             <a:endParaRPr lang="de-DE" dirty="0"/>
           </a:p>
@@ -4434,7 +4368,7 @@
     </p:spTree>
     <p:extLst>
       <p:ext uri="{BB962C8B-B14F-4D97-AF65-F5344CB8AC3E}">
-        <p14:creationId xmlns:p14="http://schemas.microsoft.com/office/powerpoint/2010/main" val="3109724331"/>
+        <p14:creationId xmlns:p14="http://schemas.microsoft.com/office/powerpoint/2010/main" val="2040841989"/>
       </p:ext>
     </p:extLst>
   </p:cSld>
@@ -4475,7 +4409,7 @@
       </p:grpSpPr>
       <p:sp>
         <p:nvSpPr>
-          <p:cNvPr id="2" name="Inhaltsplatzhalter 1"/>
+          <p:cNvPr id="2" name="Content Placeholder 1"/>
           <p:cNvSpPr>
             <a:spLocks noGrp="1"/>
           </p:cNvSpPr>
@@ -4485,248 +4419,496 @@
         </p:nvSpPr>
         <p:spPr/>
         <p:txBody>
-          <a:bodyPr/>
+          <a:bodyPr>
+            <a:normAutofit fontScale="85000" lnSpcReduction="10000"/>
+          </a:bodyPr>
           <a:lstStyle/>
           <a:p>
             <a:r>
-              <a:rPr lang="de-DE" dirty="0" err="1"/>
-              <a:t>Now</a:t>
-            </a:r>
-            <a:r>
-              <a:rPr lang="de-DE" dirty="0"/>
-              <a:t>: 15 min break</a:t>
-            </a:r>
-          </a:p>
-          <a:p>
-            <a:endParaRPr lang="de-DE" dirty="0"/>
-          </a:p>
-          <a:p>
-            <a:r>
-              <a:rPr lang="de-DE" dirty="0"/>
-              <a:t>Grab a </a:t>
-            </a:r>
-            <a:r>
-              <a:rPr lang="de-DE" dirty="0" err="1"/>
-              <a:t>coffee</a:t>
-            </a:r>
-            <a:endParaRPr lang="de-DE" dirty="0"/>
-          </a:p>
-          <a:p>
-            <a:r>
-              <a:rPr lang="de-DE" dirty="0" err="1"/>
-              <a:t>Stay</a:t>
-            </a:r>
-            <a:r>
-              <a:rPr lang="de-DE" dirty="0"/>
+              <a:rPr lang="en-US" dirty="0">
+                <a:solidFill>
+                  <a:srgbClr val="006400"/>
+                </a:solidFill>
+                <a:latin typeface="Lucida Console" panose="020B0609040504020204" pitchFamily="49" charset="0"/>
+              </a:rPr>
+              <a:t># use this template for code samples</a:t>
+            </a:r>
+          </a:p>
+          <a:p>
+            <a:r>
+              <a:rPr lang="en-US" dirty="0">
+                <a:solidFill>
+                  <a:srgbClr val="006400"/>
+                </a:solidFill>
+                <a:latin typeface="Lucida Console" panose="020B0609040504020204" pitchFamily="49" charset="0"/>
+              </a:rPr>
+              <a:t># and follow these instructions to show perfectly</a:t>
+            </a:r>
+          </a:p>
+          <a:p>
+            <a:r>
+              <a:rPr lang="en-US" dirty="0">
+                <a:solidFill>
+                  <a:srgbClr val="006400"/>
+                </a:solidFill>
+                <a:latin typeface="Lucida Console" panose="020B0609040504020204" pitchFamily="49" charset="0"/>
+              </a:rPr>
+              <a:t># color-coded PowerShell code:</a:t>
+            </a:r>
+          </a:p>
+          <a:p>
+            <a:endParaRPr lang="en-US" dirty="0">
+              <a:solidFill>
+                <a:srgbClr val="006400"/>
+              </a:solidFill>
+              <a:latin typeface="Lucida Console" panose="020B0609040504020204" pitchFamily="49" charset="0"/>
+            </a:endParaRPr>
+          </a:p>
+          <a:p>
+            <a:r>
+              <a:rPr lang="en-US" dirty="0">
+                <a:solidFill>
+                  <a:srgbClr val="006400"/>
+                </a:solidFill>
+                <a:latin typeface="Lucida Console" panose="020B0609040504020204" pitchFamily="49" charset="0"/>
+              </a:rPr>
+              <a:t># paste code to PowerShell ISE, select it, and copy it</a:t>
+            </a:r>
+            <a:endParaRPr lang="en-US" dirty="0">
+              <a:solidFill>
+                <a:prstClr val="black"/>
+              </a:solidFill>
+              <a:latin typeface="Lucida Console" panose="020B0609040504020204" pitchFamily="49" charset="0"/>
+            </a:endParaRPr>
+          </a:p>
+          <a:p>
+            <a:r>
+              <a:rPr lang="en-US" dirty="0">
+                <a:solidFill>
+                  <a:srgbClr val="006400"/>
+                </a:solidFill>
+                <a:latin typeface="Lucida Console" panose="020B0609040504020204" pitchFamily="49" charset="0"/>
+              </a:rPr>
+              <a:t># to the clipboard</a:t>
+            </a:r>
+            <a:endParaRPr lang="en-US" dirty="0">
+              <a:solidFill>
+                <a:prstClr val="black"/>
+              </a:solidFill>
+              <a:latin typeface="Lucida Console" panose="020B0609040504020204" pitchFamily="49" charset="0"/>
+            </a:endParaRPr>
+          </a:p>
+          <a:p>
+            <a:r>
+              <a:rPr lang="en-US" dirty="0">
+                <a:solidFill>
+                  <a:srgbClr val="0000FF"/>
+                </a:solidFill>
+                <a:latin typeface="Lucida Console" panose="020B0609040504020204" pitchFamily="49" charset="0"/>
+              </a:rPr>
+              <a:t>Paste-Code</a:t>
+            </a:r>
+            <a:r>
+              <a:rPr lang="en-US" dirty="0">
+                <a:solidFill>
+                  <a:prstClr val="black"/>
+                </a:solidFill>
+                <a:latin typeface="Lucida Console" panose="020B0609040504020204" pitchFamily="49" charset="0"/>
+              </a:rPr>
               <a:t> </a:t>
             </a:r>
             <a:r>
-              <a:rPr lang="de-DE" dirty="0" err="1"/>
-              <a:t>here</a:t>
-            </a:r>
-            <a:r>
-              <a:rPr lang="de-DE" dirty="0"/>
+              <a:rPr lang="en-US" dirty="0">
+                <a:solidFill>
+                  <a:srgbClr val="000080"/>
+                </a:solidFill>
+                <a:latin typeface="Lucida Console" panose="020B0609040504020204" pitchFamily="49" charset="0"/>
+              </a:rPr>
+              <a:t>-</a:t>
+            </a:r>
+            <a:r>
+              <a:rPr lang="en-US" dirty="0" err="1">
+                <a:solidFill>
+                  <a:srgbClr val="000080"/>
+                </a:solidFill>
+                <a:latin typeface="Lucida Console" panose="020B0609040504020204" pitchFamily="49" charset="0"/>
+              </a:rPr>
+              <a:t>toISE</a:t>
+            </a:r>
+            <a:r>
+              <a:rPr lang="en-US" dirty="0">
+                <a:solidFill>
+                  <a:prstClr val="black"/>
+                </a:solidFill>
+                <a:latin typeface="Lucida Console" panose="020B0609040504020204" pitchFamily="49" charset="0"/>
+              </a:rPr>
               <a:t> </a:t>
             </a:r>
             <a:r>
-              <a:rPr lang="de-DE" dirty="0" err="1"/>
-              <a:t>to</a:t>
-            </a:r>
-            <a:r>
-              <a:rPr lang="de-DE" dirty="0"/>
+              <a:rPr lang="en-US" dirty="0">
+                <a:solidFill>
+                  <a:srgbClr val="A9A9A9"/>
+                </a:solidFill>
+                <a:latin typeface="Lucida Console" panose="020B0609040504020204" pitchFamily="49" charset="0"/>
+              </a:rPr>
+              <a:t>|</a:t>
+            </a:r>
+            <a:r>
+              <a:rPr lang="en-US" dirty="0">
+                <a:solidFill>
+                  <a:prstClr val="black"/>
+                </a:solidFill>
+                <a:latin typeface="Lucida Console" panose="020B0609040504020204" pitchFamily="49" charset="0"/>
+              </a:rPr>
               <a:t> </a:t>
             </a:r>
             <a:r>
-              <a:rPr lang="de-DE" dirty="0" err="1"/>
-              <a:t>enjoy</a:t>
-            </a:r>
-            <a:r>
-              <a:rPr lang="de-DE" dirty="0"/>
+              <a:rPr lang="en-US" dirty="0">
+                <a:solidFill>
+                  <a:srgbClr val="0000FF"/>
+                </a:solidFill>
+                <a:latin typeface="Lucida Console" panose="020B0609040504020204" pitchFamily="49" charset="0"/>
+              </a:rPr>
+              <a:t>Select-Code</a:t>
+            </a:r>
+            <a:r>
+              <a:rPr lang="en-US" dirty="0">
+                <a:solidFill>
+                  <a:prstClr val="black"/>
+                </a:solidFill>
+                <a:latin typeface="Lucida Console" panose="020B0609040504020204" pitchFamily="49" charset="0"/>
+              </a:rPr>
               <a:t> </a:t>
             </a:r>
             <a:r>
-              <a:rPr lang="de-DE" dirty="0" err="1"/>
-              <a:t>next</a:t>
-            </a:r>
-            <a:r>
-              <a:rPr lang="de-DE" dirty="0"/>
+              <a:rPr lang="en-US" dirty="0">
+                <a:solidFill>
+                  <a:srgbClr val="A9A9A9"/>
+                </a:solidFill>
+                <a:latin typeface="Lucida Console" panose="020B0609040504020204" pitchFamily="49" charset="0"/>
+              </a:rPr>
+              <a:t>|</a:t>
+            </a:r>
+            <a:r>
+              <a:rPr lang="en-US" dirty="0">
+                <a:solidFill>
+                  <a:prstClr val="black"/>
+                </a:solidFill>
+                <a:latin typeface="Lucida Console" panose="020B0609040504020204" pitchFamily="49" charset="0"/>
+              </a:rPr>
               <a:t> </a:t>
             </a:r>
             <a:r>
-              <a:rPr lang="de-DE" dirty="0" err="1"/>
-              <a:t>presentation</a:t>
-            </a:r>
-            <a:endParaRPr lang="de-DE" dirty="0"/>
-          </a:p>
-          <a:p>
-            <a:r>
-              <a:rPr lang="de-DE" dirty="0"/>
-              <a:t>Change </a:t>
-            </a:r>
-            <a:r>
-              <a:rPr lang="de-DE" dirty="0" err="1"/>
-              <a:t>track</a:t>
-            </a:r>
-            <a:r>
-              <a:rPr lang="de-DE" dirty="0"/>
+              <a:rPr lang="en-US" dirty="0">
+                <a:solidFill>
+                  <a:srgbClr val="0000FF"/>
+                </a:solidFill>
+                <a:latin typeface="Lucida Console" panose="020B0609040504020204" pitchFamily="49" charset="0"/>
+              </a:rPr>
+              <a:t>Copy-</a:t>
+            </a:r>
+            <a:r>
+              <a:rPr lang="en-US" dirty="0" err="1">
+                <a:solidFill>
+                  <a:srgbClr val="0000FF"/>
+                </a:solidFill>
+                <a:latin typeface="Lucida Console" panose="020B0609040504020204" pitchFamily="49" charset="0"/>
+              </a:rPr>
+              <a:t>ToClipboard</a:t>
+            </a:r>
+            <a:endParaRPr lang="en-US" dirty="0">
+              <a:solidFill>
+                <a:prstClr val="black"/>
+              </a:solidFill>
+              <a:latin typeface="Lucida Console" panose="020B0609040504020204" pitchFamily="49" charset="0"/>
+            </a:endParaRPr>
+          </a:p>
+          <a:p>
+            <a:endParaRPr lang="en-US" dirty="0">
+              <a:solidFill>
+                <a:prstClr val="black"/>
+              </a:solidFill>
+              <a:latin typeface="Lucida Console" panose="020B0609040504020204" pitchFamily="49" charset="0"/>
+            </a:endParaRPr>
+          </a:p>
+          <a:p>
+            <a:r>
+              <a:rPr lang="en-US" dirty="0">
+                <a:solidFill>
+                  <a:srgbClr val="006400"/>
+                </a:solidFill>
+                <a:latin typeface="Lucida Console" panose="020B0609040504020204" pitchFamily="49" charset="0"/>
+              </a:rPr>
+              <a:t># to insert it with full color coding into a slide,</a:t>
+            </a:r>
+            <a:endParaRPr lang="en-US" dirty="0">
+              <a:solidFill>
+                <a:prstClr val="black"/>
+              </a:solidFill>
+              <a:latin typeface="Lucida Console" panose="020B0609040504020204" pitchFamily="49" charset="0"/>
+            </a:endParaRPr>
+          </a:p>
+          <a:p>
+            <a:r>
+              <a:rPr lang="en-US" dirty="0">
+                <a:solidFill>
+                  <a:srgbClr val="006400"/>
+                </a:solidFill>
+                <a:latin typeface="Lucida Console" panose="020B0609040504020204" pitchFamily="49" charset="0"/>
+              </a:rPr>
+              <a:t># paste the code to your PPT slide. It will be black,</a:t>
+            </a:r>
+            <a:endParaRPr lang="en-US" dirty="0">
+              <a:solidFill>
+                <a:prstClr val="black"/>
+              </a:solidFill>
+              <a:latin typeface="Lucida Console" panose="020B0609040504020204" pitchFamily="49" charset="0"/>
+            </a:endParaRPr>
+          </a:p>
+          <a:p>
+            <a:r>
+              <a:rPr lang="en-US" dirty="0">
+                <a:solidFill>
+                  <a:srgbClr val="006400"/>
+                </a:solidFill>
+                <a:latin typeface="Lucida Console" panose="020B0609040504020204" pitchFamily="49" charset="0"/>
+              </a:rPr>
+              <a:t># and there is a </a:t>
+            </a:r>
+            <a:r>
+              <a:rPr lang="en-US" dirty="0" err="1">
+                <a:solidFill>
+                  <a:srgbClr val="006400"/>
+                </a:solidFill>
+                <a:latin typeface="Lucida Console" panose="020B0609040504020204" pitchFamily="49" charset="0"/>
+              </a:rPr>
+              <a:t>toolbutton</a:t>
+            </a:r>
+            <a:r>
+              <a:rPr lang="en-US" dirty="0">
+                <a:solidFill>
+                  <a:srgbClr val="006400"/>
+                </a:solidFill>
+                <a:latin typeface="Lucida Console" panose="020B0609040504020204" pitchFamily="49" charset="0"/>
+              </a:rPr>
+              <a:t> labelled (Ctrl) in PPT.</a:t>
+            </a:r>
+            <a:endParaRPr lang="en-US" dirty="0">
+              <a:solidFill>
+                <a:prstClr val="black"/>
+              </a:solidFill>
+              <a:latin typeface="Lucida Console" panose="020B0609040504020204" pitchFamily="49" charset="0"/>
+            </a:endParaRPr>
+          </a:p>
+          <a:p>
+            <a:r>
+              <a:rPr lang="en-US" dirty="0">
+                <a:solidFill>
+                  <a:srgbClr val="0000FF"/>
+                </a:solidFill>
+                <a:latin typeface="Lucida Console" panose="020B0609040504020204" pitchFamily="49" charset="0"/>
+              </a:rPr>
+              <a:t>Click-</a:t>
+            </a:r>
+            <a:r>
+              <a:rPr lang="en-US" dirty="0" err="1">
+                <a:solidFill>
+                  <a:srgbClr val="0000FF"/>
+                </a:solidFill>
+                <a:latin typeface="Lucida Console" panose="020B0609040504020204" pitchFamily="49" charset="0"/>
+              </a:rPr>
+              <a:t>ToolButton</a:t>
+            </a:r>
+            <a:r>
+              <a:rPr lang="en-US" dirty="0">
+                <a:solidFill>
+                  <a:prstClr val="black"/>
+                </a:solidFill>
+                <a:latin typeface="Lucida Console" panose="020B0609040504020204" pitchFamily="49" charset="0"/>
+              </a:rPr>
               <a:t> </a:t>
             </a:r>
             <a:r>
-              <a:rPr lang="de-DE" dirty="0" err="1"/>
-              <a:t>and</a:t>
-            </a:r>
-            <a:r>
-              <a:rPr lang="de-DE" dirty="0"/>
+              <a:rPr lang="en-US" dirty="0">
+                <a:solidFill>
+                  <a:srgbClr val="000080"/>
+                </a:solidFill>
+                <a:latin typeface="Lucida Console" panose="020B0609040504020204" pitchFamily="49" charset="0"/>
+              </a:rPr>
+              <a:t>-Choose</a:t>
+            </a:r>
+            <a:r>
+              <a:rPr lang="en-US" dirty="0">
+                <a:solidFill>
+                  <a:prstClr val="black"/>
+                </a:solidFill>
+                <a:latin typeface="Lucida Console" panose="020B0609040504020204" pitchFamily="49" charset="0"/>
+              </a:rPr>
               <a:t> </a:t>
             </a:r>
             <a:r>
-              <a:rPr lang="de-DE" dirty="0" err="1"/>
-              <a:t>switch</a:t>
-            </a:r>
-            <a:r>
-              <a:rPr lang="de-DE" dirty="0"/>
-              <a:t> </a:t>
-            </a:r>
-            <a:r>
-              <a:rPr lang="de-DE" dirty="0" err="1"/>
-              <a:t>to</a:t>
-            </a:r>
-            <a:r>
-              <a:rPr lang="de-DE" dirty="0"/>
-              <a:t> </a:t>
-            </a:r>
-            <a:r>
-              <a:rPr lang="de-DE" dirty="0" err="1"/>
-              <a:t>another</a:t>
-            </a:r>
-            <a:r>
-              <a:rPr lang="de-DE" dirty="0"/>
-              <a:t> </a:t>
-            </a:r>
-            <a:r>
-              <a:rPr lang="de-DE" dirty="0" err="1"/>
-              <a:t>room</a:t>
-            </a:r>
-            <a:endParaRPr lang="de-DE" dirty="0"/>
-          </a:p>
-          <a:p>
-            <a:endParaRPr lang="de-DE" dirty="0"/>
-          </a:p>
-          <a:p>
-            <a:r>
-              <a:rPr lang="de-DE" dirty="0" err="1"/>
-              <a:t>Ask</a:t>
-            </a:r>
-            <a:r>
-              <a:rPr lang="de-DE" dirty="0"/>
-              <a:t> </a:t>
-            </a:r>
-            <a:r>
-              <a:rPr lang="de-DE" dirty="0" err="1"/>
-              <a:t>me</a:t>
-            </a:r>
-            <a:r>
-              <a:rPr lang="de-DE" dirty="0"/>
-              <a:t> </a:t>
-            </a:r>
-            <a:r>
-              <a:rPr lang="de-DE" dirty="0" err="1"/>
-              <a:t>questions</a:t>
-            </a:r>
-            <a:r>
-              <a:rPr lang="de-DE" dirty="0"/>
-              <a:t> </a:t>
-            </a:r>
-            <a:r>
-              <a:rPr lang="de-DE" dirty="0" err="1"/>
-              <a:t>or</a:t>
-            </a:r>
-            <a:r>
-              <a:rPr lang="de-DE" dirty="0"/>
-              <a:t> </a:t>
-            </a:r>
-            <a:r>
-              <a:rPr lang="de-DE" dirty="0" err="1"/>
-              <a:t>meet</a:t>
-            </a:r>
-            <a:r>
-              <a:rPr lang="de-DE" dirty="0"/>
-              <a:t> </a:t>
-            </a:r>
-            <a:r>
-              <a:rPr lang="de-DE" dirty="0" err="1"/>
-              <a:t>me</a:t>
-            </a:r>
-            <a:r>
-              <a:rPr lang="de-DE" dirty="0"/>
-              <a:t> in a </a:t>
-            </a:r>
-            <a:r>
-              <a:rPr lang="de-DE" dirty="0" err="1"/>
-              <a:t>breakout</a:t>
-            </a:r>
-            <a:r>
-              <a:rPr lang="de-DE" dirty="0"/>
-              <a:t> </a:t>
-            </a:r>
-            <a:r>
-              <a:rPr lang="de-DE" dirty="0" err="1"/>
-              <a:t>session</a:t>
-            </a:r>
-            <a:r>
-              <a:rPr lang="de-DE" dirty="0"/>
-              <a:t> </a:t>
-            </a:r>
-            <a:r>
-              <a:rPr lang="de-DE" dirty="0" err="1"/>
-              <a:t>room</a:t>
-            </a:r>
-            <a:r>
-              <a:rPr lang="de-DE" dirty="0"/>
-              <a:t> </a:t>
-            </a:r>
-            <a:r>
-              <a:rPr lang="de-DE" dirty="0" err="1"/>
-              <a:t>afterwards</a:t>
-            </a:r>
-            <a:endParaRPr lang="de-DE" dirty="0"/>
-          </a:p>
-        </p:txBody>
-      </p:sp>
-      <p:sp>
-        <p:nvSpPr>
-          <p:cNvPr id="3" name="Titel 2"/>
-          <p:cNvSpPr>
-            <a:spLocks noGrp="1"/>
-          </p:cNvSpPr>
-          <p:nvPr>
-            <p:ph type="title"/>
-          </p:nvPr>
-        </p:nvSpPr>
-        <p:spPr/>
-        <p:txBody>
-          <a:bodyPr/>
-          <a:lstStyle/>
-          <a:p>
-            <a:r>
-              <a:rPr lang="de-DE" dirty="0"/>
-              <a:t>Next </a:t>
-            </a:r>
-            <a:r>
-              <a:rPr lang="de-DE" dirty="0" err="1"/>
-              <a:t>Steps</a:t>
-            </a:r>
-            <a:r>
-              <a:rPr lang="de-DE" dirty="0"/>
-              <a:t>...</a:t>
-            </a:r>
+              <a:rPr lang="en-US" dirty="0" err="1">
+                <a:solidFill>
+                  <a:srgbClr val="8A2BE2"/>
+                </a:solidFill>
+                <a:latin typeface="Lucida Console" panose="020B0609040504020204" pitchFamily="49" charset="0"/>
+              </a:rPr>
+              <a:t>SymbolWithClipboardAndBrush</a:t>
+            </a:r>
+            <a:endParaRPr lang="en-US" dirty="0">
+              <a:solidFill>
+                <a:prstClr val="black"/>
+              </a:solidFill>
+              <a:latin typeface="Lucida Console" panose="020B0609040504020204" pitchFamily="49" charset="0"/>
+            </a:endParaRPr>
+          </a:p>
+          <a:p>
+            <a:r>
+              <a:rPr lang="en-US" dirty="0">
+                <a:solidFill>
+                  <a:srgbClr val="006400"/>
+                </a:solidFill>
+                <a:latin typeface="Lucida Console" panose="020B0609040504020204" pitchFamily="49" charset="0"/>
+              </a:rPr>
+              <a:t># Click the </a:t>
+            </a:r>
+            <a:r>
+              <a:rPr lang="en-US" dirty="0" err="1">
+                <a:solidFill>
+                  <a:srgbClr val="006400"/>
+                </a:solidFill>
+                <a:latin typeface="Lucida Console" panose="020B0609040504020204" pitchFamily="49" charset="0"/>
+              </a:rPr>
+              <a:t>toolbutton</a:t>
+            </a:r>
+            <a:r>
+              <a:rPr lang="en-US" dirty="0">
+                <a:solidFill>
+                  <a:srgbClr val="006400"/>
+                </a:solidFill>
+                <a:latin typeface="Lucida Console" panose="020B0609040504020204" pitchFamily="49" charset="0"/>
+              </a:rPr>
+              <a:t>, and choose the button that shows</a:t>
+            </a:r>
+            <a:endParaRPr lang="en-US" dirty="0">
+              <a:solidFill>
+                <a:prstClr val="black"/>
+              </a:solidFill>
+              <a:latin typeface="Lucida Console" panose="020B0609040504020204" pitchFamily="49" charset="0"/>
+            </a:endParaRPr>
+          </a:p>
+          <a:p>
+            <a:r>
+              <a:rPr lang="en-US" dirty="0">
+                <a:solidFill>
+                  <a:srgbClr val="006400"/>
+                </a:solidFill>
+                <a:latin typeface="Lucida Console" panose="020B0609040504020204" pitchFamily="49" charset="0"/>
+              </a:rPr>
+              <a:t># a clipboard with a brush. This will add color coding</a:t>
+            </a:r>
+            <a:endParaRPr lang="en-US" dirty="0">
+              <a:solidFill>
+                <a:prstClr val="black"/>
+              </a:solidFill>
+              <a:latin typeface="Lucida Console" panose="020B0609040504020204" pitchFamily="49" charset="0"/>
+            </a:endParaRPr>
+          </a:p>
+          <a:p>
+            <a:r>
+              <a:rPr lang="en-US" dirty="0">
+                <a:solidFill>
+                  <a:srgbClr val="006400"/>
+                </a:solidFill>
+                <a:latin typeface="Lucida Console" panose="020B0609040504020204" pitchFamily="49" charset="0"/>
+              </a:rPr>
+              <a:t># back to the pasted code</a:t>
+            </a:r>
+          </a:p>
+          <a:p>
+            <a:endParaRPr lang="en-US" dirty="0">
+              <a:solidFill>
+                <a:srgbClr val="006400"/>
+              </a:solidFill>
+              <a:latin typeface="Lucida Console" panose="020B0609040504020204" pitchFamily="49" charset="0"/>
+            </a:endParaRPr>
+          </a:p>
+          <a:p>
+            <a:r>
+              <a:rPr lang="en-US" dirty="0">
+                <a:solidFill>
+                  <a:srgbClr val="FF0000"/>
+                </a:solidFill>
+                <a:latin typeface="Lucida Console" panose="020B0609040504020204" pitchFamily="49" charset="0"/>
+              </a:rPr>
+              <a:t>PLEASE NOTE: You do not need to use ISE to code, or to demo. Use whatever editor you like best. </a:t>
+            </a:r>
+          </a:p>
+          <a:p>
+            <a:endParaRPr lang="en-US" dirty="0">
+              <a:solidFill>
+                <a:srgbClr val="FF0000"/>
+              </a:solidFill>
+              <a:latin typeface="Lucida Console" panose="020B0609040504020204" pitchFamily="49" charset="0"/>
+            </a:endParaRPr>
+          </a:p>
+          <a:p>
+            <a:r>
+              <a:rPr lang="en-US" dirty="0">
+                <a:solidFill>
+                  <a:srgbClr val="FF0000"/>
+                </a:solidFill>
+                <a:latin typeface="Lucida Console" panose="020B0609040504020204" pitchFamily="49" charset="0"/>
+              </a:rPr>
+              <a:t>These steps use ISE to color-code your code correctly and consistently, and insert the color-coded code into the slide. Please help make all code look consistent. Many thanks!</a:t>
+            </a:r>
+          </a:p>
+          <a:p>
+            <a:endParaRPr lang="en-US" dirty="0">
+              <a:solidFill>
+                <a:srgbClr val="FF0000"/>
+              </a:solidFill>
+              <a:latin typeface="Lucida Console" panose="020B0609040504020204" pitchFamily="49" charset="0"/>
+            </a:endParaRPr>
+          </a:p>
+          <a:p>
+            <a:endParaRPr lang="en-US" dirty="0">
+              <a:solidFill>
+                <a:srgbClr val="FF0000"/>
+              </a:solidFill>
+              <a:latin typeface="Lucida Console" panose="020B0609040504020204" pitchFamily="49" charset="0"/>
+            </a:endParaRPr>
+          </a:p>
+          <a:p>
+            <a:endParaRPr lang="en-US" dirty="0">
+              <a:solidFill>
+                <a:srgbClr val="FF0000"/>
+              </a:solidFill>
+              <a:latin typeface="Lucida Console" panose="020B0609040504020204" pitchFamily="49" charset="0"/>
+            </a:endParaRPr>
+          </a:p>
+          <a:p>
+            <a:endParaRPr lang="en-US" dirty="0">
+              <a:solidFill>
+                <a:srgbClr val="FF0000"/>
+              </a:solidFill>
+              <a:latin typeface="Lucida Console" panose="020B0609040504020204" pitchFamily="49" charset="0"/>
+            </a:endParaRPr>
+          </a:p>
+          <a:p>
+            <a:endParaRPr lang="en-US" dirty="0">
+              <a:solidFill>
+                <a:srgbClr val="FF0000"/>
+              </a:solidFill>
+              <a:latin typeface="Lucida Console" panose="020B0609040504020204" pitchFamily="49" charset="0"/>
+            </a:endParaRPr>
           </a:p>
         </p:txBody>
       </p:sp>
     </p:spTree>
     <p:extLst>
       <p:ext uri="{BB962C8B-B14F-4D97-AF65-F5344CB8AC3E}">
-        <p14:creationId xmlns:p14="http://schemas.microsoft.com/office/powerpoint/2010/main" val="3397310615"/>
+        <p14:creationId xmlns:p14="http://schemas.microsoft.com/office/powerpoint/2010/main" val="1401421730"/>
       </p:ext>
     </p:extLst>
   </p:cSld>
@@ -4735,12 +4917,12 @@
   </p:clrMapOvr>
   <mc:AlternateContent xmlns:mc="http://schemas.openxmlformats.org/markup-compatibility/2006" xmlns:p14="http://schemas.microsoft.com/office/powerpoint/2010/main">
     <mc:Choice Requires="p14">
-      <p:transition spd="med" p14:dur="700">
-        <p:fade/>
+      <p:transition spd="slow" p14:dur="1300">
+        <p14:pan dir="u"/>
       </p:transition>
     </mc:Choice>
     <mc:Fallback xmlns="">
-      <p:transition spd="med">
+      <p:transition spd="slow">
         <p:fade/>
       </p:transition>
     </mc:Fallback>
@@ -4775,6 +4957,475 @@
             <p:ph type="title"/>
           </p:nvPr>
         </p:nvSpPr>
+        <p:spPr>
+          <a:xfrm>
+            <a:off x="0" y="908720"/>
+            <a:ext cx="9144000" cy="792088"/>
+          </a:xfrm>
+          <a:prstGeom prst="rect">
+            <a:avLst/>
+          </a:prstGeom>
+        </p:spPr>
+        <p:txBody>
+          <a:bodyPr/>
+          <a:lstStyle/>
+          <a:p>
+            <a:r>
+              <a:rPr lang="de-DE" dirty="0"/>
+              <a:t>Summary</a:t>
+            </a:r>
+          </a:p>
+        </p:txBody>
+      </p:sp>
+      <p:sp>
+        <p:nvSpPr>
+          <p:cNvPr id="3" name="Inhaltsplatzhalter 2"/>
+          <p:cNvSpPr>
+            <a:spLocks noGrp="1"/>
+          </p:cNvSpPr>
+          <p:nvPr>
+            <p:ph idx="1"/>
+          </p:nvPr>
+        </p:nvSpPr>
+        <p:spPr/>
+        <p:txBody>
+          <a:bodyPr/>
+          <a:lstStyle/>
+          <a:p>
+            <a:r>
+              <a:rPr lang="de-DE" dirty="0"/>
+              <a:t>Be a </a:t>
+            </a:r>
+            <a:r>
+              <a:rPr lang="de-DE" dirty="0" err="1"/>
+              <a:t>good</a:t>
+            </a:r>
+            <a:r>
+              <a:rPr lang="de-DE" dirty="0"/>
+              <a:t> </a:t>
+            </a:r>
+            <a:r>
+              <a:rPr lang="de-DE" dirty="0" err="1"/>
+              <a:t>citizen</a:t>
+            </a:r>
+            <a:r>
+              <a:rPr lang="de-DE" dirty="0"/>
+              <a:t> in </a:t>
+            </a:r>
+            <a:r>
+              <a:rPr lang="de-DE" dirty="0" err="1"/>
+              <a:t>the</a:t>
+            </a:r>
+            <a:r>
+              <a:rPr lang="de-DE" dirty="0"/>
+              <a:t> </a:t>
+            </a:r>
+            <a:r>
+              <a:rPr lang="de-DE" dirty="0" err="1"/>
+              <a:t>eco</a:t>
+            </a:r>
+            <a:r>
+              <a:rPr lang="de-DE" dirty="0"/>
+              <a:t>-system</a:t>
+            </a:r>
+          </a:p>
+          <a:p>
+            <a:r>
+              <a:rPr lang="de-DE" dirty="0"/>
+              <a:t>Try </a:t>
+            </a:r>
+            <a:r>
+              <a:rPr lang="de-DE" dirty="0" err="1"/>
+              <a:t>to</a:t>
+            </a:r>
+            <a:r>
+              <a:rPr lang="de-DE" dirty="0"/>
+              <a:t> </a:t>
+            </a:r>
+            <a:r>
+              <a:rPr lang="de-DE" dirty="0" err="1"/>
+              <a:t>walk</a:t>
+            </a:r>
+            <a:r>
+              <a:rPr lang="de-DE" dirty="0"/>
+              <a:t> a </a:t>
+            </a:r>
+            <a:r>
+              <a:rPr lang="de-DE" dirty="0" err="1"/>
+              <a:t>mile</a:t>
+            </a:r>
+            <a:r>
+              <a:rPr lang="de-DE" dirty="0"/>
+              <a:t> in </a:t>
+            </a:r>
+            <a:r>
+              <a:rPr lang="de-DE" dirty="0" err="1"/>
+              <a:t>your</a:t>
+            </a:r>
+            <a:r>
+              <a:rPr lang="de-DE" dirty="0"/>
+              <a:t> </a:t>
+            </a:r>
+            <a:r>
+              <a:rPr lang="de-DE" dirty="0" err="1"/>
+              <a:t>users</a:t>
+            </a:r>
+            <a:r>
+              <a:rPr lang="de-DE" dirty="0"/>
+              <a:t> </a:t>
+            </a:r>
+            <a:r>
+              <a:rPr lang="de-DE" dirty="0" err="1"/>
+              <a:t>shoes</a:t>
+            </a:r>
+            <a:endParaRPr lang="de-DE" dirty="0"/>
+          </a:p>
+        </p:txBody>
+      </p:sp>
+    </p:spTree>
+    <p:extLst>
+      <p:ext uri="{BB962C8B-B14F-4D97-AF65-F5344CB8AC3E}">
+        <p14:creationId xmlns:p14="http://schemas.microsoft.com/office/powerpoint/2010/main" val="3109724331"/>
+      </p:ext>
+    </p:extLst>
+  </p:cSld>
+  <p:clrMapOvr>
+    <a:masterClrMapping/>
+  </p:clrMapOvr>
+  <mc:AlternateContent xmlns:mc="http://schemas.openxmlformats.org/markup-compatibility/2006" xmlns:p14="http://schemas.microsoft.com/office/powerpoint/2010/main">
+    <mc:Choice Requires="p14">
+      <p:transition spd="med" p14:dur="700">
+        <p:fade/>
+      </p:transition>
+    </mc:Choice>
+    <mc:Fallback xmlns="">
+      <p:transition spd="med">
+        <p:fade/>
+      </p:transition>
+    </mc:Fallback>
+  </mc:AlternateContent>
+</p:sld>
+</file>
+
+<file path=ppt/slides/slide13.xml><?xml version="1.0" encoding="utf-8"?>
+<p:sld xmlns:a="http://schemas.openxmlformats.org/drawingml/2006/main" xmlns:r="http://schemas.openxmlformats.org/officeDocument/2006/relationships" xmlns:p="http://schemas.openxmlformats.org/presentationml/2006/main">
+  <p:cSld>
+    <p:spTree>
+      <p:nvGrpSpPr>
+        <p:cNvPr id="1" name=""/>
+        <p:cNvGrpSpPr/>
+        <p:nvPr/>
+      </p:nvGrpSpPr>
+      <p:grpSpPr>
+        <a:xfrm>
+          <a:off x="0" y="0"/>
+          <a:ext cx="0" cy="0"/>
+          <a:chOff x="0" y="0"/>
+          <a:chExt cx="0" cy="0"/>
+        </a:xfrm>
+      </p:grpSpPr>
+      <p:sp>
+        <p:nvSpPr>
+          <p:cNvPr id="2" name="Inhaltsplatzhalter 1"/>
+          <p:cNvSpPr>
+            <a:spLocks noGrp="1"/>
+          </p:cNvSpPr>
+          <p:nvPr>
+            <p:ph idx="1"/>
+          </p:nvPr>
+        </p:nvSpPr>
+        <p:spPr/>
+        <p:txBody>
+          <a:bodyPr/>
+          <a:lstStyle/>
+          <a:p>
+            <a:r>
+              <a:rPr lang="de-DE" dirty="0" err="1"/>
+              <a:t>Now</a:t>
+            </a:r>
+            <a:r>
+              <a:rPr lang="de-DE" dirty="0"/>
+              <a:t>: 15 min break</a:t>
+            </a:r>
+          </a:p>
+          <a:p>
+            <a:endParaRPr lang="de-DE" dirty="0"/>
+          </a:p>
+          <a:p>
+            <a:r>
+              <a:rPr lang="de-DE" dirty="0"/>
+              <a:t>Grab a </a:t>
+            </a:r>
+            <a:r>
+              <a:rPr lang="de-DE" dirty="0" err="1"/>
+              <a:t>coffee</a:t>
+            </a:r>
+            <a:endParaRPr lang="de-DE" dirty="0"/>
+          </a:p>
+          <a:p>
+            <a:r>
+              <a:rPr lang="de-DE" dirty="0" err="1"/>
+              <a:t>Stay</a:t>
+            </a:r>
+            <a:r>
+              <a:rPr lang="de-DE" dirty="0"/>
+              <a:t> </a:t>
+            </a:r>
+            <a:r>
+              <a:rPr lang="de-DE" dirty="0" err="1"/>
+              <a:t>here</a:t>
+            </a:r>
+            <a:r>
+              <a:rPr lang="de-DE" dirty="0"/>
+              <a:t> </a:t>
+            </a:r>
+            <a:r>
+              <a:rPr lang="de-DE" dirty="0" err="1"/>
+              <a:t>to</a:t>
+            </a:r>
+            <a:r>
+              <a:rPr lang="de-DE" dirty="0"/>
+              <a:t> </a:t>
+            </a:r>
+            <a:r>
+              <a:rPr lang="de-DE" dirty="0" err="1"/>
+              <a:t>enjoy</a:t>
+            </a:r>
+            <a:r>
+              <a:rPr lang="de-DE" dirty="0"/>
+              <a:t> </a:t>
+            </a:r>
+            <a:r>
+              <a:rPr lang="de-DE" dirty="0" err="1"/>
+              <a:t>next</a:t>
+            </a:r>
+            <a:r>
+              <a:rPr lang="de-DE" dirty="0"/>
+              <a:t> </a:t>
+            </a:r>
+            <a:r>
+              <a:rPr lang="de-DE" dirty="0" err="1"/>
+              <a:t>presentation</a:t>
+            </a:r>
+            <a:endParaRPr lang="de-DE" dirty="0"/>
+          </a:p>
+          <a:p>
+            <a:r>
+              <a:rPr lang="de-DE" dirty="0"/>
+              <a:t>Change </a:t>
+            </a:r>
+            <a:r>
+              <a:rPr lang="de-DE" dirty="0" err="1"/>
+              <a:t>track</a:t>
+            </a:r>
+            <a:r>
+              <a:rPr lang="de-DE" dirty="0"/>
+              <a:t> </a:t>
+            </a:r>
+            <a:r>
+              <a:rPr lang="de-DE" dirty="0" err="1"/>
+              <a:t>and</a:t>
+            </a:r>
+            <a:r>
+              <a:rPr lang="de-DE" dirty="0"/>
+              <a:t> </a:t>
+            </a:r>
+            <a:r>
+              <a:rPr lang="de-DE" dirty="0" err="1"/>
+              <a:t>switch</a:t>
+            </a:r>
+            <a:r>
+              <a:rPr lang="de-DE" dirty="0"/>
+              <a:t> </a:t>
+            </a:r>
+            <a:r>
+              <a:rPr lang="de-DE" dirty="0" err="1"/>
+              <a:t>to</a:t>
+            </a:r>
+            <a:r>
+              <a:rPr lang="de-DE" dirty="0"/>
+              <a:t> </a:t>
+            </a:r>
+            <a:r>
+              <a:rPr lang="de-DE" dirty="0" err="1"/>
+              <a:t>another</a:t>
+            </a:r>
+            <a:r>
+              <a:rPr lang="de-DE" dirty="0"/>
+              <a:t> </a:t>
+            </a:r>
+            <a:r>
+              <a:rPr lang="de-DE" dirty="0" err="1"/>
+              <a:t>room</a:t>
+            </a:r>
+            <a:endParaRPr lang="de-DE" dirty="0"/>
+          </a:p>
+          <a:p>
+            <a:endParaRPr lang="de-DE" dirty="0"/>
+          </a:p>
+          <a:p>
+            <a:r>
+              <a:rPr lang="de-DE" dirty="0" err="1"/>
+              <a:t>Ask</a:t>
+            </a:r>
+            <a:r>
+              <a:rPr lang="de-DE" dirty="0"/>
+              <a:t> </a:t>
+            </a:r>
+            <a:r>
+              <a:rPr lang="de-DE" dirty="0" err="1"/>
+              <a:t>me</a:t>
+            </a:r>
+            <a:r>
+              <a:rPr lang="de-DE" dirty="0"/>
+              <a:t> </a:t>
+            </a:r>
+            <a:r>
+              <a:rPr lang="de-DE" dirty="0" err="1"/>
+              <a:t>questions</a:t>
+            </a:r>
+            <a:r>
+              <a:rPr lang="de-DE" dirty="0"/>
+              <a:t> </a:t>
+            </a:r>
+            <a:r>
+              <a:rPr lang="de-DE" dirty="0" err="1"/>
+              <a:t>or</a:t>
+            </a:r>
+            <a:r>
+              <a:rPr lang="de-DE" dirty="0"/>
+              <a:t> </a:t>
+            </a:r>
+            <a:r>
+              <a:rPr lang="de-DE" dirty="0" err="1"/>
+              <a:t>meet</a:t>
+            </a:r>
+            <a:r>
+              <a:rPr lang="de-DE" dirty="0"/>
+              <a:t> </a:t>
+            </a:r>
+            <a:r>
+              <a:rPr lang="de-DE" dirty="0" err="1"/>
+              <a:t>me</a:t>
+            </a:r>
+            <a:r>
+              <a:rPr lang="de-DE" dirty="0"/>
+              <a:t> in a </a:t>
+            </a:r>
+            <a:r>
+              <a:rPr lang="de-DE" dirty="0" err="1"/>
+              <a:t>breakout</a:t>
+            </a:r>
+            <a:r>
+              <a:rPr lang="de-DE" dirty="0"/>
+              <a:t> </a:t>
+            </a:r>
+            <a:r>
+              <a:rPr lang="de-DE" dirty="0" err="1"/>
+              <a:t>session</a:t>
+            </a:r>
+            <a:r>
+              <a:rPr lang="de-DE" dirty="0"/>
+              <a:t> </a:t>
+            </a:r>
+            <a:r>
+              <a:rPr lang="de-DE" dirty="0" err="1"/>
+              <a:t>room</a:t>
+            </a:r>
+            <a:r>
+              <a:rPr lang="de-DE" dirty="0"/>
+              <a:t> </a:t>
+            </a:r>
+            <a:r>
+              <a:rPr lang="de-DE" dirty="0" err="1"/>
+              <a:t>afterwards</a:t>
+            </a:r>
+            <a:endParaRPr lang="de-DE" dirty="0"/>
+          </a:p>
+        </p:txBody>
+      </p:sp>
+      <p:sp>
+        <p:nvSpPr>
+          <p:cNvPr id="3" name="Titel 2"/>
+          <p:cNvSpPr>
+            <a:spLocks noGrp="1"/>
+          </p:cNvSpPr>
+          <p:nvPr>
+            <p:ph type="title"/>
+          </p:nvPr>
+        </p:nvSpPr>
+        <p:spPr/>
+        <p:txBody>
+          <a:bodyPr/>
+          <a:lstStyle/>
+          <a:p>
+            <a:r>
+              <a:rPr lang="de-DE" dirty="0"/>
+              <a:t>Next </a:t>
+            </a:r>
+            <a:r>
+              <a:rPr lang="de-DE" dirty="0" err="1"/>
+              <a:t>Steps</a:t>
+            </a:r>
+            <a:r>
+              <a:rPr lang="de-DE" dirty="0"/>
+              <a:t>...</a:t>
+            </a:r>
+          </a:p>
+        </p:txBody>
+      </p:sp>
+    </p:spTree>
+    <p:extLst>
+      <p:ext uri="{BB962C8B-B14F-4D97-AF65-F5344CB8AC3E}">
+        <p14:creationId xmlns:p14="http://schemas.microsoft.com/office/powerpoint/2010/main" val="3397310615"/>
+      </p:ext>
+    </p:extLst>
+  </p:cSld>
+  <p:clrMapOvr>
+    <a:masterClrMapping/>
+  </p:clrMapOvr>
+  <mc:AlternateContent xmlns:mc="http://schemas.openxmlformats.org/markup-compatibility/2006" xmlns:p14="http://schemas.microsoft.com/office/powerpoint/2010/main">
+    <mc:Choice Requires="p14">
+      <p:transition spd="med" p14:dur="700">
+        <p:fade/>
+      </p:transition>
+    </mc:Choice>
+    <mc:Fallback xmlns="">
+      <p:transition spd="med">
+        <p:fade/>
+      </p:transition>
+    </mc:Fallback>
+  </mc:AlternateContent>
+</p:sld>
+</file>
+
+<file path=ppt/slides/slide14.xml><?xml version="1.0" encoding="utf-8"?>
+<p:sld xmlns:a="http://schemas.openxmlformats.org/drawingml/2006/main" xmlns:r="http://schemas.openxmlformats.org/officeDocument/2006/relationships" xmlns:p="http://schemas.openxmlformats.org/presentationml/2006/main">
+  <p:cSld>
+    <p:spTree>
+      <p:nvGrpSpPr>
+        <p:cNvPr id="1" name=""/>
+        <p:cNvGrpSpPr/>
+        <p:nvPr/>
+      </p:nvGrpSpPr>
+      <p:grpSpPr>
+        <a:xfrm>
+          <a:off x="0" y="0"/>
+          <a:ext cx="0" cy="0"/>
+          <a:chOff x="0" y="0"/>
+          <a:chExt cx="0" cy="0"/>
+        </a:xfrm>
+      </p:grpSpPr>
+      <p:sp>
+        <p:nvSpPr>
+          <p:cNvPr id="2" name="Titel 1"/>
+          <p:cNvSpPr>
+            <a:spLocks noGrp="1"/>
+          </p:cNvSpPr>
+          <p:nvPr>
+            <p:ph type="title"/>
+          </p:nvPr>
+        </p:nvSpPr>
         <p:spPr/>
         <p:txBody>
           <a:bodyPr/>
@@ -4835,7 +5486,7 @@
 </p:sld>
 </file>
 
-<file path=ppt/slides/slide13.xml><?xml version="1.0" encoding="utf-8"?>
+<file path=ppt/slides/slide15.xml><?xml version="1.0" encoding="utf-8"?>
 <p:sld xmlns:a="http://schemas.openxmlformats.org/drawingml/2006/main" xmlns:r="http://schemas.openxmlformats.org/officeDocument/2006/relationships" xmlns:p="http://schemas.openxmlformats.org/presentationml/2006/main">
   <p:cSld>
     <p:spTree>
@@ -5271,6 +5922,29 @@
               <a:t>Naming</a:t>
             </a:r>
             <a:endParaRPr lang="de-DE" dirty="0"/>
+          </a:p>
+          <a:p>
+            <a:r>
+              <a:rPr lang="de-DE" dirty="0"/>
+              <a:t>Help</a:t>
+            </a:r>
+          </a:p>
+          <a:p>
+            <a:r>
+              <a:rPr lang="de-DE" dirty="0"/>
+              <a:t>Module </a:t>
+            </a:r>
+            <a:r>
+              <a:rPr lang="de-DE" dirty="0" err="1"/>
+              <a:t>metadata</a:t>
+            </a:r>
+            <a:endParaRPr lang="de-DE" dirty="0"/>
+          </a:p>
+          <a:p>
+            <a:r>
+              <a:rPr lang="de-DE" dirty="0"/>
+              <a:t>Tests</a:t>
+            </a:r>
           </a:p>
           <a:p>
             <a:endParaRPr lang="de-DE" dirty="0"/>
@@ -9359,11 +10033,7 @@
             <a:pPr lvl="1"/>
             <a:r>
               <a:rPr lang="en-US" dirty="0"/>
-              <a:t>PowerShell doesn’t have to load your module to see if the command the user typed is in </a:t>
-            </a:r>
-            <a:r>
-              <a:rPr lang="en-US"/>
-              <a:t>your module</a:t>
+              <a:t>PowerShell doesn’t have to load your module to see if the command the user typed is in your module</a:t>
             </a:r>
           </a:p>
         </p:txBody>
@@ -9434,7 +10104,43 @@
       </p:grpSpPr>
       <p:sp>
         <p:nvSpPr>
-          <p:cNvPr id="2" name="Titel 1"/>
+          <p:cNvPr id="2" name="Platshållare för innehåll 1"/>
+          <p:cNvSpPr>
+            <a:spLocks noGrp="1"/>
+          </p:cNvSpPr>
+          <p:nvPr>
+            <p:ph idx="1"/>
+          </p:nvPr>
+        </p:nvSpPr>
+        <p:spPr/>
+        <p:txBody>
+          <a:bodyPr/>
+          <a:lstStyle/>
+          <a:p>
+            <a:r>
+              <a:rPr lang="en-US" dirty="0"/>
+              <a:t>Pester has become the </a:t>
+            </a:r>
+            <a:r>
+              <a:rPr lang="en-US" dirty="0" err="1"/>
+              <a:t>defacto</a:t>
+            </a:r>
+            <a:r>
+              <a:rPr lang="en-US" dirty="0"/>
+              <a:t> standard for PowerShell test</a:t>
+            </a:r>
+          </a:p>
+          <a:p>
+            <a:r>
+              <a:rPr lang="en-US" dirty="0"/>
+              <a:t>Use it</a:t>
+            </a:r>
+          </a:p>
+        </p:txBody>
+      </p:sp>
+      <p:sp>
+        <p:nvSpPr>
+          <p:cNvPr id="3" name="Rubrik 2"/>
           <p:cNvSpPr>
             <a:spLocks noGrp="1"/>
           </p:cNvSpPr>
@@ -9448,320 +10154,8 @@
           <a:lstStyle/>
           <a:p>
             <a:r>
-              <a:rPr lang="de-DE" dirty="0"/>
-              <a:t>Demo</a:t>
-            </a:r>
-          </a:p>
-        </p:txBody>
-      </p:sp>
-      <p:sp>
-        <p:nvSpPr>
-          <p:cNvPr id="3" name="Textplatzhalter 2"/>
-          <p:cNvSpPr>
-            <a:spLocks noGrp="1"/>
-          </p:cNvSpPr>
-          <p:nvPr>
-            <p:ph type="body" sz="quarter" idx="10"/>
-          </p:nvPr>
-        </p:nvSpPr>
-        <p:spPr/>
-        <p:txBody>
-          <a:bodyPr>
-            <a:normAutofit fontScale="92500" lnSpcReduction="20000"/>
-          </a:bodyPr>
-          <a:lstStyle/>
-          <a:p>
-            <a:r>
-              <a:rPr lang="de-DE" dirty="0"/>
-              <a:t>Try </a:t>
-            </a:r>
-            <a:r>
-              <a:rPr lang="de-DE" dirty="0" err="1"/>
-              <a:t>and</a:t>
-            </a:r>
-            <a:r>
-              <a:rPr lang="de-DE" dirty="0"/>
-              <a:t> </a:t>
-            </a:r>
-            <a:r>
-              <a:rPr lang="de-DE" dirty="0" err="1"/>
-              <a:t>use</a:t>
-            </a:r>
-            <a:r>
-              <a:rPr lang="de-DE" dirty="0"/>
-              <a:t> </a:t>
-            </a:r>
-            <a:r>
-              <a:rPr lang="de-DE" dirty="0" err="1"/>
-              <a:t>demos</a:t>
-            </a:r>
-            <a:r>
-              <a:rPr lang="de-DE" dirty="0"/>
-              <a:t> </a:t>
-            </a:r>
-            <a:r>
-              <a:rPr lang="de-DE" dirty="0" err="1"/>
-              <a:t>instead</a:t>
-            </a:r>
-            <a:r>
-              <a:rPr lang="de-DE" dirty="0"/>
-              <a:t> </a:t>
-            </a:r>
-            <a:r>
-              <a:rPr lang="de-DE" dirty="0" err="1"/>
-              <a:t>of</a:t>
-            </a:r>
-            <a:r>
-              <a:rPr lang="de-DE" dirty="0"/>
-              <a:t> </a:t>
-            </a:r>
-            <a:r>
-              <a:rPr lang="de-DE" dirty="0" err="1"/>
-              <a:t>dead</a:t>
-            </a:r>
-            <a:r>
-              <a:rPr lang="de-DE" dirty="0"/>
-              <a:t> </a:t>
-            </a:r>
-            <a:r>
-              <a:rPr lang="de-DE" dirty="0" err="1"/>
-              <a:t>slides</a:t>
-            </a:r>
-            <a:r>
-              <a:rPr lang="de-DE" dirty="0"/>
-              <a:t>.</a:t>
-            </a:r>
-          </a:p>
-          <a:p>
-            <a:endParaRPr lang="de-DE" dirty="0"/>
-          </a:p>
-          <a:p>
-            <a:r>
-              <a:rPr lang="de-DE" dirty="0" err="1"/>
-              <a:t>Please</a:t>
-            </a:r>
-            <a:r>
-              <a:rPr lang="de-DE" dirty="0"/>
-              <a:t> do not </a:t>
-            </a:r>
-            <a:r>
-              <a:rPr lang="de-DE" dirty="0" err="1"/>
-              <a:t>dive</a:t>
-            </a:r>
-            <a:r>
-              <a:rPr lang="de-DE" dirty="0"/>
-              <a:t> </a:t>
-            </a:r>
-            <a:r>
-              <a:rPr lang="de-DE" dirty="0" err="1"/>
-              <a:t>into</a:t>
-            </a:r>
-            <a:r>
-              <a:rPr lang="de-DE" dirty="0"/>
-              <a:t> </a:t>
-            </a:r>
-            <a:r>
-              <a:rPr lang="de-DE" dirty="0" err="1"/>
-              <a:t>zillions</a:t>
-            </a:r>
-            <a:r>
-              <a:rPr lang="de-DE" dirty="0"/>
-              <a:t> </a:t>
-            </a:r>
-            <a:r>
-              <a:rPr lang="de-DE" dirty="0" err="1"/>
-              <a:t>of</a:t>
-            </a:r>
-            <a:r>
-              <a:rPr lang="de-DE" dirty="0"/>
-              <a:t> </a:t>
-            </a:r>
-            <a:r>
-              <a:rPr lang="de-DE" dirty="0" err="1"/>
-              <a:t>pages</a:t>
-            </a:r>
-            <a:r>
-              <a:rPr lang="de-DE" dirty="0"/>
-              <a:t> </a:t>
-            </a:r>
-            <a:r>
-              <a:rPr lang="de-DE" dirty="0" err="1"/>
-              <a:t>of</a:t>
-            </a:r>
-            <a:r>
-              <a:rPr lang="de-DE" dirty="0"/>
-              <a:t> </a:t>
-            </a:r>
-            <a:r>
-              <a:rPr lang="de-DE" dirty="0" err="1"/>
-              <a:t>code</a:t>
-            </a:r>
-            <a:r>
-              <a:rPr lang="de-DE" dirty="0"/>
-              <a:t>.</a:t>
-            </a:r>
-          </a:p>
-          <a:p>
-            <a:r>
-              <a:rPr lang="de-DE" dirty="0" err="1"/>
-              <a:t>Instead</a:t>
-            </a:r>
-            <a:r>
-              <a:rPr lang="de-DE" dirty="0"/>
-              <a:t>, </a:t>
-            </a:r>
-            <a:r>
-              <a:rPr lang="de-DE" dirty="0" err="1"/>
-              <a:t>if</a:t>
-            </a:r>
-            <a:r>
-              <a:rPr lang="de-DE" dirty="0"/>
-              <a:t> </a:t>
-            </a:r>
-            <a:r>
-              <a:rPr lang="de-DE" dirty="0" err="1"/>
-              <a:t>you</a:t>
-            </a:r>
-            <a:r>
-              <a:rPr lang="de-DE" dirty="0"/>
-              <a:t> </a:t>
-            </a:r>
-            <a:r>
-              <a:rPr lang="de-DE" dirty="0" err="1"/>
-              <a:t>can</a:t>
-            </a:r>
-            <a:r>
-              <a:rPr lang="de-DE" dirty="0"/>
-              <a:t>, turn </a:t>
-            </a:r>
-            <a:r>
-              <a:rPr lang="de-DE" dirty="0" err="1"/>
-              <a:t>your</a:t>
-            </a:r>
-            <a:r>
-              <a:rPr lang="de-DE" dirty="0"/>
-              <a:t> </a:t>
-            </a:r>
-            <a:r>
-              <a:rPr lang="de-DE" dirty="0" err="1"/>
-              <a:t>logical</a:t>
-            </a:r>
-            <a:r>
-              <a:rPr lang="de-DE" dirty="0"/>
-              <a:t> </a:t>
-            </a:r>
-            <a:r>
-              <a:rPr lang="de-DE" dirty="0" err="1"/>
-              <a:t>code</a:t>
-            </a:r>
-            <a:r>
-              <a:rPr lang="de-DE" dirty="0"/>
-              <a:t> </a:t>
-            </a:r>
-            <a:r>
-              <a:rPr lang="de-DE" dirty="0" err="1"/>
-              <a:t>blocks</a:t>
-            </a:r>
-            <a:r>
-              <a:rPr lang="de-DE" dirty="0"/>
-              <a:t> </a:t>
-            </a:r>
-            <a:r>
-              <a:rPr lang="de-DE" dirty="0" err="1"/>
-              <a:t>into</a:t>
-            </a:r>
-            <a:r>
-              <a:rPr lang="de-DE" dirty="0"/>
-              <a:t> </a:t>
-            </a:r>
-            <a:r>
-              <a:rPr lang="de-DE" dirty="0" err="1"/>
-              <a:t>functions</a:t>
-            </a:r>
-            <a:r>
-              <a:rPr lang="de-DE" dirty="0"/>
-              <a:t>, </a:t>
-            </a:r>
-            <a:r>
-              <a:rPr lang="de-DE" dirty="0" err="1"/>
-              <a:t>and</a:t>
-            </a:r>
-            <a:r>
-              <a:rPr lang="de-DE" dirty="0"/>
-              <a:t> </a:t>
-            </a:r>
-            <a:r>
-              <a:rPr lang="de-DE" dirty="0" err="1"/>
-              <a:t>store</a:t>
-            </a:r>
-            <a:r>
-              <a:rPr lang="de-DE" dirty="0"/>
-              <a:t> </a:t>
-            </a:r>
-            <a:r>
-              <a:rPr lang="de-DE" dirty="0" err="1"/>
-              <a:t>them</a:t>
-            </a:r>
-            <a:r>
-              <a:rPr lang="de-DE" dirty="0"/>
-              <a:t> in a </a:t>
-            </a:r>
-            <a:r>
-              <a:rPr lang="de-DE" dirty="0" err="1"/>
-              <a:t>module</a:t>
-            </a:r>
-            <a:r>
-              <a:rPr lang="de-DE" dirty="0"/>
-              <a:t>. </a:t>
-            </a:r>
-          </a:p>
-          <a:p>
-            <a:endParaRPr lang="de-DE" dirty="0"/>
-          </a:p>
-          <a:p>
-            <a:r>
-              <a:rPr lang="de-DE" dirty="0"/>
-              <a:t>Share </a:t>
-            </a:r>
-            <a:r>
-              <a:rPr lang="de-DE" dirty="0" err="1"/>
-              <a:t>this</a:t>
-            </a:r>
-            <a:r>
-              <a:rPr lang="de-DE" dirty="0"/>
-              <a:t> </a:t>
-            </a:r>
-            <a:r>
-              <a:rPr lang="de-DE" dirty="0" err="1"/>
-              <a:t>module</a:t>
-            </a:r>
-            <a:r>
-              <a:rPr lang="de-DE" dirty="0"/>
-              <a:t> </a:t>
-            </a:r>
-            <a:r>
-              <a:rPr lang="de-DE" dirty="0" err="1"/>
-              <a:t>with</a:t>
-            </a:r>
-            <a:r>
-              <a:rPr lang="de-DE" dirty="0"/>
-              <a:t> </a:t>
-            </a:r>
-            <a:r>
-              <a:rPr lang="de-DE" dirty="0" err="1"/>
-              <a:t>your</a:t>
-            </a:r>
-            <a:r>
-              <a:rPr lang="de-DE" dirty="0"/>
-              <a:t> </a:t>
-            </a:r>
-            <a:r>
-              <a:rPr lang="de-DE" dirty="0" err="1"/>
-              <a:t>audience</a:t>
-            </a:r>
-            <a:r>
-              <a:rPr lang="de-DE" dirty="0"/>
-              <a:t>.</a:t>
+              <a:rPr lang="en-US" dirty="0"/>
+              <a:t>Tests</a:t>
             </a:r>
           </a:p>
         </p:txBody>
@@ -9769,7 +10163,7 @@
     </p:spTree>
     <p:extLst>
       <p:ext uri="{BB962C8B-B14F-4D97-AF65-F5344CB8AC3E}">
-        <p14:creationId xmlns:p14="http://schemas.microsoft.com/office/powerpoint/2010/main" val="2040841989"/>
+        <p14:creationId xmlns:p14="http://schemas.microsoft.com/office/powerpoint/2010/main" val="3556032739"/>
       </p:ext>
     </p:extLst>
   </p:cSld>
@@ -9778,12 +10172,12 @@
   </p:clrMapOvr>
   <mc:AlternateContent xmlns:mc="http://schemas.openxmlformats.org/markup-compatibility/2006" xmlns:p14="http://schemas.microsoft.com/office/powerpoint/2010/main">
     <mc:Choice Requires="p14">
-      <p:transition spd="med" p14:dur="700">
-        <p:fade/>
+      <p:transition spd="slow" p14:dur="1300">
+        <p14:pan dir="u"/>
       </p:transition>
     </mc:Choice>
     <mc:Fallback xmlns="">
-      <p:transition spd="med">
+      <p:transition spd="slow">
         <p:fade/>
       </p:transition>
     </mc:Fallback>
@@ -9810,7 +10204,7 @@
       </p:grpSpPr>
       <p:sp>
         <p:nvSpPr>
-          <p:cNvPr id="2" name="Content Placeholder 1"/>
+          <p:cNvPr id="2" name="Platshållare för innehåll 1"/>
           <p:cNvSpPr>
             <a:spLocks noGrp="1"/>
           </p:cNvSpPr>
@@ -9820,496 +10214,76 @@
         </p:nvSpPr>
         <p:spPr/>
         <p:txBody>
-          <a:bodyPr>
-            <a:normAutofit fontScale="85000" lnSpcReduction="10000"/>
-          </a:bodyPr>
+          <a:bodyPr/>
           <a:lstStyle/>
           <a:p>
             <a:r>
-              <a:rPr lang="en-US" dirty="0">
-                <a:solidFill>
-                  <a:srgbClr val="006400"/>
-                </a:solidFill>
-                <a:latin typeface="Lucida Console" panose="020B0609040504020204" pitchFamily="49" charset="0"/>
-              </a:rPr>
-              <a:t># use this template for code samples</a:t>
-            </a:r>
-          </a:p>
-          <a:p>
-            <a:r>
-              <a:rPr lang="en-US" dirty="0">
-                <a:solidFill>
-                  <a:srgbClr val="006400"/>
-                </a:solidFill>
-                <a:latin typeface="Lucida Console" panose="020B0609040504020204" pitchFamily="49" charset="0"/>
-              </a:rPr>
-              <a:t># and follow these instructions to show perfectly</a:t>
-            </a:r>
-          </a:p>
-          <a:p>
-            <a:r>
-              <a:rPr lang="en-US" dirty="0">
-                <a:solidFill>
-                  <a:srgbClr val="006400"/>
-                </a:solidFill>
-                <a:latin typeface="Lucida Console" panose="020B0609040504020204" pitchFamily="49" charset="0"/>
-              </a:rPr>
-              <a:t># color-coded PowerShell code:</a:t>
-            </a:r>
-          </a:p>
-          <a:p>
-            <a:endParaRPr lang="en-US" dirty="0">
-              <a:solidFill>
-                <a:srgbClr val="006400"/>
-              </a:solidFill>
-              <a:latin typeface="Lucida Console" panose="020B0609040504020204" pitchFamily="49" charset="0"/>
-            </a:endParaRPr>
-          </a:p>
-          <a:p>
-            <a:r>
-              <a:rPr lang="en-US" dirty="0">
-                <a:solidFill>
-                  <a:srgbClr val="006400"/>
-                </a:solidFill>
-                <a:latin typeface="Lucida Console" panose="020B0609040504020204" pitchFamily="49" charset="0"/>
-              </a:rPr>
-              <a:t># paste code to PowerShell ISE, select it, and copy it</a:t>
-            </a:r>
-            <a:endParaRPr lang="en-US" dirty="0">
-              <a:solidFill>
-                <a:prstClr val="black"/>
-              </a:solidFill>
-              <a:latin typeface="Lucida Console" panose="020B0609040504020204" pitchFamily="49" charset="0"/>
-            </a:endParaRPr>
-          </a:p>
-          <a:p>
-            <a:r>
-              <a:rPr lang="en-US" dirty="0">
-                <a:solidFill>
-                  <a:srgbClr val="006400"/>
-                </a:solidFill>
-                <a:latin typeface="Lucida Console" panose="020B0609040504020204" pitchFamily="49" charset="0"/>
-              </a:rPr>
-              <a:t># to the clipboard</a:t>
-            </a:r>
-            <a:endParaRPr lang="en-US" dirty="0">
-              <a:solidFill>
-                <a:prstClr val="black"/>
-              </a:solidFill>
-              <a:latin typeface="Lucida Console" panose="020B0609040504020204" pitchFamily="49" charset="0"/>
-            </a:endParaRPr>
-          </a:p>
-          <a:p>
-            <a:r>
-              <a:rPr lang="en-US" dirty="0">
-                <a:solidFill>
-                  <a:srgbClr val="0000FF"/>
-                </a:solidFill>
-                <a:latin typeface="Lucida Console" panose="020B0609040504020204" pitchFamily="49" charset="0"/>
-              </a:rPr>
-              <a:t>Paste-Code</a:t>
-            </a:r>
-            <a:r>
-              <a:rPr lang="en-US" dirty="0">
-                <a:solidFill>
-                  <a:prstClr val="black"/>
-                </a:solidFill>
-                <a:latin typeface="Lucida Console" panose="020B0609040504020204" pitchFamily="49" charset="0"/>
-              </a:rPr>
-              <a:t> </a:t>
-            </a:r>
-            <a:r>
-              <a:rPr lang="en-US" dirty="0">
-                <a:solidFill>
-                  <a:srgbClr val="000080"/>
-                </a:solidFill>
-                <a:latin typeface="Lucida Console" panose="020B0609040504020204" pitchFamily="49" charset="0"/>
-              </a:rPr>
-              <a:t>-</a:t>
-            </a:r>
-            <a:r>
-              <a:rPr lang="en-US" dirty="0" err="1">
-                <a:solidFill>
-                  <a:srgbClr val="000080"/>
-                </a:solidFill>
-                <a:latin typeface="Lucida Console" panose="020B0609040504020204" pitchFamily="49" charset="0"/>
-              </a:rPr>
-              <a:t>toISE</a:t>
-            </a:r>
-            <a:r>
-              <a:rPr lang="en-US" dirty="0">
-                <a:solidFill>
-                  <a:prstClr val="black"/>
-                </a:solidFill>
-                <a:latin typeface="Lucida Console" panose="020B0609040504020204" pitchFamily="49" charset="0"/>
-              </a:rPr>
-              <a:t> </a:t>
-            </a:r>
-            <a:r>
-              <a:rPr lang="en-US" dirty="0">
-                <a:solidFill>
-                  <a:srgbClr val="A9A9A9"/>
-                </a:solidFill>
-                <a:latin typeface="Lucida Console" panose="020B0609040504020204" pitchFamily="49" charset="0"/>
-              </a:rPr>
-              <a:t>|</a:t>
-            </a:r>
-            <a:r>
-              <a:rPr lang="en-US" dirty="0">
-                <a:solidFill>
-                  <a:prstClr val="black"/>
-                </a:solidFill>
-                <a:latin typeface="Lucida Console" panose="020B0609040504020204" pitchFamily="49" charset="0"/>
-              </a:rPr>
-              <a:t> </a:t>
-            </a:r>
-            <a:r>
-              <a:rPr lang="en-US" dirty="0">
-                <a:solidFill>
-                  <a:srgbClr val="0000FF"/>
-                </a:solidFill>
-                <a:latin typeface="Lucida Console" panose="020B0609040504020204" pitchFamily="49" charset="0"/>
-              </a:rPr>
-              <a:t>Select-Code</a:t>
-            </a:r>
-            <a:r>
-              <a:rPr lang="en-US" dirty="0">
-                <a:solidFill>
-                  <a:prstClr val="black"/>
-                </a:solidFill>
-                <a:latin typeface="Lucida Console" panose="020B0609040504020204" pitchFamily="49" charset="0"/>
-              </a:rPr>
-              <a:t> </a:t>
-            </a:r>
-            <a:r>
-              <a:rPr lang="en-US" dirty="0">
-                <a:solidFill>
-                  <a:srgbClr val="A9A9A9"/>
-                </a:solidFill>
-                <a:latin typeface="Lucida Console" panose="020B0609040504020204" pitchFamily="49" charset="0"/>
-              </a:rPr>
-              <a:t>|</a:t>
-            </a:r>
-            <a:r>
-              <a:rPr lang="en-US" dirty="0">
-                <a:solidFill>
-                  <a:prstClr val="black"/>
-                </a:solidFill>
-                <a:latin typeface="Lucida Console" panose="020B0609040504020204" pitchFamily="49" charset="0"/>
-              </a:rPr>
-              <a:t> </a:t>
-            </a:r>
-            <a:r>
-              <a:rPr lang="en-US" dirty="0">
-                <a:solidFill>
-                  <a:srgbClr val="0000FF"/>
-                </a:solidFill>
-                <a:latin typeface="Lucida Console" panose="020B0609040504020204" pitchFamily="49" charset="0"/>
-              </a:rPr>
-              <a:t>Copy-</a:t>
-            </a:r>
-            <a:r>
-              <a:rPr lang="en-US" dirty="0" err="1">
-                <a:solidFill>
-                  <a:srgbClr val="0000FF"/>
-                </a:solidFill>
-                <a:latin typeface="Lucida Console" panose="020B0609040504020204" pitchFamily="49" charset="0"/>
-              </a:rPr>
-              <a:t>ToClipboard</a:t>
-            </a:r>
-            <a:endParaRPr lang="en-US" dirty="0">
-              <a:solidFill>
-                <a:prstClr val="black"/>
-              </a:solidFill>
-              <a:latin typeface="Lucida Console" panose="020B0609040504020204" pitchFamily="49" charset="0"/>
-            </a:endParaRPr>
-          </a:p>
-          <a:p>
-            <a:endParaRPr lang="en-US" dirty="0">
-              <a:solidFill>
-                <a:prstClr val="black"/>
-              </a:solidFill>
-              <a:latin typeface="Lucida Console" panose="020B0609040504020204" pitchFamily="49" charset="0"/>
-            </a:endParaRPr>
-          </a:p>
-          <a:p>
-            <a:r>
-              <a:rPr lang="en-US" dirty="0">
-                <a:solidFill>
-                  <a:srgbClr val="006400"/>
-                </a:solidFill>
-                <a:latin typeface="Lucida Console" panose="020B0609040504020204" pitchFamily="49" charset="0"/>
-              </a:rPr>
-              <a:t># to insert it with full color coding into a slide,</a:t>
-            </a:r>
-            <a:endParaRPr lang="en-US" dirty="0">
-              <a:solidFill>
-                <a:prstClr val="black"/>
-              </a:solidFill>
-              <a:latin typeface="Lucida Console" panose="020B0609040504020204" pitchFamily="49" charset="0"/>
-            </a:endParaRPr>
-          </a:p>
-          <a:p>
-            <a:r>
-              <a:rPr lang="en-US" dirty="0">
-                <a:solidFill>
-                  <a:srgbClr val="006400"/>
-                </a:solidFill>
-                <a:latin typeface="Lucida Console" panose="020B0609040504020204" pitchFamily="49" charset="0"/>
-              </a:rPr>
-              <a:t># paste the code to your PPT slide. It will be black,</a:t>
-            </a:r>
-            <a:endParaRPr lang="en-US" dirty="0">
-              <a:solidFill>
-                <a:prstClr val="black"/>
-              </a:solidFill>
-              <a:latin typeface="Lucida Console" panose="020B0609040504020204" pitchFamily="49" charset="0"/>
-            </a:endParaRPr>
-          </a:p>
-          <a:p>
-            <a:r>
-              <a:rPr lang="en-US" dirty="0">
-                <a:solidFill>
-                  <a:srgbClr val="006400"/>
-                </a:solidFill>
-                <a:latin typeface="Lucida Console" panose="020B0609040504020204" pitchFamily="49" charset="0"/>
-              </a:rPr>
-              <a:t># and there is a </a:t>
-            </a:r>
-            <a:r>
-              <a:rPr lang="en-US" dirty="0" err="1">
-                <a:solidFill>
-                  <a:srgbClr val="006400"/>
-                </a:solidFill>
-                <a:latin typeface="Lucida Console" panose="020B0609040504020204" pitchFamily="49" charset="0"/>
-              </a:rPr>
-              <a:t>toolbutton</a:t>
-            </a:r>
-            <a:r>
-              <a:rPr lang="en-US" dirty="0">
-                <a:solidFill>
-                  <a:srgbClr val="006400"/>
-                </a:solidFill>
-                <a:latin typeface="Lucida Console" panose="020B0609040504020204" pitchFamily="49" charset="0"/>
-              </a:rPr>
-              <a:t> labelled (Ctrl) in PPT.</a:t>
-            </a:r>
-            <a:endParaRPr lang="en-US" dirty="0">
-              <a:solidFill>
-                <a:prstClr val="black"/>
-              </a:solidFill>
-              <a:latin typeface="Lucida Console" panose="020B0609040504020204" pitchFamily="49" charset="0"/>
-            </a:endParaRPr>
-          </a:p>
-          <a:p>
-            <a:r>
-              <a:rPr lang="en-US" dirty="0">
-                <a:solidFill>
-                  <a:srgbClr val="0000FF"/>
-                </a:solidFill>
-                <a:latin typeface="Lucida Console" panose="020B0609040504020204" pitchFamily="49" charset="0"/>
-              </a:rPr>
-              <a:t>Click-</a:t>
-            </a:r>
-            <a:r>
-              <a:rPr lang="en-US" dirty="0" err="1">
-                <a:solidFill>
-                  <a:srgbClr val="0000FF"/>
-                </a:solidFill>
-                <a:latin typeface="Lucida Console" panose="020B0609040504020204" pitchFamily="49" charset="0"/>
-              </a:rPr>
-              <a:t>ToolButton</a:t>
-            </a:r>
-            <a:r>
-              <a:rPr lang="en-US" dirty="0">
-                <a:solidFill>
-                  <a:prstClr val="black"/>
-                </a:solidFill>
-                <a:latin typeface="Lucida Console" panose="020B0609040504020204" pitchFamily="49" charset="0"/>
-              </a:rPr>
-              <a:t> </a:t>
-            </a:r>
-            <a:r>
-              <a:rPr lang="en-US" dirty="0">
-                <a:solidFill>
-                  <a:srgbClr val="000080"/>
-                </a:solidFill>
-                <a:latin typeface="Lucida Console" panose="020B0609040504020204" pitchFamily="49" charset="0"/>
-              </a:rPr>
-              <a:t>-Choose</a:t>
-            </a:r>
-            <a:r>
-              <a:rPr lang="en-US" dirty="0">
-                <a:solidFill>
-                  <a:prstClr val="black"/>
-                </a:solidFill>
-                <a:latin typeface="Lucida Console" panose="020B0609040504020204" pitchFamily="49" charset="0"/>
-              </a:rPr>
-              <a:t> </a:t>
-            </a:r>
-            <a:r>
-              <a:rPr lang="en-US" dirty="0" err="1">
-                <a:solidFill>
-                  <a:srgbClr val="8A2BE2"/>
-                </a:solidFill>
-                <a:latin typeface="Lucida Console" panose="020B0609040504020204" pitchFamily="49" charset="0"/>
-              </a:rPr>
-              <a:t>SymbolWithClipboardAndBrush</a:t>
-            </a:r>
-            <a:endParaRPr lang="en-US" dirty="0">
-              <a:solidFill>
-                <a:prstClr val="black"/>
-              </a:solidFill>
-              <a:latin typeface="Lucida Console" panose="020B0609040504020204" pitchFamily="49" charset="0"/>
-            </a:endParaRPr>
-          </a:p>
-          <a:p>
-            <a:r>
-              <a:rPr lang="en-US" dirty="0">
-                <a:solidFill>
-                  <a:srgbClr val="006400"/>
-                </a:solidFill>
-                <a:latin typeface="Lucida Console" panose="020B0609040504020204" pitchFamily="49" charset="0"/>
-              </a:rPr>
-              <a:t># Click the </a:t>
-            </a:r>
-            <a:r>
-              <a:rPr lang="en-US" dirty="0" err="1">
-                <a:solidFill>
-                  <a:srgbClr val="006400"/>
-                </a:solidFill>
-                <a:latin typeface="Lucida Console" panose="020B0609040504020204" pitchFamily="49" charset="0"/>
-              </a:rPr>
-              <a:t>toolbutton</a:t>
-            </a:r>
-            <a:r>
-              <a:rPr lang="en-US" dirty="0">
-                <a:solidFill>
-                  <a:srgbClr val="006400"/>
-                </a:solidFill>
-                <a:latin typeface="Lucida Console" panose="020B0609040504020204" pitchFamily="49" charset="0"/>
-              </a:rPr>
-              <a:t>, and choose the button that shows</a:t>
-            </a:r>
-            <a:endParaRPr lang="en-US" dirty="0">
-              <a:solidFill>
-                <a:prstClr val="black"/>
-              </a:solidFill>
-              <a:latin typeface="Lucida Console" panose="020B0609040504020204" pitchFamily="49" charset="0"/>
-            </a:endParaRPr>
-          </a:p>
-          <a:p>
-            <a:r>
-              <a:rPr lang="en-US" dirty="0">
-                <a:solidFill>
-                  <a:srgbClr val="006400"/>
-                </a:solidFill>
-                <a:latin typeface="Lucida Console" panose="020B0609040504020204" pitchFamily="49" charset="0"/>
-              </a:rPr>
-              <a:t># a clipboard with a brush. This will add color coding</a:t>
-            </a:r>
-            <a:endParaRPr lang="en-US" dirty="0">
-              <a:solidFill>
-                <a:prstClr val="black"/>
-              </a:solidFill>
-              <a:latin typeface="Lucida Console" panose="020B0609040504020204" pitchFamily="49" charset="0"/>
-            </a:endParaRPr>
-          </a:p>
-          <a:p>
-            <a:r>
-              <a:rPr lang="en-US" dirty="0">
-                <a:solidFill>
-                  <a:srgbClr val="006400"/>
-                </a:solidFill>
-                <a:latin typeface="Lucida Console" panose="020B0609040504020204" pitchFamily="49" charset="0"/>
-              </a:rPr>
-              <a:t># back to the pasted code</a:t>
-            </a:r>
-          </a:p>
-          <a:p>
-            <a:endParaRPr lang="en-US" dirty="0">
-              <a:solidFill>
-                <a:srgbClr val="006400"/>
-              </a:solidFill>
-              <a:latin typeface="Lucida Console" panose="020B0609040504020204" pitchFamily="49" charset="0"/>
-            </a:endParaRPr>
-          </a:p>
-          <a:p>
-            <a:r>
-              <a:rPr lang="en-US" dirty="0">
-                <a:solidFill>
-                  <a:srgbClr val="FF0000"/>
-                </a:solidFill>
-                <a:latin typeface="Lucida Console" panose="020B0609040504020204" pitchFamily="49" charset="0"/>
-              </a:rPr>
-              <a:t>PLEASE NOTE: You do not need to use ISE to code, or to demo. Use whatever editor you like best. </a:t>
-            </a:r>
-          </a:p>
-          <a:p>
-            <a:endParaRPr lang="en-US" dirty="0">
-              <a:solidFill>
-                <a:srgbClr val="FF0000"/>
-              </a:solidFill>
-              <a:latin typeface="Lucida Console" panose="020B0609040504020204" pitchFamily="49" charset="0"/>
-            </a:endParaRPr>
-          </a:p>
-          <a:p>
-            <a:r>
-              <a:rPr lang="en-US" dirty="0">
-                <a:solidFill>
-                  <a:srgbClr val="FF0000"/>
-                </a:solidFill>
-                <a:latin typeface="Lucida Console" panose="020B0609040504020204" pitchFamily="49" charset="0"/>
-              </a:rPr>
-              <a:t>These steps use ISE to color-code your code correctly and consistently, and insert the color-coded code into the slide. Please help make all code look consistent. Many thanks!</a:t>
-            </a:r>
-          </a:p>
-          <a:p>
-            <a:endParaRPr lang="en-US" dirty="0">
-              <a:solidFill>
-                <a:srgbClr val="FF0000"/>
-              </a:solidFill>
-              <a:latin typeface="Lucida Console" panose="020B0609040504020204" pitchFamily="49" charset="0"/>
-            </a:endParaRPr>
-          </a:p>
-          <a:p>
-            <a:endParaRPr lang="en-US" dirty="0">
-              <a:solidFill>
-                <a:srgbClr val="FF0000"/>
-              </a:solidFill>
-              <a:latin typeface="Lucida Console" panose="020B0609040504020204" pitchFamily="49" charset="0"/>
-            </a:endParaRPr>
-          </a:p>
-          <a:p>
-            <a:endParaRPr lang="en-US" dirty="0">
-              <a:solidFill>
-                <a:srgbClr val="FF0000"/>
-              </a:solidFill>
-              <a:latin typeface="Lucida Console" panose="020B0609040504020204" pitchFamily="49" charset="0"/>
-            </a:endParaRPr>
-          </a:p>
-          <a:p>
-            <a:endParaRPr lang="en-US" dirty="0">
-              <a:solidFill>
-                <a:srgbClr val="FF0000"/>
-              </a:solidFill>
-              <a:latin typeface="Lucida Console" panose="020B0609040504020204" pitchFamily="49" charset="0"/>
-            </a:endParaRPr>
-          </a:p>
-          <a:p>
-            <a:endParaRPr lang="en-US" dirty="0">
-              <a:solidFill>
-                <a:srgbClr val="FF0000"/>
-              </a:solidFill>
-              <a:latin typeface="Lucida Console" panose="020B0609040504020204" pitchFamily="49" charset="0"/>
-            </a:endParaRPr>
+              <a:rPr lang="en-US" dirty="0"/>
+              <a:t>Resolving path</a:t>
+            </a:r>
+          </a:p>
+          <a:p>
+            <a:pPr lvl="1"/>
+            <a:r>
+              <a:rPr lang="en-US" dirty="0"/>
+              <a:t>Helper class </a:t>
+            </a:r>
+            <a:r>
+              <a:rPr lang="en-US" dirty="0" err="1"/>
+              <a:t>PathProcessor</a:t>
+            </a:r>
+            <a:endParaRPr lang="en-US" dirty="0"/>
+          </a:p>
+          <a:p>
+            <a:r>
+              <a:rPr lang="en-US" dirty="0"/>
+              <a:t>Filtering paths</a:t>
+            </a:r>
+          </a:p>
+          <a:p>
+            <a:pPr lvl="1"/>
+            <a:r>
+              <a:rPr lang="en-US" dirty="0"/>
+              <a:t>Helper class </a:t>
+            </a:r>
+            <a:r>
+              <a:rPr lang="en-US" dirty="0" err="1"/>
+              <a:t>IncludeExcludeFilter</a:t>
+            </a:r>
+            <a:endParaRPr lang="en-US" dirty="0"/>
+          </a:p>
+          <a:p>
+            <a:pPr lvl="1"/>
+            <a:endParaRPr lang="en-US" dirty="0"/>
+          </a:p>
+        </p:txBody>
+      </p:sp>
+      <p:sp>
+        <p:nvSpPr>
+          <p:cNvPr id="3" name="Rubrik 2"/>
+          <p:cNvSpPr>
+            <a:spLocks noGrp="1"/>
+          </p:cNvSpPr>
+          <p:nvPr>
+            <p:ph type="title"/>
+          </p:nvPr>
+        </p:nvSpPr>
+        <p:spPr/>
+        <p:txBody>
+          <a:bodyPr/>
+          <a:lstStyle/>
+          <a:p>
+            <a:r>
+              <a:rPr lang="en-US" dirty="0"/>
+              <a:t>Path processing and filtering</a:t>
+            </a:r>
           </a:p>
         </p:txBody>
       </p:sp>
     </p:spTree>
     <p:extLst>
       <p:ext uri="{BB962C8B-B14F-4D97-AF65-F5344CB8AC3E}">
-        <p14:creationId xmlns:p14="http://schemas.microsoft.com/office/powerpoint/2010/main" val="1401421730"/>
+        <p14:creationId xmlns:p14="http://schemas.microsoft.com/office/powerpoint/2010/main" val="793391273"/>
       </p:ext>
     </p:extLst>
   </p:cSld>

--- a/PSCONFEU_Modules2017.pptx
+++ b/PSCONFEU_Modules2017.pptx
@@ -6,27 +6,28 @@
     <p:sldMasterId id="2147483809" r:id="rId2"/>
   </p:sldMasterIdLst>
   <p:notesMasterIdLst>
-    <p:notesMasterId r:id="rId18"/>
+    <p:notesMasterId r:id="rId19"/>
   </p:notesMasterIdLst>
   <p:handoutMasterIdLst>
-    <p:handoutMasterId r:id="rId19"/>
+    <p:handoutMasterId r:id="rId20"/>
   </p:handoutMasterIdLst>
   <p:sldIdLst>
     <p:sldId id="316" r:id="rId3"/>
     <p:sldId id="305" r:id="rId4"/>
-    <p:sldId id="281" r:id="rId5"/>
-    <p:sldId id="319" r:id="rId6"/>
-    <p:sldId id="318" r:id="rId7"/>
-    <p:sldId id="320" r:id="rId8"/>
-    <p:sldId id="321" r:id="rId9"/>
-    <p:sldId id="322" r:id="rId10"/>
-    <p:sldId id="323" r:id="rId11"/>
-    <p:sldId id="310" r:id="rId12"/>
-    <p:sldId id="317" r:id="rId13"/>
-    <p:sldId id="302" r:id="rId14"/>
-    <p:sldId id="313" r:id="rId15"/>
-    <p:sldId id="314" r:id="rId16"/>
-    <p:sldId id="312" r:id="rId17"/>
+    <p:sldId id="324" r:id="rId5"/>
+    <p:sldId id="281" r:id="rId6"/>
+    <p:sldId id="319" r:id="rId7"/>
+    <p:sldId id="318" r:id="rId8"/>
+    <p:sldId id="320" r:id="rId9"/>
+    <p:sldId id="321" r:id="rId10"/>
+    <p:sldId id="322" r:id="rId11"/>
+    <p:sldId id="323" r:id="rId12"/>
+    <p:sldId id="310" r:id="rId13"/>
+    <p:sldId id="317" r:id="rId14"/>
+    <p:sldId id="302" r:id="rId15"/>
+    <p:sldId id="313" r:id="rId16"/>
+    <p:sldId id="314" r:id="rId17"/>
+    <p:sldId id="312" r:id="rId18"/>
   </p:sldIdLst>
   <p:sldSz cx="9144000" cy="6858000" type="screen4x3"/>
   <p:notesSz cx="7099300" cy="10234613"/>
@@ -1168,7 +1169,7 @@
               <a:pPr>
                 <a:defRPr/>
               </a:pPr>
-              <a:t>3</a:t>
+              <a:t>4</a:t>
             </a:fld>
             <a:endParaRPr lang="de-DE"/>
           </a:p>
@@ -4300,6 +4301,126 @@
       </p:grpSpPr>
       <p:sp>
         <p:nvSpPr>
+          <p:cNvPr id="2" name="Platshållare för innehåll 1"/>
+          <p:cNvSpPr>
+            <a:spLocks noGrp="1"/>
+          </p:cNvSpPr>
+          <p:nvPr>
+            <p:ph idx="1"/>
+          </p:nvPr>
+        </p:nvSpPr>
+        <p:spPr/>
+        <p:txBody>
+          <a:bodyPr/>
+          <a:lstStyle/>
+          <a:p>
+            <a:r>
+              <a:rPr lang="en-US" dirty="0"/>
+              <a:t>Resolving path</a:t>
+            </a:r>
+          </a:p>
+          <a:p>
+            <a:pPr lvl="1"/>
+            <a:r>
+              <a:rPr lang="en-US" dirty="0"/>
+              <a:t>Helper class </a:t>
+            </a:r>
+            <a:r>
+              <a:rPr lang="en-US" dirty="0" err="1"/>
+              <a:t>PathProcessor</a:t>
+            </a:r>
+            <a:endParaRPr lang="en-US" dirty="0"/>
+          </a:p>
+          <a:p>
+            <a:r>
+              <a:rPr lang="en-US" dirty="0"/>
+              <a:t>Filtering paths</a:t>
+            </a:r>
+          </a:p>
+          <a:p>
+            <a:pPr lvl="1"/>
+            <a:r>
+              <a:rPr lang="en-US" dirty="0"/>
+              <a:t>Helper class </a:t>
+            </a:r>
+            <a:r>
+              <a:rPr lang="en-US" dirty="0" err="1"/>
+              <a:t>IncludeExcludeFilter</a:t>
+            </a:r>
+            <a:endParaRPr lang="en-US" dirty="0"/>
+          </a:p>
+          <a:p>
+            <a:pPr lvl="1"/>
+            <a:endParaRPr lang="en-US" dirty="0"/>
+          </a:p>
+        </p:txBody>
+      </p:sp>
+      <p:sp>
+        <p:nvSpPr>
+          <p:cNvPr id="3" name="Rubrik 2"/>
+          <p:cNvSpPr>
+            <a:spLocks noGrp="1"/>
+          </p:cNvSpPr>
+          <p:nvPr>
+            <p:ph type="title"/>
+          </p:nvPr>
+        </p:nvSpPr>
+        <p:spPr/>
+        <p:txBody>
+          <a:bodyPr/>
+          <a:lstStyle/>
+          <a:p>
+            <a:r>
+              <a:rPr lang="en-US" dirty="0"/>
+              <a:t>Path processing and filtering</a:t>
+            </a:r>
+          </a:p>
+        </p:txBody>
+      </p:sp>
+    </p:spTree>
+    <p:extLst>
+      <p:ext uri="{BB962C8B-B14F-4D97-AF65-F5344CB8AC3E}">
+        <p14:creationId xmlns:p14="http://schemas.microsoft.com/office/powerpoint/2010/main" val="793391273"/>
+      </p:ext>
+    </p:extLst>
+  </p:cSld>
+  <p:clrMapOvr>
+    <a:masterClrMapping/>
+  </p:clrMapOvr>
+  <mc:AlternateContent xmlns:mc="http://schemas.openxmlformats.org/markup-compatibility/2006" xmlns:p14="http://schemas.microsoft.com/office/powerpoint/2010/main">
+    <mc:Choice Requires="p14">
+      <p:transition spd="slow" p14:dur="1300">
+        <p14:pan dir="u"/>
+      </p:transition>
+    </mc:Choice>
+    <mc:Fallback xmlns="">
+      <p:transition spd="slow">
+        <p:fade/>
+      </p:transition>
+    </mc:Fallback>
+  </mc:AlternateContent>
+</p:sld>
+</file>
+
+<file path=ppt/slides/slide11.xml><?xml version="1.0" encoding="utf-8"?>
+<p:sld xmlns:a="http://schemas.openxmlformats.org/drawingml/2006/main" xmlns:r="http://schemas.openxmlformats.org/officeDocument/2006/relationships" xmlns:p="http://schemas.openxmlformats.org/presentationml/2006/main">
+  <p:cSld>
+    <p:spTree>
+      <p:nvGrpSpPr>
+        <p:cNvPr id="1" name=""/>
+        <p:cNvGrpSpPr/>
+        <p:nvPr/>
+      </p:nvGrpSpPr>
+      <p:grpSpPr>
+        <a:xfrm>
+          <a:off x="0" y="0"/>
+          <a:ext cx="0" cy="0"/>
+          <a:chOff x="0" y="0"/>
+          <a:chExt cx="0" cy="0"/>
+        </a:xfrm>
+      </p:grpSpPr>
+      <p:sp>
+        <p:nvSpPr>
           <p:cNvPr id="2" name="Titel 1"/>
           <p:cNvSpPr>
             <a:spLocks noGrp="1"/>
@@ -4358,7 +4479,7 @@
               <a:t> </a:t>
             </a:r>
             <a:r>
-              <a:rPr lang="de-DE"/>
+              <a:rPr lang="de-DE" dirty="0" err="1"/>
               <a:t>filtering</a:t>
             </a:r>
             <a:endParaRPr lang="de-DE" dirty="0"/>
@@ -4390,7 +4511,7 @@
 </p:sld>
 </file>
 
-<file path=ppt/slides/slide11.xml><?xml version="1.0" encoding="utf-8"?>
+<file path=ppt/slides/slide12.xml><?xml version="1.0" encoding="utf-8"?>
 <p:sld xmlns:a="http://schemas.openxmlformats.org/drawingml/2006/main" xmlns:r="http://schemas.openxmlformats.org/officeDocument/2006/relationships" xmlns:p="http://schemas.openxmlformats.org/presentationml/2006/main">
   <p:cSld>
     <p:spTree>
@@ -4930,7 +5051,7 @@
 </p:sld>
 </file>
 
-<file path=ppt/slides/slide12.xml><?xml version="1.0" encoding="utf-8"?>
+<file path=ppt/slides/slide13.xml><?xml version="1.0" encoding="utf-8"?>
 <p:sld xmlns:a="http://schemas.openxmlformats.org/drawingml/2006/main" xmlns:r="http://schemas.openxmlformats.org/officeDocument/2006/relationships" xmlns:p="http://schemas.openxmlformats.org/presentationml/2006/main">
   <p:cSld>
     <p:spTree>
@@ -5086,298 +5207,6 @@
     <p:extLst>
       <p:ext uri="{BB962C8B-B14F-4D97-AF65-F5344CB8AC3E}">
         <p14:creationId xmlns:p14="http://schemas.microsoft.com/office/powerpoint/2010/main" val="3109724331"/>
-      </p:ext>
-    </p:extLst>
-  </p:cSld>
-  <p:clrMapOvr>
-    <a:masterClrMapping/>
-  </p:clrMapOvr>
-  <mc:AlternateContent xmlns:mc="http://schemas.openxmlformats.org/markup-compatibility/2006" xmlns:p14="http://schemas.microsoft.com/office/powerpoint/2010/main">
-    <mc:Choice Requires="p14">
-      <p:transition spd="med" p14:dur="700">
-        <p:fade/>
-      </p:transition>
-    </mc:Choice>
-    <mc:Fallback xmlns="">
-      <p:transition spd="med">
-        <p:fade/>
-      </p:transition>
-    </mc:Fallback>
-  </mc:AlternateContent>
-</p:sld>
-</file>
-
-<file path=ppt/slides/slide13.xml><?xml version="1.0" encoding="utf-8"?>
-<p:sld xmlns:a="http://schemas.openxmlformats.org/drawingml/2006/main" xmlns:r="http://schemas.openxmlformats.org/officeDocument/2006/relationships" xmlns:p="http://schemas.openxmlformats.org/presentationml/2006/main">
-  <p:cSld>
-    <p:spTree>
-      <p:nvGrpSpPr>
-        <p:cNvPr id="1" name=""/>
-        <p:cNvGrpSpPr/>
-        <p:nvPr/>
-      </p:nvGrpSpPr>
-      <p:grpSpPr>
-        <a:xfrm>
-          <a:off x="0" y="0"/>
-          <a:ext cx="0" cy="0"/>
-          <a:chOff x="0" y="0"/>
-          <a:chExt cx="0" cy="0"/>
-        </a:xfrm>
-      </p:grpSpPr>
-      <p:sp>
-        <p:nvSpPr>
-          <p:cNvPr id="2" name="Inhaltsplatzhalter 1"/>
-          <p:cNvSpPr>
-            <a:spLocks noGrp="1"/>
-          </p:cNvSpPr>
-          <p:nvPr>
-            <p:ph idx="1"/>
-          </p:nvPr>
-        </p:nvSpPr>
-        <p:spPr/>
-        <p:txBody>
-          <a:bodyPr/>
-          <a:lstStyle/>
-          <a:p>
-            <a:r>
-              <a:rPr lang="de-DE" dirty="0" err="1"/>
-              <a:t>Now</a:t>
-            </a:r>
-            <a:r>
-              <a:rPr lang="de-DE" dirty="0"/>
-              <a:t>: 15 min break</a:t>
-            </a:r>
-          </a:p>
-          <a:p>
-            <a:endParaRPr lang="de-DE" dirty="0"/>
-          </a:p>
-          <a:p>
-            <a:r>
-              <a:rPr lang="de-DE" dirty="0"/>
-              <a:t>Grab a </a:t>
-            </a:r>
-            <a:r>
-              <a:rPr lang="de-DE" dirty="0" err="1"/>
-              <a:t>coffee</a:t>
-            </a:r>
-            <a:endParaRPr lang="de-DE" dirty="0"/>
-          </a:p>
-          <a:p>
-            <a:r>
-              <a:rPr lang="de-DE" dirty="0" err="1"/>
-              <a:t>Stay</a:t>
-            </a:r>
-            <a:r>
-              <a:rPr lang="de-DE" dirty="0"/>
-              <a:t> </a:t>
-            </a:r>
-            <a:r>
-              <a:rPr lang="de-DE" dirty="0" err="1"/>
-              <a:t>here</a:t>
-            </a:r>
-            <a:r>
-              <a:rPr lang="de-DE" dirty="0"/>
-              <a:t> </a:t>
-            </a:r>
-            <a:r>
-              <a:rPr lang="de-DE" dirty="0" err="1"/>
-              <a:t>to</a:t>
-            </a:r>
-            <a:r>
-              <a:rPr lang="de-DE" dirty="0"/>
-              <a:t> </a:t>
-            </a:r>
-            <a:r>
-              <a:rPr lang="de-DE" dirty="0" err="1"/>
-              <a:t>enjoy</a:t>
-            </a:r>
-            <a:r>
-              <a:rPr lang="de-DE" dirty="0"/>
-              <a:t> </a:t>
-            </a:r>
-            <a:r>
-              <a:rPr lang="de-DE" dirty="0" err="1"/>
-              <a:t>next</a:t>
-            </a:r>
-            <a:r>
-              <a:rPr lang="de-DE" dirty="0"/>
-              <a:t> </a:t>
-            </a:r>
-            <a:r>
-              <a:rPr lang="de-DE" dirty="0" err="1"/>
-              <a:t>presentation</a:t>
-            </a:r>
-            <a:endParaRPr lang="de-DE" dirty="0"/>
-          </a:p>
-          <a:p>
-            <a:r>
-              <a:rPr lang="de-DE" dirty="0"/>
-              <a:t>Change </a:t>
-            </a:r>
-            <a:r>
-              <a:rPr lang="de-DE" dirty="0" err="1"/>
-              <a:t>track</a:t>
-            </a:r>
-            <a:r>
-              <a:rPr lang="de-DE" dirty="0"/>
-              <a:t> </a:t>
-            </a:r>
-            <a:r>
-              <a:rPr lang="de-DE" dirty="0" err="1"/>
-              <a:t>and</a:t>
-            </a:r>
-            <a:r>
-              <a:rPr lang="de-DE" dirty="0"/>
-              <a:t> </a:t>
-            </a:r>
-            <a:r>
-              <a:rPr lang="de-DE" dirty="0" err="1"/>
-              <a:t>switch</a:t>
-            </a:r>
-            <a:r>
-              <a:rPr lang="de-DE" dirty="0"/>
-              <a:t> </a:t>
-            </a:r>
-            <a:r>
-              <a:rPr lang="de-DE" dirty="0" err="1"/>
-              <a:t>to</a:t>
-            </a:r>
-            <a:r>
-              <a:rPr lang="de-DE" dirty="0"/>
-              <a:t> </a:t>
-            </a:r>
-            <a:r>
-              <a:rPr lang="de-DE" dirty="0" err="1"/>
-              <a:t>another</a:t>
-            </a:r>
-            <a:r>
-              <a:rPr lang="de-DE" dirty="0"/>
-              <a:t> </a:t>
-            </a:r>
-            <a:r>
-              <a:rPr lang="de-DE" dirty="0" err="1"/>
-              <a:t>room</a:t>
-            </a:r>
-            <a:endParaRPr lang="de-DE" dirty="0"/>
-          </a:p>
-          <a:p>
-            <a:endParaRPr lang="de-DE" dirty="0"/>
-          </a:p>
-          <a:p>
-            <a:r>
-              <a:rPr lang="de-DE" dirty="0" err="1"/>
-              <a:t>Ask</a:t>
-            </a:r>
-            <a:r>
-              <a:rPr lang="de-DE" dirty="0"/>
-              <a:t> </a:t>
-            </a:r>
-            <a:r>
-              <a:rPr lang="de-DE" dirty="0" err="1"/>
-              <a:t>me</a:t>
-            </a:r>
-            <a:r>
-              <a:rPr lang="de-DE" dirty="0"/>
-              <a:t> </a:t>
-            </a:r>
-            <a:r>
-              <a:rPr lang="de-DE" dirty="0" err="1"/>
-              <a:t>questions</a:t>
-            </a:r>
-            <a:r>
-              <a:rPr lang="de-DE" dirty="0"/>
-              <a:t> </a:t>
-            </a:r>
-            <a:r>
-              <a:rPr lang="de-DE" dirty="0" err="1"/>
-              <a:t>or</a:t>
-            </a:r>
-            <a:r>
-              <a:rPr lang="de-DE" dirty="0"/>
-              <a:t> </a:t>
-            </a:r>
-            <a:r>
-              <a:rPr lang="de-DE" dirty="0" err="1"/>
-              <a:t>meet</a:t>
-            </a:r>
-            <a:r>
-              <a:rPr lang="de-DE" dirty="0"/>
-              <a:t> </a:t>
-            </a:r>
-            <a:r>
-              <a:rPr lang="de-DE" dirty="0" err="1"/>
-              <a:t>me</a:t>
-            </a:r>
-            <a:r>
-              <a:rPr lang="de-DE" dirty="0"/>
-              <a:t> in a </a:t>
-            </a:r>
-            <a:r>
-              <a:rPr lang="de-DE" dirty="0" err="1"/>
-              <a:t>breakout</a:t>
-            </a:r>
-            <a:r>
-              <a:rPr lang="de-DE" dirty="0"/>
-              <a:t> </a:t>
-            </a:r>
-            <a:r>
-              <a:rPr lang="de-DE" dirty="0" err="1"/>
-              <a:t>session</a:t>
-            </a:r>
-            <a:r>
-              <a:rPr lang="de-DE" dirty="0"/>
-              <a:t> </a:t>
-            </a:r>
-            <a:r>
-              <a:rPr lang="de-DE" dirty="0" err="1"/>
-              <a:t>room</a:t>
-            </a:r>
-            <a:r>
-              <a:rPr lang="de-DE" dirty="0"/>
-              <a:t> </a:t>
-            </a:r>
-            <a:r>
-              <a:rPr lang="de-DE" dirty="0" err="1"/>
-              <a:t>afterwards</a:t>
-            </a:r>
-            <a:endParaRPr lang="de-DE" dirty="0"/>
-          </a:p>
-        </p:txBody>
-      </p:sp>
-      <p:sp>
-        <p:nvSpPr>
-          <p:cNvPr id="3" name="Titel 2"/>
-          <p:cNvSpPr>
-            <a:spLocks noGrp="1"/>
-          </p:cNvSpPr>
-          <p:nvPr>
-            <p:ph type="title"/>
-          </p:nvPr>
-        </p:nvSpPr>
-        <p:spPr/>
-        <p:txBody>
-          <a:bodyPr/>
-          <a:lstStyle/>
-          <a:p>
-            <a:r>
-              <a:rPr lang="de-DE" dirty="0"/>
-              <a:t>Next </a:t>
-            </a:r>
-            <a:r>
-              <a:rPr lang="de-DE" dirty="0" err="1"/>
-              <a:t>Steps</a:t>
-            </a:r>
-            <a:r>
-              <a:rPr lang="de-DE" dirty="0"/>
-              <a:t>...</a:t>
-            </a:r>
-          </a:p>
-        </p:txBody>
-      </p:sp>
-    </p:spTree>
-    <p:extLst>
-      <p:ext uri="{BB962C8B-B14F-4D97-AF65-F5344CB8AC3E}">
-        <p14:creationId xmlns:p14="http://schemas.microsoft.com/office/powerpoint/2010/main" val="3397310615"/>
       </p:ext>
     </p:extLst>
   </p:cSld>
@@ -5418,6 +5247,298 @@
       </p:grpSpPr>
       <p:sp>
         <p:nvSpPr>
+          <p:cNvPr id="2" name="Inhaltsplatzhalter 1"/>
+          <p:cNvSpPr>
+            <a:spLocks noGrp="1"/>
+          </p:cNvSpPr>
+          <p:nvPr>
+            <p:ph idx="1"/>
+          </p:nvPr>
+        </p:nvSpPr>
+        <p:spPr/>
+        <p:txBody>
+          <a:bodyPr/>
+          <a:lstStyle/>
+          <a:p>
+            <a:r>
+              <a:rPr lang="de-DE" dirty="0" err="1"/>
+              <a:t>Now</a:t>
+            </a:r>
+            <a:r>
+              <a:rPr lang="de-DE" dirty="0"/>
+              <a:t>: 15 min break</a:t>
+            </a:r>
+          </a:p>
+          <a:p>
+            <a:endParaRPr lang="de-DE" dirty="0"/>
+          </a:p>
+          <a:p>
+            <a:r>
+              <a:rPr lang="de-DE" dirty="0"/>
+              <a:t>Grab a </a:t>
+            </a:r>
+            <a:r>
+              <a:rPr lang="de-DE" dirty="0" err="1"/>
+              <a:t>coffee</a:t>
+            </a:r>
+            <a:endParaRPr lang="de-DE" dirty="0"/>
+          </a:p>
+          <a:p>
+            <a:r>
+              <a:rPr lang="de-DE" dirty="0" err="1"/>
+              <a:t>Stay</a:t>
+            </a:r>
+            <a:r>
+              <a:rPr lang="de-DE" dirty="0"/>
+              <a:t> </a:t>
+            </a:r>
+            <a:r>
+              <a:rPr lang="de-DE" dirty="0" err="1"/>
+              <a:t>here</a:t>
+            </a:r>
+            <a:r>
+              <a:rPr lang="de-DE" dirty="0"/>
+              <a:t> </a:t>
+            </a:r>
+            <a:r>
+              <a:rPr lang="de-DE" dirty="0" err="1"/>
+              <a:t>to</a:t>
+            </a:r>
+            <a:r>
+              <a:rPr lang="de-DE" dirty="0"/>
+              <a:t> </a:t>
+            </a:r>
+            <a:r>
+              <a:rPr lang="de-DE" dirty="0" err="1"/>
+              <a:t>enjoy</a:t>
+            </a:r>
+            <a:r>
+              <a:rPr lang="de-DE" dirty="0"/>
+              <a:t> </a:t>
+            </a:r>
+            <a:r>
+              <a:rPr lang="de-DE" dirty="0" err="1"/>
+              <a:t>next</a:t>
+            </a:r>
+            <a:r>
+              <a:rPr lang="de-DE" dirty="0"/>
+              <a:t> </a:t>
+            </a:r>
+            <a:r>
+              <a:rPr lang="de-DE" dirty="0" err="1"/>
+              <a:t>presentation</a:t>
+            </a:r>
+            <a:endParaRPr lang="de-DE" dirty="0"/>
+          </a:p>
+          <a:p>
+            <a:r>
+              <a:rPr lang="de-DE" dirty="0"/>
+              <a:t>Change </a:t>
+            </a:r>
+            <a:r>
+              <a:rPr lang="de-DE" dirty="0" err="1"/>
+              <a:t>track</a:t>
+            </a:r>
+            <a:r>
+              <a:rPr lang="de-DE" dirty="0"/>
+              <a:t> </a:t>
+            </a:r>
+            <a:r>
+              <a:rPr lang="de-DE" dirty="0" err="1"/>
+              <a:t>and</a:t>
+            </a:r>
+            <a:r>
+              <a:rPr lang="de-DE" dirty="0"/>
+              <a:t> </a:t>
+            </a:r>
+            <a:r>
+              <a:rPr lang="de-DE" dirty="0" err="1"/>
+              <a:t>switch</a:t>
+            </a:r>
+            <a:r>
+              <a:rPr lang="de-DE" dirty="0"/>
+              <a:t> </a:t>
+            </a:r>
+            <a:r>
+              <a:rPr lang="de-DE" dirty="0" err="1"/>
+              <a:t>to</a:t>
+            </a:r>
+            <a:r>
+              <a:rPr lang="de-DE" dirty="0"/>
+              <a:t> </a:t>
+            </a:r>
+            <a:r>
+              <a:rPr lang="de-DE" dirty="0" err="1"/>
+              <a:t>another</a:t>
+            </a:r>
+            <a:r>
+              <a:rPr lang="de-DE" dirty="0"/>
+              <a:t> </a:t>
+            </a:r>
+            <a:r>
+              <a:rPr lang="de-DE" dirty="0" err="1"/>
+              <a:t>room</a:t>
+            </a:r>
+            <a:endParaRPr lang="de-DE" dirty="0"/>
+          </a:p>
+          <a:p>
+            <a:endParaRPr lang="de-DE" dirty="0"/>
+          </a:p>
+          <a:p>
+            <a:r>
+              <a:rPr lang="de-DE" dirty="0" err="1"/>
+              <a:t>Ask</a:t>
+            </a:r>
+            <a:r>
+              <a:rPr lang="de-DE" dirty="0"/>
+              <a:t> </a:t>
+            </a:r>
+            <a:r>
+              <a:rPr lang="de-DE" dirty="0" err="1"/>
+              <a:t>me</a:t>
+            </a:r>
+            <a:r>
+              <a:rPr lang="de-DE" dirty="0"/>
+              <a:t> </a:t>
+            </a:r>
+            <a:r>
+              <a:rPr lang="de-DE" dirty="0" err="1"/>
+              <a:t>questions</a:t>
+            </a:r>
+            <a:r>
+              <a:rPr lang="de-DE" dirty="0"/>
+              <a:t> </a:t>
+            </a:r>
+            <a:r>
+              <a:rPr lang="de-DE" dirty="0" err="1"/>
+              <a:t>or</a:t>
+            </a:r>
+            <a:r>
+              <a:rPr lang="de-DE" dirty="0"/>
+              <a:t> </a:t>
+            </a:r>
+            <a:r>
+              <a:rPr lang="de-DE" dirty="0" err="1"/>
+              <a:t>meet</a:t>
+            </a:r>
+            <a:r>
+              <a:rPr lang="de-DE" dirty="0"/>
+              <a:t> </a:t>
+            </a:r>
+            <a:r>
+              <a:rPr lang="de-DE" dirty="0" err="1"/>
+              <a:t>me</a:t>
+            </a:r>
+            <a:r>
+              <a:rPr lang="de-DE" dirty="0"/>
+              <a:t> in a </a:t>
+            </a:r>
+            <a:r>
+              <a:rPr lang="de-DE" dirty="0" err="1"/>
+              <a:t>breakout</a:t>
+            </a:r>
+            <a:r>
+              <a:rPr lang="de-DE" dirty="0"/>
+              <a:t> </a:t>
+            </a:r>
+            <a:r>
+              <a:rPr lang="de-DE" dirty="0" err="1"/>
+              <a:t>session</a:t>
+            </a:r>
+            <a:r>
+              <a:rPr lang="de-DE" dirty="0"/>
+              <a:t> </a:t>
+            </a:r>
+            <a:r>
+              <a:rPr lang="de-DE" dirty="0" err="1"/>
+              <a:t>room</a:t>
+            </a:r>
+            <a:r>
+              <a:rPr lang="de-DE" dirty="0"/>
+              <a:t> </a:t>
+            </a:r>
+            <a:r>
+              <a:rPr lang="de-DE" dirty="0" err="1"/>
+              <a:t>afterwards</a:t>
+            </a:r>
+            <a:endParaRPr lang="de-DE" dirty="0"/>
+          </a:p>
+        </p:txBody>
+      </p:sp>
+      <p:sp>
+        <p:nvSpPr>
+          <p:cNvPr id="3" name="Titel 2"/>
+          <p:cNvSpPr>
+            <a:spLocks noGrp="1"/>
+          </p:cNvSpPr>
+          <p:nvPr>
+            <p:ph type="title"/>
+          </p:nvPr>
+        </p:nvSpPr>
+        <p:spPr/>
+        <p:txBody>
+          <a:bodyPr/>
+          <a:lstStyle/>
+          <a:p>
+            <a:r>
+              <a:rPr lang="de-DE" dirty="0"/>
+              <a:t>Next </a:t>
+            </a:r>
+            <a:r>
+              <a:rPr lang="de-DE" dirty="0" err="1"/>
+              <a:t>Steps</a:t>
+            </a:r>
+            <a:r>
+              <a:rPr lang="de-DE" dirty="0"/>
+              <a:t>...</a:t>
+            </a:r>
+          </a:p>
+        </p:txBody>
+      </p:sp>
+    </p:spTree>
+    <p:extLst>
+      <p:ext uri="{BB962C8B-B14F-4D97-AF65-F5344CB8AC3E}">
+        <p14:creationId xmlns:p14="http://schemas.microsoft.com/office/powerpoint/2010/main" val="3397310615"/>
+      </p:ext>
+    </p:extLst>
+  </p:cSld>
+  <p:clrMapOvr>
+    <a:masterClrMapping/>
+  </p:clrMapOvr>
+  <mc:AlternateContent xmlns:mc="http://schemas.openxmlformats.org/markup-compatibility/2006" xmlns:p14="http://schemas.microsoft.com/office/powerpoint/2010/main">
+    <mc:Choice Requires="p14">
+      <p:transition spd="med" p14:dur="700">
+        <p:fade/>
+      </p:transition>
+    </mc:Choice>
+    <mc:Fallback xmlns="">
+      <p:transition spd="med">
+        <p:fade/>
+      </p:transition>
+    </mc:Fallback>
+  </mc:AlternateContent>
+</p:sld>
+</file>
+
+<file path=ppt/slides/slide15.xml><?xml version="1.0" encoding="utf-8"?>
+<p:sld xmlns:a="http://schemas.openxmlformats.org/drawingml/2006/main" xmlns:r="http://schemas.openxmlformats.org/officeDocument/2006/relationships" xmlns:p="http://schemas.openxmlformats.org/presentationml/2006/main">
+  <p:cSld>
+    <p:spTree>
+      <p:nvGrpSpPr>
+        <p:cNvPr id="1" name=""/>
+        <p:cNvGrpSpPr/>
+        <p:nvPr/>
+      </p:nvGrpSpPr>
+      <p:grpSpPr>
+        <a:xfrm>
+          <a:off x="0" y="0"/>
+          <a:ext cx="0" cy="0"/>
+          <a:chOff x="0" y="0"/>
+          <a:chExt cx="0" cy="0"/>
+        </a:xfrm>
+      </p:grpSpPr>
+      <p:sp>
+        <p:nvSpPr>
           <p:cNvPr id="2" name="Titel 1"/>
           <p:cNvSpPr>
             <a:spLocks noGrp="1"/>
@@ -5486,7 +5607,7 @@
 </p:sld>
 </file>
 
-<file path=ppt/slides/slide15.xml><?xml version="1.0" encoding="utf-8"?>
+<file path=ppt/slides/slide16.xml><?xml version="1.0" encoding="utf-8"?>
 <p:sld xmlns:a="http://schemas.openxmlformats.org/drawingml/2006/main" xmlns:r="http://schemas.openxmlformats.org/officeDocument/2006/relationships" xmlns:p="http://schemas.openxmlformats.org/presentationml/2006/main">
   <p:cSld>
     <p:spTree>
@@ -5947,6 +6068,33 @@
             </a:r>
           </a:p>
           <a:p>
+            <a:r>
+              <a:rPr lang="de-DE" dirty="0"/>
+              <a:t>Path </a:t>
+            </a:r>
+            <a:r>
+              <a:rPr lang="de-DE" dirty="0" err="1"/>
+              <a:t>resolution</a:t>
+            </a:r>
+            <a:r>
+              <a:rPr lang="de-DE" dirty="0"/>
+              <a:t> </a:t>
+            </a:r>
+            <a:r>
+              <a:rPr lang="de-DE" dirty="0" err="1"/>
+              <a:t>and</a:t>
+            </a:r>
+            <a:r>
+              <a:rPr lang="de-DE" dirty="0"/>
+              <a:t> </a:t>
+            </a:r>
+            <a:r>
+              <a:rPr lang="de-DE"/>
+              <a:t>filtering</a:t>
+            </a:r>
+            <a:endParaRPr lang="de-DE" dirty="0"/>
+          </a:p>
+          <a:p>
             <a:endParaRPr lang="de-DE" dirty="0"/>
           </a:p>
         </p:txBody>
@@ -5977,6 +6125,127 @@
 </file>
 
 <file path=ppt/slides/slide3.xml><?xml version="1.0" encoding="utf-8"?>
+<p:sld xmlns:a="http://schemas.openxmlformats.org/drawingml/2006/main" xmlns:r="http://schemas.openxmlformats.org/officeDocument/2006/relationships" xmlns:p="http://schemas.openxmlformats.org/presentationml/2006/main">
+  <p:cSld>
+    <p:spTree>
+      <p:nvGrpSpPr>
+        <p:cNvPr id="1" name=""/>
+        <p:cNvGrpSpPr/>
+        <p:nvPr/>
+      </p:nvGrpSpPr>
+      <p:grpSpPr>
+        <a:xfrm>
+          <a:off x="0" y="0"/>
+          <a:ext cx="0" cy="0"/>
+          <a:chOff x="0" y="0"/>
+          <a:chExt cx="0" cy="0"/>
+        </a:xfrm>
+      </p:grpSpPr>
+      <p:sp>
+        <p:nvSpPr>
+          <p:cNvPr id="2" name="Platshållare för innehåll 1"/>
+          <p:cNvSpPr>
+            <a:spLocks noGrp="1"/>
+          </p:cNvSpPr>
+          <p:nvPr>
+            <p:ph idx="1"/>
+          </p:nvPr>
+        </p:nvSpPr>
+        <p:spPr/>
+        <p:txBody>
+          <a:bodyPr/>
+          <a:lstStyle/>
+          <a:p>
+            <a:r>
+              <a:rPr lang="en-US" dirty="0"/>
+              <a:t>Sample module written to demonstrate concepts</a:t>
+            </a:r>
+          </a:p>
+          <a:p>
+            <a:r>
+              <a:rPr lang="en-US" dirty="0"/>
+              <a:t>Set up for </a:t>
+            </a:r>
+            <a:r>
+              <a:rPr lang="en-US" dirty="0" err="1"/>
+              <a:t>Psake</a:t>
+            </a:r>
+            <a:r>
+              <a:rPr lang="en-US" dirty="0"/>
+              <a:t>, Pester, </a:t>
+            </a:r>
+            <a:r>
+              <a:rPr lang="en-US" dirty="0" err="1"/>
+              <a:t>PlatyPS</a:t>
+            </a:r>
+            <a:r>
+              <a:rPr lang="en-US" dirty="0"/>
+              <a:t> and </a:t>
+            </a:r>
+            <a:r>
+              <a:rPr lang="en-US" dirty="0" err="1"/>
+              <a:t>VSCode</a:t>
+            </a:r>
+            <a:endParaRPr lang="en-US" dirty="0"/>
+          </a:p>
+        </p:txBody>
+      </p:sp>
+      <p:sp>
+        <p:nvSpPr>
+          <p:cNvPr id="3" name="Rubrik 2"/>
+          <p:cNvSpPr>
+            <a:spLocks noGrp="1"/>
+          </p:cNvSpPr>
+          <p:nvPr>
+            <p:ph type="title"/>
+          </p:nvPr>
+        </p:nvSpPr>
+        <p:spPr/>
+        <p:txBody>
+          <a:bodyPr/>
+          <a:lstStyle/>
+          <a:p>
+            <a:r>
+              <a:rPr lang="en-US" dirty="0"/>
+              <a:t>The </a:t>
+            </a:r>
+            <a:r>
+              <a:rPr lang="en-US" dirty="0" err="1"/>
+              <a:t>FishTank</a:t>
+            </a:r>
+            <a:r>
+              <a:rPr lang="en-US" dirty="0"/>
+              <a:t> sample module</a:t>
+            </a:r>
+          </a:p>
+        </p:txBody>
+      </p:sp>
+    </p:spTree>
+    <p:extLst>
+      <p:ext uri="{BB962C8B-B14F-4D97-AF65-F5344CB8AC3E}">
+        <p14:creationId xmlns:p14="http://schemas.microsoft.com/office/powerpoint/2010/main" val="3248584088"/>
+      </p:ext>
+    </p:extLst>
+  </p:cSld>
+  <p:clrMapOvr>
+    <a:masterClrMapping/>
+  </p:clrMapOvr>
+  <mc:AlternateContent xmlns:mc="http://schemas.openxmlformats.org/markup-compatibility/2006" xmlns:p14="http://schemas.microsoft.com/office/powerpoint/2010/main">
+    <mc:Choice Requires="p14">
+      <p:transition spd="slow" p14:dur="1300">
+        <p14:pan dir="u"/>
+      </p:transition>
+    </mc:Choice>
+    <mc:Fallback xmlns="">
+      <p:transition spd="slow">
+        <p:fade/>
+      </p:transition>
+    </mc:Fallback>
+  </mc:AlternateContent>
+</p:sld>
+</file>
+
+<file path=ppt/slides/slide4.xml><?xml version="1.0" encoding="utf-8"?>
 <p:sld xmlns:a="http://schemas.openxmlformats.org/drawingml/2006/main" xmlns:r="http://schemas.openxmlformats.org/officeDocument/2006/relationships" xmlns:p="http://schemas.openxmlformats.org/presentationml/2006/main">
   <p:cSld>
     <p:spTree>
@@ -8950,7 +9219,7 @@
 </p:sld>
 </file>
 
-<file path=ppt/slides/slide4.xml><?xml version="1.0" encoding="utf-8"?>
+<file path=ppt/slides/slide5.xml><?xml version="1.0" encoding="utf-8"?>
 <p:sld xmlns:a="http://schemas.openxmlformats.org/drawingml/2006/main" xmlns:r="http://schemas.openxmlformats.org/officeDocument/2006/relationships" xmlns:p="http://schemas.openxmlformats.org/presentationml/2006/main">
   <p:cSld>
     <p:spTree>
@@ -9474,7 +9743,7 @@
 </p:sld>
 </file>
 
-<file path=ppt/slides/slide5.xml><?xml version="1.0" encoding="utf-8"?>
+<file path=ppt/slides/slide6.xml><?xml version="1.0" encoding="utf-8"?>
 <p:sld xmlns:a="http://schemas.openxmlformats.org/drawingml/2006/main" xmlns:r="http://schemas.openxmlformats.org/officeDocument/2006/relationships" xmlns:p="http://schemas.openxmlformats.org/presentationml/2006/main">
   <p:cSld>
     <p:bg>
@@ -9678,7 +9947,7 @@
 </p:sld>
 </file>
 
-<file path=ppt/slides/slide6.xml><?xml version="1.0" encoding="utf-8"?>
+<file path=ppt/slides/slide7.xml><?xml version="1.0" encoding="utf-8"?>
 <p:sld xmlns:a="http://schemas.openxmlformats.org/drawingml/2006/main" xmlns:r="http://schemas.openxmlformats.org/officeDocument/2006/relationships" xmlns:p="http://schemas.openxmlformats.org/presentationml/2006/main">
   <p:cSld>
     <p:spTree>
@@ -9945,139 +10214,6 @@
     </mc:Choice>
     <mc:Fallback xmlns="">
       <p:transition spd="med">
-        <p:fade/>
-      </p:transition>
-    </mc:Fallback>
-  </mc:AlternateContent>
-</p:sld>
-</file>
-
-<file path=ppt/slides/slide7.xml><?xml version="1.0" encoding="utf-8"?>
-<p:sld xmlns:a="http://schemas.openxmlformats.org/drawingml/2006/main" xmlns:r="http://schemas.openxmlformats.org/officeDocument/2006/relationships" xmlns:p="http://schemas.openxmlformats.org/presentationml/2006/main">
-  <p:cSld>
-    <p:spTree>
-      <p:nvGrpSpPr>
-        <p:cNvPr id="1" name=""/>
-        <p:cNvGrpSpPr/>
-        <p:nvPr/>
-      </p:nvGrpSpPr>
-      <p:grpSpPr>
-        <a:xfrm>
-          <a:off x="0" y="0"/>
-          <a:ext cx="0" cy="0"/>
-          <a:chOff x="0" y="0"/>
-          <a:chExt cx="0" cy="0"/>
-        </a:xfrm>
-      </p:grpSpPr>
-      <p:sp>
-        <p:nvSpPr>
-          <p:cNvPr id="2" name="Platshållare för innehåll 1"/>
-          <p:cNvSpPr>
-            <a:spLocks noGrp="1"/>
-          </p:cNvSpPr>
-          <p:nvPr>
-            <p:ph idx="1"/>
-          </p:nvPr>
-        </p:nvSpPr>
-        <p:spPr/>
-        <p:txBody>
-          <a:bodyPr/>
-          <a:lstStyle/>
-          <a:p>
-            <a:r>
-              <a:rPr lang="en-US" dirty="0"/>
-              <a:t>Version your module </a:t>
-            </a:r>
-            <a:r>
-              <a:rPr lang="en-US" dirty="0" err="1"/>
-              <a:t>sematically</a:t>
-            </a:r>
-            <a:endParaRPr lang="en-US" dirty="0"/>
-          </a:p>
-          <a:p>
-            <a:pPr lvl="1"/>
-            <a:r>
-              <a:rPr lang="en-US" dirty="0"/>
-              <a:t>Major = breaking changes</a:t>
-            </a:r>
-          </a:p>
-          <a:p>
-            <a:pPr lvl="1"/>
-            <a:r>
-              <a:rPr lang="en-US" dirty="0"/>
-              <a:t>Minor = new functionality but compatible</a:t>
-            </a:r>
-          </a:p>
-          <a:p>
-            <a:pPr lvl="1"/>
-            <a:r>
-              <a:rPr lang="en-US" dirty="0"/>
-              <a:t>Build = bugfixes</a:t>
-            </a:r>
-          </a:p>
-          <a:p>
-            <a:r>
-              <a:rPr lang="en-US" dirty="0"/>
-              <a:t>Specify exported functions </a:t>
-            </a:r>
-            <a:r>
-              <a:rPr lang="en-US" dirty="0" err="1"/>
-              <a:t>etc</a:t>
-            </a:r>
-            <a:r>
-              <a:rPr lang="en-US" dirty="0"/>
-              <a:t> explicitly</a:t>
-            </a:r>
-          </a:p>
-          <a:p>
-            <a:pPr lvl="1"/>
-            <a:r>
-              <a:rPr lang="en-US" dirty="0"/>
-              <a:t>PowerShell doesn’t have to load your module to see if the command the user typed is in your module</a:t>
-            </a:r>
-          </a:p>
-        </p:txBody>
-      </p:sp>
-      <p:sp>
-        <p:nvSpPr>
-          <p:cNvPr id="3" name="Rubrik 2"/>
-          <p:cNvSpPr>
-            <a:spLocks noGrp="1"/>
-          </p:cNvSpPr>
-          <p:nvPr>
-            <p:ph type="title"/>
-          </p:nvPr>
-        </p:nvSpPr>
-        <p:spPr/>
-        <p:txBody>
-          <a:bodyPr/>
-          <a:lstStyle/>
-          <a:p>
-            <a:r>
-              <a:rPr lang="en-US" dirty="0"/>
-              <a:t>Module Metadata</a:t>
-            </a:r>
-          </a:p>
-        </p:txBody>
-      </p:sp>
-    </p:spTree>
-    <p:extLst>
-      <p:ext uri="{BB962C8B-B14F-4D97-AF65-F5344CB8AC3E}">
-        <p14:creationId xmlns:p14="http://schemas.microsoft.com/office/powerpoint/2010/main" val="2094589450"/>
-      </p:ext>
-    </p:extLst>
-  </p:cSld>
-  <p:clrMapOvr>
-    <a:masterClrMapping/>
-  </p:clrMapOvr>
-  <mc:AlternateContent xmlns:mc="http://schemas.openxmlformats.org/markup-compatibility/2006" xmlns:p14="http://schemas.microsoft.com/office/powerpoint/2010/main">
-    <mc:Choice Requires="p14">
-      <p:transition spd="slow" p14:dur="1300">
-        <p14:pan dir="u"/>
-      </p:transition>
-    </mc:Choice>
-    <mc:Fallback xmlns="">
-      <p:transition spd="slow">
         <p:fade/>
       </p:transition>
     </mc:Fallback>
@@ -10119,21 +10255,54 @@
           <a:p>
             <a:r>
               <a:rPr lang="en-US" dirty="0"/>
-              <a:t>Pester has become the </a:t>
+              <a:t>Version your module </a:t>
             </a:r>
             <a:r>
               <a:rPr lang="en-US" dirty="0" err="1"/>
-              <a:t>defacto</a:t>
-            </a:r>
+              <a:t>sematically</a:t>
+            </a:r>
+            <a:endParaRPr lang="en-US" dirty="0"/>
+          </a:p>
+          <a:p>
+            <a:pPr lvl="1"/>
             <a:r>
               <a:rPr lang="en-US" dirty="0"/>
-              <a:t> standard for PowerShell test</a:t>
-            </a:r>
-          </a:p>
-          <a:p>
+              <a:t>Major = breaking changes</a:t>
+            </a:r>
+          </a:p>
+          <a:p>
+            <a:pPr lvl="1"/>
             <a:r>
               <a:rPr lang="en-US" dirty="0"/>
-              <a:t>Use it</a:t>
+              <a:t>Minor = new functionality but compatible</a:t>
+            </a:r>
+          </a:p>
+          <a:p>
+            <a:pPr lvl="1"/>
+            <a:r>
+              <a:rPr lang="en-US" dirty="0"/>
+              <a:t>Build = bugfixes</a:t>
+            </a:r>
+          </a:p>
+          <a:p>
+            <a:r>
+              <a:rPr lang="en-US" dirty="0"/>
+              <a:t>Specify exported functions </a:t>
+            </a:r>
+            <a:r>
+              <a:rPr lang="en-US" dirty="0" err="1"/>
+              <a:t>etc</a:t>
+            </a:r>
+            <a:r>
+              <a:rPr lang="en-US" dirty="0"/>
+              <a:t> explicitly</a:t>
+            </a:r>
+          </a:p>
+          <a:p>
+            <a:pPr lvl="1"/>
+            <a:r>
+              <a:rPr lang="en-US" dirty="0"/>
+              <a:t>PowerShell doesn’t have to load your module to see if the command the user typed is in your module</a:t>
             </a:r>
           </a:p>
         </p:txBody>
@@ -10155,7 +10324,7 @@
           <a:p>
             <a:r>
               <a:rPr lang="en-US" dirty="0"/>
-              <a:t>Tests</a:t>
+              <a:t>Module Metadata</a:t>
             </a:r>
           </a:p>
         </p:txBody>
@@ -10163,7 +10332,7 @@
     </p:spTree>
     <p:extLst>
       <p:ext uri="{BB962C8B-B14F-4D97-AF65-F5344CB8AC3E}">
-        <p14:creationId xmlns:p14="http://schemas.microsoft.com/office/powerpoint/2010/main" val="3556032739"/>
+        <p14:creationId xmlns:p14="http://schemas.microsoft.com/office/powerpoint/2010/main" val="2094589450"/>
       </p:ext>
     </p:extLst>
   </p:cSld>
@@ -10219,42 +10388,22 @@
           <a:p>
             <a:r>
               <a:rPr lang="en-US" dirty="0"/>
-              <a:t>Resolving path</a:t>
-            </a:r>
-          </a:p>
-          <a:p>
-            <a:pPr lvl="1"/>
+              <a:t>Pester has become the </a:t>
+            </a:r>
+            <a:r>
+              <a:rPr lang="en-US" dirty="0" err="1"/>
+              <a:t>defacto</a:t>
+            </a:r>
             <a:r>
               <a:rPr lang="en-US" dirty="0"/>
-              <a:t>Helper class </a:t>
-            </a:r>
-            <a:r>
-              <a:rPr lang="en-US" dirty="0" err="1"/>
-              <a:t>PathProcessor</a:t>
-            </a:r>
-            <a:endParaRPr lang="en-US" dirty="0"/>
+              <a:t> standard for PowerShell test</a:t>
+            </a:r>
           </a:p>
           <a:p>
             <a:r>
               <a:rPr lang="en-US" dirty="0"/>
-              <a:t>Filtering paths</a:t>
-            </a:r>
-          </a:p>
-          <a:p>
-            <a:pPr lvl="1"/>
-            <a:r>
-              <a:rPr lang="en-US" dirty="0"/>
-              <a:t>Helper class </a:t>
-            </a:r>
-            <a:r>
-              <a:rPr lang="en-US" dirty="0" err="1"/>
-              <a:t>IncludeExcludeFilter</a:t>
-            </a:r>
-            <a:endParaRPr lang="en-US" dirty="0"/>
-          </a:p>
-          <a:p>
-            <a:pPr lvl="1"/>
-            <a:endParaRPr lang="en-US" dirty="0"/>
+              <a:t>Use it</a:t>
+            </a:r>
           </a:p>
         </p:txBody>
       </p:sp>
@@ -10275,7 +10424,7 @@
           <a:p>
             <a:r>
               <a:rPr lang="en-US" dirty="0"/>
-              <a:t>Path processing and filtering</a:t>
+              <a:t>Tests</a:t>
             </a:r>
           </a:p>
         </p:txBody>
@@ -10283,7 +10432,7 @@
     </p:spTree>
     <p:extLst>
       <p:ext uri="{BB962C8B-B14F-4D97-AF65-F5344CB8AC3E}">
-        <p14:creationId xmlns:p14="http://schemas.microsoft.com/office/powerpoint/2010/main" val="793391273"/>
+        <p14:creationId xmlns:p14="http://schemas.microsoft.com/office/powerpoint/2010/main" val="3556032739"/>
       </p:ext>
     </p:extLst>
   </p:cSld>

--- a/PSCONFEU_Modules2017.pptx
+++ b/PSCONFEU_Modules2017.pptx
@@ -6,10 +6,10 @@
     <p:sldMasterId id="2147483809" r:id="rId2"/>
   </p:sldMasterIdLst>
   <p:notesMasterIdLst>
-    <p:notesMasterId r:id="rId19"/>
+    <p:notesMasterId r:id="rId22"/>
   </p:notesMasterIdLst>
   <p:handoutMasterIdLst>
-    <p:handoutMasterId r:id="rId20"/>
+    <p:handoutMasterId r:id="rId23"/>
   </p:handoutMasterIdLst>
   <p:sldIdLst>
     <p:sldId id="316" r:id="rId3"/>
@@ -17,17 +17,20 @@
     <p:sldId id="324" r:id="rId5"/>
     <p:sldId id="281" r:id="rId6"/>
     <p:sldId id="319" r:id="rId7"/>
-    <p:sldId id="318" r:id="rId8"/>
-    <p:sldId id="320" r:id="rId9"/>
-    <p:sldId id="321" r:id="rId10"/>
-    <p:sldId id="322" r:id="rId11"/>
-    <p:sldId id="323" r:id="rId12"/>
-    <p:sldId id="310" r:id="rId13"/>
-    <p:sldId id="317" r:id="rId14"/>
-    <p:sldId id="302" r:id="rId15"/>
-    <p:sldId id="313" r:id="rId16"/>
-    <p:sldId id="314" r:id="rId17"/>
-    <p:sldId id="312" r:id="rId18"/>
+    <p:sldId id="325" r:id="rId8"/>
+    <p:sldId id="326" r:id="rId9"/>
+    <p:sldId id="318" r:id="rId10"/>
+    <p:sldId id="320" r:id="rId11"/>
+    <p:sldId id="321" r:id="rId12"/>
+    <p:sldId id="322" r:id="rId13"/>
+    <p:sldId id="323" r:id="rId14"/>
+    <p:sldId id="327" r:id="rId15"/>
+    <p:sldId id="328" r:id="rId16"/>
+    <p:sldId id="329" r:id="rId17"/>
+    <p:sldId id="302" r:id="rId18"/>
+    <p:sldId id="313" r:id="rId19"/>
+    <p:sldId id="314" r:id="rId20"/>
+    <p:sldId id="312" r:id="rId21"/>
   </p:sldIdLst>
   <p:sldSz cx="9144000" cy="6858000" type="screen4x3"/>
   <p:notesSz cx="7099300" cy="10234613"/>
@@ -4316,42 +4319,55 @@
           <a:p>
             <a:r>
               <a:rPr lang="en-US" dirty="0"/>
-              <a:t>Resolving path</a:t>
-            </a:r>
+              <a:t>Version your module </a:t>
+            </a:r>
+            <a:r>
+              <a:rPr lang="en-US" dirty="0" err="1"/>
+              <a:t>sematically</a:t>
+            </a:r>
+            <a:endParaRPr lang="en-US" dirty="0"/>
           </a:p>
           <a:p>
             <a:pPr lvl="1"/>
             <a:r>
               <a:rPr lang="en-US" dirty="0"/>
-              <a:t>Helper class </a:t>
+              <a:t>Major = breaking changes</a:t>
+            </a:r>
+          </a:p>
+          <a:p>
+            <a:pPr lvl="1"/>
+            <a:r>
+              <a:rPr lang="en-US" dirty="0"/>
+              <a:t>Minor = new functionality but compatible</a:t>
+            </a:r>
+          </a:p>
+          <a:p>
+            <a:pPr lvl="1"/>
+            <a:r>
+              <a:rPr lang="en-US" dirty="0"/>
+              <a:t>Build = bugfixes</a:t>
+            </a:r>
+          </a:p>
+          <a:p>
+            <a:r>
+              <a:rPr lang="en-US" dirty="0"/>
+              <a:t>Specify exported functions </a:t>
             </a:r>
             <a:r>
               <a:rPr lang="en-US" dirty="0" err="1"/>
-              <a:t>PathProcessor</a:t>
-            </a:r>
-            <a:endParaRPr lang="en-US" dirty="0"/>
-          </a:p>
-          <a:p>
+              <a:t>etc</a:t>
+            </a:r>
             <a:r>
               <a:rPr lang="en-US" dirty="0"/>
-              <a:t>Filtering paths</a:t>
+              <a:t> explicitly</a:t>
             </a:r>
           </a:p>
           <a:p>
             <a:pPr lvl="1"/>
             <a:r>
               <a:rPr lang="en-US" dirty="0"/>
-              <a:t>Helper class </a:t>
-            </a:r>
-            <a:r>
-              <a:rPr lang="en-US" dirty="0" err="1"/>
-              <a:t>IncludeExcludeFilter</a:t>
-            </a:r>
-            <a:endParaRPr lang="en-US" dirty="0"/>
-          </a:p>
-          <a:p>
-            <a:pPr lvl="1"/>
-            <a:endParaRPr lang="en-US" dirty="0"/>
+              <a:t>PowerShell doesn’t have to load your module to see if the command the user typed is in your module</a:t>
+            </a:r>
           </a:p>
         </p:txBody>
       </p:sp>
@@ -4372,7 +4388,7 @@
           <a:p>
             <a:r>
               <a:rPr lang="en-US" dirty="0"/>
-              <a:t>Path processing and filtering</a:t>
+              <a:t>Module Metadata</a:t>
             </a:r>
           </a:p>
         </p:txBody>
@@ -4380,7 +4396,7 @@
     </p:spTree>
     <p:extLst>
       <p:ext uri="{BB962C8B-B14F-4D97-AF65-F5344CB8AC3E}">
-        <p14:creationId xmlns:p14="http://schemas.microsoft.com/office/powerpoint/2010/main" val="793391273"/>
+        <p14:creationId xmlns:p14="http://schemas.microsoft.com/office/powerpoint/2010/main" val="2094589450"/>
       </p:ext>
     </p:extLst>
   </p:cSld>
@@ -4421,7 +4437,43 @@
       </p:grpSpPr>
       <p:sp>
         <p:nvSpPr>
-          <p:cNvPr id="2" name="Titel 1"/>
+          <p:cNvPr id="2" name="Platshållare för innehåll 1"/>
+          <p:cNvSpPr>
+            <a:spLocks noGrp="1"/>
+          </p:cNvSpPr>
+          <p:nvPr>
+            <p:ph idx="1"/>
+          </p:nvPr>
+        </p:nvSpPr>
+        <p:spPr/>
+        <p:txBody>
+          <a:bodyPr/>
+          <a:lstStyle/>
+          <a:p>
+            <a:r>
+              <a:rPr lang="en-US" dirty="0"/>
+              <a:t>Pester has become the </a:t>
+            </a:r>
+            <a:r>
+              <a:rPr lang="en-US" dirty="0" err="1"/>
+              <a:t>defacto</a:t>
+            </a:r>
+            <a:r>
+              <a:rPr lang="en-US" dirty="0"/>
+              <a:t> standard for PowerShell test</a:t>
+            </a:r>
+          </a:p>
+          <a:p>
+            <a:r>
+              <a:rPr lang="en-US" dirty="0"/>
+              <a:t>Use it</a:t>
+            </a:r>
+          </a:p>
+        </p:txBody>
+      </p:sp>
+      <p:sp>
+        <p:nvSpPr>
+          <p:cNvPr id="3" name="Rubrik 2"/>
           <p:cNvSpPr>
             <a:spLocks noGrp="1"/>
           </p:cNvSpPr>
@@ -4435,61 +4487,16 @@
           <a:lstStyle/>
           <a:p>
             <a:r>
-              <a:rPr lang="de-DE" dirty="0"/>
-              <a:t>Demo</a:t>
-            </a:r>
-          </a:p>
-        </p:txBody>
-      </p:sp>
-      <p:sp>
-        <p:nvSpPr>
-          <p:cNvPr id="3" name="Textplatzhalter 2"/>
-          <p:cNvSpPr>
-            <a:spLocks noGrp="1"/>
-          </p:cNvSpPr>
-          <p:nvPr>
-            <p:ph type="body" sz="quarter" idx="10"/>
-          </p:nvPr>
-        </p:nvSpPr>
-        <p:spPr/>
-        <p:txBody>
-          <a:bodyPr>
-            <a:normAutofit/>
-          </a:bodyPr>
-          <a:lstStyle/>
-          <a:p>
-            <a:r>
-              <a:rPr lang="de-DE" dirty="0"/>
-              <a:t>Path </a:t>
-            </a:r>
-            <a:r>
-              <a:rPr lang="de-DE" dirty="0" err="1"/>
-              <a:t>processing</a:t>
-            </a:r>
-            <a:r>
-              <a:rPr lang="de-DE" dirty="0"/>
-              <a:t> </a:t>
-            </a:r>
-            <a:r>
-              <a:rPr lang="de-DE" dirty="0" err="1"/>
-              <a:t>and</a:t>
-            </a:r>
-            <a:r>
-              <a:rPr lang="de-DE" dirty="0"/>
-              <a:t> </a:t>
-            </a:r>
-            <a:r>
-              <a:rPr lang="de-DE" dirty="0" err="1"/>
-              <a:t>filtering</a:t>
-            </a:r>
-            <a:endParaRPr lang="de-DE" dirty="0"/>
+              <a:rPr lang="en-US" dirty="0"/>
+              <a:t>Tests</a:t>
+            </a:r>
           </a:p>
         </p:txBody>
       </p:sp>
     </p:spTree>
     <p:extLst>
       <p:ext uri="{BB962C8B-B14F-4D97-AF65-F5344CB8AC3E}">
-        <p14:creationId xmlns:p14="http://schemas.microsoft.com/office/powerpoint/2010/main" val="2040841989"/>
+        <p14:creationId xmlns:p14="http://schemas.microsoft.com/office/powerpoint/2010/main" val="3556032739"/>
       </p:ext>
     </p:extLst>
   </p:cSld>
@@ -4498,12 +4505,12 @@
   </p:clrMapOvr>
   <mc:AlternateContent xmlns:mc="http://schemas.openxmlformats.org/markup-compatibility/2006" xmlns:p14="http://schemas.microsoft.com/office/powerpoint/2010/main">
     <mc:Choice Requires="p14">
-      <p:transition spd="med" p14:dur="700">
-        <p:fade/>
+      <p:transition spd="slow" p14:dur="1300">
+        <p14:pan dir="u"/>
       </p:transition>
     </mc:Choice>
     <mc:Fallback xmlns="">
-      <p:transition spd="med">
+      <p:transition spd="slow">
         <p:fade/>
       </p:transition>
     </mc:Fallback>
@@ -4530,7 +4537,7 @@
       </p:grpSpPr>
       <p:sp>
         <p:nvSpPr>
-          <p:cNvPr id="2" name="Content Placeholder 1"/>
+          <p:cNvPr id="2" name="Platshållare för innehåll 1"/>
           <p:cNvSpPr>
             <a:spLocks noGrp="1"/>
           </p:cNvSpPr>
@@ -4540,496 +4547,76 @@
         </p:nvSpPr>
         <p:spPr/>
         <p:txBody>
-          <a:bodyPr>
-            <a:normAutofit fontScale="85000" lnSpcReduction="10000"/>
-          </a:bodyPr>
+          <a:bodyPr/>
           <a:lstStyle/>
           <a:p>
             <a:r>
-              <a:rPr lang="en-US" dirty="0">
-                <a:solidFill>
-                  <a:srgbClr val="006400"/>
-                </a:solidFill>
-                <a:latin typeface="Lucida Console" panose="020B0609040504020204" pitchFamily="49" charset="0"/>
-              </a:rPr>
-              <a:t># use this template for code samples</a:t>
-            </a:r>
-          </a:p>
-          <a:p>
-            <a:r>
-              <a:rPr lang="en-US" dirty="0">
-                <a:solidFill>
-                  <a:srgbClr val="006400"/>
-                </a:solidFill>
-                <a:latin typeface="Lucida Console" panose="020B0609040504020204" pitchFamily="49" charset="0"/>
-              </a:rPr>
-              <a:t># and follow these instructions to show perfectly</a:t>
-            </a:r>
-          </a:p>
-          <a:p>
-            <a:r>
-              <a:rPr lang="en-US" dirty="0">
-                <a:solidFill>
-                  <a:srgbClr val="006400"/>
-                </a:solidFill>
-                <a:latin typeface="Lucida Console" panose="020B0609040504020204" pitchFamily="49" charset="0"/>
-              </a:rPr>
-              <a:t># color-coded PowerShell code:</a:t>
-            </a:r>
-          </a:p>
-          <a:p>
-            <a:endParaRPr lang="en-US" dirty="0">
-              <a:solidFill>
-                <a:srgbClr val="006400"/>
-              </a:solidFill>
-              <a:latin typeface="Lucida Console" panose="020B0609040504020204" pitchFamily="49" charset="0"/>
-            </a:endParaRPr>
-          </a:p>
-          <a:p>
-            <a:r>
-              <a:rPr lang="en-US" dirty="0">
-                <a:solidFill>
-                  <a:srgbClr val="006400"/>
-                </a:solidFill>
-                <a:latin typeface="Lucida Console" panose="020B0609040504020204" pitchFamily="49" charset="0"/>
-              </a:rPr>
-              <a:t># paste code to PowerShell ISE, select it, and copy it</a:t>
-            </a:r>
-            <a:endParaRPr lang="en-US" dirty="0">
-              <a:solidFill>
-                <a:prstClr val="black"/>
-              </a:solidFill>
-              <a:latin typeface="Lucida Console" panose="020B0609040504020204" pitchFamily="49" charset="0"/>
-            </a:endParaRPr>
-          </a:p>
-          <a:p>
-            <a:r>
-              <a:rPr lang="en-US" dirty="0">
-                <a:solidFill>
-                  <a:srgbClr val="006400"/>
-                </a:solidFill>
-                <a:latin typeface="Lucida Console" panose="020B0609040504020204" pitchFamily="49" charset="0"/>
-              </a:rPr>
-              <a:t># to the clipboard</a:t>
-            </a:r>
-            <a:endParaRPr lang="en-US" dirty="0">
-              <a:solidFill>
-                <a:prstClr val="black"/>
-              </a:solidFill>
-              <a:latin typeface="Lucida Console" panose="020B0609040504020204" pitchFamily="49" charset="0"/>
-            </a:endParaRPr>
-          </a:p>
-          <a:p>
-            <a:r>
-              <a:rPr lang="en-US" dirty="0">
-                <a:solidFill>
-                  <a:srgbClr val="0000FF"/>
-                </a:solidFill>
-                <a:latin typeface="Lucida Console" panose="020B0609040504020204" pitchFamily="49" charset="0"/>
-              </a:rPr>
-              <a:t>Paste-Code</a:t>
-            </a:r>
-            <a:r>
-              <a:rPr lang="en-US" dirty="0">
-                <a:solidFill>
-                  <a:prstClr val="black"/>
-                </a:solidFill>
-                <a:latin typeface="Lucida Console" panose="020B0609040504020204" pitchFamily="49" charset="0"/>
-              </a:rPr>
-              <a:t> </a:t>
-            </a:r>
-            <a:r>
-              <a:rPr lang="en-US" dirty="0">
-                <a:solidFill>
-                  <a:srgbClr val="000080"/>
-                </a:solidFill>
-                <a:latin typeface="Lucida Console" panose="020B0609040504020204" pitchFamily="49" charset="0"/>
-              </a:rPr>
-              <a:t>-</a:t>
-            </a:r>
-            <a:r>
-              <a:rPr lang="en-US" dirty="0" err="1">
-                <a:solidFill>
-                  <a:srgbClr val="000080"/>
-                </a:solidFill>
-                <a:latin typeface="Lucida Console" panose="020B0609040504020204" pitchFamily="49" charset="0"/>
-              </a:rPr>
-              <a:t>toISE</a:t>
-            </a:r>
-            <a:r>
-              <a:rPr lang="en-US" dirty="0">
-                <a:solidFill>
-                  <a:prstClr val="black"/>
-                </a:solidFill>
-                <a:latin typeface="Lucida Console" panose="020B0609040504020204" pitchFamily="49" charset="0"/>
-              </a:rPr>
-              <a:t> </a:t>
-            </a:r>
-            <a:r>
-              <a:rPr lang="en-US" dirty="0">
-                <a:solidFill>
-                  <a:srgbClr val="A9A9A9"/>
-                </a:solidFill>
-                <a:latin typeface="Lucida Console" panose="020B0609040504020204" pitchFamily="49" charset="0"/>
-              </a:rPr>
-              <a:t>|</a:t>
-            </a:r>
-            <a:r>
-              <a:rPr lang="en-US" dirty="0">
-                <a:solidFill>
-                  <a:prstClr val="black"/>
-                </a:solidFill>
-                <a:latin typeface="Lucida Console" panose="020B0609040504020204" pitchFamily="49" charset="0"/>
-              </a:rPr>
-              <a:t> </a:t>
-            </a:r>
-            <a:r>
-              <a:rPr lang="en-US" dirty="0">
-                <a:solidFill>
-                  <a:srgbClr val="0000FF"/>
-                </a:solidFill>
-                <a:latin typeface="Lucida Console" panose="020B0609040504020204" pitchFamily="49" charset="0"/>
-              </a:rPr>
-              <a:t>Select-Code</a:t>
-            </a:r>
-            <a:r>
-              <a:rPr lang="en-US" dirty="0">
-                <a:solidFill>
-                  <a:prstClr val="black"/>
-                </a:solidFill>
-                <a:latin typeface="Lucida Console" panose="020B0609040504020204" pitchFamily="49" charset="0"/>
-              </a:rPr>
-              <a:t> </a:t>
-            </a:r>
-            <a:r>
-              <a:rPr lang="en-US" dirty="0">
-                <a:solidFill>
-                  <a:srgbClr val="A9A9A9"/>
-                </a:solidFill>
-                <a:latin typeface="Lucida Console" panose="020B0609040504020204" pitchFamily="49" charset="0"/>
-              </a:rPr>
-              <a:t>|</a:t>
-            </a:r>
-            <a:r>
-              <a:rPr lang="en-US" dirty="0">
-                <a:solidFill>
-                  <a:prstClr val="black"/>
-                </a:solidFill>
-                <a:latin typeface="Lucida Console" panose="020B0609040504020204" pitchFamily="49" charset="0"/>
-              </a:rPr>
-              <a:t> </a:t>
-            </a:r>
-            <a:r>
-              <a:rPr lang="en-US" dirty="0">
-                <a:solidFill>
-                  <a:srgbClr val="0000FF"/>
-                </a:solidFill>
-                <a:latin typeface="Lucida Console" panose="020B0609040504020204" pitchFamily="49" charset="0"/>
-              </a:rPr>
-              <a:t>Copy-</a:t>
-            </a:r>
-            <a:r>
-              <a:rPr lang="en-US" dirty="0" err="1">
-                <a:solidFill>
-                  <a:srgbClr val="0000FF"/>
-                </a:solidFill>
-                <a:latin typeface="Lucida Console" panose="020B0609040504020204" pitchFamily="49" charset="0"/>
-              </a:rPr>
-              <a:t>ToClipboard</a:t>
-            </a:r>
-            <a:endParaRPr lang="en-US" dirty="0">
-              <a:solidFill>
-                <a:prstClr val="black"/>
-              </a:solidFill>
-              <a:latin typeface="Lucida Console" panose="020B0609040504020204" pitchFamily="49" charset="0"/>
-            </a:endParaRPr>
-          </a:p>
-          <a:p>
-            <a:endParaRPr lang="en-US" dirty="0">
-              <a:solidFill>
-                <a:prstClr val="black"/>
-              </a:solidFill>
-              <a:latin typeface="Lucida Console" panose="020B0609040504020204" pitchFamily="49" charset="0"/>
-            </a:endParaRPr>
-          </a:p>
-          <a:p>
-            <a:r>
-              <a:rPr lang="en-US" dirty="0">
-                <a:solidFill>
-                  <a:srgbClr val="006400"/>
-                </a:solidFill>
-                <a:latin typeface="Lucida Console" panose="020B0609040504020204" pitchFamily="49" charset="0"/>
-              </a:rPr>
-              <a:t># to insert it with full color coding into a slide,</a:t>
-            </a:r>
-            <a:endParaRPr lang="en-US" dirty="0">
-              <a:solidFill>
-                <a:prstClr val="black"/>
-              </a:solidFill>
-              <a:latin typeface="Lucida Console" panose="020B0609040504020204" pitchFamily="49" charset="0"/>
-            </a:endParaRPr>
-          </a:p>
-          <a:p>
-            <a:r>
-              <a:rPr lang="en-US" dirty="0">
-                <a:solidFill>
-                  <a:srgbClr val="006400"/>
-                </a:solidFill>
-                <a:latin typeface="Lucida Console" panose="020B0609040504020204" pitchFamily="49" charset="0"/>
-              </a:rPr>
-              <a:t># paste the code to your PPT slide. It will be black,</a:t>
-            </a:r>
-            <a:endParaRPr lang="en-US" dirty="0">
-              <a:solidFill>
-                <a:prstClr val="black"/>
-              </a:solidFill>
-              <a:latin typeface="Lucida Console" panose="020B0609040504020204" pitchFamily="49" charset="0"/>
-            </a:endParaRPr>
-          </a:p>
-          <a:p>
-            <a:r>
-              <a:rPr lang="en-US" dirty="0">
-                <a:solidFill>
-                  <a:srgbClr val="006400"/>
-                </a:solidFill>
-                <a:latin typeface="Lucida Console" panose="020B0609040504020204" pitchFamily="49" charset="0"/>
-              </a:rPr>
-              <a:t># and there is a </a:t>
-            </a:r>
-            <a:r>
-              <a:rPr lang="en-US" dirty="0" err="1">
-                <a:solidFill>
-                  <a:srgbClr val="006400"/>
-                </a:solidFill>
-                <a:latin typeface="Lucida Console" panose="020B0609040504020204" pitchFamily="49" charset="0"/>
-              </a:rPr>
-              <a:t>toolbutton</a:t>
-            </a:r>
-            <a:r>
-              <a:rPr lang="en-US" dirty="0">
-                <a:solidFill>
-                  <a:srgbClr val="006400"/>
-                </a:solidFill>
-                <a:latin typeface="Lucida Console" panose="020B0609040504020204" pitchFamily="49" charset="0"/>
-              </a:rPr>
-              <a:t> labelled (Ctrl) in PPT.</a:t>
-            </a:r>
-            <a:endParaRPr lang="en-US" dirty="0">
-              <a:solidFill>
-                <a:prstClr val="black"/>
-              </a:solidFill>
-              <a:latin typeface="Lucida Console" panose="020B0609040504020204" pitchFamily="49" charset="0"/>
-            </a:endParaRPr>
-          </a:p>
-          <a:p>
-            <a:r>
-              <a:rPr lang="en-US" dirty="0">
-                <a:solidFill>
-                  <a:srgbClr val="0000FF"/>
-                </a:solidFill>
-                <a:latin typeface="Lucida Console" panose="020B0609040504020204" pitchFamily="49" charset="0"/>
-              </a:rPr>
-              <a:t>Click-</a:t>
-            </a:r>
-            <a:r>
-              <a:rPr lang="en-US" dirty="0" err="1">
-                <a:solidFill>
-                  <a:srgbClr val="0000FF"/>
-                </a:solidFill>
-                <a:latin typeface="Lucida Console" panose="020B0609040504020204" pitchFamily="49" charset="0"/>
-              </a:rPr>
-              <a:t>ToolButton</a:t>
-            </a:r>
-            <a:r>
-              <a:rPr lang="en-US" dirty="0">
-                <a:solidFill>
-                  <a:prstClr val="black"/>
-                </a:solidFill>
-                <a:latin typeface="Lucida Console" panose="020B0609040504020204" pitchFamily="49" charset="0"/>
-              </a:rPr>
-              <a:t> </a:t>
-            </a:r>
-            <a:r>
-              <a:rPr lang="en-US" dirty="0">
-                <a:solidFill>
-                  <a:srgbClr val="000080"/>
-                </a:solidFill>
-                <a:latin typeface="Lucida Console" panose="020B0609040504020204" pitchFamily="49" charset="0"/>
-              </a:rPr>
-              <a:t>-Choose</a:t>
-            </a:r>
-            <a:r>
-              <a:rPr lang="en-US" dirty="0">
-                <a:solidFill>
-                  <a:prstClr val="black"/>
-                </a:solidFill>
-                <a:latin typeface="Lucida Console" panose="020B0609040504020204" pitchFamily="49" charset="0"/>
-              </a:rPr>
-              <a:t> </a:t>
-            </a:r>
-            <a:r>
-              <a:rPr lang="en-US" dirty="0" err="1">
-                <a:solidFill>
-                  <a:srgbClr val="8A2BE2"/>
-                </a:solidFill>
-                <a:latin typeface="Lucida Console" panose="020B0609040504020204" pitchFamily="49" charset="0"/>
-              </a:rPr>
-              <a:t>SymbolWithClipboardAndBrush</a:t>
-            </a:r>
-            <a:endParaRPr lang="en-US" dirty="0">
-              <a:solidFill>
-                <a:prstClr val="black"/>
-              </a:solidFill>
-              <a:latin typeface="Lucida Console" panose="020B0609040504020204" pitchFamily="49" charset="0"/>
-            </a:endParaRPr>
-          </a:p>
-          <a:p>
-            <a:r>
-              <a:rPr lang="en-US" dirty="0">
-                <a:solidFill>
-                  <a:srgbClr val="006400"/>
-                </a:solidFill>
-                <a:latin typeface="Lucida Console" panose="020B0609040504020204" pitchFamily="49" charset="0"/>
-              </a:rPr>
-              <a:t># Click the </a:t>
-            </a:r>
-            <a:r>
-              <a:rPr lang="en-US" dirty="0" err="1">
-                <a:solidFill>
-                  <a:srgbClr val="006400"/>
-                </a:solidFill>
-                <a:latin typeface="Lucida Console" panose="020B0609040504020204" pitchFamily="49" charset="0"/>
-              </a:rPr>
-              <a:t>toolbutton</a:t>
-            </a:r>
-            <a:r>
-              <a:rPr lang="en-US" dirty="0">
-                <a:solidFill>
-                  <a:srgbClr val="006400"/>
-                </a:solidFill>
-                <a:latin typeface="Lucida Console" panose="020B0609040504020204" pitchFamily="49" charset="0"/>
-              </a:rPr>
-              <a:t>, and choose the button that shows</a:t>
-            </a:r>
-            <a:endParaRPr lang="en-US" dirty="0">
-              <a:solidFill>
-                <a:prstClr val="black"/>
-              </a:solidFill>
-              <a:latin typeface="Lucida Console" panose="020B0609040504020204" pitchFamily="49" charset="0"/>
-            </a:endParaRPr>
-          </a:p>
-          <a:p>
-            <a:r>
-              <a:rPr lang="en-US" dirty="0">
-                <a:solidFill>
-                  <a:srgbClr val="006400"/>
-                </a:solidFill>
-                <a:latin typeface="Lucida Console" panose="020B0609040504020204" pitchFamily="49" charset="0"/>
-              </a:rPr>
-              <a:t># a clipboard with a brush. This will add color coding</a:t>
-            </a:r>
-            <a:endParaRPr lang="en-US" dirty="0">
-              <a:solidFill>
-                <a:prstClr val="black"/>
-              </a:solidFill>
-              <a:latin typeface="Lucida Console" panose="020B0609040504020204" pitchFamily="49" charset="0"/>
-            </a:endParaRPr>
-          </a:p>
-          <a:p>
-            <a:r>
-              <a:rPr lang="en-US" dirty="0">
-                <a:solidFill>
-                  <a:srgbClr val="006400"/>
-                </a:solidFill>
-                <a:latin typeface="Lucida Console" panose="020B0609040504020204" pitchFamily="49" charset="0"/>
-              </a:rPr>
-              <a:t># back to the pasted code</a:t>
-            </a:r>
-          </a:p>
-          <a:p>
-            <a:endParaRPr lang="en-US" dirty="0">
-              <a:solidFill>
-                <a:srgbClr val="006400"/>
-              </a:solidFill>
-              <a:latin typeface="Lucida Console" panose="020B0609040504020204" pitchFamily="49" charset="0"/>
-            </a:endParaRPr>
-          </a:p>
-          <a:p>
-            <a:r>
-              <a:rPr lang="en-US" dirty="0">
-                <a:solidFill>
-                  <a:srgbClr val="FF0000"/>
-                </a:solidFill>
-                <a:latin typeface="Lucida Console" panose="020B0609040504020204" pitchFamily="49" charset="0"/>
-              </a:rPr>
-              <a:t>PLEASE NOTE: You do not need to use ISE to code, or to demo. Use whatever editor you like best. </a:t>
-            </a:r>
-          </a:p>
-          <a:p>
-            <a:endParaRPr lang="en-US" dirty="0">
-              <a:solidFill>
-                <a:srgbClr val="FF0000"/>
-              </a:solidFill>
-              <a:latin typeface="Lucida Console" panose="020B0609040504020204" pitchFamily="49" charset="0"/>
-            </a:endParaRPr>
-          </a:p>
-          <a:p>
-            <a:r>
-              <a:rPr lang="en-US" dirty="0">
-                <a:solidFill>
-                  <a:srgbClr val="FF0000"/>
-                </a:solidFill>
-                <a:latin typeface="Lucida Console" panose="020B0609040504020204" pitchFamily="49" charset="0"/>
-              </a:rPr>
-              <a:t>These steps use ISE to color-code your code correctly and consistently, and insert the color-coded code into the slide. Please help make all code look consistent. Many thanks!</a:t>
-            </a:r>
-          </a:p>
-          <a:p>
-            <a:endParaRPr lang="en-US" dirty="0">
-              <a:solidFill>
-                <a:srgbClr val="FF0000"/>
-              </a:solidFill>
-              <a:latin typeface="Lucida Console" panose="020B0609040504020204" pitchFamily="49" charset="0"/>
-            </a:endParaRPr>
-          </a:p>
-          <a:p>
-            <a:endParaRPr lang="en-US" dirty="0">
-              <a:solidFill>
-                <a:srgbClr val="FF0000"/>
-              </a:solidFill>
-              <a:latin typeface="Lucida Console" panose="020B0609040504020204" pitchFamily="49" charset="0"/>
-            </a:endParaRPr>
-          </a:p>
-          <a:p>
-            <a:endParaRPr lang="en-US" dirty="0">
-              <a:solidFill>
-                <a:srgbClr val="FF0000"/>
-              </a:solidFill>
-              <a:latin typeface="Lucida Console" panose="020B0609040504020204" pitchFamily="49" charset="0"/>
-            </a:endParaRPr>
-          </a:p>
-          <a:p>
-            <a:endParaRPr lang="en-US" dirty="0">
-              <a:solidFill>
-                <a:srgbClr val="FF0000"/>
-              </a:solidFill>
-              <a:latin typeface="Lucida Console" panose="020B0609040504020204" pitchFamily="49" charset="0"/>
-            </a:endParaRPr>
-          </a:p>
-          <a:p>
-            <a:endParaRPr lang="en-US" dirty="0">
-              <a:solidFill>
-                <a:srgbClr val="FF0000"/>
-              </a:solidFill>
-              <a:latin typeface="Lucida Console" panose="020B0609040504020204" pitchFamily="49" charset="0"/>
-            </a:endParaRPr>
+              <a:rPr lang="en-US" dirty="0"/>
+              <a:t>Resolving path</a:t>
+            </a:r>
+          </a:p>
+          <a:p>
+            <a:pPr lvl="1"/>
+            <a:r>
+              <a:rPr lang="en-US" dirty="0"/>
+              <a:t>Helper class </a:t>
+            </a:r>
+            <a:r>
+              <a:rPr lang="en-US" dirty="0" err="1"/>
+              <a:t>PathResolution</a:t>
+            </a:r>
+            <a:endParaRPr lang="en-US" dirty="0"/>
+          </a:p>
+          <a:p>
+            <a:r>
+              <a:rPr lang="en-US" dirty="0"/>
+              <a:t>Filtering paths</a:t>
+            </a:r>
+          </a:p>
+          <a:p>
+            <a:pPr lvl="1"/>
+            <a:r>
+              <a:rPr lang="en-US" dirty="0"/>
+              <a:t>Helper class </a:t>
+            </a:r>
+            <a:r>
+              <a:rPr lang="en-US" dirty="0" err="1"/>
+              <a:t>IncludeExcludeFilter</a:t>
+            </a:r>
+            <a:endParaRPr lang="en-US" dirty="0"/>
+          </a:p>
+          <a:p>
+            <a:pPr lvl="1"/>
+            <a:endParaRPr lang="en-US" dirty="0"/>
+          </a:p>
+        </p:txBody>
+      </p:sp>
+      <p:sp>
+        <p:nvSpPr>
+          <p:cNvPr id="3" name="Rubrik 2"/>
+          <p:cNvSpPr>
+            <a:spLocks noGrp="1"/>
+          </p:cNvSpPr>
+          <p:nvPr>
+            <p:ph type="title"/>
+          </p:nvPr>
+        </p:nvSpPr>
+        <p:spPr/>
+        <p:txBody>
+          <a:bodyPr/>
+          <a:lstStyle/>
+          <a:p>
+            <a:r>
+              <a:rPr lang="en-US" dirty="0"/>
+              <a:t>Path processing and filtering</a:t>
+            </a:r>
           </a:p>
         </p:txBody>
       </p:sp>
     </p:spTree>
     <p:extLst>
       <p:ext uri="{BB962C8B-B14F-4D97-AF65-F5344CB8AC3E}">
-        <p14:creationId xmlns:p14="http://schemas.microsoft.com/office/powerpoint/2010/main" val="1401421730"/>
+        <p14:creationId xmlns:p14="http://schemas.microsoft.com/office/powerpoint/2010/main" val="793391273"/>
       </p:ext>
     </p:extLst>
   </p:cSld>
@@ -5070,6 +4657,350 @@
       </p:grpSpPr>
       <p:sp>
         <p:nvSpPr>
+          <p:cNvPr id="2" name="Platshållare för innehåll 1"/>
+          <p:cNvSpPr>
+            <a:spLocks noGrp="1"/>
+          </p:cNvSpPr>
+          <p:nvPr>
+            <p:ph idx="1"/>
+          </p:nvPr>
+        </p:nvSpPr>
+        <p:spPr/>
+        <p:txBody>
+          <a:bodyPr/>
+          <a:lstStyle/>
+          <a:p>
+            <a:r>
+              <a:rPr lang="en-US" dirty="0"/>
+              <a:t>Has it hung?</a:t>
+            </a:r>
+          </a:p>
+          <a:p>
+            <a:r>
+              <a:rPr lang="en-US" dirty="0"/>
+              <a:t>Should I go grab coffee?</a:t>
+            </a:r>
+          </a:p>
+          <a:p>
+            <a:r>
+              <a:rPr lang="en-US" dirty="0"/>
+              <a:t>Switch task?</a:t>
+            </a:r>
+          </a:p>
+          <a:p>
+            <a:r>
+              <a:rPr lang="en-US" dirty="0"/>
+              <a:t>Helper class </a:t>
+            </a:r>
+            <a:r>
+              <a:rPr lang="en-US" dirty="0" err="1"/>
+              <a:t>ProgressManager</a:t>
+            </a:r>
+            <a:endParaRPr lang="en-US" dirty="0"/>
+          </a:p>
+        </p:txBody>
+      </p:sp>
+      <p:sp>
+        <p:nvSpPr>
+          <p:cNvPr id="3" name="Rubrik 2"/>
+          <p:cNvSpPr>
+            <a:spLocks noGrp="1"/>
+          </p:cNvSpPr>
+          <p:nvPr>
+            <p:ph type="title"/>
+          </p:nvPr>
+        </p:nvSpPr>
+        <p:spPr/>
+        <p:txBody>
+          <a:bodyPr/>
+          <a:lstStyle/>
+          <a:p>
+            <a:r>
+              <a:rPr lang="en-US" dirty="0"/>
+              <a:t>Progress</a:t>
+            </a:r>
+          </a:p>
+        </p:txBody>
+      </p:sp>
+    </p:spTree>
+    <p:extLst>
+      <p:ext uri="{BB962C8B-B14F-4D97-AF65-F5344CB8AC3E}">
+        <p14:creationId xmlns:p14="http://schemas.microsoft.com/office/powerpoint/2010/main" val="3794813548"/>
+      </p:ext>
+    </p:extLst>
+  </p:cSld>
+  <p:clrMapOvr>
+    <a:masterClrMapping/>
+  </p:clrMapOvr>
+  <mc:AlternateContent xmlns:mc="http://schemas.openxmlformats.org/markup-compatibility/2006" xmlns:p14="http://schemas.microsoft.com/office/powerpoint/2010/main">
+    <mc:Choice Requires="p14">
+      <p:transition spd="slow" p14:dur="1300">
+        <p14:pan dir="u"/>
+      </p:transition>
+    </mc:Choice>
+    <mc:Fallback xmlns="">
+      <p:transition spd="slow">
+        <p:fade/>
+      </p:transition>
+    </mc:Fallback>
+  </mc:AlternateContent>
+</p:sld>
+</file>
+
+<file path=ppt/slides/slide14.xml><?xml version="1.0" encoding="utf-8"?>
+<p:sld xmlns:a="http://schemas.openxmlformats.org/drawingml/2006/main" xmlns:r="http://schemas.openxmlformats.org/officeDocument/2006/relationships" xmlns:p="http://schemas.openxmlformats.org/presentationml/2006/main">
+  <p:cSld>
+    <p:spTree>
+      <p:nvGrpSpPr>
+        <p:cNvPr id="1" name=""/>
+        <p:cNvGrpSpPr/>
+        <p:nvPr/>
+      </p:nvGrpSpPr>
+      <p:grpSpPr>
+        <a:xfrm>
+          <a:off x="0" y="0"/>
+          <a:ext cx="0" cy="0"/>
+          <a:chOff x="0" y="0"/>
+          <a:chExt cx="0" cy="0"/>
+        </a:xfrm>
+      </p:grpSpPr>
+      <p:sp>
+        <p:nvSpPr>
+          <p:cNvPr id="2" name="Platshållare för innehåll 1"/>
+          <p:cNvSpPr>
+            <a:spLocks noGrp="1"/>
+          </p:cNvSpPr>
+          <p:nvPr>
+            <p:ph idx="1"/>
+          </p:nvPr>
+        </p:nvSpPr>
+        <p:spPr/>
+        <p:txBody>
+          <a:bodyPr/>
+          <a:lstStyle/>
+          <a:p>
+            <a:r>
+              <a:rPr lang="en-US" dirty="0"/>
+              <a:t>Can be a game changer</a:t>
+            </a:r>
+          </a:p>
+          <a:p>
+            <a:pPr lvl="1"/>
+            <a:r>
+              <a:rPr lang="en-US" dirty="0"/>
+              <a:t>Done correctly will make the module a joy to use</a:t>
+            </a:r>
+          </a:p>
+          <a:p>
+            <a:pPr lvl="1"/>
+            <a:endParaRPr lang="sv-SE" dirty="0"/>
+          </a:p>
+          <a:p>
+            <a:pPr lvl="1"/>
+            <a:r>
+              <a:rPr lang="sv-SE" dirty="0"/>
+              <a:t>I</a:t>
+            </a:r>
+            <a:r>
+              <a:rPr lang="en-US" dirty="0" err="1"/>
+              <a:t>ArgumentCompleter</a:t>
+            </a:r>
+            <a:r>
+              <a:rPr lang="en-US" dirty="0"/>
+              <a:t> </a:t>
+            </a:r>
+          </a:p>
+          <a:p>
+            <a:pPr lvl="1"/>
+            <a:r>
+              <a:rPr lang="en-US" dirty="0"/>
+              <a:t>Or </a:t>
+            </a:r>
+            <a:r>
+              <a:rPr lang="sv-SE" dirty="0"/>
+              <a:t>R</a:t>
+            </a:r>
+            <a:r>
+              <a:rPr lang="en-US" dirty="0" err="1"/>
+              <a:t>egister-ArgumentCompleter</a:t>
+            </a:r>
+            <a:endParaRPr lang="en-US" dirty="0"/>
+          </a:p>
+          <a:p>
+            <a:pPr marL="457200" lvl="1" indent="0">
+              <a:buNone/>
+            </a:pPr>
+            <a:endParaRPr lang="en-US" dirty="0"/>
+          </a:p>
+        </p:txBody>
+      </p:sp>
+      <p:sp>
+        <p:nvSpPr>
+          <p:cNvPr id="3" name="Rubrik 2"/>
+          <p:cNvSpPr>
+            <a:spLocks noGrp="1"/>
+          </p:cNvSpPr>
+          <p:nvPr>
+            <p:ph type="title"/>
+          </p:nvPr>
+        </p:nvSpPr>
+        <p:spPr/>
+        <p:txBody>
+          <a:bodyPr/>
+          <a:lstStyle/>
+          <a:p>
+            <a:r>
+              <a:rPr lang="en-US" dirty="0"/>
+              <a:t>Completion</a:t>
+            </a:r>
+          </a:p>
+        </p:txBody>
+      </p:sp>
+    </p:spTree>
+    <p:extLst>
+      <p:ext uri="{BB962C8B-B14F-4D97-AF65-F5344CB8AC3E}">
+        <p14:creationId xmlns:p14="http://schemas.microsoft.com/office/powerpoint/2010/main" val="4188741137"/>
+      </p:ext>
+    </p:extLst>
+  </p:cSld>
+  <p:clrMapOvr>
+    <a:masterClrMapping/>
+  </p:clrMapOvr>
+  <mc:AlternateContent xmlns:mc="http://schemas.openxmlformats.org/markup-compatibility/2006" xmlns:p14="http://schemas.microsoft.com/office/powerpoint/2010/main">
+    <mc:Choice Requires="p14">
+      <p:transition spd="slow" p14:dur="1300">
+        <p14:pan dir="u"/>
+      </p:transition>
+    </mc:Choice>
+    <mc:Fallback xmlns="">
+      <p:transition spd="slow">
+        <p:fade/>
+      </p:transition>
+    </mc:Fallback>
+  </mc:AlternateContent>
+</p:sld>
+</file>
+
+<file path=ppt/slides/slide15.xml><?xml version="1.0" encoding="utf-8"?>
+<p:sld xmlns:a="http://schemas.openxmlformats.org/drawingml/2006/main" xmlns:r="http://schemas.openxmlformats.org/officeDocument/2006/relationships" xmlns:p="http://schemas.openxmlformats.org/presentationml/2006/main">
+  <p:cSld>
+    <p:spTree>
+      <p:nvGrpSpPr>
+        <p:cNvPr id="1" name=""/>
+        <p:cNvGrpSpPr/>
+        <p:nvPr/>
+      </p:nvGrpSpPr>
+      <p:grpSpPr>
+        <a:xfrm>
+          <a:off x="0" y="0"/>
+          <a:ext cx="0" cy="0"/>
+          <a:chOff x="0" y="0"/>
+          <a:chExt cx="0" cy="0"/>
+        </a:xfrm>
+      </p:grpSpPr>
+      <p:sp>
+        <p:nvSpPr>
+          <p:cNvPr id="2" name="Platshållare för innehåll 1"/>
+          <p:cNvSpPr>
+            <a:spLocks noGrp="1"/>
+          </p:cNvSpPr>
+          <p:nvPr>
+            <p:ph idx="1"/>
+          </p:nvPr>
+        </p:nvSpPr>
+        <p:spPr/>
+        <p:txBody>
+          <a:bodyPr/>
+          <a:lstStyle/>
+          <a:p>
+            <a:r>
+              <a:rPr lang="en-US" dirty="0"/>
+              <a:t>Support –</a:t>
+            </a:r>
+            <a:r>
+              <a:rPr lang="en-US" dirty="0" err="1"/>
+              <a:t>WhatIf</a:t>
+            </a:r>
+            <a:r>
+              <a:rPr lang="en-US" dirty="0"/>
+              <a:t> and –Confirm for sensitive operations</a:t>
+            </a:r>
+          </a:p>
+          <a:p>
+            <a:endParaRPr lang="en-US" dirty="0"/>
+          </a:p>
+        </p:txBody>
+      </p:sp>
+      <p:sp>
+        <p:nvSpPr>
+          <p:cNvPr id="3" name="Rubrik 2"/>
+          <p:cNvSpPr>
+            <a:spLocks noGrp="1"/>
+          </p:cNvSpPr>
+          <p:nvPr>
+            <p:ph type="title"/>
+          </p:nvPr>
+        </p:nvSpPr>
+        <p:spPr/>
+        <p:txBody>
+          <a:bodyPr/>
+          <a:lstStyle/>
+          <a:p>
+            <a:r>
+              <a:rPr lang="en-US" dirty="0" err="1"/>
+              <a:t>ShouldProcess</a:t>
+            </a:r>
+            <a:r>
+              <a:rPr lang="en-US" dirty="0"/>
+              <a:t>	</a:t>
+            </a:r>
+          </a:p>
+        </p:txBody>
+      </p:sp>
+    </p:spTree>
+    <p:extLst>
+      <p:ext uri="{BB962C8B-B14F-4D97-AF65-F5344CB8AC3E}">
+        <p14:creationId xmlns:p14="http://schemas.microsoft.com/office/powerpoint/2010/main" val="1720321785"/>
+      </p:ext>
+    </p:extLst>
+  </p:cSld>
+  <p:clrMapOvr>
+    <a:masterClrMapping/>
+  </p:clrMapOvr>
+  <mc:AlternateContent xmlns:mc="http://schemas.openxmlformats.org/markup-compatibility/2006" xmlns:p14="http://schemas.microsoft.com/office/powerpoint/2010/main">
+    <mc:Choice Requires="p14">
+      <p:transition spd="slow" p14:dur="1300">
+        <p14:pan dir="u"/>
+      </p:transition>
+    </mc:Choice>
+    <mc:Fallback xmlns="">
+      <p:transition spd="slow">
+        <p:fade/>
+      </p:transition>
+    </mc:Fallback>
+  </mc:AlternateContent>
+</p:sld>
+</file>
+
+<file path=ppt/slides/slide16.xml><?xml version="1.0" encoding="utf-8"?>
+<p:sld xmlns:a="http://schemas.openxmlformats.org/drawingml/2006/main" xmlns:r="http://schemas.openxmlformats.org/officeDocument/2006/relationships" xmlns:p="http://schemas.openxmlformats.org/presentationml/2006/main">
+  <p:cSld>
+    <p:spTree>
+      <p:nvGrpSpPr>
+        <p:cNvPr id="1" name=""/>
+        <p:cNvGrpSpPr/>
+        <p:nvPr/>
+      </p:nvGrpSpPr>
+      <p:grpSpPr>
+        <a:xfrm>
+          <a:off x="0" y="0"/>
+          <a:ext cx="0" cy="0"/>
+          <a:chOff x="0" y="0"/>
+          <a:chExt cx="0" cy="0"/>
+        </a:xfrm>
+      </p:grpSpPr>
+      <p:sp>
+        <p:nvSpPr>
           <p:cNvPr id="2" name="Titel 1"/>
           <p:cNvSpPr>
             <a:spLocks noGrp="1"/>
@@ -5115,6 +5046,58 @@
           <a:p>
             <a:r>
               <a:rPr lang="de-DE" dirty="0"/>
+              <a:t>Type </a:t>
+            </a:r>
+            <a:r>
+              <a:rPr lang="de-DE" dirty="0" err="1"/>
+              <a:t>your</a:t>
+            </a:r>
+            <a:r>
+              <a:rPr lang="de-DE" dirty="0"/>
+              <a:t> </a:t>
+            </a:r>
+            <a:r>
+              <a:rPr lang="de-DE" dirty="0" err="1"/>
+              <a:t>output</a:t>
+            </a:r>
+            <a:endParaRPr lang="de-DE" dirty="0"/>
+          </a:p>
+          <a:p>
+            <a:r>
+              <a:rPr lang="de-DE" dirty="0" err="1"/>
+              <a:t>Consistency</a:t>
+            </a:r>
+            <a:endParaRPr lang="de-DE" dirty="0"/>
+          </a:p>
+          <a:p>
+            <a:r>
+              <a:rPr lang="de-DE" dirty="0" err="1"/>
+              <a:t>Good</a:t>
+            </a:r>
+            <a:r>
+              <a:rPr lang="de-DE" dirty="0"/>
+              <a:t> </a:t>
+            </a:r>
+            <a:r>
+              <a:rPr lang="de-DE" dirty="0" err="1"/>
+              <a:t>errors</a:t>
+            </a:r>
+            <a:endParaRPr lang="de-DE" dirty="0"/>
+          </a:p>
+          <a:p>
+            <a:r>
+              <a:rPr lang="de-DE" dirty="0"/>
+              <a:t>Command </a:t>
+            </a:r>
+            <a:r>
+              <a:rPr lang="de-DE" dirty="0" err="1"/>
+              <a:t>completion</a:t>
+            </a:r>
+            <a:endParaRPr lang="de-DE" dirty="0"/>
+          </a:p>
+          <a:p>
+            <a:r>
+              <a:rPr lang="de-DE" dirty="0"/>
               <a:t>Be a </a:t>
             </a:r>
             <a:r>
@@ -5199,6 +5182,9 @@
               <a:rPr lang="de-DE" dirty="0" err="1"/>
               <a:t>shoes</a:t>
             </a:r>
+            <a:endParaRPr lang="de-DE" dirty="0"/>
+          </a:p>
+          <a:p>
             <a:endParaRPr lang="de-DE" dirty="0"/>
           </a:p>
         </p:txBody>
@@ -5228,7 +5214,7 @@
 </p:sld>
 </file>
 
-<file path=ppt/slides/slide14.xml><?xml version="1.0" encoding="utf-8"?>
+<file path=ppt/slides/slide17.xml><?xml version="1.0" encoding="utf-8"?>
 <p:sld xmlns:a="http://schemas.openxmlformats.org/drawingml/2006/main" xmlns:r="http://schemas.openxmlformats.org/officeDocument/2006/relationships" xmlns:p="http://schemas.openxmlformats.org/presentationml/2006/main">
   <p:cSld>
     <p:spTree>
@@ -5520,7 +5506,7 @@
 </p:sld>
 </file>
 
-<file path=ppt/slides/slide15.xml><?xml version="1.0" encoding="utf-8"?>
+<file path=ppt/slides/slide18.xml><?xml version="1.0" encoding="utf-8"?>
 <p:sld xmlns:a="http://schemas.openxmlformats.org/drawingml/2006/main" xmlns:r="http://schemas.openxmlformats.org/officeDocument/2006/relationships" xmlns:p="http://schemas.openxmlformats.org/presentationml/2006/main">
   <p:cSld>
     <p:spTree>
@@ -5607,7 +5593,7 @@
 </p:sld>
 </file>
 
-<file path=ppt/slides/slide16.xml><?xml version="1.0" encoding="utf-8"?>
+<file path=ppt/slides/slide19.xml><?xml version="1.0" encoding="utf-8"?>
 <p:sld xmlns:a="http://schemas.openxmlformats.org/drawingml/2006/main" xmlns:r="http://schemas.openxmlformats.org/officeDocument/2006/relationships" xmlns:p="http://schemas.openxmlformats.org/presentationml/2006/main">
   <p:cSld>
     <p:spTree>
@@ -5640,272 +5626,44 @@
           <a:lstStyle/>
           <a:p>
             <a:r>
-              <a:rPr lang="de-DE" dirty="0" err="1"/>
-              <a:t>Feel</a:t>
-            </a:r>
-            <a:r>
               <a:rPr lang="de-DE" dirty="0"/>
-              <a:t> </a:t>
-            </a:r>
-            <a:r>
-              <a:rPr lang="de-DE" dirty="0" err="1"/>
-              <a:t>free</a:t>
-            </a:r>
+              <a:t>Staffan Gustafsson</a:t>
+            </a:r>
+          </a:p>
+          <a:p>
             <a:r>
               <a:rPr lang="de-DE" dirty="0"/>
-              <a:t> </a:t>
-            </a:r>
-            <a:r>
-              <a:rPr lang="de-DE" dirty="0" err="1"/>
-              <a:t>to</a:t>
-            </a:r>
+              <a:t>Software Engineer</a:t>
+            </a:r>
+            <a:endParaRPr lang="sv-SE" dirty="0"/>
+          </a:p>
+          <a:p>
+            <a:r>
+              <a:rPr lang="sv-SE" dirty="0"/>
+              <a:t>@</a:t>
+            </a:r>
+            <a:r>
+              <a:rPr lang="sv-SE" dirty="0" err="1"/>
+              <a:t>StaffanGSon</a:t>
+            </a:r>
+            <a:endParaRPr lang="de-DE" dirty="0"/>
+          </a:p>
+          <a:p>
+            <a:pPr marL="457200" lvl="1" indent="0">
+              <a:buNone/>
+            </a:pPr>
             <a:r>
               <a:rPr lang="de-DE" dirty="0"/>
-              <a:t> </a:t>
-            </a:r>
-            <a:r>
-              <a:rPr lang="de-DE" dirty="0" err="1"/>
-              <a:t>add</a:t>
-            </a:r>
-            <a:r>
-              <a:rPr lang="de-DE" dirty="0"/>
-              <a:t> </a:t>
-            </a:r>
-            <a:r>
-              <a:rPr lang="de-DE" dirty="0" err="1"/>
-              <a:t>information</a:t>
-            </a:r>
-            <a:r>
-              <a:rPr lang="de-DE" dirty="0"/>
-              <a:t> </a:t>
-            </a:r>
-            <a:r>
-              <a:rPr lang="de-DE" dirty="0" err="1"/>
-              <a:t>about</a:t>
-            </a:r>
-            <a:r>
-              <a:rPr lang="de-DE" dirty="0"/>
-              <a:t> </a:t>
-            </a:r>
-            <a:r>
-              <a:rPr lang="de-DE" dirty="0" err="1"/>
-              <a:t>yourself</a:t>
-            </a:r>
-            <a:endParaRPr lang="de-DE" dirty="0"/>
-          </a:p>
-          <a:p>
-            <a:r>
-              <a:rPr lang="de-DE" dirty="0" err="1"/>
-              <a:t>You</a:t>
-            </a:r>
-            <a:r>
-              <a:rPr lang="de-DE" dirty="0"/>
-              <a:t> </a:t>
-            </a:r>
-            <a:r>
-              <a:rPr lang="de-DE" dirty="0" err="1"/>
-              <a:t>may</a:t>
-            </a:r>
-            <a:r>
-              <a:rPr lang="de-DE" dirty="0"/>
-              <a:t> </a:t>
-            </a:r>
-            <a:r>
-              <a:rPr lang="de-DE" dirty="0" err="1"/>
-              <a:t>advertise</a:t>
-            </a:r>
-            <a:r>
-              <a:rPr lang="de-DE" dirty="0"/>
-              <a:t> </a:t>
-            </a:r>
-            <a:r>
-              <a:rPr lang="de-DE" dirty="0" err="1"/>
-              <a:t>for</a:t>
-            </a:r>
-            <a:r>
-              <a:rPr lang="de-DE" dirty="0"/>
-              <a:t> </a:t>
-            </a:r>
-            <a:r>
-              <a:rPr lang="de-DE" dirty="0" err="1"/>
-              <a:t>you</a:t>
-            </a:r>
-            <a:r>
-              <a:rPr lang="de-DE" dirty="0"/>
-              <a:t> </a:t>
-            </a:r>
-            <a:r>
-              <a:rPr lang="de-DE" dirty="0" err="1"/>
-              <a:t>or</a:t>
-            </a:r>
-            <a:r>
-              <a:rPr lang="de-DE" dirty="0"/>
-              <a:t> </a:t>
-            </a:r>
-            <a:r>
-              <a:rPr lang="de-DE" dirty="0" err="1"/>
-              <a:t>your</a:t>
-            </a:r>
-            <a:r>
-              <a:rPr lang="de-DE" dirty="0"/>
-              <a:t> </a:t>
-            </a:r>
-            <a:r>
-              <a:rPr lang="de-DE" dirty="0" err="1"/>
-              <a:t>company</a:t>
-            </a:r>
-            <a:endParaRPr lang="de-DE" dirty="0"/>
-          </a:p>
-          <a:p>
-            <a:endParaRPr lang="de-DE" dirty="0"/>
-          </a:p>
-          <a:p>
-            <a:r>
-              <a:rPr lang="de-DE" dirty="0"/>
-              <a:t>Keep </a:t>
-            </a:r>
-            <a:r>
-              <a:rPr lang="de-DE" dirty="0" err="1"/>
-              <a:t>slide</a:t>
-            </a:r>
-            <a:r>
-              <a:rPr lang="de-DE" dirty="0"/>
-              <a:t> at </a:t>
-            </a:r>
-            <a:r>
-              <a:rPr lang="de-DE" dirty="0" err="1"/>
-              <a:t>the</a:t>
-            </a:r>
-            <a:r>
-              <a:rPr lang="de-DE" dirty="0"/>
-              <a:t> end </a:t>
-            </a:r>
-            <a:r>
-              <a:rPr lang="de-DE" dirty="0" err="1"/>
-              <a:t>of</a:t>
-            </a:r>
-            <a:r>
-              <a:rPr lang="de-DE" dirty="0"/>
-              <a:t> </a:t>
-            </a:r>
-            <a:r>
-              <a:rPr lang="de-DE" dirty="0" err="1"/>
-              <a:t>your</a:t>
-            </a:r>
-            <a:r>
-              <a:rPr lang="de-DE" dirty="0"/>
-              <a:t> </a:t>
-            </a:r>
-            <a:r>
-              <a:rPr lang="de-DE" dirty="0" err="1"/>
-              <a:t>presentation</a:t>
-            </a:r>
-            <a:endParaRPr lang="de-DE" dirty="0"/>
-          </a:p>
-          <a:p>
-            <a:endParaRPr lang="de-DE" dirty="0"/>
-          </a:p>
-          <a:p>
-            <a:r>
-              <a:rPr lang="de-DE" dirty="0"/>
-              <a:t>Do not </a:t>
-            </a:r>
-            <a:r>
-              <a:rPr lang="de-DE" dirty="0" err="1"/>
-              <a:t>use</a:t>
-            </a:r>
-            <a:r>
-              <a:rPr lang="de-DE" dirty="0"/>
-              <a:t> </a:t>
-            </a:r>
-            <a:r>
-              <a:rPr lang="de-DE" dirty="0" err="1"/>
-              <a:t>presentation</a:t>
-            </a:r>
-            <a:r>
-              <a:rPr lang="de-DE" dirty="0"/>
-              <a:t> time </a:t>
-            </a:r>
-            <a:r>
-              <a:rPr lang="de-DE" dirty="0" err="1"/>
-              <a:t>for</a:t>
-            </a:r>
-            <a:r>
-              <a:rPr lang="de-DE" dirty="0"/>
-              <a:t> </a:t>
-            </a:r>
-            <a:r>
-              <a:rPr lang="de-DE" dirty="0" err="1"/>
-              <a:t>your</a:t>
-            </a:r>
-            <a:r>
-              <a:rPr lang="de-DE" dirty="0"/>
-              <a:t> </a:t>
-            </a:r>
-            <a:r>
-              <a:rPr lang="de-DE" dirty="0" err="1"/>
-              <a:t>bio</a:t>
-            </a:r>
-            <a:endParaRPr lang="de-DE" dirty="0"/>
-          </a:p>
-          <a:p>
-            <a:pPr lvl="1"/>
-            <a:r>
-              <a:rPr lang="de-DE" dirty="0" err="1"/>
-              <a:t>Instead</a:t>
-            </a:r>
-            <a:r>
-              <a:rPr lang="de-DE" dirty="0"/>
-              <a:t>, </a:t>
-            </a:r>
-            <a:r>
-              <a:rPr lang="de-DE" dirty="0" err="1"/>
-              <a:t>your</a:t>
-            </a:r>
-            <a:r>
-              <a:rPr lang="de-DE" dirty="0"/>
-              <a:t> </a:t>
-            </a:r>
-            <a:r>
-              <a:rPr lang="de-DE" dirty="0" err="1"/>
-              <a:t>bio</a:t>
-            </a:r>
-            <a:r>
-              <a:rPr lang="de-DE" dirty="0"/>
-              <a:t> </a:t>
-            </a:r>
-            <a:r>
-              <a:rPr lang="de-DE" dirty="0" err="1"/>
-              <a:t>is</a:t>
-            </a:r>
-            <a:r>
-              <a:rPr lang="de-DE" dirty="0"/>
-              <a:t> </a:t>
-            </a:r>
-            <a:r>
-              <a:rPr lang="de-DE" dirty="0" err="1"/>
-              <a:t>published</a:t>
-            </a:r>
-            <a:r>
-              <a:rPr lang="de-DE" dirty="0"/>
-              <a:t> in </a:t>
-            </a:r>
-            <a:r>
-              <a:rPr lang="de-DE" dirty="0" err="1"/>
-              <a:t>conf</a:t>
-            </a:r>
-            <a:r>
-              <a:rPr lang="de-DE" dirty="0"/>
-              <a:t> </a:t>
-            </a:r>
-            <a:r>
-              <a:rPr lang="de-DE" dirty="0" err="1"/>
-              <a:t>materials</a:t>
-            </a:r>
-            <a:endParaRPr lang="de-DE" dirty="0"/>
-          </a:p>
-          <a:p>
-            <a:pPr lvl="1"/>
+              <a:t>https</a:t>
+            </a:r>
+            <a:r>
+              <a:rPr lang="en-US" dirty="0"/>
+              <a:t>://github.com/</a:t>
+            </a:r>
+            <a:r>
+              <a:rPr lang="en-US" dirty="0" err="1"/>
+              <a:t>PowerCode</a:t>
+            </a:r>
             <a:endParaRPr lang="de-DE" dirty="0"/>
           </a:p>
         </p:txBody>
@@ -6089,7 +5847,7 @@
               <a:t> </a:t>
             </a:r>
             <a:r>
-              <a:rPr lang="de-DE"/>
+              <a:rPr lang="de-DE" dirty="0" err="1"/>
               <a:t>filtering</a:t>
             </a:r>
             <a:endParaRPr lang="de-DE" dirty="0"/>
@@ -9746,6 +9504,252 @@
 <file path=ppt/slides/slide6.xml><?xml version="1.0" encoding="utf-8"?>
 <p:sld xmlns:a="http://schemas.openxmlformats.org/drawingml/2006/main" xmlns:r="http://schemas.openxmlformats.org/officeDocument/2006/relationships" xmlns:p="http://schemas.openxmlformats.org/presentationml/2006/main">
   <p:cSld>
+    <p:spTree>
+      <p:nvGrpSpPr>
+        <p:cNvPr id="1" name=""/>
+        <p:cNvGrpSpPr/>
+        <p:nvPr/>
+      </p:nvGrpSpPr>
+      <p:grpSpPr>
+        <a:xfrm>
+          <a:off x="0" y="0"/>
+          <a:ext cx="0" cy="0"/>
+          <a:chOff x="0" y="0"/>
+          <a:chExt cx="0" cy="0"/>
+        </a:xfrm>
+      </p:grpSpPr>
+      <p:sp>
+        <p:nvSpPr>
+          <p:cNvPr id="2" name="Platshållare för innehåll 1"/>
+          <p:cNvSpPr>
+            <a:spLocks noGrp="1"/>
+          </p:cNvSpPr>
+          <p:nvPr>
+            <p:ph idx="1"/>
+          </p:nvPr>
+        </p:nvSpPr>
+        <p:spPr/>
+        <p:txBody>
+          <a:bodyPr/>
+          <a:lstStyle/>
+          <a:p>
+            <a:r>
+              <a:rPr lang="en-US" dirty="0"/>
+              <a:t>Create actionable errors</a:t>
+            </a:r>
+          </a:p>
+          <a:p>
+            <a:pPr lvl="1"/>
+            <a:r>
+              <a:rPr lang="en-US" dirty="0"/>
+              <a:t>$</a:t>
+            </a:r>
+            <a:r>
+              <a:rPr lang="en-US" dirty="0" err="1"/>
+              <a:t>PSCmdlet.WriteError</a:t>
+            </a:r>
+            <a:r>
+              <a:rPr lang="en-US" dirty="0"/>
+              <a:t> when </a:t>
+            </a:r>
+          </a:p>
+          <a:p>
+            <a:pPr lvl="1"/>
+            <a:r>
+              <a:rPr lang="en-US" dirty="0"/>
+              <a:t>Throw </a:t>
+            </a:r>
+            <a:r>
+              <a:rPr lang="en-US" dirty="0" err="1"/>
+              <a:t>ErrorRecords</a:t>
+            </a:r>
+            <a:r>
+              <a:rPr lang="en-US" dirty="0"/>
+              <a:t> when terminating error</a:t>
+            </a:r>
+          </a:p>
+          <a:p>
+            <a:pPr lvl="1"/>
+            <a:r>
+              <a:rPr lang="en-US" dirty="0"/>
+              <a:t>Use </a:t>
+            </a:r>
+            <a:r>
+              <a:rPr lang="en-US" dirty="0" err="1"/>
+              <a:t>TargetObject</a:t>
+            </a:r>
+            <a:r>
+              <a:rPr lang="en-US" dirty="0"/>
+              <a:t> to add enough detail so the caller can take appropriate actions</a:t>
+            </a:r>
+          </a:p>
+          <a:p>
+            <a:r>
+              <a:rPr lang="en-US" dirty="0"/>
+              <a:t>Use a helper class to create the </a:t>
+            </a:r>
+            <a:r>
+              <a:rPr lang="en-US" dirty="0" err="1"/>
+              <a:t>ErrorRecords</a:t>
+            </a:r>
+            <a:endParaRPr lang="en-US" dirty="0"/>
+          </a:p>
+          <a:p>
+            <a:pPr lvl="1"/>
+            <a:r>
+              <a:rPr lang="en-US" dirty="0"/>
+              <a:t>Cleans up the calling code</a:t>
+            </a:r>
+          </a:p>
+          <a:p>
+            <a:pPr lvl="1"/>
+            <a:endParaRPr lang="en-US" dirty="0"/>
+          </a:p>
+        </p:txBody>
+      </p:sp>
+      <p:sp>
+        <p:nvSpPr>
+          <p:cNvPr id="3" name="Rubrik 2"/>
+          <p:cNvSpPr>
+            <a:spLocks noGrp="1"/>
+          </p:cNvSpPr>
+          <p:nvPr>
+            <p:ph type="title"/>
+          </p:nvPr>
+        </p:nvSpPr>
+        <p:spPr/>
+        <p:txBody>
+          <a:bodyPr/>
+          <a:lstStyle/>
+          <a:p>
+            <a:r>
+              <a:rPr lang="en-US" dirty="0"/>
+              <a:t>Errors</a:t>
+            </a:r>
+          </a:p>
+        </p:txBody>
+      </p:sp>
+    </p:spTree>
+    <p:extLst>
+      <p:ext uri="{BB962C8B-B14F-4D97-AF65-F5344CB8AC3E}">
+        <p14:creationId xmlns:p14="http://schemas.microsoft.com/office/powerpoint/2010/main" val="2937178049"/>
+      </p:ext>
+    </p:extLst>
+  </p:cSld>
+  <p:clrMapOvr>
+    <a:masterClrMapping/>
+  </p:clrMapOvr>
+  <mc:AlternateContent xmlns:mc="http://schemas.openxmlformats.org/markup-compatibility/2006" xmlns:p14="http://schemas.microsoft.com/office/powerpoint/2010/main">
+    <mc:Choice Requires="p14">
+      <p:transition spd="slow" p14:dur="1300">
+        <p14:pan dir="u"/>
+      </p:transition>
+    </mc:Choice>
+    <mc:Fallback xmlns="">
+      <p:transition spd="slow">
+        <p:fade/>
+      </p:transition>
+    </mc:Fallback>
+  </mc:AlternateContent>
+</p:sld>
+</file>
+
+<file path=ppt/slides/slide7.xml><?xml version="1.0" encoding="utf-8"?>
+<p:sld xmlns:a="http://schemas.openxmlformats.org/drawingml/2006/main" xmlns:r="http://schemas.openxmlformats.org/officeDocument/2006/relationships" xmlns:p="http://schemas.openxmlformats.org/presentationml/2006/main">
+  <p:cSld>
+    <p:spTree>
+      <p:nvGrpSpPr>
+        <p:cNvPr id="1" name=""/>
+        <p:cNvGrpSpPr/>
+        <p:nvPr/>
+      </p:nvGrpSpPr>
+      <p:grpSpPr>
+        <a:xfrm>
+          <a:off x="0" y="0"/>
+          <a:ext cx="0" cy="0"/>
+          <a:chOff x="0" y="0"/>
+          <a:chExt cx="0" cy="0"/>
+        </a:xfrm>
+      </p:grpSpPr>
+      <p:sp>
+        <p:nvSpPr>
+          <p:cNvPr id="2" name="Platshållare för innehåll 1"/>
+          <p:cNvSpPr>
+            <a:spLocks noGrp="1"/>
+          </p:cNvSpPr>
+          <p:nvPr>
+            <p:ph idx="1"/>
+          </p:nvPr>
+        </p:nvSpPr>
+        <p:spPr/>
+        <p:txBody>
+          <a:bodyPr/>
+          <a:lstStyle/>
+          <a:p>
+            <a:r>
+              <a:rPr lang="en-US" dirty="0"/>
+              <a:t>Provide &lt;module&gt;.format.ps1xml files to make your output as readable as possible</a:t>
+            </a:r>
+          </a:p>
+          <a:p>
+            <a:pPr lvl="1"/>
+            <a:r>
+              <a:rPr lang="en-US" dirty="0"/>
+              <a:t>It is possible to create more than one view</a:t>
+            </a:r>
+          </a:p>
+        </p:txBody>
+      </p:sp>
+      <p:sp>
+        <p:nvSpPr>
+          <p:cNvPr id="3" name="Rubrik 2"/>
+          <p:cNvSpPr>
+            <a:spLocks noGrp="1"/>
+          </p:cNvSpPr>
+          <p:nvPr>
+            <p:ph type="title"/>
+          </p:nvPr>
+        </p:nvSpPr>
+        <p:spPr/>
+        <p:txBody>
+          <a:bodyPr/>
+          <a:lstStyle/>
+          <a:p>
+            <a:r>
+              <a:rPr lang="en-US" dirty="0"/>
+              <a:t>Format your output</a:t>
+            </a:r>
+          </a:p>
+        </p:txBody>
+      </p:sp>
+    </p:spTree>
+    <p:extLst>
+      <p:ext uri="{BB962C8B-B14F-4D97-AF65-F5344CB8AC3E}">
+        <p14:creationId xmlns:p14="http://schemas.microsoft.com/office/powerpoint/2010/main" val="4096066469"/>
+      </p:ext>
+    </p:extLst>
+  </p:cSld>
+  <p:clrMapOvr>
+    <a:masterClrMapping/>
+  </p:clrMapOvr>
+  <mc:AlternateContent xmlns:mc="http://schemas.openxmlformats.org/markup-compatibility/2006" xmlns:p14="http://schemas.microsoft.com/office/powerpoint/2010/main">
+    <mc:Choice Requires="p14">
+      <p:transition spd="slow" p14:dur="1300">
+        <p14:pan dir="u"/>
+      </p:transition>
+    </mc:Choice>
+    <mc:Fallback xmlns="">
+      <p:transition spd="slow">
+        <p:fade/>
+      </p:transition>
+    </mc:Fallback>
+  </mc:AlternateContent>
+</p:sld>
+</file>
+
+<file path=ppt/slides/slide8.xml><?xml version="1.0" encoding="utf-8"?>
+<p:sld xmlns:a="http://schemas.openxmlformats.org/drawingml/2006/main" xmlns:r="http://schemas.openxmlformats.org/officeDocument/2006/relationships" xmlns:p="http://schemas.openxmlformats.org/presentationml/2006/main">
+  <p:cSld>
     <p:bg>
       <p:bgPr>
         <a:gradFill flip="none" rotWithShape="1">
@@ -9947,7 +9951,7 @@
 </p:sld>
 </file>
 
-<file path=ppt/slides/slide7.xml><?xml version="1.0" encoding="utf-8"?>
+<file path=ppt/slides/slide9.xml><?xml version="1.0" encoding="utf-8"?>
 <p:sld xmlns:a="http://schemas.openxmlformats.org/drawingml/2006/main" xmlns:r="http://schemas.openxmlformats.org/officeDocument/2006/relationships" xmlns:p="http://schemas.openxmlformats.org/presentationml/2006/main">
   <p:cSld>
     <p:spTree>
@@ -10214,239 +10218,6 @@
     </mc:Choice>
     <mc:Fallback xmlns="">
       <p:transition spd="med">
-        <p:fade/>
-      </p:transition>
-    </mc:Fallback>
-  </mc:AlternateContent>
-</p:sld>
-</file>
-
-<file path=ppt/slides/slide8.xml><?xml version="1.0" encoding="utf-8"?>
-<p:sld xmlns:a="http://schemas.openxmlformats.org/drawingml/2006/main" xmlns:r="http://schemas.openxmlformats.org/officeDocument/2006/relationships" xmlns:p="http://schemas.openxmlformats.org/presentationml/2006/main">
-  <p:cSld>
-    <p:spTree>
-      <p:nvGrpSpPr>
-        <p:cNvPr id="1" name=""/>
-        <p:cNvGrpSpPr/>
-        <p:nvPr/>
-      </p:nvGrpSpPr>
-      <p:grpSpPr>
-        <a:xfrm>
-          <a:off x="0" y="0"/>
-          <a:ext cx="0" cy="0"/>
-          <a:chOff x="0" y="0"/>
-          <a:chExt cx="0" cy="0"/>
-        </a:xfrm>
-      </p:grpSpPr>
-      <p:sp>
-        <p:nvSpPr>
-          <p:cNvPr id="2" name="Platshållare för innehåll 1"/>
-          <p:cNvSpPr>
-            <a:spLocks noGrp="1"/>
-          </p:cNvSpPr>
-          <p:nvPr>
-            <p:ph idx="1"/>
-          </p:nvPr>
-        </p:nvSpPr>
-        <p:spPr/>
-        <p:txBody>
-          <a:bodyPr/>
-          <a:lstStyle/>
-          <a:p>
-            <a:r>
-              <a:rPr lang="en-US" dirty="0"/>
-              <a:t>Version your module </a:t>
-            </a:r>
-            <a:r>
-              <a:rPr lang="en-US" dirty="0" err="1"/>
-              <a:t>sematically</a:t>
-            </a:r>
-            <a:endParaRPr lang="en-US" dirty="0"/>
-          </a:p>
-          <a:p>
-            <a:pPr lvl="1"/>
-            <a:r>
-              <a:rPr lang="en-US" dirty="0"/>
-              <a:t>Major = breaking changes</a:t>
-            </a:r>
-          </a:p>
-          <a:p>
-            <a:pPr lvl="1"/>
-            <a:r>
-              <a:rPr lang="en-US" dirty="0"/>
-              <a:t>Minor = new functionality but compatible</a:t>
-            </a:r>
-          </a:p>
-          <a:p>
-            <a:pPr lvl="1"/>
-            <a:r>
-              <a:rPr lang="en-US" dirty="0"/>
-              <a:t>Build = bugfixes</a:t>
-            </a:r>
-          </a:p>
-          <a:p>
-            <a:r>
-              <a:rPr lang="en-US" dirty="0"/>
-              <a:t>Specify exported functions </a:t>
-            </a:r>
-            <a:r>
-              <a:rPr lang="en-US" dirty="0" err="1"/>
-              <a:t>etc</a:t>
-            </a:r>
-            <a:r>
-              <a:rPr lang="en-US" dirty="0"/>
-              <a:t> explicitly</a:t>
-            </a:r>
-          </a:p>
-          <a:p>
-            <a:pPr lvl="1"/>
-            <a:r>
-              <a:rPr lang="en-US" dirty="0"/>
-              <a:t>PowerShell doesn’t have to load your module to see if the command the user typed is in your module</a:t>
-            </a:r>
-          </a:p>
-        </p:txBody>
-      </p:sp>
-      <p:sp>
-        <p:nvSpPr>
-          <p:cNvPr id="3" name="Rubrik 2"/>
-          <p:cNvSpPr>
-            <a:spLocks noGrp="1"/>
-          </p:cNvSpPr>
-          <p:nvPr>
-            <p:ph type="title"/>
-          </p:nvPr>
-        </p:nvSpPr>
-        <p:spPr/>
-        <p:txBody>
-          <a:bodyPr/>
-          <a:lstStyle/>
-          <a:p>
-            <a:r>
-              <a:rPr lang="en-US" dirty="0"/>
-              <a:t>Module Metadata</a:t>
-            </a:r>
-          </a:p>
-        </p:txBody>
-      </p:sp>
-    </p:spTree>
-    <p:extLst>
-      <p:ext uri="{BB962C8B-B14F-4D97-AF65-F5344CB8AC3E}">
-        <p14:creationId xmlns:p14="http://schemas.microsoft.com/office/powerpoint/2010/main" val="2094589450"/>
-      </p:ext>
-    </p:extLst>
-  </p:cSld>
-  <p:clrMapOvr>
-    <a:masterClrMapping/>
-  </p:clrMapOvr>
-  <mc:AlternateContent xmlns:mc="http://schemas.openxmlformats.org/markup-compatibility/2006" xmlns:p14="http://schemas.microsoft.com/office/powerpoint/2010/main">
-    <mc:Choice Requires="p14">
-      <p:transition spd="slow" p14:dur="1300">
-        <p14:pan dir="u"/>
-      </p:transition>
-    </mc:Choice>
-    <mc:Fallback xmlns="">
-      <p:transition spd="slow">
-        <p:fade/>
-      </p:transition>
-    </mc:Fallback>
-  </mc:AlternateContent>
-</p:sld>
-</file>
-
-<file path=ppt/slides/slide9.xml><?xml version="1.0" encoding="utf-8"?>
-<p:sld xmlns:a="http://schemas.openxmlformats.org/drawingml/2006/main" xmlns:r="http://schemas.openxmlformats.org/officeDocument/2006/relationships" xmlns:p="http://schemas.openxmlformats.org/presentationml/2006/main">
-  <p:cSld>
-    <p:spTree>
-      <p:nvGrpSpPr>
-        <p:cNvPr id="1" name=""/>
-        <p:cNvGrpSpPr/>
-        <p:nvPr/>
-      </p:nvGrpSpPr>
-      <p:grpSpPr>
-        <a:xfrm>
-          <a:off x="0" y="0"/>
-          <a:ext cx="0" cy="0"/>
-          <a:chOff x="0" y="0"/>
-          <a:chExt cx="0" cy="0"/>
-        </a:xfrm>
-      </p:grpSpPr>
-      <p:sp>
-        <p:nvSpPr>
-          <p:cNvPr id="2" name="Platshållare för innehåll 1"/>
-          <p:cNvSpPr>
-            <a:spLocks noGrp="1"/>
-          </p:cNvSpPr>
-          <p:nvPr>
-            <p:ph idx="1"/>
-          </p:nvPr>
-        </p:nvSpPr>
-        <p:spPr/>
-        <p:txBody>
-          <a:bodyPr/>
-          <a:lstStyle/>
-          <a:p>
-            <a:r>
-              <a:rPr lang="en-US" dirty="0"/>
-              <a:t>Pester has become the </a:t>
-            </a:r>
-            <a:r>
-              <a:rPr lang="en-US" dirty="0" err="1"/>
-              <a:t>defacto</a:t>
-            </a:r>
-            <a:r>
-              <a:rPr lang="en-US" dirty="0"/>
-              <a:t> standard for PowerShell test</a:t>
-            </a:r>
-          </a:p>
-          <a:p>
-            <a:r>
-              <a:rPr lang="en-US" dirty="0"/>
-              <a:t>Use it</a:t>
-            </a:r>
-          </a:p>
-        </p:txBody>
-      </p:sp>
-      <p:sp>
-        <p:nvSpPr>
-          <p:cNvPr id="3" name="Rubrik 2"/>
-          <p:cNvSpPr>
-            <a:spLocks noGrp="1"/>
-          </p:cNvSpPr>
-          <p:nvPr>
-            <p:ph type="title"/>
-          </p:nvPr>
-        </p:nvSpPr>
-        <p:spPr/>
-        <p:txBody>
-          <a:bodyPr/>
-          <a:lstStyle/>
-          <a:p>
-            <a:r>
-              <a:rPr lang="en-US" dirty="0"/>
-              <a:t>Tests</a:t>
-            </a:r>
-          </a:p>
-        </p:txBody>
-      </p:sp>
-    </p:spTree>
-    <p:extLst>
-      <p:ext uri="{BB962C8B-B14F-4D97-AF65-F5344CB8AC3E}">
-        <p14:creationId xmlns:p14="http://schemas.microsoft.com/office/powerpoint/2010/main" val="3556032739"/>
-      </p:ext>
-    </p:extLst>
-  </p:cSld>
-  <p:clrMapOvr>
-    <a:masterClrMapping/>
-  </p:clrMapOvr>
-  <mc:AlternateContent xmlns:mc="http://schemas.openxmlformats.org/markup-compatibility/2006" xmlns:p14="http://schemas.microsoft.com/office/powerpoint/2010/main">
-    <mc:Choice Requires="p14">
-      <p:transition spd="slow" p14:dur="1300">
-        <p14:pan dir="u"/>
-      </p:transition>
-    </mc:Choice>
-    <mc:Fallback xmlns="">
-      <p:transition spd="slow">
         <p:fade/>
       </p:transition>
     </mc:Fallback>

--- a/PSCONFEU_Modules2017.pptx
+++ b/PSCONFEU_Modules2017.pptx
@@ -6,10 +6,10 @@
     <p:sldMasterId id="2147483809" r:id="rId2"/>
   </p:sldMasterIdLst>
   <p:notesMasterIdLst>
-    <p:notesMasterId r:id="rId22"/>
+    <p:notesMasterId r:id="rId21"/>
   </p:notesMasterIdLst>
   <p:handoutMasterIdLst>
-    <p:handoutMasterId r:id="rId23"/>
+    <p:handoutMasterId r:id="rId22"/>
   </p:handoutMasterIdLst>
   <p:sldIdLst>
     <p:sldId id="316" r:id="rId3"/>
@@ -17,20 +17,19 @@
     <p:sldId id="324" r:id="rId5"/>
     <p:sldId id="281" r:id="rId6"/>
     <p:sldId id="319" r:id="rId7"/>
-    <p:sldId id="325" r:id="rId8"/>
-    <p:sldId id="326" r:id="rId9"/>
-    <p:sldId id="318" r:id="rId10"/>
-    <p:sldId id="320" r:id="rId11"/>
-    <p:sldId id="321" r:id="rId12"/>
-    <p:sldId id="322" r:id="rId13"/>
-    <p:sldId id="323" r:id="rId14"/>
-    <p:sldId id="327" r:id="rId15"/>
-    <p:sldId id="328" r:id="rId16"/>
-    <p:sldId id="329" r:id="rId17"/>
-    <p:sldId id="302" r:id="rId18"/>
-    <p:sldId id="313" r:id="rId19"/>
-    <p:sldId id="314" r:id="rId20"/>
-    <p:sldId id="312" r:id="rId21"/>
+    <p:sldId id="326" r:id="rId8"/>
+    <p:sldId id="325" r:id="rId9"/>
+    <p:sldId id="321" r:id="rId10"/>
+    <p:sldId id="322" r:id="rId11"/>
+    <p:sldId id="323" r:id="rId12"/>
+    <p:sldId id="327" r:id="rId13"/>
+    <p:sldId id="329" r:id="rId14"/>
+    <p:sldId id="320" r:id="rId15"/>
+    <p:sldId id="318" r:id="rId16"/>
+    <p:sldId id="302" r:id="rId17"/>
+    <p:sldId id="313" r:id="rId18"/>
+    <p:sldId id="314" r:id="rId19"/>
+    <p:sldId id="312" r:id="rId20"/>
   </p:sldIdLst>
   <p:sldSz cx="9144000" cy="6858000" type="screen4x3"/>
   <p:notesSz cx="7099300" cy="10234613"/>
@@ -4247,7 +4246,7 @@
           <a:p>
             <a:r>
               <a:rPr lang="de-DE" dirty="0"/>
-              <a:t>7 </a:t>
+              <a:t>9 </a:t>
             </a:r>
             <a:r>
               <a:rPr lang="de-DE" dirty="0" err="1"/>
@@ -4257,6 +4256,27 @@
               <a:rPr lang="de-DE" dirty="0"/>
               <a:t> </a:t>
             </a:r>
+            <a:r>
+              <a:rPr lang="de-DE" dirty="0" err="1"/>
+              <a:t>for</a:t>
+            </a:r>
+            <a:r>
+              <a:rPr lang="de-DE" dirty="0"/>
+              <a:t> </a:t>
+            </a:r>
+            <a:r>
+              <a:rPr lang="de-DE" dirty="0" err="1"/>
+              <a:t>creating</a:t>
+            </a:r>
+            <a:r>
+              <a:rPr lang="de-DE" dirty="0"/>
+              <a:t> stellar </a:t>
+            </a:r>
+            <a:r>
+              <a:rPr lang="de-DE" dirty="0" err="1"/>
+              <a:t>modules</a:t>
+            </a:r>
+            <a:endParaRPr lang="de-DE" dirty="0"/>
           </a:p>
         </p:txBody>
       </p:sp>
@@ -4319,55 +4339,42 @@
           <a:p>
             <a:r>
               <a:rPr lang="en-US" dirty="0"/>
-              <a:t>Version your module </a:t>
+              <a:t>Resolving path</a:t>
+            </a:r>
+          </a:p>
+          <a:p>
+            <a:pPr lvl="1"/>
+            <a:r>
+              <a:rPr lang="en-US" dirty="0"/>
+              <a:t>Helper class </a:t>
             </a:r>
             <a:r>
               <a:rPr lang="en-US" dirty="0" err="1"/>
-              <a:t>sematically</a:t>
+              <a:t>PathResolution</a:t>
             </a:r>
             <a:endParaRPr lang="en-US" dirty="0"/>
           </a:p>
           <a:p>
+            <a:r>
+              <a:rPr lang="en-US" dirty="0"/>
+              <a:t>Filtering paths</a:t>
+            </a:r>
+          </a:p>
+          <a:p>
             <a:pPr lvl="1"/>
             <a:r>
               <a:rPr lang="en-US" dirty="0"/>
-              <a:t>Major = breaking changes</a:t>
-            </a:r>
+              <a:t>Helper class </a:t>
+            </a:r>
+            <a:r>
+              <a:rPr lang="en-US" dirty="0" err="1"/>
+              <a:t>IncludeExcludeFilter</a:t>
+            </a:r>
+            <a:endParaRPr lang="en-US" dirty="0"/>
           </a:p>
           <a:p>
             <a:pPr lvl="1"/>
-            <a:r>
-              <a:rPr lang="en-US" dirty="0"/>
-              <a:t>Minor = new functionality but compatible</a:t>
-            </a:r>
-          </a:p>
-          <a:p>
-            <a:pPr lvl="1"/>
-            <a:r>
-              <a:rPr lang="en-US" dirty="0"/>
-              <a:t>Build = bugfixes</a:t>
-            </a:r>
-          </a:p>
-          <a:p>
-            <a:r>
-              <a:rPr lang="en-US" dirty="0"/>
-              <a:t>Specify exported functions </a:t>
-            </a:r>
-            <a:r>
-              <a:rPr lang="en-US" dirty="0" err="1"/>
-              <a:t>etc</a:t>
-            </a:r>
-            <a:r>
-              <a:rPr lang="en-US" dirty="0"/>
-              <a:t> explicitly</a:t>
-            </a:r>
-          </a:p>
-          <a:p>
-            <a:pPr lvl="1"/>
-            <a:r>
-              <a:rPr lang="en-US" dirty="0"/>
-              <a:t>PowerShell doesn’t have to load your module to see if the command the user typed is in your module</a:t>
-            </a:r>
+            <a:endParaRPr lang="en-US" dirty="0"/>
           </a:p>
         </p:txBody>
       </p:sp>
@@ -4388,7 +4395,7 @@
           <a:p>
             <a:r>
               <a:rPr lang="en-US" dirty="0"/>
-              <a:t>Module Metadata</a:t>
+              <a:t>Path processing and filtering</a:t>
             </a:r>
           </a:p>
         </p:txBody>
@@ -4396,7 +4403,7 @@
     </p:spTree>
     <p:extLst>
       <p:ext uri="{BB962C8B-B14F-4D97-AF65-F5344CB8AC3E}">
-        <p14:creationId xmlns:p14="http://schemas.microsoft.com/office/powerpoint/2010/main" val="2094589450"/>
+        <p14:creationId xmlns:p14="http://schemas.microsoft.com/office/powerpoint/2010/main" val="793391273"/>
       </p:ext>
     </p:extLst>
   </p:cSld>
@@ -4452,22 +4459,79 @@
           <a:p>
             <a:r>
               <a:rPr lang="en-US" dirty="0"/>
-              <a:t>Pester has become the </a:t>
+              <a:t>Has it hung?</a:t>
+            </a:r>
+          </a:p>
+          <a:p>
+            <a:r>
+              <a:rPr lang="en-US" dirty="0"/>
+              <a:t>Should I go grab coffee?</a:t>
+            </a:r>
+          </a:p>
+          <a:p>
+            <a:r>
+              <a:rPr lang="en-US" dirty="0"/>
+              <a:t>Switch task?</a:t>
+            </a:r>
+          </a:p>
+          <a:p>
+            <a:r>
+              <a:rPr lang="en-US" dirty="0"/>
+              <a:t>Helper class </a:t>
             </a:r>
             <a:r>
               <a:rPr lang="en-US" dirty="0" err="1"/>
-              <a:t>defacto</a:t>
-            </a:r>
+              <a:t>ProgressManager</a:t>
+            </a:r>
+            <a:endParaRPr lang="en-US" dirty="0"/>
+          </a:p>
+          <a:p>
             <a:r>
               <a:rPr lang="en-US" dirty="0"/>
-              <a:t> standard for PowerShell test</a:t>
-            </a:r>
-          </a:p>
-          <a:p>
+              <a:t>Completion can be a game changer</a:t>
+            </a:r>
+          </a:p>
+          <a:p>
+            <a:pPr lvl="1"/>
             <a:r>
               <a:rPr lang="en-US" dirty="0"/>
-              <a:t>Use it</a:t>
-            </a:r>
+              <a:t>Done correctly will make the module a joy to use</a:t>
+            </a:r>
+            <a:endParaRPr lang="sv-SE" dirty="0"/>
+          </a:p>
+          <a:p>
+            <a:pPr lvl="1"/>
+            <a:r>
+              <a:rPr lang="sv-SE" dirty="0"/>
+              <a:t>I</a:t>
+            </a:r>
+            <a:r>
+              <a:rPr lang="en-US" dirty="0" err="1"/>
+              <a:t>ArgumentCompleter</a:t>
+            </a:r>
+            <a:r>
+              <a:rPr lang="en-US" dirty="0"/>
+              <a:t> (my preference)</a:t>
+            </a:r>
+          </a:p>
+          <a:p>
+            <a:pPr lvl="1"/>
+            <a:r>
+              <a:rPr lang="en-US" dirty="0"/>
+              <a:t>Or </a:t>
+            </a:r>
+            <a:r>
+              <a:rPr lang="sv-SE" dirty="0"/>
+              <a:t>R</a:t>
+            </a:r>
+            <a:r>
+              <a:rPr lang="en-US" dirty="0" err="1"/>
+              <a:t>egister-ArgumentCompleter</a:t>
+            </a:r>
+            <a:endParaRPr lang="en-US" dirty="0"/>
+          </a:p>
+          <a:p>
+            <a:endParaRPr lang="en-US" dirty="0"/>
           </a:p>
         </p:txBody>
       </p:sp>
@@ -4488,7 +4552,7 @@
           <a:p>
             <a:r>
               <a:rPr lang="en-US" dirty="0"/>
-              <a:t>Tests</a:t>
+              <a:t>Progress and Completion</a:t>
             </a:r>
           </a:p>
         </p:txBody>
@@ -4496,7 +4560,7 @@
     </p:spTree>
     <p:extLst>
       <p:ext uri="{BB962C8B-B14F-4D97-AF65-F5344CB8AC3E}">
-        <p14:creationId xmlns:p14="http://schemas.microsoft.com/office/powerpoint/2010/main" val="3556032739"/>
+        <p14:creationId xmlns:p14="http://schemas.microsoft.com/office/powerpoint/2010/main" val="3794813548"/>
       </p:ext>
     </p:extLst>
   </p:cSld>
@@ -4552,41 +4616,24 @@
           <a:p>
             <a:r>
               <a:rPr lang="en-US" dirty="0"/>
-              <a:t>Resolving path</a:t>
-            </a:r>
-          </a:p>
-          <a:p>
-            <a:pPr lvl="1"/>
+              <a:t>Support –</a:t>
+            </a:r>
+            <a:r>
+              <a:rPr lang="en-US" dirty="0" err="1"/>
+              <a:t>WhatIf</a:t>
+            </a:r>
             <a:r>
               <a:rPr lang="en-US" dirty="0"/>
-              <a:t>Helper class </a:t>
-            </a:r>
-            <a:r>
-              <a:rPr lang="en-US" dirty="0" err="1"/>
-              <a:t>PathResolution</a:t>
-            </a:r>
-            <a:endParaRPr lang="en-US" dirty="0"/>
+              <a:t> and –Confirm for sensitive operations</a:t>
+            </a:r>
           </a:p>
           <a:p>
             <a:r>
               <a:rPr lang="en-US" dirty="0"/>
-              <a:t>Filtering paths</a:t>
-            </a:r>
-          </a:p>
-          <a:p>
-            <a:pPr lvl="1"/>
-            <a:r>
-              <a:rPr lang="en-US" dirty="0"/>
-              <a:t>Helper class </a:t>
-            </a:r>
-            <a:r>
-              <a:rPr lang="en-US" dirty="0" err="1"/>
-              <a:t>IncludeExcludeFilter</a:t>
-            </a:r>
-            <a:endParaRPr lang="en-US" dirty="0"/>
-          </a:p>
-          <a:p>
-            <a:pPr lvl="1"/>
+              <a:t>Should always have a –Force switch</a:t>
+            </a:r>
+          </a:p>
+          <a:p>
             <a:endParaRPr lang="en-US" dirty="0"/>
           </a:p>
         </p:txBody>
@@ -4607,353 +4654,916 @@
           <a:lstStyle/>
           <a:p>
             <a:r>
+              <a:rPr lang="en-US" dirty="0" err="1"/>
+              <a:t>ShouldProcess</a:t>
+            </a:r>
+            <a:r>
               <a:rPr lang="en-US" dirty="0"/>
-              <a:t>Path processing and filtering</a:t>
-            </a:r>
-          </a:p>
-        </p:txBody>
-      </p:sp>
-    </p:spTree>
-    <p:extLst>
-      <p:ext uri="{BB962C8B-B14F-4D97-AF65-F5344CB8AC3E}">
-        <p14:creationId xmlns:p14="http://schemas.microsoft.com/office/powerpoint/2010/main" val="793391273"/>
-      </p:ext>
-    </p:extLst>
-  </p:cSld>
-  <p:clrMapOvr>
-    <a:masterClrMapping/>
-  </p:clrMapOvr>
-  <mc:AlternateContent xmlns:mc="http://schemas.openxmlformats.org/markup-compatibility/2006" xmlns:p14="http://schemas.microsoft.com/office/powerpoint/2010/main">
-    <mc:Choice Requires="p14">
-      <p:transition spd="slow" p14:dur="1300">
-        <p14:pan dir="u"/>
-      </p:transition>
-    </mc:Choice>
-    <mc:Fallback xmlns="">
-      <p:transition spd="slow">
-        <p:fade/>
-      </p:transition>
-    </mc:Fallback>
-  </mc:AlternateContent>
-</p:sld>
-</file>
-
-<file path=ppt/slides/slide13.xml><?xml version="1.0" encoding="utf-8"?>
-<p:sld xmlns:a="http://schemas.openxmlformats.org/drawingml/2006/main" xmlns:r="http://schemas.openxmlformats.org/officeDocument/2006/relationships" xmlns:p="http://schemas.openxmlformats.org/presentationml/2006/main">
-  <p:cSld>
-    <p:spTree>
-      <p:nvGrpSpPr>
-        <p:cNvPr id="1" name=""/>
-        <p:cNvGrpSpPr/>
-        <p:nvPr/>
-      </p:nvGrpSpPr>
-      <p:grpSpPr>
-        <a:xfrm>
-          <a:off x="0" y="0"/>
-          <a:ext cx="0" cy="0"/>
-          <a:chOff x="0" y="0"/>
-          <a:chExt cx="0" cy="0"/>
-        </a:xfrm>
-      </p:grpSpPr>
-      <p:sp>
-        <p:nvSpPr>
-          <p:cNvPr id="2" name="Platshållare för innehåll 1"/>
-          <p:cNvSpPr>
-            <a:spLocks noGrp="1"/>
-          </p:cNvSpPr>
-          <p:nvPr>
-            <p:ph idx="1"/>
-          </p:nvPr>
-        </p:nvSpPr>
-        <p:spPr/>
-        <p:txBody>
-          <a:bodyPr/>
-          <a:lstStyle/>
-          <a:p>
-            <a:r>
-              <a:rPr lang="en-US" dirty="0"/>
-              <a:t>Has it hung?</a:t>
-            </a:r>
-          </a:p>
-          <a:p>
-            <a:r>
-              <a:rPr lang="en-US" dirty="0"/>
-              <a:t>Should I go grab coffee?</a:t>
-            </a:r>
-          </a:p>
-          <a:p>
-            <a:r>
-              <a:rPr lang="en-US" dirty="0"/>
-              <a:t>Switch task?</a:t>
-            </a:r>
-          </a:p>
-          <a:p>
-            <a:r>
-              <a:rPr lang="en-US" dirty="0"/>
-              <a:t>Helper class </a:t>
-            </a:r>
-            <a:r>
-              <a:rPr lang="en-US" dirty="0" err="1"/>
-              <a:t>ProgressManager</a:t>
-            </a:r>
-            <a:endParaRPr lang="en-US" dirty="0"/>
+              <a:t>	</a:t>
+            </a:r>
           </a:p>
         </p:txBody>
       </p:sp>
       <p:sp>
         <p:nvSpPr>
-          <p:cNvPr id="3" name="Rubrik 2"/>
-          <p:cNvSpPr>
-            <a:spLocks noGrp="1"/>
-          </p:cNvSpPr>
-          <p:nvPr>
-            <p:ph type="title"/>
-          </p:nvPr>
+          <p:cNvPr id="4" name="Rektangel: rundade hörn 3"/>
+          <p:cNvSpPr/>
+          <p:nvPr/>
         </p:nvSpPr>
-        <p:spPr/>
+        <p:spPr bwMode="auto">
+          <a:xfrm>
+            <a:off x="467544" y="3068960"/>
+            <a:ext cx="8064896" cy="2808312"/>
+          </a:xfrm>
+          <a:prstGeom prst="roundRect">
+            <a:avLst/>
+          </a:prstGeom>
+          <a:ln>
+            <a:headEnd type="none" w="med" len="med"/>
+            <a:tailEnd type="none" w="med" len="med"/>
+          </a:ln>
+        </p:spPr>
+        <p:style>
+          <a:lnRef idx="2">
+            <a:schemeClr val="accent3">
+              <a:shade val="50000"/>
+            </a:schemeClr>
+          </a:lnRef>
+          <a:fillRef idx="1">
+            <a:schemeClr val="accent3"/>
+          </a:fillRef>
+          <a:effectRef idx="0">
+            <a:schemeClr val="accent3"/>
+          </a:effectRef>
+          <a:fontRef idx="minor">
+            <a:schemeClr val="lt1"/>
+          </a:fontRef>
+        </p:style>
         <p:txBody>
-          <a:bodyPr/>
+          <a:bodyPr vert="horz" wrap="square" lIns="91440" tIns="45720" rIns="91440" bIns="45720" numCol="1" rtlCol="0" anchor="t" anchorCtr="0" compatLnSpc="1">
+            <a:prstTxWarp prst="textNoShape">
+              <a:avLst/>
+            </a:prstTxWarp>
+          </a:bodyPr>
           <a:lstStyle/>
           <a:p>
-            <a:r>
-              <a:rPr lang="en-US" dirty="0"/>
-              <a:t>Progress</a:t>
-            </a:r>
-          </a:p>
-        </p:txBody>
-      </p:sp>
-    </p:spTree>
-    <p:extLst>
-      <p:ext uri="{BB962C8B-B14F-4D97-AF65-F5344CB8AC3E}">
-        <p14:creationId xmlns:p14="http://schemas.microsoft.com/office/powerpoint/2010/main" val="3794813548"/>
-      </p:ext>
-    </p:extLst>
-  </p:cSld>
-  <p:clrMapOvr>
-    <a:masterClrMapping/>
-  </p:clrMapOvr>
-  <mc:AlternateContent xmlns:mc="http://schemas.openxmlformats.org/markup-compatibility/2006" xmlns:p14="http://schemas.microsoft.com/office/powerpoint/2010/main">
-    <mc:Choice Requires="p14">
-      <p:transition spd="slow" p14:dur="1300">
-        <p14:pan dir="u"/>
-      </p:transition>
-    </mc:Choice>
-    <mc:Fallback xmlns="">
-      <p:transition spd="slow">
-        <p:fade/>
-      </p:transition>
-    </mc:Fallback>
-  </mc:AlternateContent>
-</p:sld>
-</file>
-
-<file path=ppt/slides/slide14.xml><?xml version="1.0" encoding="utf-8"?>
-<p:sld xmlns:a="http://schemas.openxmlformats.org/drawingml/2006/main" xmlns:r="http://schemas.openxmlformats.org/officeDocument/2006/relationships" xmlns:p="http://schemas.openxmlformats.org/presentationml/2006/main">
-  <p:cSld>
-    <p:spTree>
-      <p:nvGrpSpPr>
-        <p:cNvPr id="1" name=""/>
-        <p:cNvGrpSpPr/>
-        <p:nvPr/>
-      </p:nvGrpSpPr>
-      <p:grpSpPr>
-        <a:xfrm>
-          <a:off x="0" y="0"/>
-          <a:ext cx="0" cy="0"/>
-          <a:chOff x="0" y="0"/>
-          <a:chExt cx="0" cy="0"/>
-        </a:xfrm>
-      </p:grpSpPr>
-      <p:sp>
-        <p:nvSpPr>
-          <p:cNvPr id="2" name="Platshållare för innehåll 1"/>
-          <p:cNvSpPr>
-            <a:spLocks noGrp="1"/>
-          </p:cNvSpPr>
-          <p:nvPr>
-            <p:ph idx="1"/>
-          </p:nvPr>
-        </p:nvSpPr>
-        <p:spPr/>
-        <p:txBody>
-          <a:bodyPr/>
-          <a:lstStyle/>
-          <a:p>
-            <a:r>
-              <a:rPr lang="en-US" dirty="0"/>
-              <a:t>Can be a game changer</a:t>
-            </a:r>
-          </a:p>
-          <a:p>
-            <a:pPr lvl="1"/>
-            <a:r>
-              <a:rPr lang="en-US" dirty="0"/>
-              <a:t>Done correctly will make the module a joy to use</a:t>
-            </a:r>
-          </a:p>
-          <a:p>
-            <a:pPr lvl="1"/>
-            <a:endParaRPr lang="sv-SE" dirty="0"/>
-          </a:p>
-          <a:p>
-            <a:pPr lvl="1"/>
-            <a:r>
-              <a:rPr lang="sv-SE" dirty="0"/>
-              <a:t>I</a:t>
-            </a:r>
-            <a:r>
-              <a:rPr lang="en-US" dirty="0" err="1"/>
-              <a:t>ArgumentCompleter</a:t>
-            </a:r>
             <a:r>
               <a:rPr lang="en-US" dirty="0"/>
               <a:t> </a:t>
             </a:r>
-          </a:p>
-          <a:p>
-            <a:pPr lvl="1"/>
-            <a:r>
-              <a:rPr lang="en-US" dirty="0"/>
-              <a:t>Or </a:t>
-            </a:r>
-            <a:r>
-              <a:rPr lang="sv-SE" dirty="0"/>
-              <a:t>R</a:t>
-            </a:r>
-            <a:r>
-              <a:rPr lang="en-US" dirty="0" err="1"/>
-              <a:t>egister-ArgumentCompleter</a:t>
-            </a:r>
-            <a:endParaRPr lang="en-US" dirty="0"/>
-          </a:p>
-          <a:p>
-            <a:pPr marL="457200" lvl="1" indent="0">
-              <a:buNone/>
-            </a:pPr>
-            <a:endParaRPr lang="en-US" dirty="0"/>
-          </a:p>
-        </p:txBody>
-      </p:sp>
-      <p:sp>
-        <p:nvSpPr>
-          <p:cNvPr id="3" name="Rubrik 2"/>
-          <p:cNvSpPr>
-            <a:spLocks noGrp="1"/>
-          </p:cNvSpPr>
-          <p:nvPr>
-            <p:ph type="title"/>
-          </p:nvPr>
-        </p:nvSpPr>
-        <p:spPr/>
-        <p:txBody>
-          <a:bodyPr/>
-          <a:lstStyle/>
-          <a:p>
-            <a:r>
-              <a:rPr lang="en-US" dirty="0"/>
-              <a:t>Completion</a:t>
-            </a:r>
-          </a:p>
-        </p:txBody>
-      </p:sp>
-    </p:spTree>
-    <p:extLst>
-      <p:ext uri="{BB962C8B-B14F-4D97-AF65-F5344CB8AC3E}">
-        <p14:creationId xmlns:p14="http://schemas.microsoft.com/office/powerpoint/2010/main" val="4188741137"/>
-      </p:ext>
-    </p:extLst>
-  </p:cSld>
-  <p:clrMapOvr>
-    <a:masterClrMapping/>
-  </p:clrMapOvr>
-  <mc:AlternateContent xmlns:mc="http://schemas.openxmlformats.org/markup-compatibility/2006" xmlns:p14="http://schemas.microsoft.com/office/powerpoint/2010/main">
-    <mc:Choice Requires="p14">
-      <p:transition spd="slow" p14:dur="1300">
-        <p14:pan dir="u"/>
-      </p:transition>
-    </mc:Choice>
-    <mc:Fallback xmlns="">
-      <p:transition spd="slow">
-        <p:fade/>
-      </p:transition>
-    </mc:Fallback>
-  </mc:AlternateContent>
-</p:sld>
-</file>
-
-<file path=ppt/slides/slide15.xml><?xml version="1.0" encoding="utf-8"?>
-<p:sld xmlns:a="http://schemas.openxmlformats.org/drawingml/2006/main" xmlns:r="http://schemas.openxmlformats.org/officeDocument/2006/relationships" xmlns:p="http://schemas.openxmlformats.org/presentationml/2006/main">
-  <p:cSld>
-    <p:spTree>
-      <p:nvGrpSpPr>
-        <p:cNvPr id="1" name=""/>
-        <p:cNvGrpSpPr/>
-        <p:nvPr/>
-      </p:nvGrpSpPr>
-      <p:grpSpPr>
-        <a:xfrm>
-          <a:off x="0" y="0"/>
-          <a:ext cx="0" cy="0"/>
-          <a:chOff x="0" y="0"/>
-          <a:chExt cx="0" cy="0"/>
-        </a:xfrm>
-      </p:grpSpPr>
-      <p:sp>
-        <p:nvSpPr>
-          <p:cNvPr id="2" name="Platshållare för innehåll 1"/>
-          <p:cNvSpPr>
-            <a:spLocks noGrp="1"/>
-          </p:cNvSpPr>
-          <p:nvPr>
-            <p:ph idx="1"/>
-          </p:nvPr>
-        </p:nvSpPr>
-        <p:spPr/>
-        <p:txBody>
-          <a:bodyPr/>
-          <a:lstStyle/>
-          <a:p>
-            <a:r>
-              <a:rPr lang="en-US" dirty="0"/>
-              <a:t>Support –</a:t>
-            </a:r>
-            <a:r>
-              <a:rPr lang="en-US" dirty="0" err="1"/>
-              <a:t>WhatIf</a:t>
-            </a:r>
-            <a:r>
-              <a:rPr lang="en-US" dirty="0"/>
-              <a:t> and –Confirm for sensitive operations</a:t>
-            </a:r>
-          </a:p>
-          <a:p>
-            <a:endParaRPr lang="en-US" dirty="0"/>
-          </a:p>
-        </p:txBody>
-      </p:sp>
-      <p:sp>
-        <p:nvSpPr>
-          <p:cNvPr id="3" name="Rubrik 2"/>
-          <p:cNvSpPr>
-            <a:spLocks noGrp="1"/>
-          </p:cNvSpPr>
-          <p:nvPr>
-            <p:ph type="title"/>
-          </p:nvPr>
-        </p:nvSpPr>
-        <p:spPr/>
-        <p:txBody>
-          <a:bodyPr/>
-          <a:lstStyle/>
-          <a:p>
-            <a:r>
-              <a:rPr lang="en-US" dirty="0" err="1"/>
+            <a:r>
+              <a:rPr lang="en-US" sz="1200" dirty="0">
+                <a:solidFill>
+                  <a:srgbClr val="00008B"/>
+                </a:solidFill>
+                <a:effectLst/>
+                <a:latin typeface="Lucida Console" panose="020B0609040504020204" pitchFamily="49" charset="0"/>
+              </a:rPr>
+              <a:t>function</a:t>
+            </a:r>
+            <a:r>
+              <a:rPr lang="en-US" sz="1200" dirty="0">
+                <a:solidFill>
+                  <a:prstClr val="black"/>
+                </a:solidFill>
+                <a:effectLst/>
+                <a:latin typeface="Lucida Console" panose="020B0609040504020204" pitchFamily="49" charset="0"/>
+              </a:rPr>
+              <a:t> </a:t>
+            </a:r>
+            <a:r>
+              <a:rPr lang="en-US" sz="1200" dirty="0">
+                <a:solidFill>
+                  <a:srgbClr val="8A2BE2"/>
+                </a:solidFill>
+                <a:effectLst/>
+                <a:latin typeface="Lucida Console" panose="020B0609040504020204" pitchFamily="49" charset="0"/>
+              </a:rPr>
+              <a:t>Remove-</a:t>
+            </a:r>
+            <a:r>
+              <a:rPr lang="en-US" sz="1200" dirty="0" err="1">
+                <a:solidFill>
+                  <a:srgbClr val="8A2BE2"/>
+                </a:solidFill>
+                <a:effectLst/>
+                <a:latin typeface="Lucida Console" panose="020B0609040504020204" pitchFamily="49" charset="0"/>
+              </a:rPr>
+              <a:t>FishTank</a:t>
+            </a:r>
+            <a:r>
+              <a:rPr lang="en-US" sz="1200" dirty="0">
+                <a:solidFill>
+                  <a:prstClr val="black"/>
+                </a:solidFill>
+                <a:effectLst/>
+                <a:latin typeface="Lucida Console" panose="020B0609040504020204" pitchFamily="49" charset="0"/>
+              </a:rPr>
+              <a:t> {</a:t>
+            </a:r>
+          </a:p>
+          <a:p>
+            <a:r>
+              <a:rPr lang="en-US" sz="1200" dirty="0">
+                <a:solidFill>
+                  <a:prstClr val="black"/>
+                </a:solidFill>
+                <a:effectLst/>
+                <a:latin typeface="Lucida Console" panose="020B0609040504020204" pitchFamily="49" charset="0"/>
+              </a:rPr>
+              <a:t>    </a:t>
+            </a:r>
+            <a:r>
+              <a:rPr lang="en-US" sz="1200" dirty="0">
+                <a:solidFill>
+                  <a:srgbClr val="A9A9A9"/>
+                </a:solidFill>
+                <a:effectLst/>
+                <a:latin typeface="Lucida Console" panose="020B0609040504020204" pitchFamily="49" charset="0"/>
+              </a:rPr>
+              <a:t>[</a:t>
+            </a:r>
+            <a:r>
+              <a:rPr lang="en-US" sz="1200" dirty="0" err="1">
+                <a:solidFill>
+                  <a:srgbClr val="00BFFF"/>
+                </a:solidFill>
+                <a:effectLst/>
+                <a:latin typeface="Lucida Console" panose="020B0609040504020204" pitchFamily="49" charset="0"/>
+              </a:rPr>
+              <a:t>CmdletBinding</a:t>
+            </a:r>
+            <a:r>
+              <a:rPr lang="en-US" sz="1200" dirty="0">
+                <a:solidFill>
+                  <a:prstClr val="black"/>
+                </a:solidFill>
+                <a:effectLst/>
+                <a:latin typeface="Lucida Console" panose="020B0609040504020204" pitchFamily="49" charset="0"/>
+              </a:rPr>
+              <a:t>(</a:t>
+            </a:r>
+            <a:r>
+              <a:rPr lang="en-US" sz="1200" dirty="0" err="1">
+                <a:solidFill>
+                  <a:prstClr val="black"/>
+                </a:solidFill>
+                <a:effectLst/>
+                <a:latin typeface="Lucida Console" panose="020B0609040504020204" pitchFamily="49" charset="0"/>
+              </a:rPr>
+              <a:t>SupportsShouldProcess</a:t>
+            </a:r>
+            <a:r>
+              <a:rPr lang="en-US" sz="1200" dirty="0">
+                <a:solidFill>
+                  <a:srgbClr val="A9A9A9"/>
+                </a:solidFill>
+                <a:effectLst/>
+                <a:latin typeface="Lucida Console" panose="020B0609040504020204" pitchFamily="49" charset="0"/>
+              </a:rPr>
+              <a:t>,</a:t>
+            </a:r>
+            <a:r>
+              <a:rPr lang="en-US" sz="1200" dirty="0">
+                <a:solidFill>
+                  <a:prstClr val="black"/>
+                </a:solidFill>
+                <a:effectLst/>
+                <a:latin typeface="Lucida Console" panose="020B0609040504020204" pitchFamily="49" charset="0"/>
+              </a:rPr>
+              <a:t> </a:t>
+            </a:r>
+            <a:r>
+              <a:rPr lang="en-US" sz="1200" dirty="0" err="1">
+                <a:solidFill>
+                  <a:prstClr val="black"/>
+                </a:solidFill>
+                <a:effectLst/>
+                <a:latin typeface="Lucida Console" panose="020B0609040504020204" pitchFamily="49" charset="0"/>
+              </a:rPr>
+              <a:t>ConfirmImpact</a:t>
+            </a:r>
+            <a:r>
+              <a:rPr lang="en-US" sz="1200" dirty="0">
+                <a:solidFill>
+                  <a:prstClr val="black"/>
+                </a:solidFill>
+                <a:effectLst/>
+                <a:latin typeface="Lucida Console" panose="020B0609040504020204" pitchFamily="49" charset="0"/>
+              </a:rPr>
+              <a:t> </a:t>
+            </a:r>
+            <a:r>
+              <a:rPr lang="en-US" sz="1200" dirty="0">
+                <a:solidFill>
+                  <a:srgbClr val="A9A9A9"/>
+                </a:solidFill>
+                <a:effectLst/>
+                <a:latin typeface="Lucida Console" panose="020B0609040504020204" pitchFamily="49" charset="0"/>
+              </a:rPr>
+              <a:t>=</a:t>
+            </a:r>
+            <a:r>
+              <a:rPr lang="en-US" sz="1200" dirty="0">
+                <a:solidFill>
+                  <a:prstClr val="black"/>
+                </a:solidFill>
+                <a:effectLst/>
+                <a:latin typeface="Lucida Console" panose="020B0609040504020204" pitchFamily="49" charset="0"/>
+              </a:rPr>
+              <a:t> </a:t>
+            </a:r>
+            <a:r>
+              <a:rPr lang="en-US" sz="1200" dirty="0">
+                <a:solidFill>
+                  <a:srgbClr val="8B0000"/>
+                </a:solidFill>
+                <a:effectLst/>
+                <a:latin typeface="Lucida Console" panose="020B0609040504020204" pitchFamily="49" charset="0"/>
+              </a:rPr>
+              <a:t>'High'</a:t>
+            </a:r>
+            <a:r>
+              <a:rPr lang="en-US" sz="1200" dirty="0">
+                <a:solidFill>
+                  <a:prstClr val="black"/>
+                </a:solidFill>
+                <a:effectLst/>
+                <a:latin typeface="Lucida Console" panose="020B0609040504020204" pitchFamily="49" charset="0"/>
+              </a:rPr>
+              <a:t>)</a:t>
+            </a:r>
+            <a:r>
+              <a:rPr lang="en-US" sz="1200" dirty="0">
+                <a:solidFill>
+                  <a:srgbClr val="A9A9A9"/>
+                </a:solidFill>
+                <a:effectLst/>
+                <a:latin typeface="Lucida Console" panose="020B0609040504020204" pitchFamily="49" charset="0"/>
+              </a:rPr>
+              <a:t>]</a:t>
+            </a:r>
+            <a:endParaRPr lang="en-US" sz="1200" dirty="0">
+              <a:solidFill>
+                <a:prstClr val="black"/>
+              </a:solidFill>
+              <a:effectLst/>
+              <a:latin typeface="Lucida Console" panose="020B0609040504020204" pitchFamily="49" charset="0"/>
+            </a:endParaRPr>
+          </a:p>
+          <a:p>
+            <a:r>
+              <a:rPr lang="en-US" sz="1200" dirty="0">
+                <a:solidFill>
+                  <a:prstClr val="black"/>
+                </a:solidFill>
+                <a:effectLst/>
+                <a:latin typeface="Lucida Console" panose="020B0609040504020204" pitchFamily="49" charset="0"/>
+              </a:rPr>
+              <a:t>    </a:t>
+            </a:r>
+            <a:r>
+              <a:rPr lang="en-US" sz="1200" dirty="0" err="1">
+                <a:solidFill>
+                  <a:srgbClr val="00008B"/>
+                </a:solidFill>
+                <a:effectLst/>
+                <a:latin typeface="Lucida Console" panose="020B0609040504020204" pitchFamily="49" charset="0"/>
+              </a:rPr>
+              <a:t>param</a:t>
+            </a:r>
+            <a:r>
+              <a:rPr lang="en-US" sz="1200" dirty="0">
+                <a:solidFill>
+                  <a:prstClr val="black"/>
+                </a:solidFill>
+                <a:effectLst/>
+                <a:latin typeface="Lucida Console" panose="020B0609040504020204" pitchFamily="49" charset="0"/>
+              </a:rPr>
+              <a:t>(</a:t>
+            </a:r>
+          </a:p>
+          <a:p>
+            <a:r>
+              <a:rPr lang="en-US" sz="1200" dirty="0">
+                <a:solidFill>
+                  <a:prstClr val="black"/>
+                </a:solidFill>
+                <a:effectLst/>
+                <a:latin typeface="Lucida Console" panose="020B0609040504020204" pitchFamily="49" charset="0"/>
+              </a:rPr>
+              <a:t>        </a:t>
+            </a:r>
+            <a:r>
+              <a:rPr lang="en-US" sz="1200" dirty="0">
+                <a:solidFill>
+                  <a:srgbClr val="A9A9A9"/>
+                </a:solidFill>
+                <a:effectLst/>
+                <a:latin typeface="Lucida Console" panose="020B0609040504020204" pitchFamily="49" charset="0"/>
+              </a:rPr>
+              <a:t>[</a:t>
+            </a:r>
+            <a:r>
+              <a:rPr lang="en-US" sz="1200" dirty="0">
+                <a:solidFill>
+                  <a:srgbClr val="00BFFF"/>
+                </a:solidFill>
+                <a:effectLst/>
+                <a:latin typeface="Lucida Console" panose="020B0609040504020204" pitchFamily="49" charset="0"/>
+              </a:rPr>
+              <a:t>Parameter</a:t>
+            </a:r>
+            <a:r>
+              <a:rPr lang="en-US" sz="1200" dirty="0">
+                <a:solidFill>
+                  <a:prstClr val="black"/>
+                </a:solidFill>
+                <a:effectLst/>
+                <a:latin typeface="Lucida Console" panose="020B0609040504020204" pitchFamily="49" charset="0"/>
+              </a:rPr>
+              <a:t>(Mandatory</a:t>
+            </a:r>
+            <a:r>
+              <a:rPr lang="en-US" sz="1200" dirty="0">
+                <a:solidFill>
+                  <a:srgbClr val="A9A9A9"/>
+                </a:solidFill>
+                <a:effectLst/>
+                <a:latin typeface="Lucida Console" panose="020B0609040504020204" pitchFamily="49" charset="0"/>
+              </a:rPr>
+              <a:t>,</a:t>
+            </a:r>
+            <a:r>
+              <a:rPr lang="en-US" sz="1200" dirty="0">
+                <a:solidFill>
+                  <a:prstClr val="black"/>
+                </a:solidFill>
+                <a:effectLst/>
+                <a:latin typeface="Lucida Console" panose="020B0609040504020204" pitchFamily="49" charset="0"/>
+              </a:rPr>
+              <a:t> </a:t>
+            </a:r>
+            <a:r>
+              <a:rPr lang="en-US" sz="1200" dirty="0" err="1">
+                <a:solidFill>
+                  <a:prstClr val="black"/>
+                </a:solidFill>
+                <a:effectLst/>
+                <a:latin typeface="Lucida Console" panose="020B0609040504020204" pitchFamily="49" charset="0"/>
+              </a:rPr>
+              <a:t>ValueFromPipelineByPropertyName</a:t>
+            </a:r>
+            <a:r>
+              <a:rPr lang="en-US" sz="1200" dirty="0">
+                <a:solidFill>
+                  <a:prstClr val="black"/>
+                </a:solidFill>
+                <a:effectLst/>
+                <a:latin typeface="Lucida Console" panose="020B0609040504020204" pitchFamily="49" charset="0"/>
+              </a:rPr>
+              <a:t>)</a:t>
+            </a:r>
+            <a:r>
+              <a:rPr lang="en-US" sz="1200" dirty="0">
+                <a:solidFill>
+                  <a:srgbClr val="A9A9A9"/>
+                </a:solidFill>
+                <a:effectLst/>
+                <a:latin typeface="Lucida Console" panose="020B0609040504020204" pitchFamily="49" charset="0"/>
+              </a:rPr>
+              <a:t>]</a:t>
+            </a:r>
+            <a:r>
+              <a:rPr lang="en-US" sz="1200" dirty="0">
+                <a:solidFill>
+                  <a:prstClr val="black"/>
+                </a:solidFill>
+                <a:effectLst/>
+                <a:latin typeface="Lucida Console" panose="020B0609040504020204" pitchFamily="49" charset="0"/>
+              </a:rPr>
+              <a:t>        </a:t>
+            </a:r>
+          </a:p>
+          <a:p>
+            <a:r>
+              <a:rPr lang="en-US" sz="1200" dirty="0">
+                <a:solidFill>
+                  <a:prstClr val="black"/>
+                </a:solidFill>
+                <a:effectLst/>
+                <a:latin typeface="Lucida Console" panose="020B0609040504020204" pitchFamily="49" charset="0"/>
+              </a:rPr>
+              <a:t>        </a:t>
+            </a:r>
+            <a:r>
+              <a:rPr lang="en-US" sz="1200" dirty="0">
+                <a:solidFill>
+                  <a:srgbClr val="A9A9A9"/>
+                </a:solidFill>
+                <a:effectLst/>
+                <a:latin typeface="Lucida Console" panose="020B0609040504020204" pitchFamily="49" charset="0"/>
+              </a:rPr>
+              <a:t>[</a:t>
+            </a:r>
+            <a:r>
+              <a:rPr lang="en-US" sz="1200" dirty="0" err="1">
+                <a:solidFill>
+                  <a:srgbClr val="008080"/>
+                </a:solidFill>
+                <a:effectLst/>
+                <a:latin typeface="Lucida Console" panose="020B0609040504020204" pitchFamily="49" charset="0"/>
+              </a:rPr>
+              <a:t>int</a:t>
+            </a:r>
+            <a:r>
+              <a:rPr lang="en-US" sz="1200" dirty="0">
+                <a:solidFill>
+                  <a:srgbClr val="A9A9A9"/>
+                </a:solidFill>
+                <a:effectLst/>
+                <a:latin typeface="Lucida Console" panose="020B0609040504020204" pitchFamily="49" charset="0"/>
+              </a:rPr>
+              <a:t>[]]</a:t>
+            </a:r>
+            <a:r>
+              <a:rPr lang="en-US" sz="1200" dirty="0">
+                <a:solidFill>
+                  <a:prstClr val="black"/>
+                </a:solidFill>
+                <a:effectLst/>
+                <a:latin typeface="Lucida Console" panose="020B0609040504020204" pitchFamily="49" charset="0"/>
+              </a:rPr>
+              <a:t> </a:t>
+            </a:r>
+            <a:r>
+              <a:rPr lang="en-US" sz="1200" dirty="0">
+                <a:solidFill>
+                  <a:srgbClr val="FF4500"/>
+                </a:solidFill>
+                <a:effectLst/>
+                <a:latin typeface="Lucida Console" panose="020B0609040504020204" pitchFamily="49" charset="0"/>
+              </a:rPr>
+              <a:t>$Id</a:t>
+            </a:r>
+            <a:r>
+              <a:rPr lang="en-US" sz="1200" dirty="0">
+                <a:solidFill>
+                  <a:srgbClr val="A9A9A9"/>
+                </a:solidFill>
+                <a:effectLst/>
+                <a:latin typeface="Lucida Console" panose="020B0609040504020204" pitchFamily="49" charset="0"/>
+              </a:rPr>
+              <a:t>,</a:t>
+            </a:r>
+            <a:endParaRPr lang="en-US" sz="1200" dirty="0">
+              <a:solidFill>
+                <a:prstClr val="black"/>
+              </a:solidFill>
+              <a:effectLst/>
+              <a:latin typeface="Lucida Console" panose="020B0609040504020204" pitchFamily="49" charset="0"/>
+            </a:endParaRPr>
+          </a:p>
+          <a:p>
+            <a:r>
+              <a:rPr lang="en-US" sz="1200" dirty="0">
+                <a:solidFill>
+                  <a:prstClr val="black"/>
+                </a:solidFill>
+                <a:effectLst/>
+                <a:latin typeface="Lucida Console" panose="020B0609040504020204" pitchFamily="49" charset="0"/>
+              </a:rPr>
+              <a:t>        </a:t>
+            </a:r>
+            <a:r>
+              <a:rPr lang="en-US" sz="1200" dirty="0">
+                <a:solidFill>
+                  <a:srgbClr val="A9A9A9"/>
+                </a:solidFill>
+                <a:effectLst/>
+                <a:latin typeface="Lucida Console" panose="020B0609040504020204" pitchFamily="49" charset="0"/>
+              </a:rPr>
+              <a:t>[</a:t>
+            </a:r>
+            <a:r>
+              <a:rPr lang="en-US" sz="1200" dirty="0">
+                <a:solidFill>
+                  <a:srgbClr val="008080"/>
+                </a:solidFill>
+                <a:effectLst/>
+                <a:latin typeface="Lucida Console" panose="020B0609040504020204" pitchFamily="49" charset="0"/>
+              </a:rPr>
+              <a:t>switch</a:t>
+            </a:r>
+            <a:r>
+              <a:rPr lang="en-US" sz="1200" dirty="0">
+                <a:solidFill>
+                  <a:srgbClr val="A9A9A9"/>
+                </a:solidFill>
+                <a:effectLst/>
+                <a:latin typeface="Lucida Console" panose="020B0609040504020204" pitchFamily="49" charset="0"/>
+              </a:rPr>
+              <a:t>]</a:t>
+            </a:r>
+            <a:r>
+              <a:rPr lang="en-US" sz="1200" dirty="0">
+                <a:solidFill>
+                  <a:prstClr val="black"/>
+                </a:solidFill>
+                <a:effectLst/>
+                <a:latin typeface="Lucida Console" panose="020B0609040504020204" pitchFamily="49" charset="0"/>
+              </a:rPr>
+              <a:t> </a:t>
+            </a:r>
+            <a:r>
+              <a:rPr lang="en-US" sz="1200" dirty="0">
+                <a:solidFill>
+                  <a:srgbClr val="FF4500"/>
+                </a:solidFill>
+                <a:effectLst/>
+                <a:latin typeface="Lucida Console" panose="020B0609040504020204" pitchFamily="49" charset="0"/>
+              </a:rPr>
+              <a:t>$Force</a:t>
+            </a:r>
+            <a:r>
+              <a:rPr lang="en-US" sz="1200" dirty="0">
+                <a:solidFill>
+                  <a:prstClr val="black"/>
+                </a:solidFill>
+                <a:effectLst/>
+                <a:latin typeface="Lucida Console" panose="020B0609040504020204" pitchFamily="49" charset="0"/>
+              </a:rPr>
+              <a:t>)</a:t>
+            </a:r>
+          </a:p>
+          <a:p>
+            <a:r>
+              <a:rPr lang="en-US" sz="1200" dirty="0">
+                <a:solidFill>
+                  <a:prstClr val="black"/>
+                </a:solidFill>
+                <a:effectLst/>
+                <a:latin typeface="Lucida Console" panose="020B0609040504020204" pitchFamily="49" charset="0"/>
+              </a:rPr>
+              <a:t>    </a:t>
+            </a:r>
+            <a:r>
+              <a:rPr lang="en-US" sz="1200" dirty="0">
+                <a:solidFill>
+                  <a:srgbClr val="00008B"/>
+                </a:solidFill>
+                <a:effectLst/>
+                <a:latin typeface="Lucida Console" panose="020B0609040504020204" pitchFamily="49" charset="0"/>
+              </a:rPr>
+              <a:t>process</a:t>
+            </a:r>
+            <a:r>
+              <a:rPr lang="en-US" sz="1200" dirty="0">
+                <a:solidFill>
+                  <a:prstClr val="black"/>
+                </a:solidFill>
+                <a:effectLst/>
+                <a:latin typeface="Lucida Console" panose="020B0609040504020204" pitchFamily="49" charset="0"/>
+              </a:rPr>
+              <a:t> {</a:t>
+            </a:r>
+          </a:p>
+          <a:p>
+            <a:r>
+              <a:rPr lang="en-US" sz="1200" dirty="0">
+                <a:solidFill>
+                  <a:prstClr val="black"/>
+                </a:solidFill>
+                <a:effectLst/>
+                <a:latin typeface="Lucida Console" panose="020B0609040504020204" pitchFamily="49" charset="0"/>
+              </a:rPr>
+              <a:t>        </a:t>
+            </a:r>
+            <a:r>
+              <a:rPr lang="en-US" sz="1200" dirty="0">
+                <a:solidFill>
+                  <a:srgbClr val="00008B"/>
+                </a:solidFill>
+                <a:effectLst/>
+                <a:latin typeface="Lucida Console" panose="020B0609040504020204" pitchFamily="49" charset="0"/>
+              </a:rPr>
+              <a:t>if</a:t>
+            </a:r>
+            <a:r>
+              <a:rPr lang="en-US" sz="1200" dirty="0">
+                <a:solidFill>
+                  <a:prstClr val="black"/>
+                </a:solidFill>
+                <a:effectLst/>
+                <a:latin typeface="Lucida Console" panose="020B0609040504020204" pitchFamily="49" charset="0"/>
+              </a:rPr>
+              <a:t> (</a:t>
+            </a:r>
+            <a:r>
+              <a:rPr lang="en-US" sz="1200" dirty="0">
+                <a:solidFill>
+                  <a:srgbClr val="FF4500"/>
+                </a:solidFill>
+                <a:effectLst/>
+                <a:latin typeface="Lucida Console" panose="020B0609040504020204" pitchFamily="49" charset="0"/>
+              </a:rPr>
+              <a:t>$Force</a:t>
+            </a:r>
+            <a:r>
+              <a:rPr lang="en-US" sz="1200" dirty="0">
+                <a:solidFill>
+                  <a:prstClr val="black"/>
+                </a:solidFill>
+                <a:effectLst/>
+                <a:latin typeface="Lucida Console" panose="020B0609040504020204" pitchFamily="49" charset="0"/>
+              </a:rPr>
+              <a:t> </a:t>
+            </a:r>
+            <a:r>
+              <a:rPr lang="en-US" sz="1200" dirty="0">
+                <a:solidFill>
+                  <a:srgbClr val="A9A9A9"/>
+                </a:solidFill>
+                <a:effectLst/>
+                <a:latin typeface="Lucida Console" panose="020B0609040504020204" pitchFamily="49" charset="0"/>
+              </a:rPr>
+              <a:t>-or</a:t>
+            </a:r>
+            <a:r>
+              <a:rPr lang="en-US" sz="1200" dirty="0">
+                <a:solidFill>
+                  <a:prstClr val="black"/>
+                </a:solidFill>
+                <a:effectLst/>
+                <a:latin typeface="Lucida Console" panose="020B0609040504020204" pitchFamily="49" charset="0"/>
+              </a:rPr>
+              <a:t> </a:t>
+            </a:r>
+            <a:r>
+              <a:rPr lang="en-US" sz="1200" dirty="0">
+                <a:solidFill>
+                  <a:srgbClr val="FF4500"/>
+                </a:solidFill>
+                <a:effectLst/>
+                <a:latin typeface="Lucida Console" panose="020B0609040504020204" pitchFamily="49" charset="0"/>
+              </a:rPr>
+              <a:t>$</a:t>
+            </a:r>
+            <a:r>
+              <a:rPr lang="en-US" sz="1200" dirty="0" err="1">
+                <a:solidFill>
+                  <a:srgbClr val="FF4500"/>
+                </a:solidFill>
+                <a:effectLst/>
+                <a:latin typeface="Lucida Console" panose="020B0609040504020204" pitchFamily="49" charset="0"/>
+              </a:rPr>
+              <a:t>PSCmdlet</a:t>
+            </a:r>
+            <a:r>
+              <a:rPr lang="en-US" sz="1200" dirty="0" err="1">
+                <a:solidFill>
+                  <a:srgbClr val="A9A9A9"/>
+                </a:solidFill>
+                <a:effectLst/>
+                <a:latin typeface="Lucida Console" panose="020B0609040504020204" pitchFamily="49" charset="0"/>
+              </a:rPr>
+              <a:t>.</a:t>
+            </a:r>
+            <a:r>
+              <a:rPr lang="en-US" sz="1200" dirty="0" err="1">
+                <a:solidFill>
+                  <a:prstClr val="black"/>
+                </a:solidFill>
+                <a:effectLst/>
+                <a:latin typeface="Lucida Console" panose="020B0609040504020204" pitchFamily="49" charset="0"/>
+              </a:rPr>
               <a:t>ShouldProcess</a:t>
             </a:r>
             <a:r>
-              <a:rPr lang="en-US" dirty="0"/>
-              <a:t>	</a:t>
-            </a:r>
+              <a:rPr lang="en-US" sz="1200" dirty="0">
+                <a:solidFill>
+                  <a:prstClr val="black"/>
+                </a:solidFill>
+                <a:effectLst/>
+                <a:latin typeface="Lucida Console" panose="020B0609040504020204" pitchFamily="49" charset="0"/>
+              </a:rPr>
+              <a:t>(</a:t>
+            </a:r>
+            <a:r>
+              <a:rPr lang="en-US" sz="1200" dirty="0">
+                <a:solidFill>
+                  <a:srgbClr val="8B0000"/>
+                </a:solidFill>
+                <a:effectLst/>
+                <a:latin typeface="Lucida Console" panose="020B0609040504020204" pitchFamily="49" charset="0"/>
+              </a:rPr>
+              <a:t>"Remove-</a:t>
+            </a:r>
+            <a:r>
+              <a:rPr lang="en-US" sz="1200" dirty="0" err="1">
+                <a:solidFill>
+                  <a:srgbClr val="8B0000"/>
+                </a:solidFill>
+                <a:effectLst/>
+                <a:latin typeface="Lucida Console" panose="020B0609040504020204" pitchFamily="49" charset="0"/>
+              </a:rPr>
+              <a:t>FishTank</a:t>
+            </a:r>
+            <a:r>
+              <a:rPr lang="en-US" sz="1200" dirty="0">
+                <a:solidFill>
+                  <a:srgbClr val="8B0000"/>
+                </a:solidFill>
+                <a:effectLst/>
+                <a:latin typeface="Lucida Console" panose="020B0609040504020204" pitchFamily="49" charset="0"/>
+              </a:rPr>
+              <a:t>"</a:t>
+            </a:r>
+            <a:r>
+              <a:rPr lang="en-US" sz="1200" dirty="0">
+                <a:solidFill>
+                  <a:srgbClr val="A9A9A9"/>
+                </a:solidFill>
+                <a:effectLst/>
+                <a:latin typeface="Lucida Console" panose="020B0609040504020204" pitchFamily="49" charset="0"/>
+              </a:rPr>
+              <a:t>,</a:t>
+            </a:r>
+            <a:r>
+              <a:rPr lang="en-US" sz="1200" dirty="0">
+                <a:solidFill>
+                  <a:prstClr val="black"/>
+                </a:solidFill>
+                <a:effectLst/>
+                <a:latin typeface="Lucida Console" panose="020B0609040504020204" pitchFamily="49" charset="0"/>
+              </a:rPr>
+              <a:t> </a:t>
+            </a:r>
+            <a:r>
+              <a:rPr lang="en-US" sz="1200" dirty="0">
+                <a:solidFill>
+                  <a:srgbClr val="8B0000"/>
+                </a:solidFill>
+                <a:effectLst/>
+                <a:latin typeface="Lucida Console" panose="020B0609040504020204" pitchFamily="49" charset="0"/>
+              </a:rPr>
+              <a:t>"ID: </a:t>
+            </a:r>
+            <a:r>
+              <a:rPr lang="en-US" sz="1200" dirty="0">
+                <a:solidFill>
+                  <a:srgbClr val="FF4500"/>
+                </a:solidFill>
+                <a:effectLst/>
+                <a:latin typeface="Lucida Console" panose="020B0609040504020204" pitchFamily="49" charset="0"/>
+              </a:rPr>
+              <a:t>$id</a:t>
+            </a:r>
+            <a:r>
+              <a:rPr lang="en-US" sz="1200" dirty="0">
+                <a:solidFill>
+                  <a:srgbClr val="8B0000"/>
+                </a:solidFill>
+                <a:effectLst/>
+                <a:latin typeface="Lucida Console" panose="020B0609040504020204" pitchFamily="49" charset="0"/>
+              </a:rPr>
+              <a:t>"</a:t>
+            </a:r>
+            <a:r>
+              <a:rPr lang="en-US" sz="1200" dirty="0">
+                <a:solidFill>
+                  <a:prstClr val="black"/>
+                </a:solidFill>
+                <a:effectLst/>
+                <a:latin typeface="Lucida Console" panose="020B0609040504020204" pitchFamily="49" charset="0"/>
+              </a:rPr>
+              <a:t>)) {</a:t>
+            </a:r>
+          </a:p>
+          <a:p>
+            <a:r>
+              <a:rPr lang="en-US" sz="1200" dirty="0">
+                <a:solidFill>
+                  <a:prstClr val="black"/>
+                </a:solidFill>
+                <a:effectLst/>
+                <a:latin typeface="Lucida Console" panose="020B0609040504020204" pitchFamily="49" charset="0"/>
+              </a:rPr>
+              <a:t>            </a:t>
+            </a:r>
+            <a:r>
+              <a:rPr lang="en-US" sz="1200" dirty="0">
+                <a:solidFill>
+                  <a:srgbClr val="FF4500"/>
+                </a:solidFill>
+                <a:effectLst/>
+                <a:latin typeface="Lucida Console" panose="020B0609040504020204" pitchFamily="49" charset="0"/>
+              </a:rPr>
+              <a:t>$</a:t>
+            </a:r>
+            <a:r>
+              <a:rPr lang="en-US" sz="1200" dirty="0" err="1">
+                <a:solidFill>
+                  <a:srgbClr val="FF4500"/>
+                </a:solidFill>
+                <a:effectLst/>
+                <a:latin typeface="Lucida Console" panose="020B0609040504020204" pitchFamily="49" charset="0"/>
+              </a:rPr>
+              <a:t>fishTanks</a:t>
+            </a:r>
+            <a:r>
+              <a:rPr lang="en-US" sz="1200" dirty="0" err="1">
+                <a:solidFill>
+                  <a:srgbClr val="A9A9A9"/>
+                </a:solidFill>
+                <a:effectLst/>
+                <a:latin typeface="Lucida Console" panose="020B0609040504020204" pitchFamily="49" charset="0"/>
+              </a:rPr>
+              <a:t>.</a:t>
+            </a:r>
+            <a:r>
+              <a:rPr lang="en-US" sz="1200" dirty="0" err="1">
+                <a:solidFill>
+                  <a:prstClr val="black"/>
+                </a:solidFill>
+                <a:effectLst/>
+                <a:latin typeface="Lucida Console" panose="020B0609040504020204" pitchFamily="49" charset="0"/>
+              </a:rPr>
+              <a:t>Remove</a:t>
+            </a:r>
+            <a:r>
+              <a:rPr lang="en-US" sz="1200" dirty="0">
+                <a:solidFill>
+                  <a:prstClr val="black"/>
+                </a:solidFill>
+                <a:effectLst/>
+                <a:latin typeface="Lucida Console" panose="020B0609040504020204" pitchFamily="49" charset="0"/>
+              </a:rPr>
+              <a:t>(</a:t>
+            </a:r>
+            <a:r>
+              <a:rPr lang="en-US" sz="1200" dirty="0">
+                <a:solidFill>
+                  <a:srgbClr val="FF4500"/>
+                </a:solidFill>
+                <a:effectLst/>
+                <a:latin typeface="Lucida Console" panose="020B0609040504020204" pitchFamily="49" charset="0"/>
+              </a:rPr>
+              <a:t>$id</a:t>
+            </a:r>
+            <a:r>
+              <a:rPr lang="en-US" sz="1200" dirty="0">
+                <a:solidFill>
+                  <a:prstClr val="black"/>
+                </a:solidFill>
+                <a:effectLst/>
+                <a:latin typeface="Lucida Console" panose="020B0609040504020204" pitchFamily="49" charset="0"/>
+              </a:rPr>
+              <a:t>)</a:t>
+            </a:r>
+          </a:p>
+          <a:p>
+            <a:r>
+              <a:rPr lang="en-US" sz="1200" dirty="0">
+                <a:solidFill>
+                  <a:prstClr val="black"/>
+                </a:solidFill>
+                <a:effectLst/>
+                <a:latin typeface="Lucida Console" panose="020B0609040504020204" pitchFamily="49" charset="0"/>
+              </a:rPr>
+              <a:t>        }            </a:t>
+            </a:r>
+          </a:p>
+          <a:p>
+            <a:r>
+              <a:rPr lang="en-US" sz="1200" dirty="0">
+                <a:solidFill>
+                  <a:prstClr val="black"/>
+                </a:solidFill>
+                <a:effectLst/>
+                <a:latin typeface="Lucida Console" panose="020B0609040504020204" pitchFamily="49" charset="0"/>
+              </a:rPr>
+              <a:t>    }</a:t>
+            </a:r>
+          </a:p>
+          <a:p>
+            <a:r>
+              <a:rPr lang="en-US" sz="1200" dirty="0">
+                <a:solidFill>
+                  <a:prstClr val="black"/>
+                </a:solidFill>
+                <a:effectLst/>
+                <a:latin typeface="Lucida Console" panose="020B0609040504020204" pitchFamily="49" charset="0"/>
+              </a:rPr>
+              <a:t>} </a:t>
+            </a:r>
+            <a:endParaRPr lang="en-US" dirty="0">
+              <a:solidFill>
+                <a:prstClr val="black"/>
+              </a:solidFill>
+              <a:effectLst/>
+              <a:latin typeface="Lucida Console" panose="020B0609040504020204" pitchFamily="49" charset="0"/>
+            </a:endParaRPr>
           </a:p>
         </p:txBody>
       </p:sp>
@@ -4979,10 +5589,574 @@
       </p:transition>
     </mc:Fallback>
   </mc:AlternateContent>
+  <p:timing>
+    <p:tnLst>
+      <p:par>
+        <p:cTn id="1" dur="indefinite" restart="never" nodeType="tmRoot">
+          <p:childTnLst>
+            <p:seq concurrent="1" nextAc="seek">
+              <p:cTn id="2" dur="indefinite" nodeType="mainSeq">
+                <p:childTnLst>
+                  <p:par>
+                    <p:cTn id="3" fill="hold">
+                      <p:stCondLst>
+                        <p:cond delay="indefinite"/>
+                      </p:stCondLst>
+                      <p:childTnLst>
+                        <p:par>
+                          <p:cTn id="4" fill="hold">
+                            <p:stCondLst>
+                              <p:cond delay="0"/>
+                            </p:stCondLst>
+                            <p:childTnLst>
+                              <p:par>
+                                <p:cTn id="5" presetID="10" presetClass="entr" presetSubtype="0" fill="hold" grpId="0" nodeType="clickEffect">
+                                  <p:stCondLst>
+                                    <p:cond delay="0"/>
+                                  </p:stCondLst>
+                                  <p:childTnLst>
+                                    <p:set>
+                                      <p:cBhvr>
+                                        <p:cTn id="6" dur="1" fill="hold">
+                                          <p:stCondLst>
+                                            <p:cond delay="0"/>
+                                          </p:stCondLst>
+                                        </p:cTn>
+                                        <p:tgtEl>
+                                          <p:spTgt spid="4"/>
+                                        </p:tgtEl>
+                                        <p:attrNameLst>
+                                          <p:attrName>style.visibility</p:attrName>
+                                        </p:attrNameLst>
+                                      </p:cBhvr>
+                                      <p:to>
+                                        <p:strVal val="visible"/>
+                                      </p:to>
+                                    </p:set>
+                                    <p:animEffect transition="in" filter="fade">
+                                      <p:cBhvr>
+                                        <p:cTn id="7" dur="500"/>
+                                        <p:tgtEl>
+                                          <p:spTgt spid="4"/>
+                                        </p:tgtEl>
+                                      </p:cBhvr>
+                                    </p:animEffect>
+                                  </p:childTnLst>
+                                </p:cTn>
+                              </p:par>
+                            </p:childTnLst>
+                          </p:cTn>
+                        </p:par>
+                      </p:childTnLst>
+                    </p:cTn>
+                  </p:par>
+                </p:childTnLst>
+              </p:cTn>
+              <p:prevCondLst>
+                <p:cond evt="onPrev" delay="0">
+                  <p:tgtEl>
+                    <p:sldTgt/>
+                  </p:tgtEl>
+                </p:cond>
+              </p:prevCondLst>
+              <p:nextCondLst>
+                <p:cond evt="onNext" delay="0">
+                  <p:tgtEl>
+                    <p:sldTgt/>
+                  </p:tgtEl>
+                </p:cond>
+              </p:nextCondLst>
+            </p:seq>
+          </p:childTnLst>
+        </p:cTn>
+      </p:par>
+    </p:tnLst>
+    <p:bldLst>
+      <p:bldP spid="4" grpId="0" animBg="1"/>
+    </p:bldLst>
+  </p:timing>
 </p:sld>
 </file>
 
-<file path=ppt/slides/slide16.xml><?xml version="1.0" encoding="utf-8"?>
+<file path=ppt/slides/slide13.xml><?xml version="1.0" encoding="utf-8"?>
+<p:sld xmlns:a="http://schemas.openxmlformats.org/drawingml/2006/main" xmlns:r="http://schemas.openxmlformats.org/officeDocument/2006/relationships" xmlns:p="http://schemas.openxmlformats.org/presentationml/2006/main">
+  <p:cSld>
+    <p:spTree>
+      <p:nvGrpSpPr>
+        <p:cNvPr id="1" name=""/>
+        <p:cNvGrpSpPr/>
+        <p:nvPr/>
+      </p:nvGrpSpPr>
+      <p:grpSpPr>
+        <a:xfrm>
+          <a:off x="0" y="0"/>
+          <a:ext cx="0" cy="0"/>
+          <a:chOff x="0" y="0"/>
+          <a:chExt cx="0" cy="0"/>
+        </a:xfrm>
+      </p:grpSpPr>
+      <p:sp>
+        <p:nvSpPr>
+          <p:cNvPr id="9219" name="Inhaltsplatzhalter 2"/>
+          <p:cNvSpPr>
+            <a:spLocks noGrp="1"/>
+          </p:cNvSpPr>
+          <p:nvPr>
+            <p:ph idx="1"/>
+          </p:nvPr>
+        </p:nvSpPr>
+        <p:spPr>
+          <a:xfrm>
+            <a:off x="251520" y="1988840"/>
+            <a:ext cx="8640960" cy="4392488"/>
+          </a:xfrm>
+        </p:spPr>
+        <p:txBody>
+          <a:bodyPr/>
+          <a:lstStyle/>
+          <a:p>
+            <a:r>
+              <a:rPr lang="de-DE" dirty="0" err="1">
+                <a:latin typeface="Consolas" panose="020B0609020204030204" pitchFamily="49" charset="0"/>
+              </a:rPr>
+              <a:t>Consider</a:t>
+            </a:r>
+            <a:r>
+              <a:rPr lang="de-DE" dirty="0">
+                <a:latin typeface="Consolas" panose="020B0609020204030204" pitchFamily="49" charset="0"/>
+              </a:rPr>
+              <a:t> </a:t>
+            </a:r>
+            <a:r>
+              <a:rPr lang="de-DE" dirty="0" err="1">
+                <a:latin typeface="Consolas" panose="020B0609020204030204" pitchFamily="49" charset="0"/>
+              </a:rPr>
+              <a:t>PlatyPS</a:t>
+            </a:r>
+            <a:endParaRPr lang="de-DE" dirty="0">
+              <a:latin typeface="Consolas" panose="020B0609020204030204" pitchFamily="49" charset="0"/>
+            </a:endParaRPr>
+          </a:p>
+          <a:p>
+            <a:pPr lvl="1"/>
+            <a:r>
+              <a:rPr lang="de-DE" dirty="0">
+                <a:latin typeface="Consolas" panose="020B0609020204030204" pitchFamily="49" charset="0"/>
+                <a:hlinkClick r:id="rId2"/>
+              </a:rPr>
+              <a:t>https://github.com/PowerShell/platyPS</a:t>
+            </a:r>
+            <a:r>
+              <a:rPr lang="de-DE" dirty="0">
+                <a:latin typeface="Consolas" panose="020B0609020204030204" pitchFamily="49" charset="0"/>
+              </a:rPr>
+              <a:t>	</a:t>
+            </a:r>
+          </a:p>
+          <a:p>
+            <a:pPr lvl="1"/>
+            <a:r>
+              <a:rPr lang="de-DE" dirty="0">
+                <a:latin typeface="Consolas" panose="020B0609020204030204" pitchFamily="49" charset="0"/>
+              </a:rPr>
+              <a:t>Write </a:t>
+            </a:r>
+            <a:r>
+              <a:rPr lang="de-DE" dirty="0" err="1">
+                <a:latin typeface="Consolas" panose="020B0609020204030204" pitchFamily="49" charset="0"/>
+              </a:rPr>
+              <a:t>markdown</a:t>
+            </a:r>
+            <a:r>
+              <a:rPr lang="de-DE" dirty="0">
+                <a:latin typeface="Consolas" panose="020B0609020204030204" pitchFamily="49" charset="0"/>
+              </a:rPr>
+              <a:t> </a:t>
+            </a:r>
+            <a:r>
+              <a:rPr lang="de-DE" dirty="0" err="1">
+                <a:latin typeface="Consolas" panose="020B0609020204030204" pitchFamily="49" charset="0"/>
+              </a:rPr>
+              <a:t>instead</a:t>
+            </a:r>
+            <a:endParaRPr lang="de-DE" dirty="0">
+              <a:latin typeface="Consolas" panose="020B0609020204030204" pitchFamily="49" charset="0"/>
+            </a:endParaRPr>
+          </a:p>
+          <a:p>
+            <a:r>
+              <a:rPr lang="de-DE" dirty="0" err="1"/>
+              <a:t>Examples</a:t>
+            </a:r>
+            <a:r>
+              <a:rPr lang="de-DE" dirty="0"/>
+              <a:t>!!</a:t>
+            </a:r>
+          </a:p>
+          <a:p>
+            <a:pPr lvl="1"/>
+            <a:r>
+              <a:rPr lang="de-DE" dirty="0">
+                <a:latin typeface="Consolas" panose="020B0609020204030204" pitchFamily="49" charset="0"/>
+              </a:rPr>
+              <a:t>This </a:t>
+            </a:r>
+            <a:r>
+              <a:rPr lang="de-DE" dirty="0" err="1">
+                <a:latin typeface="Consolas" panose="020B0609020204030204" pitchFamily="49" charset="0"/>
+              </a:rPr>
+              <a:t>is</a:t>
+            </a:r>
+            <a:r>
+              <a:rPr lang="de-DE" dirty="0">
+                <a:latin typeface="Consolas" panose="020B0609020204030204" pitchFamily="49" charset="0"/>
+              </a:rPr>
+              <a:t> </a:t>
+            </a:r>
+            <a:r>
+              <a:rPr lang="de-DE" dirty="0" err="1">
+                <a:latin typeface="Consolas" panose="020B0609020204030204" pitchFamily="49" charset="0"/>
+              </a:rPr>
+              <a:t>where</a:t>
+            </a:r>
+            <a:r>
+              <a:rPr lang="de-DE" dirty="0">
+                <a:latin typeface="Consolas" panose="020B0609020204030204" pitchFamily="49" charset="0"/>
+              </a:rPr>
+              <a:t> </a:t>
+            </a:r>
+            <a:r>
+              <a:rPr lang="de-DE" dirty="0" err="1">
+                <a:latin typeface="Consolas" panose="020B0609020204030204" pitchFamily="49" charset="0"/>
+              </a:rPr>
+              <a:t>you</a:t>
+            </a:r>
+            <a:r>
+              <a:rPr lang="de-DE" dirty="0">
+                <a:latin typeface="Consolas" panose="020B0609020204030204" pitchFamily="49" charset="0"/>
+              </a:rPr>
+              <a:t> </a:t>
+            </a:r>
+            <a:r>
+              <a:rPr lang="de-DE" dirty="0" err="1">
+                <a:latin typeface="Consolas" panose="020B0609020204030204" pitchFamily="49" charset="0"/>
+              </a:rPr>
+              <a:t>can</a:t>
+            </a:r>
+            <a:r>
+              <a:rPr lang="de-DE" dirty="0">
+                <a:latin typeface="Consolas" panose="020B0609020204030204" pitchFamily="49" charset="0"/>
+              </a:rPr>
+              <a:t> </a:t>
+            </a:r>
+            <a:r>
+              <a:rPr lang="de-DE" dirty="0" err="1">
+                <a:latin typeface="Consolas" panose="020B0609020204030204" pitchFamily="49" charset="0"/>
+              </a:rPr>
+              <a:t>show</a:t>
+            </a:r>
+            <a:r>
+              <a:rPr lang="de-DE" dirty="0">
+                <a:latin typeface="Consolas" panose="020B0609020204030204" pitchFamily="49" charset="0"/>
+              </a:rPr>
+              <a:t> </a:t>
+            </a:r>
+            <a:r>
+              <a:rPr lang="de-DE" dirty="0" err="1">
+                <a:latin typeface="Consolas" panose="020B0609020204030204" pitchFamily="49" charset="0"/>
+              </a:rPr>
+              <a:t>how</a:t>
+            </a:r>
+            <a:r>
+              <a:rPr lang="de-DE" dirty="0">
+                <a:latin typeface="Consolas" panose="020B0609020204030204" pitchFamily="49" charset="0"/>
+              </a:rPr>
+              <a:t> different </a:t>
+            </a:r>
+            <a:r>
+              <a:rPr lang="de-DE" dirty="0" err="1">
+                <a:latin typeface="Consolas" panose="020B0609020204030204" pitchFamily="49" charset="0"/>
+              </a:rPr>
+              <a:t>commands</a:t>
+            </a:r>
+            <a:r>
+              <a:rPr lang="de-DE" dirty="0">
+                <a:latin typeface="Consolas" panose="020B0609020204030204" pitchFamily="49" charset="0"/>
+              </a:rPr>
+              <a:t> fit </a:t>
+            </a:r>
+            <a:r>
+              <a:rPr lang="de-DE" dirty="0" err="1">
+                <a:latin typeface="Consolas" panose="020B0609020204030204" pitchFamily="49" charset="0"/>
+              </a:rPr>
+              <a:t>together</a:t>
+            </a:r>
+            <a:endParaRPr lang="de-DE" dirty="0">
+              <a:latin typeface="Consolas" panose="020B0609020204030204" pitchFamily="49" charset="0"/>
+            </a:endParaRPr>
+          </a:p>
+        </p:txBody>
+      </p:sp>
+      <p:sp>
+        <p:nvSpPr>
+          <p:cNvPr id="9218" name="Titel 1"/>
+          <p:cNvSpPr>
+            <a:spLocks noGrp="1"/>
+          </p:cNvSpPr>
+          <p:nvPr>
+            <p:ph type="title"/>
+          </p:nvPr>
+        </p:nvSpPr>
+        <p:spPr>
+          <a:xfrm>
+            <a:off x="-891" y="980728"/>
+            <a:ext cx="9144000" cy="792088"/>
+          </a:xfrm>
+          <a:prstGeom prst="rect">
+            <a:avLst/>
+          </a:prstGeom>
+        </p:spPr>
+        <p:txBody>
+          <a:bodyPr/>
+          <a:lstStyle/>
+          <a:p>
+            <a:r>
+              <a:rPr lang="de-DE" dirty="0"/>
+              <a:t>Help</a:t>
+            </a:r>
+          </a:p>
+        </p:txBody>
+      </p:sp>
+    </p:spTree>
+    <p:extLst>
+      <p:ext uri="{BB962C8B-B14F-4D97-AF65-F5344CB8AC3E}">
+        <p14:creationId xmlns:p14="http://schemas.microsoft.com/office/powerpoint/2010/main" val="563519979"/>
+      </p:ext>
+    </p:extLst>
+  </p:cSld>
+  <p:clrMapOvr>
+    <a:masterClrMapping/>
+  </p:clrMapOvr>
+  <mc:AlternateContent xmlns:mc="http://schemas.openxmlformats.org/markup-compatibility/2006" xmlns:p14="http://schemas.microsoft.com/office/powerpoint/2010/main">
+    <mc:Choice Requires="p14">
+      <p:transition spd="med" p14:dur="700">
+        <p:fade/>
+      </p:transition>
+    </mc:Choice>
+    <mc:Fallback xmlns="">
+      <p:transition spd="med">
+        <p:fade/>
+      </p:transition>
+    </mc:Fallback>
+  </mc:AlternateContent>
+</p:sld>
+</file>
+
+<file path=ppt/slides/slide14.xml><?xml version="1.0" encoding="utf-8"?>
+<p:sld xmlns:a="http://schemas.openxmlformats.org/drawingml/2006/main" xmlns:r="http://schemas.openxmlformats.org/officeDocument/2006/relationships" xmlns:p="http://schemas.openxmlformats.org/presentationml/2006/main">
+  <p:cSld>
+    <p:bg>
+      <p:bgPr>
+        <a:gradFill flip="none" rotWithShape="1">
+          <a:gsLst>
+            <a:gs pos="0">
+              <a:schemeClr val="accent4">
+                <a:lumMod val="0"/>
+                <a:lumOff val="100000"/>
+              </a:schemeClr>
+            </a:gs>
+            <a:gs pos="37000">
+              <a:srgbClr val="23238D"/>
+            </a:gs>
+            <a:gs pos="100000">
+              <a:srgbClr val="011F51"/>
+            </a:gs>
+          </a:gsLst>
+          <a:path path="circle">
+            <a:fillToRect l="50000" t="-80000" r="50000" b="180000"/>
+          </a:path>
+          <a:tileRect/>
+        </a:gradFill>
+        <a:effectLst/>
+      </p:bgPr>
+    </p:bg>
+    <p:spTree>
+      <p:nvGrpSpPr>
+        <p:cNvPr id="1" name=""/>
+        <p:cNvGrpSpPr/>
+        <p:nvPr/>
+      </p:nvGrpSpPr>
+      <p:grpSpPr>
+        <a:xfrm>
+          <a:off x="0" y="0"/>
+          <a:ext cx="0" cy="0"/>
+          <a:chOff x="0" y="0"/>
+          <a:chExt cx="0" cy="0"/>
+        </a:xfrm>
+      </p:grpSpPr>
+      <p:sp>
+        <p:nvSpPr>
+          <p:cNvPr id="9219" name="Inhaltsplatzhalter 2"/>
+          <p:cNvSpPr>
+            <a:spLocks noGrp="1"/>
+          </p:cNvSpPr>
+          <p:nvPr>
+            <p:ph idx="1"/>
+          </p:nvPr>
+        </p:nvSpPr>
+        <p:spPr/>
+        <p:txBody>
+          <a:bodyPr/>
+          <a:lstStyle/>
+          <a:p>
+            <a:r>
+              <a:rPr lang="de-DE" dirty="0" err="1"/>
+              <a:t>Cmdlet</a:t>
+            </a:r>
+            <a:r>
+              <a:rPr lang="de-DE" dirty="0"/>
+              <a:t> </a:t>
+            </a:r>
+            <a:r>
+              <a:rPr lang="de-DE" dirty="0" err="1"/>
+              <a:t>names</a:t>
+            </a:r>
+            <a:endParaRPr lang="de-DE" dirty="0"/>
+          </a:p>
+          <a:p>
+            <a:pPr lvl="1"/>
+            <a:r>
+              <a:rPr lang="de-DE" dirty="0">
+                <a:latin typeface="Consolas" panose="020B0609020204030204" pitchFamily="49" charset="0"/>
+                <a:hlinkClick r:id="rId3"/>
+              </a:rPr>
+              <a:t>https://msdn.microsoft.com/en-us/library/ms714428(v=vs.85).aspx</a:t>
+            </a:r>
+          </a:p>
+          <a:p>
+            <a:r>
+              <a:rPr lang="de-DE" dirty="0">
+                <a:latin typeface="Consolas" panose="020B0609020204030204" pitchFamily="49" charset="0"/>
+              </a:rPr>
+              <a:t>Parameter </a:t>
+            </a:r>
+            <a:r>
+              <a:rPr lang="de-DE" dirty="0" err="1">
+                <a:latin typeface="Consolas" panose="020B0609020204030204" pitchFamily="49" charset="0"/>
+              </a:rPr>
+              <a:t>names</a:t>
+            </a:r>
+            <a:endParaRPr lang="de-DE" dirty="0">
+              <a:latin typeface="Consolas" panose="020B0609020204030204" pitchFamily="49" charset="0"/>
+            </a:endParaRPr>
+          </a:p>
+          <a:p>
+            <a:pPr lvl="1"/>
+            <a:r>
+              <a:rPr lang="de-DE" dirty="0">
+                <a:latin typeface="Consolas" panose="020B0609020204030204" pitchFamily="49" charset="0"/>
+                <a:hlinkClick r:id="rId3"/>
+              </a:rPr>
+              <a:t>https://msdn.microsoft.com/en-us/library/dd878352(v=vs.85).aspx</a:t>
+            </a:r>
+            <a:endParaRPr lang="de-DE" dirty="0">
+              <a:latin typeface="Consolas" panose="020B0609020204030204" pitchFamily="49" charset="0"/>
+            </a:endParaRPr>
+          </a:p>
+          <a:p>
+            <a:pPr lvl="1"/>
+            <a:r>
+              <a:rPr lang="de-DE" dirty="0">
+                <a:latin typeface="Consolas" panose="020B0609020204030204" pitchFamily="49" charset="0"/>
+              </a:rPr>
+              <a:t>See </a:t>
+            </a:r>
+            <a:r>
+              <a:rPr lang="de-DE" dirty="0" err="1">
+                <a:latin typeface="Consolas" panose="020B0609020204030204" pitchFamily="49" charset="0"/>
+              </a:rPr>
+              <a:t>Get-ModuleParameter</a:t>
+            </a:r>
+            <a:r>
+              <a:rPr lang="de-DE" dirty="0">
+                <a:latin typeface="Consolas" panose="020B0609020204030204" pitchFamily="49" charset="0"/>
+              </a:rPr>
+              <a:t> </a:t>
+            </a:r>
+          </a:p>
+          <a:p>
+            <a:pPr lvl="1"/>
+            <a:endParaRPr lang="de-DE" dirty="0">
+              <a:latin typeface="Consolas" panose="020B0609020204030204" pitchFamily="49" charset="0"/>
+            </a:endParaRPr>
+          </a:p>
+        </p:txBody>
+      </p:sp>
+      <p:sp>
+        <p:nvSpPr>
+          <p:cNvPr id="9218" name="Titel 1"/>
+          <p:cNvSpPr>
+            <a:spLocks noGrp="1"/>
+          </p:cNvSpPr>
+          <p:nvPr>
+            <p:ph type="title"/>
+          </p:nvPr>
+        </p:nvSpPr>
+        <p:spPr>
+          <a:xfrm>
+            <a:off x="-891" y="980728"/>
+            <a:ext cx="9144000" cy="792088"/>
+          </a:xfrm>
+          <a:prstGeom prst="rect">
+            <a:avLst/>
+          </a:prstGeom>
+        </p:spPr>
+        <p:txBody>
+          <a:bodyPr/>
+          <a:lstStyle/>
+          <a:p>
+            <a:r>
+              <a:rPr lang="de-DE" dirty="0" err="1"/>
+              <a:t>Consistent</a:t>
+            </a:r>
+            <a:r>
+              <a:rPr lang="de-DE" dirty="0"/>
+              <a:t> </a:t>
+            </a:r>
+            <a:r>
+              <a:rPr lang="de-DE" dirty="0" err="1"/>
+              <a:t>naming</a:t>
+            </a:r>
+            <a:endParaRPr lang="de-DE" dirty="0"/>
+          </a:p>
+        </p:txBody>
+      </p:sp>
+    </p:spTree>
+    <p:extLst>
+      <p:ext uri="{BB962C8B-B14F-4D97-AF65-F5344CB8AC3E}">
+        <p14:creationId xmlns:p14="http://schemas.microsoft.com/office/powerpoint/2010/main" val="1346483166"/>
+      </p:ext>
+    </p:extLst>
+  </p:cSld>
+  <p:clrMapOvr>
+    <a:overrideClrMapping bg1="lt1" tx1="dk1" bg2="lt2" tx2="dk2" accent1="accent1" accent2="accent2" accent3="accent3" accent4="accent4" accent5="accent5" accent6="accent6" hlink="hlink" folHlink="folHlink"/>
+  </p:clrMapOvr>
+  <mc:AlternateContent xmlns:mc="http://schemas.openxmlformats.org/markup-compatibility/2006" xmlns:p14="http://schemas.microsoft.com/office/powerpoint/2010/main">
+    <mc:Choice Requires="p14">
+      <p:transition spd="med" p14:dur="700">
+        <p:fade/>
+      </p:transition>
+    </mc:Choice>
+    <mc:Fallback xmlns="">
+      <p:transition spd="med">
+        <p:fade/>
+      </p:transition>
+    </mc:Fallback>
+  </mc:AlternateContent>
+</p:sld>
+</file>
+
+<file path=ppt/slides/slide15.xml><?xml version="1.0" encoding="utf-8"?>
 <p:sld xmlns:a="http://schemas.openxmlformats.org/drawingml/2006/main" xmlns:r="http://schemas.openxmlformats.org/officeDocument/2006/relationships" xmlns:p="http://schemas.openxmlformats.org/presentationml/2006/main">
   <p:cSld>
     <p:spTree>
@@ -5193,6 +6367,298 @@
     <p:extLst>
       <p:ext uri="{BB962C8B-B14F-4D97-AF65-F5344CB8AC3E}">
         <p14:creationId xmlns:p14="http://schemas.microsoft.com/office/powerpoint/2010/main" val="3109724331"/>
+      </p:ext>
+    </p:extLst>
+  </p:cSld>
+  <p:clrMapOvr>
+    <a:masterClrMapping/>
+  </p:clrMapOvr>
+  <mc:AlternateContent xmlns:mc="http://schemas.openxmlformats.org/markup-compatibility/2006" xmlns:p14="http://schemas.microsoft.com/office/powerpoint/2010/main">
+    <mc:Choice Requires="p14">
+      <p:transition spd="med" p14:dur="700">
+        <p:fade/>
+      </p:transition>
+    </mc:Choice>
+    <mc:Fallback xmlns="">
+      <p:transition spd="med">
+        <p:fade/>
+      </p:transition>
+    </mc:Fallback>
+  </mc:AlternateContent>
+</p:sld>
+</file>
+
+<file path=ppt/slides/slide16.xml><?xml version="1.0" encoding="utf-8"?>
+<p:sld xmlns:a="http://schemas.openxmlformats.org/drawingml/2006/main" xmlns:r="http://schemas.openxmlformats.org/officeDocument/2006/relationships" xmlns:p="http://schemas.openxmlformats.org/presentationml/2006/main">
+  <p:cSld>
+    <p:spTree>
+      <p:nvGrpSpPr>
+        <p:cNvPr id="1" name=""/>
+        <p:cNvGrpSpPr/>
+        <p:nvPr/>
+      </p:nvGrpSpPr>
+      <p:grpSpPr>
+        <a:xfrm>
+          <a:off x="0" y="0"/>
+          <a:ext cx="0" cy="0"/>
+          <a:chOff x="0" y="0"/>
+          <a:chExt cx="0" cy="0"/>
+        </a:xfrm>
+      </p:grpSpPr>
+      <p:sp>
+        <p:nvSpPr>
+          <p:cNvPr id="2" name="Inhaltsplatzhalter 1"/>
+          <p:cNvSpPr>
+            <a:spLocks noGrp="1"/>
+          </p:cNvSpPr>
+          <p:nvPr>
+            <p:ph idx="1"/>
+          </p:nvPr>
+        </p:nvSpPr>
+        <p:spPr/>
+        <p:txBody>
+          <a:bodyPr/>
+          <a:lstStyle/>
+          <a:p>
+            <a:r>
+              <a:rPr lang="de-DE" dirty="0" err="1"/>
+              <a:t>Now</a:t>
+            </a:r>
+            <a:r>
+              <a:rPr lang="de-DE" dirty="0"/>
+              <a:t>: 15 min break</a:t>
+            </a:r>
+          </a:p>
+          <a:p>
+            <a:endParaRPr lang="de-DE" dirty="0"/>
+          </a:p>
+          <a:p>
+            <a:r>
+              <a:rPr lang="de-DE" dirty="0"/>
+              <a:t>Grab a </a:t>
+            </a:r>
+            <a:r>
+              <a:rPr lang="de-DE" dirty="0" err="1"/>
+              <a:t>coffee</a:t>
+            </a:r>
+            <a:endParaRPr lang="de-DE" dirty="0"/>
+          </a:p>
+          <a:p>
+            <a:r>
+              <a:rPr lang="de-DE" dirty="0" err="1"/>
+              <a:t>Stay</a:t>
+            </a:r>
+            <a:r>
+              <a:rPr lang="de-DE" dirty="0"/>
+              <a:t> </a:t>
+            </a:r>
+            <a:r>
+              <a:rPr lang="de-DE" dirty="0" err="1"/>
+              <a:t>here</a:t>
+            </a:r>
+            <a:r>
+              <a:rPr lang="de-DE" dirty="0"/>
+              <a:t> </a:t>
+            </a:r>
+            <a:r>
+              <a:rPr lang="de-DE" dirty="0" err="1"/>
+              <a:t>to</a:t>
+            </a:r>
+            <a:r>
+              <a:rPr lang="de-DE" dirty="0"/>
+              <a:t> </a:t>
+            </a:r>
+            <a:r>
+              <a:rPr lang="de-DE" dirty="0" err="1"/>
+              <a:t>enjoy</a:t>
+            </a:r>
+            <a:r>
+              <a:rPr lang="de-DE" dirty="0"/>
+              <a:t> </a:t>
+            </a:r>
+            <a:r>
+              <a:rPr lang="de-DE" dirty="0" err="1"/>
+              <a:t>next</a:t>
+            </a:r>
+            <a:r>
+              <a:rPr lang="de-DE" dirty="0"/>
+              <a:t> </a:t>
+            </a:r>
+            <a:r>
+              <a:rPr lang="de-DE" dirty="0" err="1"/>
+              <a:t>presentation</a:t>
+            </a:r>
+            <a:endParaRPr lang="de-DE" dirty="0"/>
+          </a:p>
+          <a:p>
+            <a:r>
+              <a:rPr lang="de-DE" dirty="0"/>
+              <a:t>Change </a:t>
+            </a:r>
+            <a:r>
+              <a:rPr lang="de-DE" dirty="0" err="1"/>
+              <a:t>track</a:t>
+            </a:r>
+            <a:r>
+              <a:rPr lang="de-DE" dirty="0"/>
+              <a:t> </a:t>
+            </a:r>
+            <a:r>
+              <a:rPr lang="de-DE" dirty="0" err="1"/>
+              <a:t>and</a:t>
+            </a:r>
+            <a:r>
+              <a:rPr lang="de-DE" dirty="0"/>
+              <a:t> </a:t>
+            </a:r>
+            <a:r>
+              <a:rPr lang="de-DE" dirty="0" err="1"/>
+              <a:t>switch</a:t>
+            </a:r>
+            <a:r>
+              <a:rPr lang="de-DE" dirty="0"/>
+              <a:t> </a:t>
+            </a:r>
+            <a:r>
+              <a:rPr lang="de-DE" dirty="0" err="1"/>
+              <a:t>to</a:t>
+            </a:r>
+            <a:r>
+              <a:rPr lang="de-DE" dirty="0"/>
+              <a:t> </a:t>
+            </a:r>
+            <a:r>
+              <a:rPr lang="de-DE" dirty="0" err="1"/>
+              <a:t>another</a:t>
+            </a:r>
+            <a:r>
+              <a:rPr lang="de-DE" dirty="0"/>
+              <a:t> </a:t>
+            </a:r>
+            <a:r>
+              <a:rPr lang="de-DE" dirty="0" err="1"/>
+              <a:t>room</a:t>
+            </a:r>
+            <a:endParaRPr lang="de-DE" dirty="0"/>
+          </a:p>
+          <a:p>
+            <a:endParaRPr lang="de-DE" dirty="0"/>
+          </a:p>
+          <a:p>
+            <a:r>
+              <a:rPr lang="de-DE" dirty="0" err="1"/>
+              <a:t>Ask</a:t>
+            </a:r>
+            <a:r>
+              <a:rPr lang="de-DE" dirty="0"/>
+              <a:t> </a:t>
+            </a:r>
+            <a:r>
+              <a:rPr lang="de-DE" dirty="0" err="1"/>
+              <a:t>me</a:t>
+            </a:r>
+            <a:r>
+              <a:rPr lang="de-DE" dirty="0"/>
+              <a:t> </a:t>
+            </a:r>
+            <a:r>
+              <a:rPr lang="de-DE" dirty="0" err="1"/>
+              <a:t>questions</a:t>
+            </a:r>
+            <a:r>
+              <a:rPr lang="de-DE" dirty="0"/>
+              <a:t> </a:t>
+            </a:r>
+            <a:r>
+              <a:rPr lang="de-DE" dirty="0" err="1"/>
+              <a:t>or</a:t>
+            </a:r>
+            <a:r>
+              <a:rPr lang="de-DE" dirty="0"/>
+              <a:t> </a:t>
+            </a:r>
+            <a:r>
+              <a:rPr lang="de-DE" dirty="0" err="1"/>
+              <a:t>meet</a:t>
+            </a:r>
+            <a:r>
+              <a:rPr lang="de-DE" dirty="0"/>
+              <a:t> </a:t>
+            </a:r>
+            <a:r>
+              <a:rPr lang="de-DE" dirty="0" err="1"/>
+              <a:t>me</a:t>
+            </a:r>
+            <a:r>
+              <a:rPr lang="de-DE" dirty="0"/>
+              <a:t> in a </a:t>
+            </a:r>
+            <a:r>
+              <a:rPr lang="de-DE" dirty="0" err="1"/>
+              <a:t>breakout</a:t>
+            </a:r>
+            <a:r>
+              <a:rPr lang="de-DE" dirty="0"/>
+              <a:t> </a:t>
+            </a:r>
+            <a:r>
+              <a:rPr lang="de-DE" dirty="0" err="1"/>
+              <a:t>session</a:t>
+            </a:r>
+            <a:r>
+              <a:rPr lang="de-DE" dirty="0"/>
+              <a:t> </a:t>
+            </a:r>
+            <a:r>
+              <a:rPr lang="de-DE" dirty="0" err="1"/>
+              <a:t>room</a:t>
+            </a:r>
+            <a:r>
+              <a:rPr lang="de-DE" dirty="0"/>
+              <a:t> </a:t>
+            </a:r>
+            <a:r>
+              <a:rPr lang="de-DE" dirty="0" err="1"/>
+              <a:t>afterwards</a:t>
+            </a:r>
+            <a:endParaRPr lang="de-DE" dirty="0"/>
+          </a:p>
+        </p:txBody>
+      </p:sp>
+      <p:sp>
+        <p:nvSpPr>
+          <p:cNvPr id="3" name="Titel 2"/>
+          <p:cNvSpPr>
+            <a:spLocks noGrp="1"/>
+          </p:cNvSpPr>
+          <p:nvPr>
+            <p:ph type="title"/>
+          </p:nvPr>
+        </p:nvSpPr>
+        <p:spPr/>
+        <p:txBody>
+          <a:bodyPr/>
+          <a:lstStyle/>
+          <a:p>
+            <a:r>
+              <a:rPr lang="de-DE" dirty="0"/>
+              <a:t>Next </a:t>
+            </a:r>
+            <a:r>
+              <a:rPr lang="de-DE" dirty="0" err="1"/>
+              <a:t>Steps</a:t>
+            </a:r>
+            <a:r>
+              <a:rPr lang="de-DE" dirty="0"/>
+              <a:t>...</a:t>
+            </a:r>
+          </a:p>
+        </p:txBody>
+      </p:sp>
+    </p:spTree>
+    <p:extLst>
+      <p:ext uri="{BB962C8B-B14F-4D97-AF65-F5344CB8AC3E}">
+        <p14:creationId xmlns:p14="http://schemas.microsoft.com/office/powerpoint/2010/main" val="3397310615"/>
       </p:ext>
     </p:extLst>
   </p:cSld>
@@ -5233,298 +6699,6 @@
       </p:grpSpPr>
       <p:sp>
         <p:nvSpPr>
-          <p:cNvPr id="2" name="Inhaltsplatzhalter 1"/>
-          <p:cNvSpPr>
-            <a:spLocks noGrp="1"/>
-          </p:cNvSpPr>
-          <p:nvPr>
-            <p:ph idx="1"/>
-          </p:nvPr>
-        </p:nvSpPr>
-        <p:spPr/>
-        <p:txBody>
-          <a:bodyPr/>
-          <a:lstStyle/>
-          <a:p>
-            <a:r>
-              <a:rPr lang="de-DE" dirty="0" err="1"/>
-              <a:t>Now</a:t>
-            </a:r>
-            <a:r>
-              <a:rPr lang="de-DE" dirty="0"/>
-              <a:t>: 15 min break</a:t>
-            </a:r>
-          </a:p>
-          <a:p>
-            <a:endParaRPr lang="de-DE" dirty="0"/>
-          </a:p>
-          <a:p>
-            <a:r>
-              <a:rPr lang="de-DE" dirty="0"/>
-              <a:t>Grab a </a:t>
-            </a:r>
-            <a:r>
-              <a:rPr lang="de-DE" dirty="0" err="1"/>
-              <a:t>coffee</a:t>
-            </a:r>
-            <a:endParaRPr lang="de-DE" dirty="0"/>
-          </a:p>
-          <a:p>
-            <a:r>
-              <a:rPr lang="de-DE" dirty="0" err="1"/>
-              <a:t>Stay</a:t>
-            </a:r>
-            <a:r>
-              <a:rPr lang="de-DE" dirty="0"/>
-              <a:t> </a:t>
-            </a:r>
-            <a:r>
-              <a:rPr lang="de-DE" dirty="0" err="1"/>
-              <a:t>here</a:t>
-            </a:r>
-            <a:r>
-              <a:rPr lang="de-DE" dirty="0"/>
-              <a:t> </a:t>
-            </a:r>
-            <a:r>
-              <a:rPr lang="de-DE" dirty="0" err="1"/>
-              <a:t>to</a:t>
-            </a:r>
-            <a:r>
-              <a:rPr lang="de-DE" dirty="0"/>
-              <a:t> </a:t>
-            </a:r>
-            <a:r>
-              <a:rPr lang="de-DE" dirty="0" err="1"/>
-              <a:t>enjoy</a:t>
-            </a:r>
-            <a:r>
-              <a:rPr lang="de-DE" dirty="0"/>
-              <a:t> </a:t>
-            </a:r>
-            <a:r>
-              <a:rPr lang="de-DE" dirty="0" err="1"/>
-              <a:t>next</a:t>
-            </a:r>
-            <a:r>
-              <a:rPr lang="de-DE" dirty="0"/>
-              <a:t> </a:t>
-            </a:r>
-            <a:r>
-              <a:rPr lang="de-DE" dirty="0" err="1"/>
-              <a:t>presentation</a:t>
-            </a:r>
-            <a:endParaRPr lang="de-DE" dirty="0"/>
-          </a:p>
-          <a:p>
-            <a:r>
-              <a:rPr lang="de-DE" dirty="0"/>
-              <a:t>Change </a:t>
-            </a:r>
-            <a:r>
-              <a:rPr lang="de-DE" dirty="0" err="1"/>
-              <a:t>track</a:t>
-            </a:r>
-            <a:r>
-              <a:rPr lang="de-DE" dirty="0"/>
-              <a:t> </a:t>
-            </a:r>
-            <a:r>
-              <a:rPr lang="de-DE" dirty="0" err="1"/>
-              <a:t>and</a:t>
-            </a:r>
-            <a:r>
-              <a:rPr lang="de-DE" dirty="0"/>
-              <a:t> </a:t>
-            </a:r>
-            <a:r>
-              <a:rPr lang="de-DE" dirty="0" err="1"/>
-              <a:t>switch</a:t>
-            </a:r>
-            <a:r>
-              <a:rPr lang="de-DE" dirty="0"/>
-              <a:t> </a:t>
-            </a:r>
-            <a:r>
-              <a:rPr lang="de-DE" dirty="0" err="1"/>
-              <a:t>to</a:t>
-            </a:r>
-            <a:r>
-              <a:rPr lang="de-DE" dirty="0"/>
-              <a:t> </a:t>
-            </a:r>
-            <a:r>
-              <a:rPr lang="de-DE" dirty="0" err="1"/>
-              <a:t>another</a:t>
-            </a:r>
-            <a:r>
-              <a:rPr lang="de-DE" dirty="0"/>
-              <a:t> </a:t>
-            </a:r>
-            <a:r>
-              <a:rPr lang="de-DE" dirty="0" err="1"/>
-              <a:t>room</a:t>
-            </a:r>
-            <a:endParaRPr lang="de-DE" dirty="0"/>
-          </a:p>
-          <a:p>
-            <a:endParaRPr lang="de-DE" dirty="0"/>
-          </a:p>
-          <a:p>
-            <a:r>
-              <a:rPr lang="de-DE" dirty="0" err="1"/>
-              <a:t>Ask</a:t>
-            </a:r>
-            <a:r>
-              <a:rPr lang="de-DE" dirty="0"/>
-              <a:t> </a:t>
-            </a:r>
-            <a:r>
-              <a:rPr lang="de-DE" dirty="0" err="1"/>
-              <a:t>me</a:t>
-            </a:r>
-            <a:r>
-              <a:rPr lang="de-DE" dirty="0"/>
-              <a:t> </a:t>
-            </a:r>
-            <a:r>
-              <a:rPr lang="de-DE" dirty="0" err="1"/>
-              <a:t>questions</a:t>
-            </a:r>
-            <a:r>
-              <a:rPr lang="de-DE" dirty="0"/>
-              <a:t> </a:t>
-            </a:r>
-            <a:r>
-              <a:rPr lang="de-DE" dirty="0" err="1"/>
-              <a:t>or</a:t>
-            </a:r>
-            <a:r>
-              <a:rPr lang="de-DE" dirty="0"/>
-              <a:t> </a:t>
-            </a:r>
-            <a:r>
-              <a:rPr lang="de-DE" dirty="0" err="1"/>
-              <a:t>meet</a:t>
-            </a:r>
-            <a:r>
-              <a:rPr lang="de-DE" dirty="0"/>
-              <a:t> </a:t>
-            </a:r>
-            <a:r>
-              <a:rPr lang="de-DE" dirty="0" err="1"/>
-              <a:t>me</a:t>
-            </a:r>
-            <a:r>
-              <a:rPr lang="de-DE" dirty="0"/>
-              <a:t> in a </a:t>
-            </a:r>
-            <a:r>
-              <a:rPr lang="de-DE" dirty="0" err="1"/>
-              <a:t>breakout</a:t>
-            </a:r>
-            <a:r>
-              <a:rPr lang="de-DE" dirty="0"/>
-              <a:t> </a:t>
-            </a:r>
-            <a:r>
-              <a:rPr lang="de-DE" dirty="0" err="1"/>
-              <a:t>session</a:t>
-            </a:r>
-            <a:r>
-              <a:rPr lang="de-DE" dirty="0"/>
-              <a:t> </a:t>
-            </a:r>
-            <a:r>
-              <a:rPr lang="de-DE" dirty="0" err="1"/>
-              <a:t>room</a:t>
-            </a:r>
-            <a:r>
-              <a:rPr lang="de-DE" dirty="0"/>
-              <a:t> </a:t>
-            </a:r>
-            <a:r>
-              <a:rPr lang="de-DE" dirty="0" err="1"/>
-              <a:t>afterwards</a:t>
-            </a:r>
-            <a:endParaRPr lang="de-DE" dirty="0"/>
-          </a:p>
-        </p:txBody>
-      </p:sp>
-      <p:sp>
-        <p:nvSpPr>
-          <p:cNvPr id="3" name="Titel 2"/>
-          <p:cNvSpPr>
-            <a:spLocks noGrp="1"/>
-          </p:cNvSpPr>
-          <p:nvPr>
-            <p:ph type="title"/>
-          </p:nvPr>
-        </p:nvSpPr>
-        <p:spPr/>
-        <p:txBody>
-          <a:bodyPr/>
-          <a:lstStyle/>
-          <a:p>
-            <a:r>
-              <a:rPr lang="de-DE" dirty="0"/>
-              <a:t>Next </a:t>
-            </a:r>
-            <a:r>
-              <a:rPr lang="de-DE" dirty="0" err="1"/>
-              <a:t>Steps</a:t>
-            </a:r>
-            <a:r>
-              <a:rPr lang="de-DE" dirty="0"/>
-              <a:t>...</a:t>
-            </a:r>
-          </a:p>
-        </p:txBody>
-      </p:sp>
-    </p:spTree>
-    <p:extLst>
-      <p:ext uri="{BB962C8B-B14F-4D97-AF65-F5344CB8AC3E}">
-        <p14:creationId xmlns:p14="http://schemas.microsoft.com/office/powerpoint/2010/main" val="3397310615"/>
-      </p:ext>
-    </p:extLst>
-  </p:cSld>
-  <p:clrMapOvr>
-    <a:masterClrMapping/>
-  </p:clrMapOvr>
-  <mc:AlternateContent xmlns:mc="http://schemas.openxmlformats.org/markup-compatibility/2006" xmlns:p14="http://schemas.microsoft.com/office/powerpoint/2010/main">
-    <mc:Choice Requires="p14">
-      <p:transition spd="med" p14:dur="700">
-        <p:fade/>
-      </p:transition>
-    </mc:Choice>
-    <mc:Fallback xmlns="">
-      <p:transition spd="med">
-        <p:fade/>
-      </p:transition>
-    </mc:Fallback>
-  </mc:AlternateContent>
-</p:sld>
-</file>
-
-<file path=ppt/slides/slide18.xml><?xml version="1.0" encoding="utf-8"?>
-<p:sld xmlns:a="http://schemas.openxmlformats.org/drawingml/2006/main" xmlns:r="http://schemas.openxmlformats.org/officeDocument/2006/relationships" xmlns:p="http://schemas.openxmlformats.org/presentationml/2006/main">
-  <p:cSld>
-    <p:spTree>
-      <p:nvGrpSpPr>
-        <p:cNvPr id="1" name=""/>
-        <p:cNvGrpSpPr/>
-        <p:nvPr/>
-      </p:nvGrpSpPr>
-      <p:grpSpPr>
-        <a:xfrm>
-          <a:off x="0" y="0"/>
-          <a:ext cx="0" cy="0"/>
-          <a:chOff x="0" y="0"/>
-          <a:chExt cx="0" cy="0"/>
-        </a:xfrm>
-      </p:grpSpPr>
-      <p:sp>
-        <p:nvSpPr>
           <p:cNvPr id="2" name="Titel 1"/>
           <p:cNvSpPr>
             <a:spLocks noGrp="1"/>
@@ -5593,7 +6767,7 @@
 </p:sld>
 </file>
 
-<file path=ppt/slides/slide19.xml><?xml version="1.0" encoding="utf-8"?>
+<file path=ppt/slides/slide18.xml><?xml version="1.0" encoding="utf-8"?>
 <p:sld xmlns:a="http://schemas.openxmlformats.org/drawingml/2006/main" xmlns:r="http://schemas.openxmlformats.org/officeDocument/2006/relationships" xmlns:p="http://schemas.openxmlformats.org/presentationml/2006/main">
   <p:cSld>
     <p:spTree>
@@ -5779,77 +6953,140 @@
           <a:lstStyle/>
           <a:p>
             <a:r>
-              <a:rPr lang="de-DE" dirty="0" err="1"/>
+              <a:rPr lang="de-DE" sz="2400" dirty="0" err="1"/>
               <a:t>Typed</a:t>
             </a:r>
             <a:r>
-              <a:rPr lang="de-DE" dirty="0"/>
-              <a:t> Output</a:t>
-            </a:r>
-          </a:p>
-          <a:p>
-            <a:r>
-              <a:rPr lang="de-DE" dirty="0" err="1"/>
+              <a:rPr lang="de-DE" sz="2400" dirty="0"/>
+              <a:t> Output </a:t>
+            </a:r>
+            <a:r>
+              <a:rPr lang="de-DE" sz="2400" dirty="0" err="1"/>
+              <a:t>and</a:t>
+            </a:r>
+            <a:r>
+              <a:rPr lang="de-DE" sz="2400" dirty="0"/>
+              <a:t> </a:t>
+            </a:r>
+            <a:r>
+              <a:rPr lang="de-DE" sz="2400" dirty="0" err="1"/>
+              <a:t>formatting</a:t>
+            </a:r>
+            <a:endParaRPr lang="de-DE" sz="2400" dirty="0"/>
+          </a:p>
+          <a:p>
+            <a:r>
+              <a:rPr lang="de-DE" sz="2400" dirty="0"/>
+              <a:t>Module </a:t>
+            </a:r>
+            <a:r>
+              <a:rPr lang="de-DE" sz="2400" dirty="0" err="1"/>
+              <a:t>metadata</a:t>
+            </a:r>
+            <a:endParaRPr lang="de-DE" sz="2400" dirty="0"/>
+          </a:p>
+          <a:p>
+            <a:r>
+              <a:rPr lang="de-DE" sz="2400" dirty="0"/>
+              <a:t>Tests</a:t>
+            </a:r>
+          </a:p>
+          <a:p>
+            <a:r>
+              <a:rPr lang="de-DE" sz="2400" dirty="0" err="1"/>
+              <a:t>Actionable</a:t>
+            </a:r>
+            <a:r>
+              <a:rPr lang="de-DE" sz="2400"/>
+              <a:t> Errors</a:t>
+            </a:r>
+            <a:endParaRPr lang="de-DE" sz="2400" dirty="0"/>
+          </a:p>
+          <a:p>
+            <a:r>
+              <a:rPr lang="de-DE" sz="2400" dirty="0"/>
+              <a:t>Path </a:t>
+            </a:r>
+            <a:r>
+              <a:rPr lang="de-DE" sz="2400" dirty="0" err="1"/>
+              <a:t>resolution</a:t>
+            </a:r>
+            <a:r>
+              <a:rPr lang="de-DE" sz="2400" dirty="0"/>
+              <a:t> </a:t>
+            </a:r>
+            <a:r>
+              <a:rPr lang="de-DE" sz="2400" dirty="0" err="1"/>
+              <a:t>and</a:t>
+            </a:r>
+            <a:r>
+              <a:rPr lang="de-DE" sz="2400" dirty="0"/>
+              <a:t> </a:t>
+            </a:r>
+            <a:r>
+              <a:rPr lang="de-DE" sz="2400" dirty="0" err="1"/>
+              <a:t>filtering</a:t>
+            </a:r>
+            <a:endParaRPr lang="de-DE" sz="2400" dirty="0"/>
+          </a:p>
+          <a:p>
+            <a:r>
+              <a:rPr lang="de-DE" sz="2400" dirty="0"/>
+              <a:t>Progress </a:t>
+            </a:r>
+            <a:r>
+              <a:rPr lang="de-DE" sz="2400" dirty="0" err="1"/>
+              <a:t>and</a:t>
+            </a:r>
+            <a:r>
+              <a:rPr lang="de-DE" sz="2400" dirty="0"/>
+              <a:t> </a:t>
+            </a:r>
+            <a:r>
+              <a:rPr lang="de-DE" sz="2400" dirty="0" err="1"/>
+              <a:t>completion</a:t>
+            </a:r>
+            <a:endParaRPr lang="de-DE" sz="2400" dirty="0"/>
+          </a:p>
+          <a:p>
+            <a:r>
+              <a:rPr lang="de-DE" sz="2400" dirty="0"/>
+              <a:t>-</a:t>
+            </a:r>
+            <a:r>
+              <a:rPr lang="de-DE" sz="2400" dirty="0" err="1"/>
+              <a:t>WhatIf</a:t>
+            </a:r>
+            <a:endParaRPr lang="de-DE" sz="2400" dirty="0"/>
+          </a:p>
+          <a:p>
+            <a:r>
+              <a:rPr lang="de-DE" sz="2400" dirty="0" err="1"/>
               <a:t>Consistent</a:t>
             </a:r>
             <a:r>
-              <a:rPr lang="de-DE" dirty="0"/>
+              <a:rPr lang="de-DE" sz="2400" dirty="0"/>
               <a:t> </a:t>
             </a:r>
             <a:r>
-              <a:rPr lang="de-DE" dirty="0" err="1"/>
+              <a:rPr lang="de-DE" sz="2400" dirty="0" err="1"/>
               <a:t>Naming</a:t>
             </a:r>
-            <a:endParaRPr lang="de-DE" dirty="0"/>
-          </a:p>
-          <a:p>
-            <a:r>
-              <a:rPr lang="de-DE" dirty="0"/>
+            <a:endParaRPr lang="de-DE" sz="2400" dirty="0"/>
+          </a:p>
+          <a:p>
+            <a:r>
+              <a:rPr lang="de-DE" sz="2400" dirty="0"/>
               <a:t>Help</a:t>
             </a:r>
           </a:p>
           <a:p>
-            <a:r>
-              <a:rPr lang="de-DE" dirty="0"/>
-              <a:t>Module </a:t>
-            </a:r>
-            <a:r>
-              <a:rPr lang="de-DE" dirty="0" err="1"/>
-              <a:t>metadata</a:t>
-            </a:r>
-            <a:endParaRPr lang="de-DE" dirty="0"/>
-          </a:p>
-          <a:p>
-            <a:r>
-              <a:rPr lang="de-DE" dirty="0"/>
-              <a:t>Tests</a:t>
-            </a:r>
-          </a:p>
-          <a:p>
-            <a:r>
-              <a:rPr lang="de-DE" dirty="0"/>
-              <a:t>Path </a:t>
-            </a:r>
-            <a:r>
-              <a:rPr lang="de-DE" dirty="0" err="1"/>
-              <a:t>resolution</a:t>
-            </a:r>
-            <a:r>
-              <a:rPr lang="de-DE" dirty="0"/>
-              <a:t> </a:t>
-            </a:r>
-            <a:r>
-              <a:rPr lang="de-DE" dirty="0" err="1"/>
-              <a:t>and</a:t>
-            </a:r>
-            <a:r>
-              <a:rPr lang="de-DE" dirty="0"/>
-              <a:t> </a:t>
-            </a:r>
-            <a:r>
-              <a:rPr lang="de-DE" dirty="0" err="1"/>
-              <a:t>filtering</a:t>
-            </a:r>
+            <a:endParaRPr lang="de-DE" sz="2400" dirty="0"/>
+          </a:p>
+          <a:p>
+            <a:pPr marL="0" indent="0">
+              <a:buNone/>
+            </a:pPr>
             <a:endParaRPr lang="de-DE" dirty="0"/>
           </a:p>
           <a:p>
@@ -9535,75 +10772,15 @@
           <a:p>
             <a:r>
               <a:rPr lang="en-US" dirty="0"/>
-              <a:t>Create actionable errors</a:t>
+              <a:t>Provide &lt;module&gt;.format.ps1xml files to make your output as readable as possible</a:t>
             </a:r>
           </a:p>
           <a:p>
             <a:pPr lvl="1"/>
             <a:r>
               <a:rPr lang="en-US" dirty="0"/>
-              <a:t>$</a:t>
-            </a:r>
-            <a:r>
-              <a:rPr lang="en-US" dirty="0" err="1"/>
-              <a:t>PSCmdlet.WriteError</a:t>
-            </a:r>
-            <a:r>
-              <a:rPr lang="en-US" dirty="0"/>
-              <a:t> when </a:t>
-            </a:r>
-          </a:p>
-          <a:p>
-            <a:pPr lvl="1"/>
-            <a:r>
-              <a:rPr lang="en-US" dirty="0"/>
-              <a:t>Throw </a:t>
-            </a:r>
-            <a:r>
-              <a:rPr lang="en-US" dirty="0" err="1"/>
-              <a:t>ErrorRecords</a:t>
-            </a:r>
-            <a:r>
-              <a:rPr lang="en-US" dirty="0"/>
-              <a:t> when terminating error</a:t>
-            </a:r>
-          </a:p>
-          <a:p>
-            <a:pPr lvl="1"/>
-            <a:r>
-              <a:rPr lang="en-US" dirty="0"/>
-              <a:t>Use </a:t>
-            </a:r>
-            <a:r>
-              <a:rPr lang="en-US" dirty="0" err="1"/>
-              <a:t>TargetObject</a:t>
-            </a:r>
-            <a:r>
-              <a:rPr lang="en-US" dirty="0"/>
-              <a:t> to add enough detail so the caller can take appropriate actions</a:t>
-            </a:r>
-          </a:p>
-          <a:p>
-            <a:r>
-              <a:rPr lang="en-US" dirty="0"/>
-              <a:t>Use a helper class to create the </a:t>
-            </a:r>
-            <a:r>
-              <a:rPr lang="en-US" dirty="0" err="1"/>
-              <a:t>ErrorRecords</a:t>
-            </a:r>
-            <a:endParaRPr lang="en-US" dirty="0"/>
-          </a:p>
-          <a:p>
-            <a:pPr lvl="1"/>
-            <a:r>
-              <a:rPr lang="en-US" dirty="0"/>
-              <a:t>Cleans up the calling code</a:t>
-            </a:r>
-          </a:p>
-          <a:p>
-            <a:pPr lvl="1"/>
-            <a:endParaRPr lang="en-US" dirty="0"/>
+              <a:t>It is possible to create more than one view</a:t>
+            </a:r>
           </a:p>
         </p:txBody>
       </p:sp>
@@ -9624,7 +10801,7 @@
           <a:p>
             <a:r>
               <a:rPr lang="en-US" dirty="0"/>
-              <a:t>Errors</a:t>
+              <a:t>Format your output</a:t>
             </a:r>
           </a:p>
         </p:txBody>
@@ -9632,7 +10809,7 @@
     </p:spTree>
     <p:extLst>
       <p:ext uri="{BB962C8B-B14F-4D97-AF65-F5344CB8AC3E}">
-        <p14:creationId xmlns:p14="http://schemas.microsoft.com/office/powerpoint/2010/main" val="2937178049"/>
+        <p14:creationId xmlns:p14="http://schemas.microsoft.com/office/powerpoint/2010/main" val="4096066469"/>
       </p:ext>
     </p:extLst>
   </p:cSld>
@@ -9688,15 +10865,75 @@
           <a:p>
             <a:r>
               <a:rPr lang="en-US" dirty="0"/>
-              <a:t>Provide &lt;module&gt;.format.ps1xml files to make your output as readable as possible</a:t>
+              <a:t>Create actionable errors</a:t>
             </a:r>
           </a:p>
           <a:p>
             <a:pPr lvl="1"/>
             <a:r>
               <a:rPr lang="en-US" dirty="0"/>
-              <a:t>It is possible to create more than one view</a:t>
-            </a:r>
+              <a:t>$</a:t>
+            </a:r>
+            <a:r>
+              <a:rPr lang="en-US" dirty="0" err="1"/>
+              <a:t>PSCmdlet.WriteError</a:t>
+            </a:r>
+            <a:r>
+              <a:rPr lang="en-US" dirty="0"/>
+              <a:t> when </a:t>
+            </a:r>
+          </a:p>
+          <a:p>
+            <a:pPr lvl="1"/>
+            <a:r>
+              <a:rPr lang="en-US" dirty="0"/>
+              <a:t>Throw </a:t>
+            </a:r>
+            <a:r>
+              <a:rPr lang="en-US" dirty="0" err="1"/>
+              <a:t>ErrorRecords</a:t>
+            </a:r>
+            <a:r>
+              <a:rPr lang="en-US" dirty="0"/>
+              <a:t> when terminating error</a:t>
+            </a:r>
+          </a:p>
+          <a:p>
+            <a:pPr lvl="1"/>
+            <a:r>
+              <a:rPr lang="en-US" dirty="0"/>
+              <a:t>Use </a:t>
+            </a:r>
+            <a:r>
+              <a:rPr lang="en-US" dirty="0" err="1"/>
+              <a:t>TargetObject</a:t>
+            </a:r>
+            <a:r>
+              <a:rPr lang="en-US" dirty="0"/>
+              <a:t> to add enough detail so the caller can take appropriate actions</a:t>
+            </a:r>
+          </a:p>
+          <a:p>
+            <a:r>
+              <a:rPr lang="en-US" dirty="0"/>
+              <a:t>Use a helper class to create the </a:t>
+            </a:r>
+            <a:r>
+              <a:rPr lang="en-US" dirty="0" err="1"/>
+              <a:t>ErrorRecords</a:t>
+            </a:r>
+            <a:endParaRPr lang="en-US" dirty="0"/>
+          </a:p>
+          <a:p>
+            <a:pPr lvl="1"/>
+            <a:r>
+              <a:rPr lang="en-US" dirty="0"/>
+              <a:t>Cleans up the calling code</a:t>
+            </a:r>
+          </a:p>
+          <a:p>
+            <a:pPr lvl="1"/>
+            <a:endParaRPr lang="en-US" dirty="0"/>
           </a:p>
         </p:txBody>
       </p:sp>
@@ -9717,7 +10954,7 @@
           <a:p>
             <a:r>
               <a:rPr lang="en-US" dirty="0"/>
-              <a:t>Format your output</a:t>
+              <a:t>Errors</a:t>
             </a:r>
           </a:p>
         </p:txBody>
@@ -9725,7 +10962,7 @@
     </p:spTree>
     <p:extLst>
       <p:ext uri="{BB962C8B-B14F-4D97-AF65-F5344CB8AC3E}">
-        <p14:creationId xmlns:p14="http://schemas.microsoft.com/office/powerpoint/2010/main" val="4096066469"/>
+        <p14:creationId xmlns:p14="http://schemas.microsoft.com/office/powerpoint/2010/main" val="2937178049"/>
       </p:ext>
     </p:extLst>
   </p:cSld>
@@ -9750,31 +10987,6 @@
 <file path=ppt/slides/slide8.xml><?xml version="1.0" encoding="utf-8"?>
 <p:sld xmlns:a="http://schemas.openxmlformats.org/drawingml/2006/main" xmlns:r="http://schemas.openxmlformats.org/officeDocument/2006/relationships" xmlns:p="http://schemas.openxmlformats.org/presentationml/2006/main">
   <p:cSld>
-    <p:bg>
-      <p:bgPr>
-        <a:gradFill flip="none" rotWithShape="1">
-          <a:gsLst>
-            <a:gs pos="0">
-              <a:schemeClr val="accent4">
-                <a:lumMod val="0"/>
-                <a:lumOff val="100000"/>
-              </a:schemeClr>
-            </a:gs>
-            <a:gs pos="37000">
-              <a:srgbClr val="23238D"/>
-            </a:gs>
-            <a:gs pos="100000">
-              <a:srgbClr val="011F51"/>
-            </a:gs>
-          </a:gsLst>
-          <a:path path="circle">
-            <a:fillToRect l="50000" t="-80000" r="50000" b="180000"/>
-          </a:path>
-          <a:tileRect/>
-        </a:gradFill>
-        <a:effectLst/>
-      </p:bgPr>
-    </p:bg>
     <p:spTree>
       <p:nvGrpSpPr>
         <p:cNvPr id="1" name=""/>
@@ -9791,7 +11003,7 @@
       </p:grpSpPr>
       <p:sp>
         <p:nvSpPr>
-          <p:cNvPr id="9219" name="Inhaltsplatzhalter 2"/>
+          <p:cNvPr id="2" name="Platshållare för innehåll 1"/>
           <p:cNvSpPr>
             <a:spLocks noGrp="1"/>
           </p:cNvSpPr>
@@ -9805,91 +11017,62 @@
           <a:lstStyle/>
           <a:p>
             <a:r>
-              <a:rPr lang="de-DE" dirty="0" err="1"/>
-              <a:t>Cmdlet</a:t>
-            </a:r>
-            <a:r>
-              <a:rPr lang="de-DE" dirty="0"/>
-              <a:t> </a:t>
-            </a:r>
-            <a:r>
-              <a:rPr lang="de-DE" dirty="0" err="1"/>
-              <a:t>names</a:t>
-            </a:r>
-            <a:endParaRPr lang="de-DE" dirty="0"/>
+              <a:rPr lang="en-US" dirty="0"/>
+              <a:t>Version your module </a:t>
+            </a:r>
+            <a:r>
+              <a:rPr lang="en-US" dirty="0" err="1"/>
+              <a:t>sematically</a:t>
+            </a:r>
+            <a:endParaRPr lang="en-US" dirty="0"/>
           </a:p>
           <a:p>
             <a:pPr lvl="1"/>
             <a:r>
-              <a:rPr lang="de-DE" dirty="0">
-                <a:latin typeface="Consolas" panose="020B0609020204030204" pitchFamily="49" charset="0"/>
-                <a:hlinkClick r:id="rId3"/>
-              </a:rPr>
-              <a:t>https://msdn.microsoft.com/en-us/library/ms714428(v=vs.85).aspx</a:t>
-            </a:r>
-          </a:p>
-          <a:p>
-            <a:r>
-              <a:rPr lang="de-DE" dirty="0">
-                <a:latin typeface="Consolas" panose="020B0609020204030204" pitchFamily="49" charset="0"/>
-              </a:rPr>
-              <a:t>Parameter </a:t>
-            </a:r>
-            <a:r>
-              <a:rPr lang="de-DE" dirty="0" err="1">
-                <a:latin typeface="Consolas" panose="020B0609020204030204" pitchFamily="49" charset="0"/>
-              </a:rPr>
-              <a:t>names</a:t>
-            </a:r>
-            <a:endParaRPr lang="de-DE" dirty="0">
-              <a:latin typeface="Consolas" panose="020B0609020204030204" pitchFamily="49" charset="0"/>
-            </a:endParaRPr>
+              <a:rPr lang="en-US" dirty="0"/>
+              <a:t>Major = breaking changes</a:t>
+            </a:r>
           </a:p>
           <a:p>
             <a:pPr lvl="1"/>
             <a:r>
-              <a:rPr lang="de-DE" dirty="0">
-                <a:latin typeface="Consolas" panose="020B0609020204030204" pitchFamily="49" charset="0"/>
-                <a:hlinkClick r:id="rId3"/>
-              </a:rPr>
-              <a:t>https://msdn.microsoft.com/en-us/library/dd878352(v=vs.85).aspx</a:t>
-            </a:r>
-            <a:endParaRPr lang="de-DE" dirty="0">
-              <a:latin typeface="Consolas" panose="020B0609020204030204" pitchFamily="49" charset="0"/>
-            </a:endParaRPr>
+              <a:rPr lang="en-US" dirty="0"/>
+              <a:t>Minor = new functionality but compatible</a:t>
+            </a:r>
           </a:p>
           <a:p>
             <a:pPr lvl="1"/>
             <a:r>
-              <a:rPr lang="de-DE" dirty="0">
-                <a:latin typeface="Consolas" panose="020B0609020204030204" pitchFamily="49" charset="0"/>
-              </a:rPr>
-              <a:t>See </a:t>
-            </a:r>
-            <a:r>
-              <a:rPr lang="de-DE" dirty="0" err="1">
-                <a:latin typeface="Consolas" panose="020B0609020204030204" pitchFamily="49" charset="0"/>
-              </a:rPr>
-              <a:t>Get-ModuleParameter</a:t>
-            </a:r>
-            <a:r>
-              <a:rPr lang="de-DE" dirty="0">
-                <a:latin typeface="Consolas" panose="020B0609020204030204" pitchFamily="49" charset="0"/>
-              </a:rPr>
-              <a:t> </a:t>
+              <a:rPr lang="en-US" dirty="0"/>
+              <a:t>Build = bugfixes</a:t>
+            </a:r>
+          </a:p>
+          <a:p>
+            <a:r>
+              <a:rPr lang="en-US" dirty="0"/>
+              <a:t>Specify exported functions </a:t>
+            </a:r>
+            <a:r>
+              <a:rPr lang="en-US" dirty="0" err="1"/>
+              <a:t>etc</a:t>
+            </a:r>
+            <a:r>
+              <a:rPr lang="en-US" dirty="0"/>
+              <a:t> explicitly</a:t>
             </a:r>
           </a:p>
           <a:p>
             <a:pPr lvl="1"/>
-            <a:endParaRPr lang="de-DE" dirty="0">
-              <a:latin typeface="Consolas" panose="020B0609020204030204" pitchFamily="49" charset="0"/>
-            </a:endParaRPr>
+            <a:r>
+              <a:rPr lang="en-US" dirty="0"/>
+              <a:t>PowerShell doesn’t have to load your module to see if the command the user typed is in your module</a:t>
+            </a:r>
           </a:p>
         </p:txBody>
       </p:sp>
       <p:sp>
         <p:nvSpPr>
-          <p:cNvPr id="9218" name="Titel 1"/>
+          <p:cNvPr id="3" name="Rubrik 2"/>
           <p:cNvSpPr>
             <a:spLocks noGrp="1"/>
           </p:cNvSpPr>
@@ -9897,53 +11080,36 @@
             <p:ph type="title"/>
           </p:nvPr>
         </p:nvSpPr>
-        <p:spPr>
-          <a:xfrm>
-            <a:off x="-891" y="980728"/>
-            <a:ext cx="9144000" cy="792088"/>
-          </a:xfrm>
-          <a:prstGeom prst="rect">
-            <a:avLst/>
-          </a:prstGeom>
-        </p:spPr>
+        <p:spPr/>
         <p:txBody>
           <a:bodyPr/>
           <a:lstStyle/>
           <a:p>
             <a:r>
-              <a:rPr lang="de-DE" dirty="0" err="1"/>
-              <a:t>Consistent</a:t>
-            </a:r>
-            <a:r>
-              <a:rPr lang="de-DE" dirty="0"/>
-              <a:t> </a:t>
-            </a:r>
-            <a:r>
-              <a:rPr lang="de-DE" dirty="0" err="1"/>
-              <a:t>naming</a:t>
-            </a:r>
-            <a:endParaRPr lang="de-DE" dirty="0"/>
+              <a:rPr lang="en-US" dirty="0"/>
+              <a:t>Module Metadata</a:t>
+            </a:r>
           </a:p>
         </p:txBody>
       </p:sp>
     </p:spTree>
     <p:extLst>
       <p:ext uri="{BB962C8B-B14F-4D97-AF65-F5344CB8AC3E}">
-        <p14:creationId xmlns:p14="http://schemas.microsoft.com/office/powerpoint/2010/main" val="1346483166"/>
+        <p14:creationId xmlns:p14="http://schemas.microsoft.com/office/powerpoint/2010/main" val="2094589450"/>
       </p:ext>
     </p:extLst>
   </p:cSld>
   <p:clrMapOvr>
-    <a:overrideClrMapping bg1="lt1" tx1="dk1" bg2="lt2" tx2="dk2" accent1="accent1" accent2="accent2" accent3="accent3" accent4="accent4" accent5="accent5" accent6="accent6" hlink="hlink" folHlink="folHlink"/>
+    <a:masterClrMapping/>
   </p:clrMapOvr>
   <mc:AlternateContent xmlns:mc="http://schemas.openxmlformats.org/markup-compatibility/2006" xmlns:p14="http://schemas.microsoft.com/office/powerpoint/2010/main">
     <mc:Choice Requires="p14">
-      <p:transition spd="med" p14:dur="700">
-        <p:fade/>
+      <p:transition spd="slow" p14:dur="1300">
+        <p14:pan dir="u"/>
       </p:transition>
     </mc:Choice>
     <mc:Fallback xmlns="">
-      <p:transition spd="med">
+      <p:transition spd="slow">
         <p:fade/>
       </p:transition>
     </mc:Fallback>
@@ -9970,7 +11136,7 @@
       </p:grpSpPr>
       <p:sp>
         <p:nvSpPr>
-          <p:cNvPr id="9219" name="Inhaltsplatzhalter 2"/>
+          <p:cNvPr id="2" name="Platshållare för innehåll 1"/>
           <p:cNvSpPr>
             <a:spLocks noGrp="1"/>
           </p:cNvSpPr>
@@ -9978,201 +11144,35 @@
             <p:ph idx="1"/>
           </p:nvPr>
         </p:nvSpPr>
-        <p:spPr>
-          <a:xfrm>
-            <a:off x="251520" y="1988840"/>
-            <a:ext cx="8640960" cy="4392488"/>
-          </a:xfrm>
-        </p:spPr>
+        <p:spPr/>
         <p:txBody>
           <a:bodyPr/>
           <a:lstStyle/>
           <a:p>
             <a:r>
-              <a:rPr lang="de-DE" dirty="0" err="1">
-                <a:latin typeface="Consolas" panose="020B0609020204030204" pitchFamily="49" charset="0"/>
-              </a:rPr>
-              <a:t>Consider</a:t>
-            </a:r>
-            <a:r>
-              <a:rPr lang="de-DE" dirty="0">
-                <a:latin typeface="Consolas" panose="020B0609020204030204" pitchFamily="49" charset="0"/>
-              </a:rPr>
-              <a:t> </a:t>
-            </a:r>
-            <a:r>
-              <a:rPr lang="de-DE" dirty="0" err="1">
-                <a:latin typeface="Consolas" panose="020B0609020204030204" pitchFamily="49" charset="0"/>
-              </a:rPr>
-              <a:t>PlatyPS</a:t>
-            </a:r>
-            <a:endParaRPr lang="de-DE" dirty="0">
-              <a:latin typeface="Consolas" panose="020B0609020204030204" pitchFamily="49" charset="0"/>
-            </a:endParaRPr>
-          </a:p>
-          <a:p>
-            <a:pPr lvl="1"/>
-            <a:r>
-              <a:rPr lang="de-DE" dirty="0">
-                <a:latin typeface="Consolas" panose="020B0609020204030204" pitchFamily="49" charset="0"/>
-                <a:hlinkClick r:id="rId2"/>
-              </a:rPr>
-              <a:t>https://github.com/PowerShell/platyPS</a:t>
-            </a:r>
-            <a:r>
-              <a:rPr lang="de-DE" dirty="0">
-                <a:latin typeface="Consolas" panose="020B0609020204030204" pitchFamily="49" charset="0"/>
-              </a:rPr>
-              <a:t>	</a:t>
-            </a:r>
-          </a:p>
-          <a:p>
-            <a:pPr lvl="1"/>
-            <a:r>
-              <a:rPr lang="de-DE" dirty="0">
-                <a:latin typeface="Consolas" panose="020B0609020204030204" pitchFamily="49" charset="0"/>
-              </a:rPr>
-              <a:t>Write </a:t>
-            </a:r>
-            <a:r>
-              <a:rPr lang="de-DE" dirty="0" err="1">
-                <a:latin typeface="Consolas" panose="020B0609020204030204" pitchFamily="49" charset="0"/>
-              </a:rPr>
-              <a:t>markdown</a:t>
-            </a:r>
-            <a:r>
-              <a:rPr lang="de-DE" dirty="0">
-                <a:latin typeface="Consolas" panose="020B0609020204030204" pitchFamily="49" charset="0"/>
-              </a:rPr>
-              <a:t> </a:t>
-            </a:r>
-            <a:r>
-              <a:rPr lang="de-DE" dirty="0" err="1">
-                <a:latin typeface="Consolas" panose="020B0609020204030204" pitchFamily="49" charset="0"/>
-              </a:rPr>
-              <a:t>instead</a:t>
-            </a:r>
-            <a:endParaRPr lang="de-DE" dirty="0">
-              <a:latin typeface="Consolas" panose="020B0609020204030204" pitchFamily="49" charset="0"/>
-            </a:endParaRPr>
-          </a:p>
-          <a:p>
-            <a:r>
-              <a:rPr lang="de-DE" dirty="0" err="1"/>
-              <a:t>Examples</a:t>
-            </a:r>
-            <a:r>
-              <a:rPr lang="de-DE" dirty="0"/>
-              <a:t>!!</a:t>
-            </a:r>
-          </a:p>
-          <a:p>
-            <a:pPr lvl="1"/>
-            <a:r>
-              <a:rPr lang="de-DE" dirty="0">
-                <a:latin typeface="Consolas" panose="020B0609020204030204" pitchFamily="49" charset="0"/>
-              </a:rPr>
-              <a:t>This </a:t>
-            </a:r>
-            <a:r>
-              <a:rPr lang="de-DE" dirty="0" err="1">
-                <a:latin typeface="Consolas" panose="020B0609020204030204" pitchFamily="49" charset="0"/>
-              </a:rPr>
-              <a:t>is</a:t>
-            </a:r>
-            <a:r>
-              <a:rPr lang="de-DE" dirty="0">
-                <a:latin typeface="Consolas" panose="020B0609020204030204" pitchFamily="49" charset="0"/>
-              </a:rPr>
-              <a:t> </a:t>
-            </a:r>
-            <a:r>
-              <a:rPr lang="de-DE" dirty="0" err="1">
-                <a:latin typeface="Consolas" panose="020B0609020204030204" pitchFamily="49" charset="0"/>
-              </a:rPr>
-              <a:t>where</a:t>
-            </a:r>
-            <a:r>
-              <a:rPr lang="de-DE" dirty="0">
-                <a:latin typeface="Consolas" panose="020B0609020204030204" pitchFamily="49" charset="0"/>
-              </a:rPr>
-              <a:t> </a:t>
-            </a:r>
-            <a:r>
-              <a:rPr lang="de-DE" dirty="0" err="1">
-                <a:latin typeface="Consolas" panose="020B0609020204030204" pitchFamily="49" charset="0"/>
-              </a:rPr>
-              <a:t>you</a:t>
-            </a:r>
-            <a:r>
-              <a:rPr lang="de-DE" dirty="0">
-                <a:latin typeface="Consolas" panose="020B0609020204030204" pitchFamily="49" charset="0"/>
-              </a:rPr>
-              <a:t> </a:t>
-            </a:r>
-            <a:r>
-              <a:rPr lang="de-DE" dirty="0" err="1">
-                <a:latin typeface="Consolas" panose="020B0609020204030204" pitchFamily="49" charset="0"/>
-              </a:rPr>
-              <a:t>can</a:t>
-            </a:r>
-            <a:r>
-              <a:rPr lang="de-DE" dirty="0">
-                <a:latin typeface="Consolas" panose="020B0609020204030204" pitchFamily="49" charset="0"/>
-              </a:rPr>
-              <a:t> </a:t>
-            </a:r>
-            <a:r>
-              <a:rPr lang="de-DE" dirty="0" err="1">
-                <a:latin typeface="Consolas" panose="020B0609020204030204" pitchFamily="49" charset="0"/>
-              </a:rPr>
-              <a:t>show</a:t>
-            </a:r>
-            <a:r>
-              <a:rPr lang="de-DE" dirty="0">
-                <a:latin typeface="Consolas" panose="020B0609020204030204" pitchFamily="49" charset="0"/>
-              </a:rPr>
-              <a:t> </a:t>
-            </a:r>
-            <a:r>
-              <a:rPr lang="de-DE" dirty="0" err="1">
-                <a:latin typeface="Consolas" panose="020B0609020204030204" pitchFamily="49" charset="0"/>
-              </a:rPr>
-              <a:t>how</a:t>
-            </a:r>
-            <a:r>
-              <a:rPr lang="de-DE" dirty="0">
-                <a:latin typeface="Consolas" panose="020B0609020204030204" pitchFamily="49" charset="0"/>
-              </a:rPr>
-              <a:t> different </a:t>
-            </a:r>
-            <a:r>
-              <a:rPr lang="de-DE" dirty="0" err="1">
-                <a:latin typeface="Consolas" panose="020B0609020204030204" pitchFamily="49" charset="0"/>
-              </a:rPr>
-              <a:t>commands</a:t>
-            </a:r>
-            <a:r>
-              <a:rPr lang="de-DE" dirty="0">
-                <a:latin typeface="Consolas" panose="020B0609020204030204" pitchFamily="49" charset="0"/>
-              </a:rPr>
-              <a:t> fit </a:t>
-            </a:r>
-            <a:r>
-              <a:rPr lang="de-DE" dirty="0" err="1">
-                <a:latin typeface="Consolas" panose="020B0609020204030204" pitchFamily="49" charset="0"/>
-              </a:rPr>
-              <a:t>together</a:t>
-            </a:r>
-            <a:endParaRPr lang="de-DE" dirty="0">
-              <a:latin typeface="Consolas" panose="020B0609020204030204" pitchFamily="49" charset="0"/>
-            </a:endParaRPr>
+              <a:rPr lang="en-US" dirty="0"/>
+              <a:t>Pester has become the </a:t>
+            </a:r>
+            <a:r>
+              <a:rPr lang="en-US" dirty="0" err="1"/>
+              <a:t>defacto</a:t>
+            </a:r>
+            <a:r>
+              <a:rPr lang="en-US" dirty="0"/>
+              <a:t> standard for PowerShell test</a:t>
+            </a:r>
+          </a:p>
+          <a:p>
+            <a:r>
+              <a:rPr lang="en-US" dirty="0"/>
+              <a:t>Use it</a:t>
+            </a:r>
           </a:p>
         </p:txBody>
       </p:sp>
       <p:sp>
         <p:nvSpPr>
-          <p:cNvPr id="9218" name="Titel 1"/>
+          <p:cNvPr id="3" name="Rubrik 2"/>
           <p:cNvSpPr>
             <a:spLocks noGrp="1"/>
           </p:cNvSpPr>
@@ -10180,22 +11180,14 @@
             <p:ph type="title"/>
           </p:nvPr>
         </p:nvSpPr>
-        <p:spPr>
-          <a:xfrm>
-            <a:off x="-891" y="980728"/>
-            <a:ext cx="9144000" cy="792088"/>
-          </a:xfrm>
-          <a:prstGeom prst="rect">
-            <a:avLst/>
-          </a:prstGeom>
-        </p:spPr>
+        <p:spPr/>
         <p:txBody>
           <a:bodyPr/>
           <a:lstStyle/>
           <a:p>
             <a:r>
-              <a:rPr lang="de-DE" dirty="0"/>
-              <a:t>Help</a:t>
+              <a:rPr lang="en-US" dirty="0"/>
+              <a:t>Tests</a:t>
             </a:r>
           </a:p>
         </p:txBody>
@@ -10203,7 +11195,7 @@
     </p:spTree>
     <p:extLst>
       <p:ext uri="{BB962C8B-B14F-4D97-AF65-F5344CB8AC3E}">
-        <p14:creationId xmlns:p14="http://schemas.microsoft.com/office/powerpoint/2010/main" val="563519979"/>
+        <p14:creationId xmlns:p14="http://schemas.microsoft.com/office/powerpoint/2010/main" val="3556032739"/>
       </p:ext>
     </p:extLst>
   </p:cSld>
@@ -10212,12 +11204,12 @@
   </p:clrMapOvr>
   <mc:AlternateContent xmlns:mc="http://schemas.openxmlformats.org/markup-compatibility/2006" xmlns:p14="http://schemas.microsoft.com/office/powerpoint/2010/main">
     <mc:Choice Requires="p14">
-      <p:transition spd="med" p14:dur="700">
-        <p:fade/>
+      <p:transition spd="slow" p14:dur="1300">
+        <p14:pan dir="u"/>
       </p:transition>
     </mc:Choice>
     <mc:Fallback xmlns="">
-      <p:transition spd="med">
+      <p:transition spd="slow">
         <p:fade/>
       </p:transition>
     </mc:Fallback>

--- a/PSCONFEU_Modules2017.pptx
+++ b/PSCONFEU_Modules2017.pptx
@@ -6801,42 +6801,163 @@
           <a:p>
             <a:r>
               <a:rPr lang="de-DE" dirty="0"/>
-              <a:t>Staffan Gustafsson</a:t>
-            </a:r>
-          </a:p>
-          <a:p>
+              <a:t>Software Engineer </a:t>
+            </a:r>
+            <a:r>
+              <a:rPr lang="de-DE" dirty="0" err="1"/>
+              <a:t>with</a:t>
+            </a:r>
             <a:r>
               <a:rPr lang="de-DE" dirty="0"/>
-              <a:t>Software Engineer</a:t>
-            </a:r>
-            <a:endParaRPr lang="sv-SE" dirty="0"/>
-          </a:p>
-          <a:p>
-            <a:r>
-              <a:rPr lang="sv-SE" dirty="0"/>
-              <a:t>@</a:t>
-            </a:r>
-            <a:r>
-              <a:rPr lang="sv-SE" dirty="0" err="1"/>
-              <a:t>StaffanGSon</a:t>
-            </a:r>
+              <a:t> a </a:t>
+            </a:r>
+            <a:r>
+              <a:rPr lang="de-DE" dirty="0" err="1"/>
+              <a:t>passion</a:t>
+            </a:r>
+            <a:r>
+              <a:rPr lang="de-DE" dirty="0"/>
+              <a:t> </a:t>
+            </a:r>
+            <a:r>
+              <a:rPr lang="de-DE" dirty="0" err="1"/>
+              <a:t>for</a:t>
+            </a:r>
+            <a:r>
+              <a:rPr lang="de-DE" dirty="0"/>
+              <a:t> PowerShell</a:t>
+            </a:r>
+          </a:p>
+          <a:p>
             <a:endParaRPr lang="de-DE" dirty="0"/>
           </a:p>
           <a:p>
-            <a:pPr marL="457200" lvl="1" indent="0">
+            <a:r>
+              <a:rPr lang="de-DE" dirty="0"/>
+              <a:t>At DICE </a:t>
+            </a:r>
+            <a:r>
+              <a:rPr lang="de-DE" dirty="0" err="1"/>
+              <a:t>making</a:t>
+            </a:r>
+            <a:r>
+              <a:rPr lang="de-DE" dirty="0"/>
+              <a:t> </a:t>
+            </a:r>
+            <a:r>
+              <a:rPr lang="de-DE" dirty="0" err="1"/>
+              <a:t>computer</a:t>
+            </a:r>
+            <a:r>
+              <a:rPr lang="de-DE" dirty="0"/>
+              <a:t> </a:t>
+            </a:r>
+            <a:r>
+              <a:rPr lang="de-DE" dirty="0" err="1"/>
+              <a:t>games</a:t>
+            </a:r>
+            <a:r>
+              <a:rPr lang="de-DE" dirty="0"/>
+              <a:t>. </a:t>
+            </a:r>
+            <a:r>
+              <a:rPr lang="de-DE" dirty="0" err="1"/>
+              <a:t>Coding</a:t>
+            </a:r>
+            <a:r>
+              <a:rPr lang="de-DE" dirty="0"/>
+              <a:t> </a:t>
+            </a:r>
+            <a:r>
+              <a:rPr lang="de-DE" dirty="0" err="1"/>
+              <a:t>mostly</a:t>
+            </a:r>
+            <a:r>
+              <a:rPr lang="de-DE" dirty="0"/>
+              <a:t> C++, but </a:t>
+            </a:r>
+            <a:r>
+              <a:rPr lang="de-DE" dirty="0" err="1"/>
+              <a:t>automating</a:t>
+            </a:r>
+            <a:r>
+              <a:rPr lang="de-DE" dirty="0"/>
+              <a:t> </a:t>
+            </a:r>
+            <a:r>
+              <a:rPr lang="de-DE" dirty="0" err="1"/>
+              <a:t>processes</a:t>
+            </a:r>
+            <a:r>
+              <a:rPr lang="de-DE" dirty="0"/>
+              <a:t> </a:t>
+            </a:r>
+            <a:r>
+              <a:rPr lang="de-DE" dirty="0" err="1"/>
+              <a:t>with</a:t>
+            </a:r>
+            <a:r>
+              <a:rPr lang="de-DE" dirty="0"/>
+              <a:t> PowerShell</a:t>
+            </a:r>
+          </a:p>
+          <a:p>
+            <a:endParaRPr lang="de-DE" dirty="0"/>
+          </a:p>
+          <a:p>
+            <a:r>
+              <a:rPr lang="de-DE" dirty="0" err="1"/>
+              <a:t>Evenings</a:t>
+            </a:r>
+            <a:r>
+              <a:rPr lang="de-DE" dirty="0"/>
+              <a:t> </a:t>
+            </a:r>
+            <a:r>
+              <a:rPr lang="de-DE" dirty="0" err="1"/>
+              <a:t>spent</a:t>
+            </a:r>
+            <a:r>
+              <a:rPr lang="de-DE" dirty="0"/>
+              <a:t> </a:t>
+            </a:r>
+            <a:r>
+              <a:rPr lang="de-DE" dirty="0" err="1"/>
+              <a:t>contributing</a:t>
+            </a:r>
+            <a:r>
+              <a:rPr lang="de-DE" dirty="0"/>
+              <a:t> </a:t>
+            </a:r>
+            <a:r>
+              <a:rPr lang="de-DE" dirty="0" err="1"/>
+              <a:t>to</a:t>
+            </a:r>
+            <a:r>
+              <a:rPr lang="de-DE" dirty="0"/>
+              <a:t> PowerShell</a:t>
+            </a:r>
+          </a:p>
+          <a:p>
+            <a:pPr marL="57150" indent="0">
               <a:buNone/>
             </a:pPr>
             <a:r>
+              <a:rPr lang="de-DE" dirty="0">
+                <a:hlinkClick r:id="rId2"/>
+              </a:rPr>
+              <a:t>https://github.com/powercode</a:t>
+            </a:r>
+            <a:br>
               <a:rPr lang="de-DE" dirty="0"/>
-              <a:t>https</a:t>
-            </a:r>
-            <a:r>
-              <a:rPr lang="en-US" dirty="0"/>
-              <a:t>://github.com/</a:t>
-            </a:r>
-            <a:r>
-              <a:rPr lang="en-US" dirty="0" err="1"/>
-              <a:t>PowerCode</a:t>
+            </a:br>
+            <a:r>
+              <a:rPr lang="de-DE" dirty="0"/>
+              <a:t>@</a:t>
+            </a:r>
+            <a:r>
+              <a:rPr lang="de-DE" dirty="0" err="1"/>
+              <a:t>StaffanGSon</a:t>
             </a:r>
             <a:endParaRPr lang="de-DE" dirty="0"/>
           </a:p>

--- a/PSCONFEU_Modules2017.pptx
+++ b/PSCONFEU_Modules2017.pptx
@@ -378,6 +378,10 @@
     </p:ext>
   </p:extLst>
 </p:presentation>
+</file>
+
+<file path=ppt/revisionInfo.xml><?xml version="1.0" encoding="utf-8"?>
+<p1510:revInfo xmlns:a="http://schemas.openxmlformats.org/drawingml/2006/main" xmlns:r="http://schemas.openxmlformats.org/officeDocument/2006/relationships" xmlns:p1510="http://schemas.microsoft.com/office/powerpoint/2015/10/main"/>
 </file>
 
 <file path=ppt/handoutMasters/handoutMaster1.xml><?xml version="1.0" encoding="utf-8"?>
@@ -11001,7 +11005,7 @@
             </a:r>
             <a:r>
               <a:rPr lang="en-US" dirty="0"/>
-              <a:t> when </a:t>
+              <a:t> when non-terminating</a:t>
             </a:r>
           </a:p>
           <a:p>
@@ -11018,6 +11022,18 @@
               <a:rPr lang="en-US" dirty="0"/>
               <a:t> when terminating error</a:t>
             </a:r>
+          </a:p>
+          <a:p>
+            <a:pPr lvl="1"/>
+            <a:r>
+              <a:rPr lang="en-US" dirty="0"/>
+              <a:t>Unique </a:t>
+            </a:r>
+            <a:r>
+              <a:rPr lang="en-US" dirty="0" err="1"/>
+              <a:t>errorid</a:t>
+            </a:r>
+            <a:endParaRPr lang="en-US" dirty="0"/>
           </a:p>
           <a:p>
             <a:pPr lvl="1"/>
@@ -11288,6 +11304,22 @@
               <a:rPr lang="en-US" dirty="0"/>
               <a:t>Use it</a:t>
             </a:r>
+          </a:p>
+          <a:p>
+            <a:r>
+              <a:rPr lang="en-US" dirty="0"/>
+              <a:t>You may want to provide a layer of indirection in your module to fake/mock external binaries or </a:t>
+            </a:r>
+            <a:r>
+              <a:rPr lang="en-US"/>
+              <a:t>other dependencies</a:t>
+            </a:r>
+          </a:p>
+          <a:p>
+            <a:pPr marL="0" indent="0">
+              <a:buNone/>
+            </a:pPr>
+            <a:endParaRPr lang="en-US" dirty="0"/>
           </a:p>
         </p:txBody>
       </p:sp>
